--- a/Танго дерево презентация.pptx
+++ b/Танго дерево презентация.pptx
@@ -7,20 +7,23 @@
   <p:sldIdLst>
     <p:sldId id="256" r:id="rId2"/>
     <p:sldId id="257" r:id="rId3"/>
-    <p:sldId id="258" r:id="rId4"/>
-    <p:sldId id="259" r:id="rId5"/>
-    <p:sldId id="260" r:id="rId6"/>
-    <p:sldId id="263" r:id="rId7"/>
-    <p:sldId id="264" r:id="rId8"/>
-    <p:sldId id="265" r:id="rId9"/>
-    <p:sldId id="267" r:id="rId10"/>
-    <p:sldId id="268" r:id="rId11"/>
-    <p:sldId id="269" r:id="rId12"/>
-    <p:sldId id="270" r:id="rId13"/>
-    <p:sldId id="271" r:id="rId14"/>
-    <p:sldId id="272" r:id="rId15"/>
-    <p:sldId id="273" r:id="rId16"/>
-    <p:sldId id="274" r:id="rId17"/>
+    <p:sldId id="279" r:id="rId4"/>
+    <p:sldId id="258" r:id="rId5"/>
+    <p:sldId id="259" r:id="rId6"/>
+    <p:sldId id="260" r:id="rId7"/>
+    <p:sldId id="275" r:id="rId8"/>
+    <p:sldId id="263" r:id="rId9"/>
+    <p:sldId id="264" r:id="rId10"/>
+    <p:sldId id="267" r:id="rId11"/>
+    <p:sldId id="268" r:id="rId12"/>
+    <p:sldId id="269" r:id="rId13"/>
+    <p:sldId id="270" r:id="rId14"/>
+    <p:sldId id="276" r:id="rId15"/>
+    <p:sldId id="271" r:id="rId16"/>
+    <p:sldId id="280" r:id="rId17"/>
+    <p:sldId id="281" r:id="rId18"/>
+    <p:sldId id="273" r:id="rId19"/>
+    <p:sldId id="274" r:id="rId20"/>
   </p:sldIdLst>
   <p:sldSz cx="12192000" cy="6858000"/>
   <p:notesSz cx="6858000" cy="9144000"/>
@@ -127,6 +130,2524 @@
 </p:presentation>
 </file>
 
+<file path=ppt/charts/chart1.xml><?xml version="1.0" encoding="utf-8"?>
+<c:chartSpace xmlns:c="http://schemas.openxmlformats.org/drawingml/2006/chart" xmlns:a="http://schemas.openxmlformats.org/drawingml/2006/main" xmlns:r="http://schemas.openxmlformats.org/officeDocument/2006/relationships" xmlns:c16r2="http://schemas.microsoft.com/office/drawing/2015/06/chart">
+  <c:date1904 val="0"/>
+  <c:lang val="ru-RU"/>
+  <c:roundedCorners val="0"/>
+  <mc:AlternateContent xmlns:mc="http://schemas.openxmlformats.org/markup-compatibility/2006">
+    <mc:Choice xmlns:c14="http://schemas.microsoft.com/office/drawing/2007/8/2/chart" Requires="c14">
+      <c14:style val="102"/>
+    </mc:Choice>
+    <mc:Fallback>
+      <c:style val="2"/>
+    </mc:Fallback>
+  </mc:AlternateContent>
+  <c:chart>
+    <c:title>
+      <c:tx>
+        <c:rich>
+          <a:bodyPr rot="0" spcFirstLastPara="1" vertOverflow="ellipsis" vert="horz" wrap="square" anchor="ctr" anchorCtr="1"/>
+          <a:lstStyle/>
+          <a:p>
+            <a:pPr>
+              <a:defRPr sz="2800" b="0" i="0" u="none" strike="noStrike" kern="1200" spc="0" baseline="0">
+                <a:solidFill>
+                  <a:schemeClr val="tx1">
+                    <a:lumMod val="65000"/>
+                    <a:lumOff val="35000"/>
+                  </a:schemeClr>
+                </a:solidFill>
+                <a:latin typeface="+mn-lt"/>
+                <a:ea typeface="+mn-ea"/>
+                <a:cs typeface="+mn-cs"/>
+              </a:defRPr>
+            </a:pPr>
+            <a:r>
+              <a:rPr lang="ru-RU" sz="2800" dirty="0"/>
+              <a:t>Тестирование</a:t>
+            </a:r>
+            <a:r>
+              <a:rPr lang="ru-RU" sz="2800" baseline="0" dirty="0"/>
+              <a:t> производительности</a:t>
+            </a:r>
+            <a:endParaRPr lang="ru-RU" sz="2800" dirty="0"/>
+          </a:p>
+        </c:rich>
+      </c:tx>
+      <c:overlay val="0"/>
+      <c:spPr>
+        <a:noFill/>
+        <a:ln>
+          <a:noFill/>
+        </a:ln>
+        <a:effectLst/>
+      </c:spPr>
+      <c:txPr>
+        <a:bodyPr rot="0" spcFirstLastPara="1" vertOverflow="ellipsis" vert="horz" wrap="square" anchor="ctr" anchorCtr="1"/>
+        <a:lstStyle/>
+        <a:p>
+          <a:pPr>
+            <a:defRPr sz="2800" b="0" i="0" u="none" strike="noStrike" kern="1200" spc="0" baseline="0">
+              <a:solidFill>
+                <a:schemeClr val="tx1">
+                  <a:lumMod val="65000"/>
+                  <a:lumOff val="35000"/>
+                </a:schemeClr>
+              </a:solidFill>
+              <a:latin typeface="+mn-lt"/>
+              <a:ea typeface="+mn-ea"/>
+              <a:cs typeface="+mn-cs"/>
+            </a:defRPr>
+          </a:pPr>
+          <a:endParaRPr lang="ru-RU"/>
+        </a:p>
+      </c:txPr>
+    </c:title>
+    <c:autoTitleDeleted val="0"/>
+    <c:plotArea>
+      <c:layout>
+        <c:manualLayout>
+          <c:layoutTarget val="inner"/>
+          <c:xMode val="edge"/>
+          <c:yMode val="edge"/>
+          <c:x val="9.4440507059896289E-2"/>
+          <c:y val="0.11569110866782713"/>
+          <c:w val="0.89000175066362619"/>
+          <c:h val="0.72956438102443588"/>
+        </c:manualLayout>
+      </c:layout>
+      <c:lineChart>
+        <c:grouping val="standard"/>
+        <c:varyColors val="0"/>
+        <c:ser>
+          <c:idx val="0"/>
+          <c:order val="0"/>
+          <c:tx>
+            <c:strRef>
+              <c:f>Лист1!$B$1</c:f>
+              <c:strCache>
+                <c:ptCount val="1"/>
+                <c:pt idx="0">
+                  <c:v>Порядок возрастания</c:v>
+                </c:pt>
+              </c:strCache>
+            </c:strRef>
+          </c:tx>
+          <c:spPr>
+            <a:ln w="28575" cap="rnd">
+              <a:solidFill>
+                <a:schemeClr val="accent1"/>
+              </a:solidFill>
+              <a:round/>
+            </a:ln>
+            <a:effectLst/>
+          </c:spPr>
+          <c:marker>
+            <c:symbol val="none"/>
+          </c:marker>
+          <c:cat>
+            <c:numRef>
+              <c:f>Лист1!$A$2:$A$7</c:f>
+              <c:numCache>
+                <c:formatCode>General</c:formatCode>
+                <c:ptCount val="4"/>
+                <c:pt idx="0">
+                  <c:v>100</c:v>
+                </c:pt>
+                <c:pt idx="1">
+                  <c:v>1000</c:v>
+                </c:pt>
+                <c:pt idx="2">
+                  <c:v>10000</c:v>
+                </c:pt>
+                <c:pt idx="3">
+                  <c:v>100000</c:v>
+                </c:pt>
+              </c:numCache>
+            </c:numRef>
+          </c:cat>
+          <c:val>
+            <c:numRef>
+              <c:f>Лист1!$B$2:$B$7</c:f>
+              <c:numCache>
+                <c:formatCode>General</c:formatCode>
+                <c:ptCount val="4"/>
+                <c:pt idx="0">
+                  <c:v>1.4999999999999999E-2</c:v>
+                </c:pt>
+                <c:pt idx="1">
+                  <c:v>0.35</c:v>
+                </c:pt>
+                <c:pt idx="2">
+                  <c:v>5.4</c:v>
+                </c:pt>
+                <c:pt idx="3">
+                  <c:v>69.5</c:v>
+                </c:pt>
+              </c:numCache>
+            </c:numRef>
+          </c:val>
+          <c:smooth val="1"/>
+          <c:extLst>
+            <c:ext xmlns:c16="http://schemas.microsoft.com/office/drawing/2014/chart" uri="{C3380CC4-5D6E-409C-BE32-E72D297353CC}">
+              <c16:uniqueId val="{00000000-AA6D-4549-A8B5-2034BA41989C}"/>
+            </c:ext>
+          </c:extLst>
+        </c:ser>
+        <c:ser>
+          <c:idx val="1"/>
+          <c:order val="1"/>
+          <c:tx>
+            <c:strRef>
+              <c:f>Лист1!$C$1</c:f>
+              <c:strCache>
+                <c:ptCount val="1"/>
+                <c:pt idx="0">
+                  <c:v>Обратный порядок</c:v>
+                </c:pt>
+              </c:strCache>
+            </c:strRef>
+          </c:tx>
+          <c:spPr>
+            <a:ln w="28575" cap="rnd">
+              <a:solidFill>
+                <a:schemeClr val="accent2"/>
+              </a:solidFill>
+              <a:round/>
+            </a:ln>
+            <a:effectLst/>
+          </c:spPr>
+          <c:marker>
+            <c:symbol val="none"/>
+          </c:marker>
+          <c:cat>
+            <c:numRef>
+              <c:f>Лист1!$A$2:$A$7</c:f>
+              <c:numCache>
+                <c:formatCode>General</c:formatCode>
+                <c:ptCount val="4"/>
+                <c:pt idx="0">
+                  <c:v>100</c:v>
+                </c:pt>
+                <c:pt idx="1">
+                  <c:v>1000</c:v>
+                </c:pt>
+                <c:pt idx="2">
+                  <c:v>10000</c:v>
+                </c:pt>
+                <c:pt idx="3">
+                  <c:v>100000</c:v>
+                </c:pt>
+              </c:numCache>
+            </c:numRef>
+          </c:cat>
+          <c:val>
+            <c:numRef>
+              <c:f>Лист1!$C$2:$C$7</c:f>
+              <c:numCache>
+                <c:formatCode>General</c:formatCode>
+                <c:ptCount val="4"/>
+                <c:pt idx="0">
+                  <c:v>1.4999999999999999E-2</c:v>
+                </c:pt>
+                <c:pt idx="1">
+                  <c:v>0.3</c:v>
+                </c:pt>
+                <c:pt idx="2">
+                  <c:v>6.9</c:v>
+                </c:pt>
+                <c:pt idx="3">
+                  <c:v>103</c:v>
+                </c:pt>
+              </c:numCache>
+            </c:numRef>
+          </c:val>
+          <c:smooth val="1"/>
+          <c:extLst>
+            <c:ext xmlns:c16="http://schemas.microsoft.com/office/drawing/2014/chart" uri="{C3380CC4-5D6E-409C-BE32-E72D297353CC}">
+              <c16:uniqueId val="{00000001-AA6D-4549-A8B5-2034BA41989C}"/>
+            </c:ext>
+          </c:extLst>
+        </c:ser>
+        <c:ser>
+          <c:idx val="2"/>
+          <c:order val="2"/>
+          <c:tx>
+            <c:strRef>
+              <c:f>Лист1!$D$1</c:f>
+              <c:strCache>
+                <c:ptCount val="1"/>
+                <c:pt idx="0">
+                  <c:v>Случайный порядок</c:v>
+                </c:pt>
+              </c:strCache>
+            </c:strRef>
+          </c:tx>
+          <c:spPr>
+            <a:ln w="28575" cap="rnd">
+              <a:solidFill>
+                <a:schemeClr val="accent3"/>
+              </a:solidFill>
+              <a:round/>
+            </a:ln>
+            <a:effectLst/>
+          </c:spPr>
+          <c:marker>
+            <c:symbol val="none"/>
+          </c:marker>
+          <c:cat>
+            <c:numRef>
+              <c:f>Лист1!$A$2:$A$7</c:f>
+              <c:numCache>
+                <c:formatCode>General</c:formatCode>
+                <c:ptCount val="4"/>
+                <c:pt idx="0">
+                  <c:v>100</c:v>
+                </c:pt>
+                <c:pt idx="1">
+                  <c:v>1000</c:v>
+                </c:pt>
+                <c:pt idx="2">
+                  <c:v>10000</c:v>
+                </c:pt>
+                <c:pt idx="3">
+                  <c:v>100000</c:v>
+                </c:pt>
+              </c:numCache>
+            </c:numRef>
+          </c:cat>
+          <c:val>
+            <c:numRef>
+              <c:f>Лист1!$D$2:$D$7</c:f>
+              <c:numCache>
+                <c:formatCode>General</c:formatCode>
+                <c:ptCount val="4"/>
+                <c:pt idx="0">
+                  <c:v>1.4999999999999999E-2</c:v>
+                </c:pt>
+                <c:pt idx="1">
+                  <c:v>1</c:v>
+                </c:pt>
+                <c:pt idx="2">
+                  <c:v>15</c:v>
+                </c:pt>
+                <c:pt idx="3">
+                  <c:v>243</c:v>
+                </c:pt>
+              </c:numCache>
+            </c:numRef>
+          </c:val>
+          <c:smooth val="1"/>
+          <c:extLst>
+            <c:ext xmlns:c16="http://schemas.microsoft.com/office/drawing/2014/chart" uri="{C3380CC4-5D6E-409C-BE32-E72D297353CC}">
+              <c16:uniqueId val="{00000002-AA6D-4549-A8B5-2034BA41989C}"/>
+            </c:ext>
+          </c:extLst>
+        </c:ser>
+        <c:ser>
+          <c:idx val="3"/>
+          <c:order val="3"/>
+          <c:tx>
+            <c:strRef>
+              <c:f>Лист1!$E$1</c:f>
+              <c:strCache>
+                <c:ptCount val="1"/>
+                <c:pt idx="0">
+                  <c:v>Одно число</c:v>
+                </c:pt>
+              </c:strCache>
+            </c:strRef>
+          </c:tx>
+          <c:spPr>
+            <a:ln w="28575" cap="rnd">
+              <a:solidFill>
+                <a:schemeClr val="accent4"/>
+              </a:solidFill>
+              <a:round/>
+            </a:ln>
+            <a:effectLst/>
+          </c:spPr>
+          <c:marker>
+            <c:symbol val="none"/>
+          </c:marker>
+          <c:cat>
+            <c:numRef>
+              <c:f>Лист1!$A$2:$A$7</c:f>
+              <c:numCache>
+                <c:formatCode>General</c:formatCode>
+                <c:ptCount val="4"/>
+                <c:pt idx="0">
+                  <c:v>100</c:v>
+                </c:pt>
+                <c:pt idx="1">
+                  <c:v>1000</c:v>
+                </c:pt>
+                <c:pt idx="2">
+                  <c:v>10000</c:v>
+                </c:pt>
+                <c:pt idx="3">
+                  <c:v>100000</c:v>
+                </c:pt>
+              </c:numCache>
+            </c:numRef>
+          </c:cat>
+          <c:val>
+            <c:numRef>
+              <c:f>Лист1!$E$2:$E$7</c:f>
+              <c:numCache>
+                <c:formatCode>General</c:formatCode>
+                <c:ptCount val="4"/>
+                <c:pt idx="0">
+                  <c:v>1.4999999999999999E-2</c:v>
+                </c:pt>
+                <c:pt idx="1">
+                  <c:v>1.4999999999999999E-2</c:v>
+                </c:pt>
+                <c:pt idx="2">
+                  <c:v>0.2</c:v>
+                </c:pt>
+                <c:pt idx="3">
+                  <c:v>1.7</c:v>
+                </c:pt>
+              </c:numCache>
+            </c:numRef>
+          </c:val>
+          <c:smooth val="1"/>
+          <c:extLst>
+            <c:ext xmlns:c16="http://schemas.microsoft.com/office/drawing/2014/chart" uri="{C3380CC4-5D6E-409C-BE32-E72D297353CC}">
+              <c16:uniqueId val="{00000003-AA6D-4549-A8B5-2034BA41989C}"/>
+            </c:ext>
+          </c:extLst>
+        </c:ser>
+        <c:dLbls>
+          <c:showLegendKey val="0"/>
+          <c:showVal val="0"/>
+          <c:showCatName val="0"/>
+          <c:showSerName val="0"/>
+          <c:showPercent val="0"/>
+          <c:showBubbleSize val="0"/>
+        </c:dLbls>
+        <c:smooth val="0"/>
+        <c:axId val="1002873392"/>
+        <c:axId val="1002878800"/>
+      </c:lineChart>
+      <c:catAx>
+        <c:axId val="1002873392"/>
+        <c:scaling>
+          <c:orientation val="minMax"/>
+        </c:scaling>
+        <c:delete val="0"/>
+        <c:axPos val="b"/>
+        <c:title>
+          <c:tx>
+            <c:rich>
+              <a:bodyPr rot="0" spcFirstLastPara="1" vertOverflow="ellipsis" vert="horz" wrap="square" anchor="ctr" anchorCtr="1"/>
+              <a:lstStyle/>
+              <a:p>
+                <a:pPr>
+                  <a:defRPr sz="1600" b="0" i="0" u="none" strike="noStrike" kern="1200" baseline="0">
+                    <a:solidFill>
+                      <a:schemeClr val="tx1">
+                        <a:lumMod val="65000"/>
+                        <a:lumOff val="35000"/>
+                      </a:schemeClr>
+                    </a:solidFill>
+                    <a:latin typeface="+mn-lt"/>
+                    <a:ea typeface="+mn-ea"/>
+                    <a:cs typeface="+mn-cs"/>
+                  </a:defRPr>
+                </a:pPr>
+                <a:r>
+                  <a:rPr lang="ru-RU" sz="1600" dirty="0"/>
+                  <a:t>Количество</a:t>
+                </a:r>
+                <a:r>
+                  <a:rPr lang="ru-RU" sz="1600" baseline="0" dirty="0"/>
+                  <a:t> элементов</a:t>
+                </a:r>
+                <a:endParaRPr lang="ru-RU" sz="1600" dirty="0"/>
+              </a:p>
+            </c:rich>
+          </c:tx>
+          <c:overlay val="0"/>
+          <c:spPr>
+            <a:noFill/>
+            <a:ln>
+              <a:noFill/>
+            </a:ln>
+            <a:effectLst/>
+          </c:spPr>
+          <c:txPr>
+            <a:bodyPr rot="0" spcFirstLastPara="1" vertOverflow="ellipsis" vert="horz" wrap="square" anchor="ctr" anchorCtr="1"/>
+            <a:lstStyle/>
+            <a:p>
+              <a:pPr>
+                <a:defRPr sz="1600" b="0" i="0" u="none" strike="noStrike" kern="1200" baseline="0">
+                  <a:solidFill>
+                    <a:schemeClr val="tx1">
+                      <a:lumMod val="65000"/>
+                      <a:lumOff val="35000"/>
+                    </a:schemeClr>
+                  </a:solidFill>
+                  <a:latin typeface="+mn-lt"/>
+                  <a:ea typeface="+mn-ea"/>
+                  <a:cs typeface="+mn-cs"/>
+                </a:defRPr>
+              </a:pPr>
+              <a:endParaRPr lang="ru-RU"/>
+            </a:p>
+          </c:txPr>
+        </c:title>
+        <c:numFmt formatCode="General" sourceLinked="1"/>
+        <c:majorTickMark val="none"/>
+        <c:minorTickMark val="none"/>
+        <c:tickLblPos val="nextTo"/>
+        <c:spPr>
+          <a:noFill/>
+          <a:ln w="9525" cap="flat" cmpd="sng" algn="ctr">
+            <a:solidFill>
+              <a:schemeClr val="tx1">
+                <a:lumMod val="15000"/>
+                <a:lumOff val="85000"/>
+              </a:schemeClr>
+            </a:solidFill>
+            <a:round/>
+          </a:ln>
+          <a:effectLst/>
+        </c:spPr>
+        <c:txPr>
+          <a:bodyPr rot="-60000000" spcFirstLastPara="1" vertOverflow="ellipsis" vert="horz" wrap="square" anchor="ctr" anchorCtr="1"/>
+          <a:lstStyle/>
+          <a:p>
+            <a:pPr>
+              <a:defRPr sz="1197" b="0" i="0" u="none" strike="noStrike" kern="1200" baseline="0">
+                <a:solidFill>
+                  <a:schemeClr val="tx1">
+                    <a:lumMod val="65000"/>
+                    <a:lumOff val="35000"/>
+                  </a:schemeClr>
+                </a:solidFill>
+                <a:latin typeface="+mn-lt"/>
+                <a:ea typeface="+mn-ea"/>
+                <a:cs typeface="+mn-cs"/>
+              </a:defRPr>
+            </a:pPr>
+            <a:endParaRPr lang="ru-RU"/>
+          </a:p>
+        </c:txPr>
+        <c:crossAx val="1002878800"/>
+        <c:crosses val="autoZero"/>
+        <c:auto val="1"/>
+        <c:lblAlgn val="ctr"/>
+        <c:lblOffset val="100"/>
+        <c:noMultiLvlLbl val="0"/>
+      </c:catAx>
+      <c:valAx>
+        <c:axId val="1002878800"/>
+        <c:scaling>
+          <c:orientation val="minMax"/>
+        </c:scaling>
+        <c:delete val="0"/>
+        <c:axPos val="l"/>
+        <c:majorGridlines>
+          <c:spPr>
+            <a:ln w="9525" cap="flat" cmpd="sng" algn="ctr">
+              <a:solidFill>
+                <a:schemeClr val="tx1">
+                  <a:lumMod val="15000"/>
+                  <a:lumOff val="85000"/>
+                </a:schemeClr>
+              </a:solidFill>
+              <a:round/>
+            </a:ln>
+            <a:effectLst/>
+          </c:spPr>
+        </c:majorGridlines>
+        <c:title>
+          <c:tx>
+            <c:rich>
+              <a:bodyPr rot="-5400000" spcFirstLastPara="1" vertOverflow="ellipsis" vert="horz" wrap="square" anchor="ctr" anchorCtr="1"/>
+              <a:lstStyle/>
+              <a:p>
+                <a:pPr>
+                  <a:defRPr sz="1800" b="0" i="0" u="none" strike="noStrike" kern="1200" baseline="0">
+                    <a:solidFill>
+                      <a:schemeClr val="tx1">
+                        <a:lumMod val="65000"/>
+                        <a:lumOff val="35000"/>
+                      </a:schemeClr>
+                    </a:solidFill>
+                    <a:latin typeface="+mn-lt"/>
+                    <a:ea typeface="+mn-ea"/>
+                    <a:cs typeface="+mn-cs"/>
+                  </a:defRPr>
+                </a:pPr>
+                <a:r>
+                  <a:rPr lang="ru-RU" sz="1800" dirty="0"/>
+                  <a:t>мс</a:t>
+                </a:r>
+              </a:p>
+            </c:rich>
+          </c:tx>
+          <c:layout>
+            <c:manualLayout>
+              <c:xMode val="edge"/>
+              <c:yMode val="edge"/>
+              <c:x val="1.7187500000000001E-2"/>
+              <c:y val="0.46099529644467913"/>
+            </c:manualLayout>
+          </c:layout>
+          <c:overlay val="0"/>
+          <c:spPr>
+            <a:noFill/>
+            <a:ln>
+              <a:noFill/>
+            </a:ln>
+            <a:effectLst/>
+          </c:spPr>
+          <c:txPr>
+            <a:bodyPr rot="-5400000" spcFirstLastPara="1" vertOverflow="ellipsis" vert="horz" wrap="square" anchor="ctr" anchorCtr="1"/>
+            <a:lstStyle/>
+            <a:p>
+              <a:pPr>
+                <a:defRPr sz="1800" b="0" i="0" u="none" strike="noStrike" kern="1200" baseline="0">
+                  <a:solidFill>
+                    <a:schemeClr val="tx1">
+                      <a:lumMod val="65000"/>
+                      <a:lumOff val="35000"/>
+                    </a:schemeClr>
+                  </a:solidFill>
+                  <a:latin typeface="+mn-lt"/>
+                  <a:ea typeface="+mn-ea"/>
+                  <a:cs typeface="+mn-cs"/>
+                </a:defRPr>
+              </a:pPr>
+              <a:endParaRPr lang="ru-RU"/>
+            </a:p>
+          </c:txPr>
+        </c:title>
+        <c:numFmt formatCode="General" sourceLinked="1"/>
+        <c:majorTickMark val="none"/>
+        <c:minorTickMark val="none"/>
+        <c:tickLblPos val="nextTo"/>
+        <c:spPr>
+          <a:noFill/>
+          <a:ln>
+            <a:noFill/>
+          </a:ln>
+          <a:effectLst/>
+        </c:spPr>
+        <c:txPr>
+          <a:bodyPr rot="-60000000" spcFirstLastPara="1" vertOverflow="ellipsis" vert="horz" wrap="square" anchor="ctr" anchorCtr="1"/>
+          <a:lstStyle/>
+          <a:p>
+            <a:pPr>
+              <a:defRPr sz="1197" b="0" i="0" u="none" strike="noStrike" kern="1200" baseline="0">
+                <a:solidFill>
+                  <a:schemeClr val="tx1">
+                    <a:lumMod val="65000"/>
+                    <a:lumOff val="35000"/>
+                  </a:schemeClr>
+                </a:solidFill>
+                <a:latin typeface="+mn-lt"/>
+                <a:ea typeface="+mn-ea"/>
+                <a:cs typeface="+mn-cs"/>
+              </a:defRPr>
+            </a:pPr>
+            <a:endParaRPr lang="ru-RU"/>
+          </a:p>
+        </c:txPr>
+        <c:crossAx val="1002873392"/>
+        <c:crosses val="autoZero"/>
+        <c:crossBetween val="between"/>
+      </c:valAx>
+      <c:spPr>
+        <a:noFill/>
+        <a:ln>
+          <a:noFill/>
+        </a:ln>
+        <a:effectLst/>
+      </c:spPr>
+    </c:plotArea>
+    <c:legend>
+      <c:legendPos val="b"/>
+      <c:layout>
+        <c:manualLayout>
+          <c:xMode val="edge"/>
+          <c:yMode val="edge"/>
+          <c:x val="0.15803280645634057"/>
+          <c:y val="0.8924783704399385"/>
+          <c:w val="0.75851711218011963"/>
+          <c:h val="9.3459114017272096E-2"/>
+        </c:manualLayout>
+      </c:layout>
+      <c:overlay val="0"/>
+      <c:spPr>
+        <a:noFill/>
+        <a:ln>
+          <a:noFill/>
+        </a:ln>
+        <a:effectLst/>
+      </c:spPr>
+      <c:txPr>
+        <a:bodyPr rot="0" spcFirstLastPara="1" vertOverflow="ellipsis" vert="horz" wrap="square" anchor="ctr" anchorCtr="1"/>
+        <a:lstStyle/>
+        <a:p>
+          <a:pPr>
+            <a:defRPr sz="1600" b="0" i="0" u="none" strike="noStrike" kern="1200" baseline="0">
+              <a:solidFill>
+                <a:schemeClr val="tx1">
+                  <a:lumMod val="65000"/>
+                  <a:lumOff val="35000"/>
+                </a:schemeClr>
+              </a:solidFill>
+              <a:latin typeface="+mn-lt"/>
+              <a:ea typeface="+mn-ea"/>
+              <a:cs typeface="+mn-cs"/>
+            </a:defRPr>
+          </a:pPr>
+          <a:endParaRPr lang="ru-RU"/>
+        </a:p>
+      </c:txPr>
+    </c:legend>
+    <c:plotVisOnly val="1"/>
+    <c:dispBlanksAs val="gap"/>
+    <c:extLst>
+      <c:ext xmlns:c16r3="http://schemas.microsoft.com/office/drawing/2017/03/chart" uri="{56B9EC1D-385E-4148-901F-78D8002777C0}">
+        <c16r3:dataDisplayOptions16>
+          <c16r3:dispNaAsBlank val="1"/>
+        </c16r3:dataDisplayOptions16>
+      </c:ext>
+    </c:extLst>
+    <c:showDLblsOverMax val="0"/>
+  </c:chart>
+  <c:spPr>
+    <a:noFill/>
+    <a:ln>
+      <a:noFill/>
+    </a:ln>
+    <a:effectLst/>
+  </c:spPr>
+  <c:txPr>
+    <a:bodyPr/>
+    <a:lstStyle/>
+    <a:p>
+      <a:pPr>
+        <a:defRPr/>
+      </a:pPr>
+      <a:endParaRPr lang="ru-RU"/>
+    </a:p>
+  </c:txPr>
+  <c:externalData r:id="rId3">
+    <c:autoUpdate val="0"/>
+  </c:externalData>
+</c:chartSpace>
+</file>
+
+<file path=ppt/charts/chart2.xml><?xml version="1.0" encoding="utf-8"?>
+<c:chartSpace xmlns:c="http://schemas.openxmlformats.org/drawingml/2006/chart" xmlns:a="http://schemas.openxmlformats.org/drawingml/2006/main" xmlns:r="http://schemas.openxmlformats.org/officeDocument/2006/relationships" xmlns:c16r2="http://schemas.microsoft.com/office/drawing/2015/06/chart">
+  <c:date1904 val="0"/>
+  <c:lang val="ru-RU"/>
+  <c:roundedCorners val="0"/>
+  <mc:AlternateContent xmlns:mc="http://schemas.openxmlformats.org/markup-compatibility/2006">
+    <mc:Choice xmlns:c14="http://schemas.microsoft.com/office/drawing/2007/8/2/chart" Requires="c14">
+      <c14:style val="102"/>
+    </mc:Choice>
+    <mc:Fallback>
+      <c:style val="2"/>
+    </mc:Fallback>
+  </mc:AlternateContent>
+  <c:chart>
+    <c:title>
+      <c:tx>
+        <c:rich>
+          <a:bodyPr rot="0" spcFirstLastPara="1" vertOverflow="ellipsis" vert="horz" wrap="square" anchor="ctr" anchorCtr="1"/>
+          <a:lstStyle/>
+          <a:p>
+            <a:pPr>
+              <a:defRPr sz="2800" b="0" i="0" u="none" strike="noStrike" kern="1200" spc="0" baseline="0">
+                <a:solidFill>
+                  <a:schemeClr val="tx1">
+                    <a:lumMod val="65000"/>
+                    <a:lumOff val="35000"/>
+                  </a:schemeClr>
+                </a:solidFill>
+                <a:latin typeface="+mn-lt"/>
+                <a:ea typeface="+mn-ea"/>
+                <a:cs typeface="+mn-cs"/>
+              </a:defRPr>
+            </a:pPr>
+            <a:r>
+              <a:rPr lang="ru-RU" sz="2800" dirty="0"/>
+              <a:t>Тестирование</a:t>
+            </a:r>
+            <a:r>
+              <a:rPr lang="ru-RU" sz="2800" baseline="0" dirty="0"/>
+              <a:t> производительности</a:t>
+            </a:r>
+            <a:endParaRPr lang="ru-RU" sz="2800" dirty="0"/>
+          </a:p>
+        </c:rich>
+      </c:tx>
+      <c:overlay val="0"/>
+      <c:spPr>
+        <a:noFill/>
+        <a:ln>
+          <a:noFill/>
+        </a:ln>
+        <a:effectLst/>
+      </c:spPr>
+      <c:txPr>
+        <a:bodyPr rot="0" spcFirstLastPara="1" vertOverflow="ellipsis" vert="horz" wrap="square" anchor="ctr" anchorCtr="1"/>
+        <a:lstStyle/>
+        <a:p>
+          <a:pPr>
+            <a:defRPr sz="2800" b="0" i="0" u="none" strike="noStrike" kern="1200" spc="0" baseline="0">
+              <a:solidFill>
+                <a:schemeClr val="tx1">
+                  <a:lumMod val="65000"/>
+                  <a:lumOff val="35000"/>
+                </a:schemeClr>
+              </a:solidFill>
+              <a:latin typeface="+mn-lt"/>
+              <a:ea typeface="+mn-ea"/>
+              <a:cs typeface="+mn-cs"/>
+            </a:defRPr>
+          </a:pPr>
+          <a:endParaRPr lang="ru-RU"/>
+        </a:p>
+      </c:txPr>
+    </c:title>
+    <c:autoTitleDeleted val="0"/>
+    <c:plotArea>
+      <c:layout>
+        <c:manualLayout>
+          <c:layoutTarget val="inner"/>
+          <c:xMode val="edge"/>
+          <c:yMode val="edge"/>
+          <c:x val="9.4440507059896289E-2"/>
+          <c:y val="0.11569110866782713"/>
+          <c:w val="0.8574719259037189"/>
+          <c:h val="0.68817983088759149"/>
+        </c:manualLayout>
+      </c:layout>
+      <c:lineChart>
+        <c:grouping val="standard"/>
+        <c:varyColors val="0"/>
+        <c:ser>
+          <c:idx val="0"/>
+          <c:order val="0"/>
+          <c:tx>
+            <c:strRef>
+              <c:f>Лист1!$B$1</c:f>
+              <c:strCache>
+                <c:ptCount val="1"/>
+                <c:pt idx="0">
+                  <c:v>Порядок возрастания</c:v>
+                </c:pt>
+              </c:strCache>
+            </c:strRef>
+          </c:tx>
+          <c:spPr>
+            <a:ln w="28575" cap="rnd">
+              <a:solidFill>
+                <a:schemeClr val="accent1"/>
+              </a:solidFill>
+              <a:round/>
+            </a:ln>
+            <a:effectLst/>
+          </c:spPr>
+          <c:marker>
+            <c:symbol val="none"/>
+          </c:marker>
+          <c:cat>
+            <c:numRef>
+              <c:f>Лист1!$A$2:$A$4</c:f>
+              <c:numCache>
+                <c:formatCode>General</c:formatCode>
+                <c:ptCount val="3"/>
+                <c:pt idx="0">
+                  <c:v>100000</c:v>
+                </c:pt>
+                <c:pt idx="1">
+                  <c:v>5000000</c:v>
+                </c:pt>
+                <c:pt idx="2">
+                  <c:v>10000000</c:v>
+                </c:pt>
+              </c:numCache>
+            </c:numRef>
+          </c:cat>
+          <c:val>
+            <c:numRef>
+              <c:f>Лист1!$B$2:$B$4</c:f>
+              <c:numCache>
+                <c:formatCode>General</c:formatCode>
+                <c:ptCount val="3"/>
+                <c:pt idx="0">
+                  <c:v>1370</c:v>
+                </c:pt>
+                <c:pt idx="1">
+                  <c:v>17150</c:v>
+                </c:pt>
+                <c:pt idx="2">
+                  <c:v>41000</c:v>
+                </c:pt>
+              </c:numCache>
+            </c:numRef>
+          </c:val>
+          <c:smooth val="1"/>
+          <c:extLst>
+            <c:ext xmlns:c16="http://schemas.microsoft.com/office/drawing/2014/chart" uri="{C3380CC4-5D6E-409C-BE32-E72D297353CC}">
+              <c16:uniqueId val="{00000000-9323-4981-A0CB-E06C8F62C227}"/>
+            </c:ext>
+          </c:extLst>
+        </c:ser>
+        <c:ser>
+          <c:idx val="1"/>
+          <c:order val="1"/>
+          <c:tx>
+            <c:strRef>
+              <c:f>Лист1!$C$1</c:f>
+              <c:strCache>
+                <c:ptCount val="1"/>
+                <c:pt idx="0">
+                  <c:v>Обратный порядок</c:v>
+                </c:pt>
+              </c:strCache>
+            </c:strRef>
+          </c:tx>
+          <c:spPr>
+            <a:ln w="28575" cap="rnd">
+              <a:solidFill>
+                <a:schemeClr val="accent2"/>
+              </a:solidFill>
+              <a:round/>
+            </a:ln>
+            <a:effectLst/>
+          </c:spPr>
+          <c:marker>
+            <c:symbol val="none"/>
+          </c:marker>
+          <c:cat>
+            <c:numRef>
+              <c:f>Лист1!$A$2:$A$4</c:f>
+              <c:numCache>
+                <c:formatCode>General</c:formatCode>
+                <c:ptCount val="3"/>
+                <c:pt idx="0">
+                  <c:v>100000</c:v>
+                </c:pt>
+                <c:pt idx="1">
+                  <c:v>5000000</c:v>
+                </c:pt>
+                <c:pt idx="2">
+                  <c:v>10000000</c:v>
+                </c:pt>
+              </c:numCache>
+            </c:numRef>
+          </c:cat>
+          <c:val>
+            <c:numRef>
+              <c:f>Лист1!$C$2:$C$4</c:f>
+              <c:numCache>
+                <c:formatCode>General</c:formatCode>
+                <c:ptCount val="3"/>
+                <c:pt idx="0">
+                  <c:v>1300</c:v>
+                </c:pt>
+                <c:pt idx="1">
+                  <c:v>11000</c:v>
+                </c:pt>
+                <c:pt idx="2">
+                  <c:v>36000</c:v>
+                </c:pt>
+              </c:numCache>
+            </c:numRef>
+          </c:val>
+          <c:smooth val="1"/>
+          <c:extLst>
+            <c:ext xmlns:c16="http://schemas.microsoft.com/office/drawing/2014/chart" uri="{C3380CC4-5D6E-409C-BE32-E72D297353CC}">
+              <c16:uniqueId val="{00000001-9323-4981-A0CB-E06C8F62C227}"/>
+            </c:ext>
+          </c:extLst>
+        </c:ser>
+        <c:ser>
+          <c:idx val="2"/>
+          <c:order val="2"/>
+          <c:tx>
+            <c:strRef>
+              <c:f>Лист1!$D$1</c:f>
+              <c:strCache>
+                <c:ptCount val="1"/>
+                <c:pt idx="0">
+                  <c:v>Случайный порядок</c:v>
+                </c:pt>
+              </c:strCache>
+            </c:strRef>
+          </c:tx>
+          <c:spPr>
+            <a:ln w="28575" cap="rnd">
+              <a:solidFill>
+                <a:schemeClr val="accent3"/>
+              </a:solidFill>
+              <a:round/>
+            </a:ln>
+            <a:effectLst/>
+          </c:spPr>
+          <c:marker>
+            <c:symbol val="none"/>
+          </c:marker>
+          <c:cat>
+            <c:numRef>
+              <c:f>Лист1!$A$2:$A$4</c:f>
+              <c:numCache>
+                <c:formatCode>General</c:formatCode>
+                <c:ptCount val="3"/>
+                <c:pt idx="0">
+                  <c:v>100000</c:v>
+                </c:pt>
+                <c:pt idx="1">
+                  <c:v>5000000</c:v>
+                </c:pt>
+                <c:pt idx="2">
+                  <c:v>10000000</c:v>
+                </c:pt>
+              </c:numCache>
+            </c:numRef>
+          </c:cat>
+          <c:val>
+            <c:numRef>
+              <c:f>Лист1!$D$2:$D$4</c:f>
+              <c:numCache>
+                <c:formatCode>General</c:formatCode>
+                <c:ptCount val="3"/>
+                <c:pt idx="0">
+                  <c:v>3250</c:v>
+                </c:pt>
+                <c:pt idx="1">
+                  <c:v>23730</c:v>
+                </c:pt>
+                <c:pt idx="2">
+                  <c:v>60000</c:v>
+                </c:pt>
+              </c:numCache>
+            </c:numRef>
+          </c:val>
+          <c:smooth val="1"/>
+          <c:extLst>
+            <c:ext xmlns:c16="http://schemas.microsoft.com/office/drawing/2014/chart" uri="{C3380CC4-5D6E-409C-BE32-E72D297353CC}">
+              <c16:uniqueId val="{00000002-9323-4981-A0CB-E06C8F62C227}"/>
+            </c:ext>
+          </c:extLst>
+        </c:ser>
+        <c:ser>
+          <c:idx val="3"/>
+          <c:order val="3"/>
+          <c:tx>
+            <c:strRef>
+              <c:f>Лист1!$E$1</c:f>
+              <c:strCache>
+                <c:ptCount val="1"/>
+                <c:pt idx="0">
+                  <c:v>Одно число</c:v>
+                </c:pt>
+              </c:strCache>
+            </c:strRef>
+          </c:tx>
+          <c:spPr>
+            <a:ln w="28575" cap="rnd">
+              <a:solidFill>
+                <a:schemeClr val="accent4"/>
+              </a:solidFill>
+              <a:round/>
+            </a:ln>
+            <a:effectLst/>
+          </c:spPr>
+          <c:marker>
+            <c:symbol val="none"/>
+          </c:marker>
+          <c:cat>
+            <c:numRef>
+              <c:f>Лист1!$A$2:$A$4</c:f>
+              <c:numCache>
+                <c:formatCode>General</c:formatCode>
+                <c:ptCount val="3"/>
+                <c:pt idx="0">
+                  <c:v>100000</c:v>
+                </c:pt>
+                <c:pt idx="1">
+                  <c:v>5000000</c:v>
+                </c:pt>
+                <c:pt idx="2">
+                  <c:v>10000000</c:v>
+                </c:pt>
+              </c:numCache>
+            </c:numRef>
+          </c:cat>
+          <c:val>
+            <c:numRef>
+              <c:f>Лист1!$E$2:$E$4</c:f>
+              <c:numCache>
+                <c:formatCode>General</c:formatCode>
+                <c:ptCount val="3"/>
+                <c:pt idx="0">
+                  <c:v>9</c:v>
+                </c:pt>
+                <c:pt idx="1">
+                  <c:v>46</c:v>
+                </c:pt>
+                <c:pt idx="2">
+                  <c:v>0.2</c:v>
+                </c:pt>
+              </c:numCache>
+            </c:numRef>
+          </c:val>
+          <c:smooth val="1"/>
+          <c:extLst>
+            <c:ext xmlns:c16="http://schemas.microsoft.com/office/drawing/2014/chart" uri="{C3380CC4-5D6E-409C-BE32-E72D297353CC}">
+              <c16:uniqueId val="{00000003-9323-4981-A0CB-E06C8F62C227}"/>
+            </c:ext>
+          </c:extLst>
+        </c:ser>
+        <c:dLbls>
+          <c:showLegendKey val="0"/>
+          <c:showVal val="0"/>
+          <c:showCatName val="0"/>
+          <c:showSerName val="0"/>
+          <c:showPercent val="0"/>
+          <c:showBubbleSize val="0"/>
+        </c:dLbls>
+        <c:smooth val="0"/>
+        <c:axId val="1002873392"/>
+        <c:axId val="1002878800"/>
+      </c:lineChart>
+      <c:catAx>
+        <c:axId val="1002873392"/>
+        <c:scaling>
+          <c:orientation val="minMax"/>
+        </c:scaling>
+        <c:delete val="0"/>
+        <c:axPos val="b"/>
+        <c:title>
+          <c:tx>
+            <c:rich>
+              <a:bodyPr rot="0" spcFirstLastPara="1" vertOverflow="ellipsis" vert="horz" wrap="square" anchor="ctr" anchorCtr="1"/>
+              <a:lstStyle/>
+              <a:p>
+                <a:pPr>
+                  <a:defRPr sz="1600" b="0" i="0" u="none" strike="noStrike" kern="1200" baseline="0">
+                    <a:solidFill>
+                      <a:schemeClr val="tx1">
+                        <a:lumMod val="65000"/>
+                        <a:lumOff val="35000"/>
+                      </a:schemeClr>
+                    </a:solidFill>
+                    <a:latin typeface="+mn-lt"/>
+                    <a:ea typeface="+mn-ea"/>
+                    <a:cs typeface="+mn-cs"/>
+                  </a:defRPr>
+                </a:pPr>
+                <a:r>
+                  <a:rPr lang="ru-RU" sz="1600" dirty="0"/>
+                  <a:t>Количество</a:t>
+                </a:r>
+                <a:r>
+                  <a:rPr lang="ru-RU" sz="1600" baseline="0" dirty="0"/>
+                  <a:t> элементов</a:t>
+                </a:r>
+                <a:endParaRPr lang="ru-RU" sz="1600" dirty="0"/>
+              </a:p>
+            </c:rich>
+          </c:tx>
+          <c:overlay val="0"/>
+          <c:spPr>
+            <a:noFill/>
+            <a:ln>
+              <a:noFill/>
+            </a:ln>
+            <a:effectLst/>
+          </c:spPr>
+          <c:txPr>
+            <a:bodyPr rot="0" spcFirstLastPara="1" vertOverflow="ellipsis" vert="horz" wrap="square" anchor="ctr" anchorCtr="1"/>
+            <a:lstStyle/>
+            <a:p>
+              <a:pPr>
+                <a:defRPr sz="1600" b="0" i="0" u="none" strike="noStrike" kern="1200" baseline="0">
+                  <a:solidFill>
+                    <a:schemeClr val="tx1">
+                      <a:lumMod val="65000"/>
+                      <a:lumOff val="35000"/>
+                    </a:schemeClr>
+                  </a:solidFill>
+                  <a:latin typeface="+mn-lt"/>
+                  <a:ea typeface="+mn-ea"/>
+                  <a:cs typeface="+mn-cs"/>
+                </a:defRPr>
+              </a:pPr>
+              <a:endParaRPr lang="ru-RU"/>
+            </a:p>
+          </c:txPr>
+        </c:title>
+        <c:numFmt formatCode="General" sourceLinked="1"/>
+        <c:majorTickMark val="none"/>
+        <c:minorTickMark val="none"/>
+        <c:tickLblPos val="nextTo"/>
+        <c:spPr>
+          <a:noFill/>
+          <a:ln w="9525" cap="flat" cmpd="sng" algn="ctr">
+            <a:solidFill>
+              <a:schemeClr val="tx1">
+                <a:lumMod val="15000"/>
+                <a:lumOff val="85000"/>
+              </a:schemeClr>
+            </a:solidFill>
+            <a:round/>
+          </a:ln>
+          <a:effectLst/>
+        </c:spPr>
+        <c:txPr>
+          <a:bodyPr rot="-60000000" spcFirstLastPara="1" vertOverflow="ellipsis" vert="horz" wrap="square" anchor="ctr" anchorCtr="1"/>
+          <a:lstStyle/>
+          <a:p>
+            <a:pPr>
+              <a:defRPr sz="1197" b="0" i="0" u="none" strike="noStrike" kern="1200" baseline="0">
+                <a:solidFill>
+                  <a:schemeClr val="tx1">
+                    <a:lumMod val="65000"/>
+                    <a:lumOff val="35000"/>
+                  </a:schemeClr>
+                </a:solidFill>
+                <a:latin typeface="+mn-lt"/>
+                <a:ea typeface="+mn-ea"/>
+                <a:cs typeface="+mn-cs"/>
+              </a:defRPr>
+            </a:pPr>
+            <a:endParaRPr lang="ru-RU"/>
+          </a:p>
+        </c:txPr>
+        <c:crossAx val="1002878800"/>
+        <c:crosses val="autoZero"/>
+        <c:auto val="1"/>
+        <c:lblAlgn val="ctr"/>
+        <c:lblOffset val="100"/>
+        <c:noMultiLvlLbl val="0"/>
+      </c:catAx>
+      <c:valAx>
+        <c:axId val="1002878800"/>
+        <c:scaling>
+          <c:orientation val="minMax"/>
+        </c:scaling>
+        <c:delete val="0"/>
+        <c:axPos val="l"/>
+        <c:majorGridlines>
+          <c:spPr>
+            <a:ln w="9525" cap="flat" cmpd="sng" algn="ctr">
+              <a:solidFill>
+                <a:schemeClr val="tx1">
+                  <a:lumMod val="15000"/>
+                  <a:lumOff val="85000"/>
+                </a:schemeClr>
+              </a:solidFill>
+              <a:round/>
+            </a:ln>
+            <a:effectLst/>
+          </c:spPr>
+        </c:majorGridlines>
+        <c:title>
+          <c:tx>
+            <c:rich>
+              <a:bodyPr rot="-5400000" spcFirstLastPara="1" vertOverflow="ellipsis" vert="horz" wrap="square" anchor="ctr" anchorCtr="1"/>
+              <a:lstStyle/>
+              <a:p>
+                <a:pPr>
+                  <a:defRPr sz="1800" b="0" i="0" u="none" strike="noStrike" kern="1200" baseline="0">
+                    <a:solidFill>
+                      <a:schemeClr val="tx1">
+                        <a:lumMod val="65000"/>
+                        <a:lumOff val="35000"/>
+                      </a:schemeClr>
+                    </a:solidFill>
+                    <a:latin typeface="+mn-lt"/>
+                    <a:ea typeface="+mn-ea"/>
+                    <a:cs typeface="+mn-cs"/>
+                  </a:defRPr>
+                </a:pPr>
+                <a:r>
+                  <a:rPr lang="ru-RU" sz="1800" dirty="0"/>
+                  <a:t>мс</a:t>
+                </a:r>
+              </a:p>
+            </c:rich>
+          </c:tx>
+          <c:layout>
+            <c:manualLayout>
+              <c:xMode val="edge"/>
+              <c:yMode val="edge"/>
+              <c:x val="4.4584012476485213E-3"/>
+              <c:y val="0.4588171392760842"/>
+            </c:manualLayout>
+          </c:layout>
+          <c:overlay val="0"/>
+          <c:spPr>
+            <a:noFill/>
+            <a:ln>
+              <a:noFill/>
+            </a:ln>
+            <a:effectLst/>
+          </c:spPr>
+          <c:txPr>
+            <a:bodyPr rot="-5400000" spcFirstLastPara="1" vertOverflow="ellipsis" vert="horz" wrap="square" anchor="ctr" anchorCtr="1"/>
+            <a:lstStyle/>
+            <a:p>
+              <a:pPr>
+                <a:defRPr sz="1800" b="0" i="0" u="none" strike="noStrike" kern="1200" baseline="0">
+                  <a:solidFill>
+                    <a:schemeClr val="tx1">
+                      <a:lumMod val="65000"/>
+                      <a:lumOff val="35000"/>
+                    </a:schemeClr>
+                  </a:solidFill>
+                  <a:latin typeface="+mn-lt"/>
+                  <a:ea typeface="+mn-ea"/>
+                  <a:cs typeface="+mn-cs"/>
+                </a:defRPr>
+              </a:pPr>
+              <a:endParaRPr lang="ru-RU"/>
+            </a:p>
+          </c:txPr>
+        </c:title>
+        <c:numFmt formatCode="General" sourceLinked="1"/>
+        <c:majorTickMark val="none"/>
+        <c:minorTickMark val="none"/>
+        <c:tickLblPos val="nextTo"/>
+        <c:spPr>
+          <a:noFill/>
+          <a:ln>
+            <a:noFill/>
+          </a:ln>
+          <a:effectLst/>
+        </c:spPr>
+        <c:txPr>
+          <a:bodyPr rot="-60000000" spcFirstLastPara="1" vertOverflow="ellipsis" vert="horz" wrap="square" anchor="ctr" anchorCtr="1"/>
+          <a:lstStyle/>
+          <a:p>
+            <a:pPr>
+              <a:defRPr sz="1197" b="0" i="0" u="none" strike="noStrike" kern="1200" baseline="0">
+                <a:solidFill>
+                  <a:schemeClr val="tx1">
+                    <a:lumMod val="65000"/>
+                    <a:lumOff val="35000"/>
+                  </a:schemeClr>
+                </a:solidFill>
+                <a:latin typeface="+mn-lt"/>
+                <a:ea typeface="+mn-ea"/>
+                <a:cs typeface="+mn-cs"/>
+              </a:defRPr>
+            </a:pPr>
+            <a:endParaRPr lang="ru-RU"/>
+          </a:p>
+        </c:txPr>
+        <c:crossAx val="1002873392"/>
+        <c:crosses val="autoZero"/>
+        <c:crossBetween val="between"/>
+      </c:valAx>
+      <c:spPr>
+        <a:noFill/>
+        <a:ln>
+          <a:noFill/>
+        </a:ln>
+        <a:effectLst/>
+      </c:spPr>
+    </c:plotArea>
+    <c:legend>
+      <c:legendPos val="b"/>
+      <c:layout>
+        <c:manualLayout>
+          <c:xMode val="edge"/>
+          <c:yMode val="edge"/>
+          <c:x val="0.15803280645634057"/>
+          <c:y val="0.8924783704399385"/>
+          <c:w val="0.75851711218011963"/>
+          <c:h val="9.3459114017272096E-2"/>
+        </c:manualLayout>
+      </c:layout>
+      <c:overlay val="0"/>
+      <c:spPr>
+        <a:noFill/>
+        <a:ln>
+          <a:noFill/>
+        </a:ln>
+        <a:effectLst/>
+      </c:spPr>
+      <c:txPr>
+        <a:bodyPr rot="0" spcFirstLastPara="1" vertOverflow="ellipsis" vert="horz" wrap="square" anchor="ctr" anchorCtr="1"/>
+        <a:lstStyle/>
+        <a:p>
+          <a:pPr>
+            <a:defRPr sz="1600" b="0" i="0" u="none" strike="noStrike" kern="1200" baseline="0">
+              <a:solidFill>
+                <a:schemeClr val="tx1">
+                  <a:lumMod val="65000"/>
+                  <a:lumOff val="35000"/>
+                </a:schemeClr>
+              </a:solidFill>
+              <a:latin typeface="+mn-lt"/>
+              <a:ea typeface="+mn-ea"/>
+              <a:cs typeface="+mn-cs"/>
+            </a:defRPr>
+          </a:pPr>
+          <a:endParaRPr lang="ru-RU"/>
+        </a:p>
+      </c:txPr>
+    </c:legend>
+    <c:plotVisOnly val="1"/>
+    <c:dispBlanksAs val="gap"/>
+    <c:extLst>
+      <c:ext xmlns:c16r3="http://schemas.microsoft.com/office/drawing/2017/03/chart" uri="{56B9EC1D-385E-4148-901F-78D8002777C0}">
+        <c16r3:dataDisplayOptions16>
+          <c16r3:dispNaAsBlank val="1"/>
+        </c16r3:dataDisplayOptions16>
+      </c:ext>
+    </c:extLst>
+    <c:showDLblsOverMax val="0"/>
+  </c:chart>
+  <c:spPr>
+    <a:noFill/>
+    <a:ln>
+      <a:noFill/>
+    </a:ln>
+    <a:effectLst/>
+  </c:spPr>
+  <c:txPr>
+    <a:bodyPr/>
+    <a:lstStyle/>
+    <a:p>
+      <a:pPr>
+        <a:defRPr/>
+      </a:pPr>
+      <a:endParaRPr lang="ru-RU"/>
+    </a:p>
+  </c:txPr>
+  <c:externalData r:id="rId3">
+    <c:autoUpdate val="0"/>
+  </c:externalData>
+</c:chartSpace>
+</file>
+
+<file path=ppt/charts/colors1.xml><?xml version="1.0" encoding="utf-8"?>
+<cs:colorStyle xmlns:cs="http://schemas.microsoft.com/office/drawing/2012/chartStyle" xmlns:a="http://schemas.openxmlformats.org/drawingml/2006/main" meth="cycle" id="10">
+  <a:schemeClr val="accent1"/>
+  <a:schemeClr val="accent2"/>
+  <a:schemeClr val="accent3"/>
+  <a:schemeClr val="accent4"/>
+  <a:schemeClr val="accent5"/>
+  <a:schemeClr val="accent6"/>
+  <cs:variation/>
+  <cs:variation>
+    <a:lumMod val="60000"/>
+  </cs:variation>
+  <cs:variation>
+    <a:lumMod val="80000"/>
+    <a:lumOff val="20000"/>
+  </cs:variation>
+  <cs:variation>
+    <a:lumMod val="80000"/>
+  </cs:variation>
+  <cs:variation>
+    <a:lumMod val="60000"/>
+    <a:lumOff val="40000"/>
+  </cs:variation>
+  <cs:variation>
+    <a:lumMod val="50000"/>
+  </cs:variation>
+  <cs:variation>
+    <a:lumMod val="70000"/>
+    <a:lumOff val="30000"/>
+  </cs:variation>
+  <cs:variation>
+    <a:lumMod val="70000"/>
+  </cs:variation>
+  <cs:variation>
+    <a:lumMod val="50000"/>
+    <a:lumOff val="50000"/>
+  </cs:variation>
+</cs:colorStyle>
+</file>
+
+<file path=ppt/charts/colors2.xml><?xml version="1.0" encoding="utf-8"?>
+<cs:colorStyle xmlns:cs="http://schemas.microsoft.com/office/drawing/2012/chartStyle" xmlns:a="http://schemas.openxmlformats.org/drawingml/2006/main" meth="cycle" id="10">
+  <a:schemeClr val="accent1"/>
+  <a:schemeClr val="accent2"/>
+  <a:schemeClr val="accent3"/>
+  <a:schemeClr val="accent4"/>
+  <a:schemeClr val="accent5"/>
+  <a:schemeClr val="accent6"/>
+  <cs:variation/>
+  <cs:variation>
+    <a:lumMod val="60000"/>
+  </cs:variation>
+  <cs:variation>
+    <a:lumMod val="80000"/>
+    <a:lumOff val="20000"/>
+  </cs:variation>
+  <cs:variation>
+    <a:lumMod val="80000"/>
+  </cs:variation>
+  <cs:variation>
+    <a:lumMod val="60000"/>
+    <a:lumOff val="40000"/>
+  </cs:variation>
+  <cs:variation>
+    <a:lumMod val="50000"/>
+  </cs:variation>
+  <cs:variation>
+    <a:lumMod val="70000"/>
+    <a:lumOff val="30000"/>
+  </cs:variation>
+  <cs:variation>
+    <a:lumMod val="70000"/>
+  </cs:variation>
+  <cs:variation>
+    <a:lumMod val="50000"/>
+    <a:lumOff val="50000"/>
+  </cs:variation>
+</cs:colorStyle>
+</file>
+
+<file path=ppt/charts/style1.xml><?xml version="1.0" encoding="utf-8"?>
+<cs:chartStyle xmlns:cs="http://schemas.microsoft.com/office/drawing/2012/chartStyle" xmlns:a="http://schemas.openxmlformats.org/drawingml/2006/main" id="227">
+  <cs:axisTitle>
+    <cs:lnRef idx="0"/>
+    <cs:fillRef idx="0"/>
+    <cs:effectRef idx="0"/>
+    <cs:fontRef idx="minor">
+      <a:schemeClr val="tx1">
+        <a:lumMod val="65000"/>
+        <a:lumOff val="35000"/>
+      </a:schemeClr>
+    </cs:fontRef>
+    <cs:defRPr sz="1330" kern="1200"/>
+  </cs:axisTitle>
+  <cs:categoryAxis>
+    <cs:lnRef idx="0"/>
+    <cs:fillRef idx="0"/>
+    <cs:effectRef idx="0"/>
+    <cs:fontRef idx="minor">
+      <a:schemeClr val="tx1">
+        <a:lumMod val="65000"/>
+        <a:lumOff val="35000"/>
+      </a:schemeClr>
+    </cs:fontRef>
+    <cs:spPr>
+      <a:ln w="9525" cap="flat" cmpd="sng" algn="ctr">
+        <a:solidFill>
+          <a:schemeClr val="tx1">
+            <a:lumMod val="15000"/>
+            <a:lumOff val="85000"/>
+          </a:schemeClr>
+        </a:solidFill>
+        <a:round/>
+      </a:ln>
+    </cs:spPr>
+    <cs:defRPr sz="1197" kern="1200"/>
+  </cs:categoryAxis>
+  <cs:chartArea mods="allowNoFillOverride allowNoLineOverride">
+    <cs:lnRef idx="0"/>
+    <cs:fillRef idx="0"/>
+    <cs:effectRef idx="0"/>
+    <cs:fontRef idx="minor">
+      <a:schemeClr val="tx1"/>
+    </cs:fontRef>
+    <cs:spPr>
+      <a:solidFill>
+        <a:schemeClr val="bg1"/>
+      </a:solidFill>
+      <a:ln w="9525" cap="flat" cmpd="sng" algn="ctr">
+        <a:solidFill>
+          <a:schemeClr val="tx1">
+            <a:lumMod val="15000"/>
+            <a:lumOff val="85000"/>
+          </a:schemeClr>
+        </a:solidFill>
+        <a:round/>
+      </a:ln>
+    </cs:spPr>
+    <cs:defRPr sz="1330" kern="1200"/>
+  </cs:chartArea>
+  <cs:dataLabel>
+    <cs:lnRef idx="0"/>
+    <cs:fillRef idx="0"/>
+    <cs:effectRef idx="0"/>
+    <cs:fontRef idx="minor">
+      <a:schemeClr val="tx1">
+        <a:lumMod val="75000"/>
+        <a:lumOff val="25000"/>
+      </a:schemeClr>
+    </cs:fontRef>
+    <cs:defRPr sz="1197" kern="1200"/>
+  </cs:dataLabel>
+  <cs:dataLabelCallout>
+    <cs:lnRef idx="0"/>
+    <cs:fillRef idx="0"/>
+    <cs:effectRef idx="0"/>
+    <cs:fontRef idx="minor">
+      <a:schemeClr val="dk1">
+        <a:lumMod val="65000"/>
+        <a:lumOff val="35000"/>
+      </a:schemeClr>
+    </cs:fontRef>
+    <cs:spPr>
+      <a:solidFill>
+        <a:schemeClr val="lt1"/>
+      </a:solidFill>
+      <a:ln>
+        <a:solidFill>
+          <a:schemeClr val="dk1">
+            <a:lumMod val="25000"/>
+            <a:lumOff val="75000"/>
+          </a:schemeClr>
+        </a:solidFill>
+      </a:ln>
+    </cs:spPr>
+    <cs:defRPr sz="1197" kern="1200"/>
+    <cs:bodyPr rot="0" spcFirstLastPara="1" vertOverflow="clip" horzOverflow="clip" vert="horz" wrap="square" lIns="36576" tIns="18288" rIns="36576" bIns="18288" anchor="ctr" anchorCtr="1">
+      <a:spAutoFit/>
+    </cs:bodyPr>
+  </cs:dataLabelCallout>
+  <cs:dataPoint>
+    <cs:lnRef idx="0"/>
+    <cs:fillRef idx="1">
+      <cs:styleClr val="auto"/>
+    </cs:fillRef>
+    <cs:effectRef idx="0"/>
+    <cs:fontRef idx="minor">
+      <a:schemeClr val="tx1"/>
+    </cs:fontRef>
+    <cs:spPr>
+      <a:solidFill>
+        <a:schemeClr val="phClr"/>
+      </a:solidFill>
+    </cs:spPr>
+  </cs:dataPoint>
+  <cs:dataPoint3D>
+    <cs:lnRef idx="0"/>
+    <cs:fillRef idx="1">
+      <cs:styleClr val="auto"/>
+    </cs:fillRef>
+    <cs:effectRef idx="0"/>
+    <cs:fontRef idx="minor">
+      <a:schemeClr val="tx1"/>
+    </cs:fontRef>
+    <cs:spPr>
+      <a:solidFill>
+        <a:schemeClr val="phClr"/>
+      </a:solidFill>
+    </cs:spPr>
+  </cs:dataPoint3D>
+  <cs:dataPointLine>
+    <cs:lnRef idx="0">
+      <cs:styleClr val="auto"/>
+    </cs:lnRef>
+    <cs:fillRef idx="1"/>
+    <cs:effectRef idx="0"/>
+    <cs:fontRef idx="minor">
+      <a:schemeClr val="tx1"/>
+    </cs:fontRef>
+    <cs:spPr>
+      <a:ln w="28575" cap="rnd">
+        <a:solidFill>
+          <a:schemeClr val="phClr"/>
+        </a:solidFill>
+        <a:round/>
+      </a:ln>
+    </cs:spPr>
+  </cs:dataPointLine>
+  <cs:dataPointMarker>
+    <cs:lnRef idx="0">
+      <cs:styleClr val="auto"/>
+    </cs:lnRef>
+    <cs:fillRef idx="1">
+      <cs:styleClr val="auto"/>
+    </cs:fillRef>
+    <cs:effectRef idx="0"/>
+    <cs:fontRef idx="minor">
+      <a:schemeClr val="tx1"/>
+    </cs:fontRef>
+    <cs:spPr>
+      <a:solidFill>
+        <a:schemeClr val="phClr"/>
+      </a:solidFill>
+      <a:ln w="9525">
+        <a:solidFill>
+          <a:schemeClr val="phClr"/>
+        </a:solidFill>
+      </a:ln>
+    </cs:spPr>
+  </cs:dataPointMarker>
+  <cs:dataPointMarkerLayout symbol="circle" size="5"/>
+  <cs:dataPointWireframe>
+    <cs:lnRef idx="0">
+      <cs:styleClr val="auto"/>
+    </cs:lnRef>
+    <cs:fillRef idx="1"/>
+    <cs:effectRef idx="0"/>
+    <cs:fontRef idx="minor">
+      <a:schemeClr val="tx1"/>
+    </cs:fontRef>
+    <cs:spPr>
+      <a:ln w="9525" cap="rnd">
+        <a:solidFill>
+          <a:schemeClr val="phClr"/>
+        </a:solidFill>
+        <a:round/>
+      </a:ln>
+    </cs:spPr>
+  </cs:dataPointWireframe>
+  <cs:dataTable>
+    <cs:lnRef idx="0"/>
+    <cs:fillRef idx="0"/>
+    <cs:effectRef idx="0"/>
+    <cs:fontRef idx="minor">
+      <a:schemeClr val="tx1">
+        <a:lumMod val="65000"/>
+        <a:lumOff val="35000"/>
+      </a:schemeClr>
+    </cs:fontRef>
+    <cs:spPr>
+      <a:noFill/>
+      <a:ln w="9525" cap="flat" cmpd="sng" algn="ctr">
+        <a:solidFill>
+          <a:schemeClr val="tx1">
+            <a:lumMod val="15000"/>
+            <a:lumOff val="85000"/>
+          </a:schemeClr>
+        </a:solidFill>
+        <a:round/>
+      </a:ln>
+    </cs:spPr>
+    <cs:defRPr sz="1197" kern="1200"/>
+  </cs:dataTable>
+  <cs:downBar>
+    <cs:lnRef idx="0"/>
+    <cs:fillRef idx="0"/>
+    <cs:effectRef idx="0"/>
+    <cs:fontRef idx="minor">
+      <a:schemeClr val="dk1"/>
+    </cs:fontRef>
+    <cs:spPr>
+      <a:solidFill>
+        <a:schemeClr val="dk1">
+          <a:lumMod val="65000"/>
+          <a:lumOff val="35000"/>
+        </a:schemeClr>
+      </a:solidFill>
+      <a:ln w="9525">
+        <a:solidFill>
+          <a:schemeClr val="tx1">
+            <a:lumMod val="65000"/>
+            <a:lumOff val="35000"/>
+          </a:schemeClr>
+        </a:solidFill>
+      </a:ln>
+    </cs:spPr>
+  </cs:downBar>
+  <cs:dropLine>
+    <cs:lnRef idx="0"/>
+    <cs:fillRef idx="0"/>
+    <cs:effectRef idx="0"/>
+    <cs:fontRef idx="minor">
+      <a:schemeClr val="tx1"/>
+    </cs:fontRef>
+    <cs:spPr>
+      <a:ln w="9525" cap="flat" cmpd="sng" algn="ctr">
+        <a:solidFill>
+          <a:schemeClr val="tx1">
+            <a:lumMod val="35000"/>
+            <a:lumOff val="65000"/>
+          </a:schemeClr>
+        </a:solidFill>
+        <a:round/>
+      </a:ln>
+    </cs:spPr>
+  </cs:dropLine>
+  <cs:errorBar>
+    <cs:lnRef idx="0"/>
+    <cs:fillRef idx="0"/>
+    <cs:effectRef idx="0"/>
+    <cs:fontRef idx="minor">
+      <a:schemeClr val="tx1"/>
+    </cs:fontRef>
+    <cs:spPr>
+      <a:ln w="9525" cap="flat" cmpd="sng" algn="ctr">
+        <a:solidFill>
+          <a:schemeClr val="tx1">
+            <a:lumMod val="65000"/>
+            <a:lumOff val="35000"/>
+          </a:schemeClr>
+        </a:solidFill>
+        <a:round/>
+      </a:ln>
+    </cs:spPr>
+  </cs:errorBar>
+  <cs:floor>
+    <cs:lnRef idx="0"/>
+    <cs:fillRef idx="0"/>
+    <cs:effectRef idx="0"/>
+    <cs:fontRef idx="minor">
+      <a:schemeClr val="tx1"/>
+    </cs:fontRef>
+    <cs:spPr>
+      <a:noFill/>
+      <a:ln>
+        <a:noFill/>
+      </a:ln>
+    </cs:spPr>
+  </cs:floor>
+  <cs:gridlineMajor>
+    <cs:lnRef idx="0"/>
+    <cs:fillRef idx="0"/>
+    <cs:effectRef idx="0"/>
+    <cs:fontRef idx="minor">
+      <a:schemeClr val="tx1"/>
+    </cs:fontRef>
+    <cs:spPr>
+      <a:ln w="9525" cap="flat" cmpd="sng" algn="ctr">
+        <a:solidFill>
+          <a:schemeClr val="tx1">
+            <a:lumMod val="15000"/>
+            <a:lumOff val="85000"/>
+          </a:schemeClr>
+        </a:solidFill>
+        <a:round/>
+      </a:ln>
+    </cs:spPr>
+  </cs:gridlineMajor>
+  <cs:gridlineMinor>
+    <cs:lnRef idx="0"/>
+    <cs:fillRef idx="0"/>
+    <cs:effectRef idx="0"/>
+    <cs:fontRef idx="minor">
+      <a:schemeClr val="tx1"/>
+    </cs:fontRef>
+    <cs:spPr>
+      <a:ln w="9525" cap="flat" cmpd="sng" algn="ctr">
+        <a:solidFill>
+          <a:schemeClr val="tx1">
+            <a:lumMod val="5000"/>
+            <a:lumOff val="95000"/>
+          </a:schemeClr>
+        </a:solidFill>
+        <a:round/>
+      </a:ln>
+    </cs:spPr>
+  </cs:gridlineMinor>
+  <cs:hiLoLine>
+    <cs:lnRef idx="0"/>
+    <cs:fillRef idx="0"/>
+    <cs:effectRef idx="0"/>
+    <cs:fontRef idx="minor">
+      <a:schemeClr val="tx1"/>
+    </cs:fontRef>
+    <cs:spPr>
+      <a:ln w="9525" cap="flat" cmpd="sng" algn="ctr">
+        <a:solidFill>
+          <a:schemeClr val="tx1">
+            <a:lumMod val="75000"/>
+            <a:lumOff val="25000"/>
+          </a:schemeClr>
+        </a:solidFill>
+        <a:round/>
+      </a:ln>
+    </cs:spPr>
+  </cs:hiLoLine>
+  <cs:leaderLine>
+    <cs:lnRef idx="0"/>
+    <cs:fillRef idx="0"/>
+    <cs:effectRef idx="0"/>
+    <cs:fontRef idx="minor">
+      <a:schemeClr val="tx1"/>
+    </cs:fontRef>
+    <cs:spPr>
+      <a:ln w="9525" cap="flat" cmpd="sng" algn="ctr">
+        <a:solidFill>
+          <a:schemeClr val="tx1">
+            <a:lumMod val="35000"/>
+            <a:lumOff val="65000"/>
+          </a:schemeClr>
+        </a:solidFill>
+        <a:round/>
+      </a:ln>
+    </cs:spPr>
+  </cs:leaderLine>
+  <cs:legend>
+    <cs:lnRef idx="0"/>
+    <cs:fillRef idx="0"/>
+    <cs:effectRef idx="0"/>
+    <cs:fontRef idx="minor">
+      <a:schemeClr val="tx1">
+        <a:lumMod val="65000"/>
+        <a:lumOff val="35000"/>
+      </a:schemeClr>
+    </cs:fontRef>
+    <cs:defRPr sz="1197" kern="1200"/>
+  </cs:legend>
+  <cs:plotArea mods="allowNoFillOverride allowNoLineOverride">
+    <cs:lnRef idx="0"/>
+    <cs:fillRef idx="0"/>
+    <cs:effectRef idx="0"/>
+    <cs:fontRef idx="minor">
+      <a:schemeClr val="tx1"/>
+    </cs:fontRef>
+  </cs:plotArea>
+  <cs:plotArea3D mods="allowNoFillOverride allowNoLineOverride">
+    <cs:lnRef idx="0"/>
+    <cs:fillRef idx="0"/>
+    <cs:effectRef idx="0"/>
+    <cs:fontRef idx="minor">
+      <a:schemeClr val="tx1"/>
+    </cs:fontRef>
+  </cs:plotArea3D>
+  <cs:seriesAxis>
+    <cs:lnRef idx="0"/>
+    <cs:fillRef idx="0"/>
+    <cs:effectRef idx="0"/>
+    <cs:fontRef idx="minor">
+      <a:schemeClr val="tx1">
+        <a:lumMod val="65000"/>
+        <a:lumOff val="35000"/>
+      </a:schemeClr>
+    </cs:fontRef>
+    <cs:defRPr sz="1197" kern="1200"/>
+  </cs:seriesAxis>
+  <cs:seriesLine>
+    <cs:lnRef idx="0"/>
+    <cs:fillRef idx="0"/>
+    <cs:effectRef idx="0"/>
+    <cs:fontRef idx="minor">
+      <a:schemeClr val="tx1"/>
+    </cs:fontRef>
+    <cs:spPr>
+      <a:ln w="9525" cap="flat" cmpd="sng" algn="ctr">
+        <a:solidFill>
+          <a:schemeClr val="tx1">
+            <a:lumMod val="35000"/>
+            <a:lumOff val="65000"/>
+          </a:schemeClr>
+        </a:solidFill>
+        <a:round/>
+      </a:ln>
+    </cs:spPr>
+  </cs:seriesLine>
+  <cs:title>
+    <cs:lnRef idx="0"/>
+    <cs:fillRef idx="0"/>
+    <cs:effectRef idx="0"/>
+    <cs:fontRef idx="minor">
+      <a:schemeClr val="tx1">
+        <a:lumMod val="65000"/>
+        <a:lumOff val="35000"/>
+      </a:schemeClr>
+    </cs:fontRef>
+    <cs:defRPr sz="1862" b="0" kern="1200" spc="0" baseline="0"/>
+  </cs:title>
+  <cs:trendline>
+    <cs:lnRef idx="0">
+      <cs:styleClr val="auto"/>
+    </cs:lnRef>
+    <cs:fillRef idx="0"/>
+    <cs:effectRef idx="0"/>
+    <cs:fontRef idx="minor">
+      <a:schemeClr val="tx1"/>
+    </cs:fontRef>
+    <cs:spPr>
+      <a:ln w="19050" cap="rnd">
+        <a:solidFill>
+          <a:schemeClr val="phClr"/>
+        </a:solidFill>
+        <a:prstDash val="sysDot"/>
+      </a:ln>
+    </cs:spPr>
+  </cs:trendline>
+  <cs:trendlineLabel>
+    <cs:lnRef idx="0"/>
+    <cs:fillRef idx="0"/>
+    <cs:effectRef idx="0"/>
+    <cs:fontRef idx="minor">
+      <a:schemeClr val="tx1">
+        <a:lumMod val="65000"/>
+        <a:lumOff val="35000"/>
+      </a:schemeClr>
+    </cs:fontRef>
+    <cs:defRPr sz="1197" kern="1200"/>
+  </cs:trendlineLabel>
+  <cs:upBar>
+    <cs:lnRef idx="0"/>
+    <cs:fillRef idx="0"/>
+    <cs:effectRef idx="0"/>
+    <cs:fontRef idx="minor">
+      <a:schemeClr val="dk1"/>
+    </cs:fontRef>
+    <cs:spPr>
+      <a:solidFill>
+        <a:schemeClr val="lt1"/>
+      </a:solidFill>
+      <a:ln w="9525">
+        <a:solidFill>
+          <a:schemeClr val="tx1">
+            <a:lumMod val="15000"/>
+            <a:lumOff val="85000"/>
+          </a:schemeClr>
+        </a:solidFill>
+      </a:ln>
+    </cs:spPr>
+  </cs:upBar>
+  <cs:valueAxis>
+    <cs:lnRef idx="0"/>
+    <cs:fillRef idx="0"/>
+    <cs:effectRef idx="0"/>
+    <cs:fontRef idx="minor">
+      <a:schemeClr val="tx1">
+        <a:lumMod val="65000"/>
+        <a:lumOff val="35000"/>
+      </a:schemeClr>
+    </cs:fontRef>
+    <cs:defRPr sz="1197" kern="1200"/>
+  </cs:valueAxis>
+  <cs:wall>
+    <cs:lnRef idx="0"/>
+    <cs:fillRef idx="0"/>
+    <cs:effectRef idx="0"/>
+    <cs:fontRef idx="minor">
+      <a:schemeClr val="tx1"/>
+    </cs:fontRef>
+    <cs:spPr>
+      <a:noFill/>
+      <a:ln>
+        <a:noFill/>
+      </a:ln>
+    </cs:spPr>
+  </cs:wall>
+</cs:chartStyle>
+</file>
+
+<file path=ppt/charts/style2.xml><?xml version="1.0" encoding="utf-8"?>
+<cs:chartStyle xmlns:cs="http://schemas.microsoft.com/office/drawing/2012/chartStyle" xmlns:a="http://schemas.openxmlformats.org/drawingml/2006/main" id="227">
+  <cs:axisTitle>
+    <cs:lnRef idx="0"/>
+    <cs:fillRef idx="0"/>
+    <cs:effectRef idx="0"/>
+    <cs:fontRef idx="minor">
+      <a:schemeClr val="tx1">
+        <a:lumMod val="65000"/>
+        <a:lumOff val="35000"/>
+      </a:schemeClr>
+    </cs:fontRef>
+    <cs:defRPr sz="1330" kern="1200"/>
+  </cs:axisTitle>
+  <cs:categoryAxis>
+    <cs:lnRef idx="0"/>
+    <cs:fillRef idx="0"/>
+    <cs:effectRef idx="0"/>
+    <cs:fontRef idx="minor">
+      <a:schemeClr val="tx1">
+        <a:lumMod val="65000"/>
+        <a:lumOff val="35000"/>
+      </a:schemeClr>
+    </cs:fontRef>
+    <cs:spPr>
+      <a:ln w="9525" cap="flat" cmpd="sng" algn="ctr">
+        <a:solidFill>
+          <a:schemeClr val="tx1">
+            <a:lumMod val="15000"/>
+            <a:lumOff val="85000"/>
+          </a:schemeClr>
+        </a:solidFill>
+        <a:round/>
+      </a:ln>
+    </cs:spPr>
+    <cs:defRPr sz="1197" kern="1200"/>
+  </cs:categoryAxis>
+  <cs:chartArea mods="allowNoFillOverride allowNoLineOverride">
+    <cs:lnRef idx="0"/>
+    <cs:fillRef idx="0"/>
+    <cs:effectRef idx="0"/>
+    <cs:fontRef idx="minor">
+      <a:schemeClr val="tx1"/>
+    </cs:fontRef>
+    <cs:spPr>
+      <a:solidFill>
+        <a:schemeClr val="bg1"/>
+      </a:solidFill>
+      <a:ln w="9525" cap="flat" cmpd="sng" algn="ctr">
+        <a:solidFill>
+          <a:schemeClr val="tx1">
+            <a:lumMod val="15000"/>
+            <a:lumOff val="85000"/>
+          </a:schemeClr>
+        </a:solidFill>
+        <a:round/>
+      </a:ln>
+    </cs:spPr>
+    <cs:defRPr sz="1330" kern="1200"/>
+  </cs:chartArea>
+  <cs:dataLabel>
+    <cs:lnRef idx="0"/>
+    <cs:fillRef idx="0"/>
+    <cs:effectRef idx="0"/>
+    <cs:fontRef idx="minor">
+      <a:schemeClr val="tx1">
+        <a:lumMod val="75000"/>
+        <a:lumOff val="25000"/>
+      </a:schemeClr>
+    </cs:fontRef>
+    <cs:defRPr sz="1197" kern="1200"/>
+  </cs:dataLabel>
+  <cs:dataLabelCallout>
+    <cs:lnRef idx="0"/>
+    <cs:fillRef idx="0"/>
+    <cs:effectRef idx="0"/>
+    <cs:fontRef idx="minor">
+      <a:schemeClr val="dk1">
+        <a:lumMod val="65000"/>
+        <a:lumOff val="35000"/>
+      </a:schemeClr>
+    </cs:fontRef>
+    <cs:spPr>
+      <a:solidFill>
+        <a:schemeClr val="lt1"/>
+      </a:solidFill>
+      <a:ln>
+        <a:solidFill>
+          <a:schemeClr val="dk1">
+            <a:lumMod val="25000"/>
+            <a:lumOff val="75000"/>
+          </a:schemeClr>
+        </a:solidFill>
+      </a:ln>
+    </cs:spPr>
+    <cs:defRPr sz="1197" kern="1200"/>
+    <cs:bodyPr rot="0" spcFirstLastPara="1" vertOverflow="clip" horzOverflow="clip" vert="horz" wrap="square" lIns="36576" tIns="18288" rIns="36576" bIns="18288" anchor="ctr" anchorCtr="1">
+      <a:spAutoFit/>
+    </cs:bodyPr>
+  </cs:dataLabelCallout>
+  <cs:dataPoint>
+    <cs:lnRef idx="0"/>
+    <cs:fillRef idx="1">
+      <cs:styleClr val="auto"/>
+    </cs:fillRef>
+    <cs:effectRef idx="0"/>
+    <cs:fontRef idx="minor">
+      <a:schemeClr val="tx1"/>
+    </cs:fontRef>
+    <cs:spPr>
+      <a:solidFill>
+        <a:schemeClr val="phClr"/>
+      </a:solidFill>
+    </cs:spPr>
+  </cs:dataPoint>
+  <cs:dataPoint3D>
+    <cs:lnRef idx="0"/>
+    <cs:fillRef idx="1">
+      <cs:styleClr val="auto"/>
+    </cs:fillRef>
+    <cs:effectRef idx="0"/>
+    <cs:fontRef idx="minor">
+      <a:schemeClr val="tx1"/>
+    </cs:fontRef>
+    <cs:spPr>
+      <a:solidFill>
+        <a:schemeClr val="phClr"/>
+      </a:solidFill>
+    </cs:spPr>
+  </cs:dataPoint3D>
+  <cs:dataPointLine>
+    <cs:lnRef idx="0">
+      <cs:styleClr val="auto"/>
+    </cs:lnRef>
+    <cs:fillRef idx="1"/>
+    <cs:effectRef idx="0"/>
+    <cs:fontRef idx="minor">
+      <a:schemeClr val="tx1"/>
+    </cs:fontRef>
+    <cs:spPr>
+      <a:ln w="28575" cap="rnd">
+        <a:solidFill>
+          <a:schemeClr val="phClr"/>
+        </a:solidFill>
+        <a:round/>
+      </a:ln>
+    </cs:spPr>
+  </cs:dataPointLine>
+  <cs:dataPointMarker>
+    <cs:lnRef idx="0">
+      <cs:styleClr val="auto"/>
+    </cs:lnRef>
+    <cs:fillRef idx="1">
+      <cs:styleClr val="auto"/>
+    </cs:fillRef>
+    <cs:effectRef idx="0"/>
+    <cs:fontRef idx="minor">
+      <a:schemeClr val="tx1"/>
+    </cs:fontRef>
+    <cs:spPr>
+      <a:solidFill>
+        <a:schemeClr val="phClr"/>
+      </a:solidFill>
+      <a:ln w="9525">
+        <a:solidFill>
+          <a:schemeClr val="phClr"/>
+        </a:solidFill>
+      </a:ln>
+    </cs:spPr>
+  </cs:dataPointMarker>
+  <cs:dataPointMarkerLayout symbol="circle" size="5"/>
+  <cs:dataPointWireframe>
+    <cs:lnRef idx="0">
+      <cs:styleClr val="auto"/>
+    </cs:lnRef>
+    <cs:fillRef idx="1"/>
+    <cs:effectRef idx="0"/>
+    <cs:fontRef idx="minor">
+      <a:schemeClr val="tx1"/>
+    </cs:fontRef>
+    <cs:spPr>
+      <a:ln w="9525" cap="rnd">
+        <a:solidFill>
+          <a:schemeClr val="phClr"/>
+        </a:solidFill>
+        <a:round/>
+      </a:ln>
+    </cs:spPr>
+  </cs:dataPointWireframe>
+  <cs:dataTable>
+    <cs:lnRef idx="0"/>
+    <cs:fillRef idx="0"/>
+    <cs:effectRef idx="0"/>
+    <cs:fontRef idx="minor">
+      <a:schemeClr val="tx1">
+        <a:lumMod val="65000"/>
+        <a:lumOff val="35000"/>
+      </a:schemeClr>
+    </cs:fontRef>
+    <cs:spPr>
+      <a:noFill/>
+      <a:ln w="9525" cap="flat" cmpd="sng" algn="ctr">
+        <a:solidFill>
+          <a:schemeClr val="tx1">
+            <a:lumMod val="15000"/>
+            <a:lumOff val="85000"/>
+          </a:schemeClr>
+        </a:solidFill>
+        <a:round/>
+      </a:ln>
+    </cs:spPr>
+    <cs:defRPr sz="1197" kern="1200"/>
+  </cs:dataTable>
+  <cs:downBar>
+    <cs:lnRef idx="0"/>
+    <cs:fillRef idx="0"/>
+    <cs:effectRef idx="0"/>
+    <cs:fontRef idx="minor">
+      <a:schemeClr val="dk1"/>
+    </cs:fontRef>
+    <cs:spPr>
+      <a:solidFill>
+        <a:schemeClr val="dk1">
+          <a:lumMod val="65000"/>
+          <a:lumOff val="35000"/>
+        </a:schemeClr>
+      </a:solidFill>
+      <a:ln w="9525">
+        <a:solidFill>
+          <a:schemeClr val="tx1">
+            <a:lumMod val="65000"/>
+            <a:lumOff val="35000"/>
+          </a:schemeClr>
+        </a:solidFill>
+      </a:ln>
+    </cs:spPr>
+  </cs:downBar>
+  <cs:dropLine>
+    <cs:lnRef idx="0"/>
+    <cs:fillRef idx="0"/>
+    <cs:effectRef idx="0"/>
+    <cs:fontRef idx="minor">
+      <a:schemeClr val="tx1"/>
+    </cs:fontRef>
+    <cs:spPr>
+      <a:ln w="9525" cap="flat" cmpd="sng" algn="ctr">
+        <a:solidFill>
+          <a:schemeClr val="tx1">
+            <a:lumMod val="35000"/>
+            <a:lumOff val="65000"/>
+          </a:schemeClr>
+        </a:solidFill>
+        <a:round/>
+      </a:ln>
+    </cs:spPr>
+  </cs:dropLine>
+  <cs:errorBar>
+    <cs:lnRef idx="0"/>
+    <cs:fillRef idx="0"/>
+    <cs:effectRef idx="0"/>
+    <cs:fontRef idx="minor">
+      <a:schemeClr val="tx1"/>
+    </cs:fontRef>
+    <cs:spPr>
+      <a:ln w="9525" cap="flat" cmpd="sng" algn="ctr">
+        <a:solidFill>
+          <a:schemeClr val="tx1">
+            <a:lumMod val="65000"/>
+            <a:lumOff val="35000"/>
+          </a:schemeClr>
+        </a:solidFill>
+        <a:round/>
+      </a:ln>
+    </cs:spPr>
+  </cs:errorBar>
+  <cs:floor>
+    <cs:lnRef idx="0"/>
+    <cs:fillRef idx="0"/>
+    <cs:effectRef idx="0"/>
+    <cs:fontRef idx="minor">
+      <a:schemeClr val="tx1"/>
+    </cs:fontRef>
+    <cs:spPr>
+      <a:noFill/>
+      <a:ln>
+        <a:noFill/>
+      </a:ln>
+    </cs:spPr>
+  </cs:floor>
+  <cs:gridlineMajor>
+    <cs:lnRef idx="0"/>
+    <cs:fillRef idx="0"/>
+    <cs:effectRef idx="0"/>
+    <cs:fontRef idx="minor">
+      <a:schemeClr val="tx1"/>
+    </cs:fontRef>
+    <cs:spPr>
+      <a:ln w="9525" cap="flat" cmpd="sng" algn="ctr">
+        <a:solidFill>
+          <a:schemeClr val="tx1">
+            <a:lumMod val="15000"/>
+            <a:lumOff val="85000"/>
+          </a:schemeClr>
+        </a:solidFill>
+        <a:round/>
+      </a:ln>
+    </cs:spPr>
+  </cs:gridlineMajor>
+  <cs:gridlineMinor>
+    <cs:lnRef idx="0"/>
+    <cs:fillRef idx="0"/>
+    <cs:effectRef idx="0"/>
+    <cs:fontRef idx="minor">
+      <a:schemeClr val="tx1"/>
+    </cs:fontRef>
+    <cs:spPr>
+      <a:ln w="9525" cap="flat" cmpd="sng" algn="ctr">
+        <a:solidFill>
+          <a:schemeClr val="tx1">
+            <a:lumMod val="5000"/>
+            <a:lumOff val="95000"/>
+          </a:schemeClr>
+        </a:solidFill>
+        <a:round/>
+      </a:ln>
+    </cs:spPr>
+  </cs:gridlineMinor>
+  <cs:hiLoLine>
+    <cs:lnRef idx="0"/>
+    <cs:fillRef idx="0"/>
+    <cs:effectRef idx="0"/>
+    <cs:fontRef idx="minor">
+      <a:schemeClr val="tx1"/>
+    </cs:fontRef>
+    <cs:spPr>
+      <a:ln w="9525" cap="flat" cmpd="sng" algn="ctr">
+        <a:solidFill>
+          <a:schemeClr val="tx1">
+            <a:lumMod val="75000"/>
+            <a:lumOff val="25000"/>
+          </a:schemeClr>
+        </a:solidFill>
+        <a:round/>
+      </a:ln>
+    </cs:spPr>
+  </cs:hiLoLine>
+  <cs:leaderLine>
+    <cs:lnRef idx="0"/>
+    <cs:fillRef idx="0"/>
+    <cs:effectRef idx="0"/>
+    <cs:fontRef idx="minor">
+      <a:schemeClr val="tx1"/>
+    </cs:fontRef>
+    <cs:spPr>
+      <a:ln w="9525" cap="flat" cmpd="sng" algn="ctr">
+        <a:solidFill>
+          <a:schemeClr val="tx1">
+            <a:lumMod val="35000"/>
+            <a:lumOff val="65000"/>
+          </a:schemeClr>
+        </a:solidFill>
+        <a:round/>
+      </a:ln>
+    </cs:spPr>
+  </cs:leaderLine>
+  <cs:legend>
+    <cs:lnRef idx="0"/>
+    <cs:fillRef idx="0"/>
+    <cs:effectRef idx="0"/>
+    <cs:fontRef idx="minor">
+      <a:schemeClr val="tx1">
+        <a:lumMod val="65000"/>
+        <a:lumOff val="35000"/>
+      </a:schemeClr>
+    </cs:fontRef>
+    <cs:defRPr sz="1197" kern="1200"/>
+  </cs:legend>
+  <cs:plotArea mods="allowNoFillOverride allowNoLineOverride">
+    <cs:lnRef idx="0"/>
+    <cs:fillRef idx="0"/>
+    <cs:effectRef idx="0"/>
+    <cs:fontRef idx="minor">
+      <a:schemeClr val="tx1"/>
+    </cs:fontRef>
+  </cs:plotArea>
+  <cs:plotArea3D mods="allowNoFillOverride allowNoLineOverride">
+    <cs:lnRef idx="0"/>
+    <cs:fillRef idx="0"/>
+    <cs:effectRef idx="0"/>
+    <cs:fontRef idx="minor">
+      <a:schemeClr val="tx1"/>
+    </cs:fontRef>
+  </cs:plotArea3D>
+  <cs:seriesAxis>
+    <cs:lnRef idx="0"/>
+    <cs:fillRef idx="0"/>
+    <cs:effectRef idx="0"/>
+    <cs:fontRef idx="minor">
+      <a:schemeClr val="tx1">
+        <a:lumMod val="65000"/>
+        <a:lumOff val="35000"/>
+      </a:schemeClr>
+    </cs:fontRef>
+    <cs:defRPr sz="1197" kern="1200"/>
+  </cs:seriesAxis>
+  <cs:seriesLine>
+    <cs:lnRef idx="0"/>
+    <cs:fillRef idx="0"/>
+    <cs:effectRef idx="0"/>
+    <cs:fontRef idx="minor">
+      <a:schemeClr val="tx1"/>
+    </cs:fontRef>
+    <cs:spPr>
+      <a:ln w="9525" cap="flat" cmpd="sng" algn="ctr">
+        <a:solidFill>
+          <a:schemeClr val="tx1">
+            <a:lumMod val="35000"/>
+            <a:lumOff val="65000"/>
+          </a:schemeClr>
+        </a:solidFill>
+        <a:round/>
+      </a:ln>
+    </cs:spPr>
+  </cs:seriesLine>
+  <cs:title>
+    <cs:lnRef idx="0"/>
+    <cs:fillRef idx="0"/>
+    <cs:effectRef idx="0"/>
+    <cs:fontRef idx="minor">
+      <a:schemeClr val="tx1">
+        <a:lumMod val="65000"/>
+        <a:lumOff val="35000"/>
+      </a:schemeClr>
+    </cs:fontRef>
+    <cs:defRPr sz="1862" b="0" kern="1200" spc="0" baseline="0"/>
+  </cs:title>
+  <cs:trendline>
+    <cs:lnRef idx="0">
+      <cs:styleClr val="auto"/>
+    </cs:lnRef>
+    <cs:fillRef idx="0"/>
+    <cs:effectRef idx="0"/>
+    <cs:fontRef idx="minor">
+      <a:schemeClr val="tx1"/>
+    </cs:fontRef>
+    <cs:spPr>
+      <a:ln w="19050" cap="rnd">
+        <a:solidFill>
+          <a:schemeClr val="phClr"/>
+        </a:solidFill>
+        <a:prstDash val="sysDot"/>
+      </a:ln>
+    </cs:spPr>
+  </cs:trendline>
+  <cs:trendlineLabel>
+    <cs:lnRef idx="0"/>
+    <cs:fillRef idx="0"/>
+    <cs:effectRef idx="0"/>
+    <cs:fontRef idx="minor">
+      <a:schemeClr val="tx1">
+        <a:lumMod val="65000"/>
+        <a:lumOff val="35000"/>
+      </a:schemeClr>
+    </cs:fontRef>
+    <cs:defRPr sz="1197" kern="1200"/>
+  </cs:trendlineLabel>
+  <cs:upBar>
+    <cs:lnRef idx="0"/>
+    <cs:fillRef idx="0"/>
+    <cs:effectRef idx="0"/>
+    <cs:fontRef idx="minor">
+      <a:schemeClr val="dk1"/>
+    </cs:fontRef>
+    <cs:spPr>
+      <a:solidFill>
+        <a:schemeClr val="lt1"/>
+      </a:solidFill>
+      <a:ln w="9525">
+        <a:solidFill>
+          <a:schemeClr val="tx1">
+            <a:lumMod val="15000"/>
+            <a:lumOff val="85000"/>
+          </a:schemeClr>
+        </a:solidFill>
+      </a:ln>
+    </cs:spPr>
+  </cs:upBar>
+  <cs:valueAxis>
+    <cs:lnRef idx="0"/>
+    <cs:fillRef idx="0"/>
+    <cs:effectRef idx="0"/>
+    <cs:fontRef idx="minor">
+      <a:schemeClr val="tx1">
+        <a:lumMod val="65000"/>
+        <a:lumOff val="35000"/>
+      </a:schemeClr>
+    </cs:fontRef>
+    <cs:defRPr sz="1197" kern="1200"/>
+  </cs:valueAxis>
+  <cs:wall>
+    <cs:lnRef idx="0"/>
+    <cs:fillRef idx="0"/>
+    <cs:effectRef idx="0"/>
+    <cs:fontRef idx="minor">
+      <a:schemeClr val="tx1"/>
+    </cs:fontRef>
+    <cs:spPr>
+      <a:noFill/>
+      <a:ln>
+        <a:noFill/>
+      </a:ln>
+    </cs:spPr>
+  </cs:wall>
+</cs:chartStyle>
+</file>
+
 <file path=ppt/slideLayouts/slideLayout1.xml><?xml version="1.0" encoding="utf-8"?>
 <p:sldLayout xmlns:a="http://schemas.openxmlformats.org/drawingml/2006/main" xmlns:r="http://schemas.openxmlformats.org/officeDocument/2006/relationships" xmlns:p="http://schemas.openxmlformats.org/presentationml/2006/main" type="title" preserve="1">
   <p:cSld name="Титульный слайд">
@@ -274,7 +2795,7 @@
           <a:p>
             <a:fld id="{2C4F8AC4-AA0C-4DF4-9FA7-76A0D6297D19}" type="datetimeFigureOut">
               <a:rPr lang="ru-RU" smtClean="0"/>
-              <a:t>10.02.2023</a:t>
+              <a:t>14.02.2023</a:t>
             </a:fld>
             <a:endParaRPr lang="ru-RU"/>
           </a:p>
@@ -472,7 +2993,7 @@
           <a:p>
             <a:fld id="{2C4F8AC4-AA0C-4DF4-9FA7-76A0D6297D19}" type="datetimeFigureOut">
               <a:rPr lang="ru-RU" smtClean="0"/>
-              <a:t>10.02.2023</a:t>
+              <a:t>14.02.2023</a:t>
             </a:fld>
             <a:endParaRPr lang="ru-RU"/>
           </a:p>
@@ -680,7 +3201,7 @@
           <a:p>
             <a:fld id="{2C4F8AC4-AA0C-4DF4-9FA7-76A0D6297D19}" type="datetimeFigureOut">
               <a:rPr lang="ru-RU" smtClean="0"/>
-              <a:t>10.02.2023</a:t>
+              <a:t>14.02.2023</a:t>
             </a:fld>
             <a:endParaRPr lang="ru-RU"/>
           </a:p>
@@ -878,7 +3399,7 @@
           <a:p>
             <a:fld id="{2C4F8AC4-AA0C-4DF4-9FA7-76A0D6297D19}" type="datetimeFigureOut">
               <a:rPr lang="ru-RU" smtClean="0"/>
-              <a:t>10.02.2023</a:t>
+              <a:t>14.02.2023</a:t>
             </a:fld>
             <a:endParaRPr lang="ru-RU"/>
           </a:p>
@@ -1153,7 +3674,7 @@
           <a:p>
             <a:fld id="{2C4F8AC4-AA0C-4DF4-9FA7-76A0D6297D19}" type="datetimeFigureOut">
               <a:rPr lang="ru-RU" smtClean="0"/>
-              <a:t>10.02.2023</a:t>
+              <a:t>14.02.2023</a:t>
             </a:fld>
             <a:endParaRPr lang="ru-RU"/>
           </a:p>
@@ -1418,7 +3939,7 @@
           <a:p>
             <a:fld id="{2C4F8AC4-AA0C-4DF4-9FA7-76A0D6297D19}" type="datetimeFigureOut">
               <a:rPr lang="ru-RU" smtClean="0"/>
-              <a:t>10.02.2023</a:t>
+              <a:t>14.02.2023</a:t>
             </a:fld>
             <a:endParaRPr lang="ru-RU"/>
           </a:p>
@@ -1830,7 +4351,7 @@
           <a:p>
             <a:fld id="{2C4F8AC4-AA0C-4DF4-9FA7-76A0D6297D19}" type="datetimeFigureOut">
               <a:rPr lang="ru-RU" smtClean="0"/>
-              <a:t>10.02.2023</a:t>
+              <a:t>14.02.2023</a:t>
             </a:fld>
             <a:endParaRPr lang="ru-RU"/>
           </a:p>
@@ -1971,7 +4492,7 @@
           <a:p>
             <a:fld id="{2C4F8AC4-AA0C-4DF4-9FA7-76A0D6297D19}" type="datetimeFigureOut">
               <a:rPr lang="ru-RU" smtClean="0"/>
-              <a:t>10.02.2023</a:t>
+              <a:t>14.02.2023</a:t>
             </a:fld>
             <a:endParaRPr lang="ru-RU"/>
           </a:p>
@@ -2084,7 +4605,7 @@
           <a:p>
             <a:fld id="{2C4F8AC4-AA0C-4DF4-9FA7-76A0D6297D19}" type="datetimeFigureOut">
               <a:rPr lang="ru-RU" smtClean="0"/>
-              <a:t>10.02.2023</a:t>
+              <a:t>14.02.2023</a:t>
             </a:fld>
             <a:endParaRPr lang="ru-RU"/>
           </a:p>
@@ -2395,7 +4916,7 @@
           <a:p>
             <a:fld id="{2C4F8AC4-AA0C-4DF4-9FA7-76A0D6297D19}" type="datetimeFigureOut">
               <a:rPr lang="ru-RU" smtClean="0"/>
-              <a:t>10.02.2023</a:t>
+              <a:t>14.02.2023</a:t>
             </a:fld>
             <a:endParaRPr lang="ru-RU"/>
           </a:p>
@@ -2683,7 +5204,7 @@
           <a:p>
             <a:fld id="{2C4F8AC4-AA0C-4DF4-9FA7-76A0D6297D19}" type="datetimeFigureOut">
               <a:rPr lang="ru-RU" smtClean="0"/>
-              <a:t>10.02.2023</a:t>
+              <a:t>14.02.2023</a:t>
             </a:fld>
             <a:endParaRPr lang="ru-RU"/>
           </a:p>
@@ -2924,7 +5445,7 @@
           <a:p>
             <a:fld id="{2C4F8AC4-AA0C-4DF4-9FA7-76A0D6297D19}" type="datetimeFigureOut">
               <a:rPr lang="ru-RU" smtClean="0"/>
-              <a:t>10.02.2023</a:t>
+              <a:t>14.02.2023</a:t>
             </a:fld>
             <a:endParaRPr lang="ru-RU"/>
           </a:p>
@@ -3357,9 +5878,16 @@
             <p:ph type="ctrTitle"/>
           </p:nvPr>
         </p:nvSpPr>
-        <p:spPr/>
-        <p:txBody>
-          <a:bodyPr/>
+        <p:spPr>
+          <a:xfrm>
+            <a:off x="1524000" y="2156791"/>
+            <a:ext cx="9144000" cy="985424"/>
+          </a:xfrm>
+        </p:spPr>
+        <p:txBody>
+          <a:bodyPr>
+            <a:normAutofit/>
+          </a:bodyPr>
           <a:lstStyle/>
           <a:p>
             <a:r>
@@ -3386,7 +5914,12 @@
             <p:ph type="subTitle" idx="1"/>
           </p:nvPr>
         </p:nvSpPr>
-        <p:spPr/>
+        <p:spPr>
+          <a:xfrm>
+            <a:off x="1524000" y="3241708"/>
+            <a:ext cx="9144000" cy="495405"/>
+          </a:xfrm>
+        </p:spPr>
         <p:txBody>
           <a:bodyPr/>
           <a:lstStyle/>
@@ -3394,6 +5927,310 @@
             <a:r>
               <a:rPr lang="ru-RU" dirty="0"/>
               <a:t>Структура данных</a:t>
+            </a:r>
+          </a:p>
+        </p:txBody>
+      </p:sp>
+      <p:sp>
+        <p:nvSpPr>
+          <p:cNvPr id="4" name="TextBox 3">
+            <a:extLst>
+              <a:ext uri="{FF2B5EF4-FFF2-40B4-BE49-F238E27FC236}">
+                <a16:creationId xmlns:a16="http://schemas.microsoft.com/office/drawing/2014/main" id="{C4EC1346-061E-8360-1D94-FB323985D33C}"/>
+              </a:ext>
+            </a:extLst>
+          </p:cNvPr>
+          <p:cNvSpPr txBox="1"/>
+          <p:nvPr/>
+        </p:nvSpPr>
+        <p:spPr>
+          <a:xfrm>
+            <a:off x="3776070" y="660956"/>
+            <a:ext cx="4639860" cy="369332"/>
+          </a:xfrm>
+          <a:prstGeom prst="rect">
+            <a:avLst/>
+          </a:prstGeom>
+          <a:noFill/>
+        </p:spPr>
+        <p:txBody>
+          <a:bodyPr wrap="none" rtlCol="0">
+            <a:spAutoFit/>
+          </a:bodyPr>
+          <a:lstStyle/>
+          <a:p>
+            <a:r>
+              <a:rPr lang="ru-RU" sz="1800" dirty="0"/>
+              <a:t>Дальневосточный федеральный университет</a:t>
+            </a:r>
+            <a:endParaRPr lang="ru-RU" dirty="0"/>
+          </a:p>
+        </p:txBody>
+      </p:sp>
+      <p:sp>
+        <p:nvSpPr>
+          <p:cNvPr id="6" name="Подзаголовок 2">
+            <a:extLst>
+              <a:ext uri="{FF2B5EF4-FFF2-40B4-BE49-F238E27FC236}">
+                <a16:creationId xmlns:a16="http://schemas.microsoft.com/office/drawing/2014/main" id="{08158EB0-BB89-4EA1-B27C-B44F20653233}"/>
+              </a:ext>
+            </a:extLst>
+          </p:cNvPr>
+          <p:cNvSpPr>
+            <a:spLocks noGrp="1"/>
+          </p:cNvSpPr>
+          <p:nvPr/>
+        </p:nvSpPr>
+        <p:spPr>
+          <a:xfrm>
+            <a:off x="7947990" y="4388123"/>
+            <a:ext cx="4108176" cy="1808921"/>
+          </a:xfrm>
+          <a:prstGeom prst="rect">
+            <a:avLst/>
+          </a:prstGeom>
+        </p:spPr>
+        <p:txBody>
+          <a:bodyPr vert="horz" lIns="91440" tIns="45720" rIns="91440" bIns="45720" rtlCol="0">
+            <a:normAutofit/>
+          </a:bodyPr>
+          <a:lstStyle>
+            <a:lvl1pPr marL="0" indent="0" algn="ctr" defTabSz="914400" rtl="0" eaLnBrk="1" latinLnBrk="0" hangingPunct="1">
+              <a:lnSpc>
+                <a:spcPct val="90000"/>
+              </a:lnSpc>
+              <a:spcBef>
+                <a:spcPts val="1000"/>
+              </a:spcBef>
+              <a:buFont typeface="Arial" panose="020B0604020202020204" pitchFamily="34" charset="0"/>
+              <a:buNone/>
+              <a:defRPr sz="2400" kern="1200">
+                <a:solidFill>
+                  <a:schemeClr val="tx1"/>
+                </a:solidFill>
+                <a:latin typeface="+mn-lt"/>
+                <a:ea typeface="+mn-ea"/>
+                <a:cs typeface="+mn-cs"/>
+              </a:defRPr>
+            </a:lvl1pPr>
+            <a:lvl2pPr marL="457200" indent="0" algn="ctr" defTabSz="914400" rtl="0" eaLnBrk="1" latinLnBrk="0" hangingPunct="1">
+              <a:lnSpc>
+                <a:spcPct val="90000"/>
+              </a:lnSpc>
+              <a:spcBef>
+                <a:spcPts val="500"/>
+              </a:spcBef>
+              <a:buFont typeface="Arial" panose="020B0604020202020204" pitchFamily="34" charset="0"/>
+              <a:buNone/>
+              <a:defRPr sz="2000" kern="1200">
+                <a:solidFill>
+                  <a:schemeClr val="tx1"/>
+                </a:solidFill>
+                <a:latin typeface="+mn-lt"/>
+                <a:ea typeface="+mn-ea"/>
+                <a:cs typeface="+mn-cs"/>
+              </a:defRPr>
+            </a:lvl2pPr>
+            <a:lvl3pPr marL="914400" indent="0" algn="ctr" defTabSz="914400" rtl="0" eaLnBrk="1" latinLnBrk="0" hangingPunct="1">
+              <a:lnSpc>
+                <a:spcPct val="90000"/>
+              </a:lnSpc>
+              <a:spcBef>
+                <a:spcPts val="500"/>
+              </a:spcBef>
+              <a:buFont typeface="Arial" panose="020B0604020202020204" pitchFamily="34" charset="0"/>
+              <a:buNone/>
+              <a:defRPr sz="1800" kern="1200">
+                <a:solidFill>
+                  <a:schemeClr val="tx1"/>
+                </a:solidFill>
+                <a:latin typeface="+mn-lt"/>
+                <a:ea typeface="+mn-ea"/>
+                <a:cs typeface="+mn-cs"/>
+              </a:defRPr>
+            </a:lvl3pPr>
+            <a:lvl4pPr marL="1371600" indent="0" algn="ctr" defTabSz="914400" rtl="0" eaLnBrk="1" latinLnBrk="0" hangingPunct="1">
+              <a:lnSpc>
+                <a:spcPct val="90000"/>
+              </a:lnSpc>
+              <a:spcBef>
+                <a:spcPts val="500"/>
+              </a:spcBef>
+              <a:buFont typeface="Arial" panose="020B0604020202020204" pitchFamily="34" charset="0"/>
+              <a:buNone/>
+              <a:defRPr sz="1600" kern="1200">
+                <a:solidFill>
+                  <a:schemeClr val="tx1"/>
+                </a:solidFill>
+                <a:latin typeface="+mn-lt"/>
+                <a:ea typeface="+mn-ea"/>
+                <a:cs typeface="+mn-cs"/>
+              </a:defRPr>
+            </a:lvl4pPr>
+            <a:lvl5pPr marL="1828800" indent="0" algn="ctr" defTabSz="914400" rtl="0" eaLnBrk="1" latinLnBrk="0" hangingPunct="1">
+              <a:lnSpc>
+                <a:spcPct val="90000"/>
+              </a:lnSpc>
+              <a:spcBef>
+                <a:spcPts val="500"/>
+              </a:spcBef>
+              <a:buFont typeface="Arial" panose="020B0604020202020204" pitchFamily="34" charset="0"/>
+              <a:buNone/>
+              <a:defRPr sz="1600" kern="1200">
+                <a:solidFill>
+                  <a:schemeClr val="tx1"/>
+                </a:solidFill>
+                <a:latin typeface="+mn-lt"/>
+                <a:ea typeface="+mn-ea"/>
+                <a:cs typeface="+mn-cs"/>
+              </a:defRPr>
+            </a:lvl5pPr>
+            <a:lvl6pPr marL="2286000" indent="0" algn="ctr" defTabSz="914400" rtl="0" eaLnBrk="1" latinLnBrk="0" hangingPunct="1">
+              <a:lnSpc>
+                <a:spcPct val="90000"/>
+              </a:lnSpc>
+              <a:spcBef>
+                <a:spcPts val="500"/>
+              </a:spcBef>
+              <a:buFont typeface="Arial" panose="020B0604020202020204" pitchFamily="34" charset="0"/>
+              <a:buNone/>
+              <a:defRPr sz="1600" kern="1200">
+                <a:solidFill>
+                  <a:schemeClr val="tx1"/>
+                </a:solidFill>
+                <a:latin typeface="+mn-lt"/>
+                <a:ea typeface="+mn-ea"/>
+                <a:cs typeface="+mn-cs"/>
+              </a:defRPr>
+            </a:lvl6pPr>
+            <a:lvl7pPr marL="2743200" indent="0" algn="ctr" defTabSz="914400" rtl="0" eaLnBrk="1" latinLnBrk="0" hangingPunct="1">
+              <a:lnSpc>
+                <a:spcPct val="90000"/>
+              </a:lnSpc>
+              <a:spcBef>
+                <a:spcPts val="500"/>
+              </a:spcBef>
+              <a:buFont typeface="Arial" panose="020B0604020202020204" pitchFamily="34" charset="0"/>
+              <a:buNone/>
+              <a:defRPr sz="1600" kern="1200">
+                <a:solidFill>
+                  <a:schemeClr val="tx1"/>
+                </a:solidFill>
+                <a:latin typeface="+mn-lt"/>
+                <a:ea typeface="+mn-ea"/>
+                <a:cs typeface="+mn-cs"/>
+              </a:defRPr>
+            </a:lvl7pPr>
+            <a:lvl8pPr marL="3200400" indent="0" algn="ctr" defTabSz="914400" rtl="0" eaLnBrk="1" latinLnBrk="0" hangingPunct="1">
+              <a:lnSpc>
+                <a:spcPct val="90000"/>
+              </a:lnSpc>
+              <a:spcBef>
+                <a:spcPts val="500"/>
+              </a:spcBef>
+              <a:buFont typeface="Arial" panose="020B0604020202020204" pitchFamily="34" charset="0"/>
+              <a:buNone/>
+              <a:defRPr sz="1600" kern="1200">
+                <a:solidFill>
+                  <a:schemeClr val="tx1"/>
+                </a:solidFill>
+                <a:latin typeface="+mn-lt"/>
+                <a:ea typeface="+mn-ea"/>
+                <a:cs typeface="+mn-cs"/>
+              </a:defRPr>
+            </a:lvl8pPr>
+            <a:lvl9pPr marL="3657600" indent="0" algn="ctr" defTabSz="914400" rtl="0" eaLnBrk="1" latinLnBrk="0" hangingPunct="1">
+              <a:lnSpc>
+                <a:spcPct val="90000"/>
+              </a:lnSpc>
+              <a:spcBef>
+                <a:spcPts val="500"/>
+              </a:spcBef>
+              <a:buFont typeface="Arial" panose="020B0604020202020204" pitchFamily="34" charset="0"/>
+              <a:buNone/>
+              <a:defRPr sz="1600" kern="1200">
+                <a:solidFill>
+                  <a:schemeClr val="tx1"/>
+                </a:solidFill>
+                <a:latin typeface="+mn-lt"/>
+                <a:ea typeface="+mn-ea"/>
+                <a:cs typeface="+mn-cs"/>
+              </a:defRPr>
+            </a:lvl9pPr>
+          </a:lstStyle>
+          <a:p>
+            <a:pPr algn="l"/>
+            <a:r>
+              <a:rPr lang="ru-RU" sz="1600" dirty="0"/>
+              <a:t>Студент группы Б9121-09.03.03пикд</a:t>
+            </a:r>
+          </a:p>
+          <a:p>
+            <a:pPr algn="l"/>
+            <a:r>
+              <a:rPr lang="ru-RU" sz="1600" dirty="0"/>
+              <a:t>Гриднинский Богдан Дмитриевич</a:t>
+            </a:r>
+          </a:p>
+          <a:p>
+            <a:pPr algn="l"/>
+            <a:endParaRPr lang="ru-RU" sz="1600" dirty="0"/>
+          </a:p>
+          <a:p>
+            <a:pPr algn="l"/>
+            <a:r>
+              <a:rPr lang="ru-RU" sz="1600" dirty="0"/>
+              <a:t>Руководитель</a:t>
+            </a:r>
+          </a:p>
+          <a:p>
+            <a:pPr algn="l"/>
+            <a:r>
+              <a:rPr lang="ru-RU" sz="1600" dirty="0"/>
+              <a:t>Доцент ИМКТ </a:t>
+            </a:r>
+            <a:r>
+              <a:rPr lang="ru-RU" sz="1600" dirty="0" err="1"/>
+              <a:t>Кленин</a:t>
+            </a:r>
+            <a:r>
+              <a:rPr lang="ru-RU" sz="1600" dirty="0"/>
+              <a:t> Александр Сергеевич</a:t>
+            </a:r>
+          </a:p>
+        </p:txBody>
+      </p:sp>
+      <p:sp>
+        <p:nvSpPr>
+          <p:cNvPr id="7" name="TextBox 6">
+            <a:extLst>
+              <a:ext uri="{FF2B5EF4-FFF2-40B4-BE49-F238E27FC236}">
+                <a16:creationId xmlns:a16="http://schemas.microsoft.com/office/drawing/2014/main" id="{0EFE35C6-0E01-9036-827E-5A43391DFD65}"/>
+              </a:ext>
+            </a:extLst>
+          </p:cNvPr>
+          <p:cNvSpPr txBox="1"/>
+          <p:nvPr/>
+        </p:nvSpPr>
+        <p:spPr>
+          <a:xfrm>
+            <a:off x="5116886" y="6012378"/>
+            <a:ext cx="1958228" cy="369332"/>
+          </a:xfrm>
+          <a:prstGeom prst="rect">
+            <a:avLst/>
+          </a:prstGeom>
+          <a:noFill/>
+        </p:spPr>
+        <p:txBody>
+          <a:bodyPr wrap="none" rtlCol="0">
+            <a:spAutoFit/>
+          </a:bodyPr>
+          <a:lstStyle/>
+          <a:p>
+            <a:r>
+              <a:rPr lang="ru-RU" dirty="0"/>
+              <a:t>Владивосток 2023</a:t>
             </a:r>
           </a:p>
         </p:txBody>
@@ -3430,46 +6267,43 @@
       </p:grpSpPr>
       <p:sp>
         <p:nvSpPr>
-          <p:cNvPr id="2" name="TextBox 1">
-            <a:extLst>
-              <a:ext uri="{FF2B5EF4-FFF2-40B4-BE49-F238E27FC236}">
-                <a16:creationId xmlns:a16="http://schemas.microsoft.com/office/drawing/2014/main" id="{03A716F0-0C87-6B19-3FC1-086C4F077895}"/>
-              </a:ext>
-            </a:extLst>
-          </p:cNvPr>
-          <p:cNvSpPr txBox="1"/>
-          <p:nvPr/>
-        </p:nvSpPr>
-        <p:spPr>
-          <a:xfrm>
-            <a:off x="7685622" y="1548830"/>
-            <a:ext cx="4079631" cy="3046988"/>
-          </a:xfrm>
-          <a:prstGeom prst="rect">
-            <a:avLst/>
-          </a:prstGeom>
-          <a:noFill/>
-        </p:spPr>
-        <p:txBody>
-          <a:bodyPr wrap="square" rtlCol="0">
-            <a:spAutoFit/>
-          </a:bodyPr>
+          <p:cNvPr id="2" name="Заголовок 1">
+            <a:extLst>
+              <a:ext uri="{FF2B5EF4-FFF2-40B4-BE49-F238E27FC236}">
+                <a16:creationId xmlns:a16="http://schemas.microsoft.com/office/drawing/2014/main" id="{D97A3DBE-142E-0AB8-C722-BF01009ED9F6}"/>
+              </a:ext>
+            </a:extLst>
+          </p:cNvPr>
+          <p:cNvSpPr>
+            <a:spLocks noGrp="1"/>
+          </p:cNvSpPr>
+          <p:nvPr>
+            <p:ph type="title"/>
+          </p:nvPr>
+        </p:nvSpPr>
+        <p:spPr/>
+        <p:txBody>
+          <a:bodyPr/>
           <a:lstStyle/>
           <a:p>
             <a:r>
-              <a:rPr lang="ru-RU" sz="2400"/>
-              <a:t>Дерево Tango на рисунке имеет либо сплошные, либо пунктирные линии для обозначения путей. Набор узлов, соединенных сплошными линиями, — вспомогательное Splay дерево.</a:t>
-            </a:r>
-            <a:endParaRPr lang="ru-RU" sz="2400" dirty="0"/>
+              <a:rPr lang="ru-RU" dirty="0"/>
+              <a:t>Дерево </a:t>
+            </a:r>
+            <a:r>
+              <a:rPr lang="en-US" dirty="0"/>
+              <a:t>Tango</a:t>
+            </a:r>
+            <a:endParaRPr lang="ru-RU" dirty="0"/>
           </a:p>
         </p:txBody>
       </p:sp>
       <p:pic>
         <p:nvPicPr>
-          <p:cNvPr id="3" name="Рисунок 2">
-            <a:extLst>
-              <a:ext uri="{FF2B5EF4-FFF2-40B4-BE49-F238E27FC236}">
-                <a16:creationId xmlns:a16="http://schemas.microsoft.com/office/drawing/2014/main" id="{015917B3-3A48-B87D-5074-40880BC16727}"/>
+          <p:cNvPr id="4" name="Рисунок 3">
+            <a:extLst>
+              <a:ext uri="{FF2B5EF4-FFF2-40B4-BE49-F238E27FC236}">
+                <a16:creationId xmlns:a16="http://schemas.microsoft.com/office/drawing/2014/main" id="{122BBED7-0343-241F-9A71-51E4CA90C817}"/>
               </a:ext>
             </a:extLst>
           </p:cNvPr>
@@ -3493,8 +6327,8 @@
         </p:blipFill>
         <p:spPr bwMode="auto">
           <a:xfrm>
-            <a:off x="426747" y="479684"/>
-            <a:ext cx="6369666" cy="5639761"/>
+            <a:off x="1543816" y="2087217"/>
+            <a:ext cx="9104368" cy="3768785"/>
           </a:xfrm>
           <a:prstGeom prst="rect">
             <a:avLst/>
@@ -3505,10 +6339,189 @@
           </a:ln>
         </p:spPr>
       </p:pic>
+      <p:sp>
+        <p:nvSpPr>
+          <p:cNvPr id="5" name="Прямоугольник 4">
+            <a:extLst>
+              <a:ext uri="{FF2B5EF4-FFF2-40B4-BE49-F238E27FC236}">
+                <a16:creationId xmlns:a16="http://schemas.microsoft.com/office/drawing/2014/main" id="{8F95931F-00F6-351C-BF84-504F7A819AC8}"/>
+              </a:ext>
+            </a:extLst>
+          </p:cNvPr>
+          <p:cNvSpPr/>
+          <p:nvPr/>
+        </p:nvSpPr>
+        <p:spPr>
+          <a:xfrm>
+            <a:off x="8766313" y="2524539"/>
+            <a:ext cx="1689652" cy="1152939"/>
+          </a:xfrm>
+          <a:prstGeom prst="rect">
+            <a:avLst/>
+          </a:prstGeom>
+          <a:solidFill>
+            <a:schemeClr val="bg1"/>
+          </a:solidFill>
+          <a:ln>
+            <a:noFill/>
+          </a:ln>
+        </p:spPr>
+        <p:style>
+          <a:lnRef idx="2">
+            <a:schemeClr val="accent1">
+              <a:shade val="50000"/>
+            </a:schemeClr>
+          </a:lnRef>
+          <a:fillRef idx="1">
+            <a:schemeClr val="accent1"/>
+          </a:fillRef>
+          <a:effectRef idx="0">
+            <a:schemeClr val="accent1"/>
+          </a:effectRef>
+          <a:fontRef idx="minor">
+            <a:schemeClr val="lt1"/>
+          </a:fontRef>
+        </p:style>
+        <p:txBody>
+          <a:bodyPr rtlCol="0" anchor="ctr"/>
+          <a:lstStyle/>
+          <a:p>
+            <a:pPr algn="ctr"/>
+            <a:endParaRPr lang="ru-RU"/>
+          </a:p>
+        </p:txBody>
+      </p:sp>
+      <p:sp>
+        <p:nvSpPr>
+          <p:cNvPr id="6" name="TextBox 5">
+            <a:extLst>
+              <a:ext uri="{FF2B5EF4-FFF2-40B4-BE49-F238E27FC236}">
+                <a16:creationId xmlns:a16="http://schemas.microsoft.com/office/drawing/2014/main" id="{EBDE2A5D-1718-9794-BA4B-37F0030A08DB}"/>
+              </a:ext>
+            </a:extLst>
+          </p:cNvPr>
+          <p:cNvSpPr txBox="1"/>
+          <p:nvPr/>
+        </p:nvSpPr>
+        <p:spPr>
+          <a:xfrm>
+            <a:off x="8766314" y="2524539"/>
+            <a:ext cx="765312" cy="338554"/>
+          </a:xfrm>
+          <a:prstGeom prst="rect">
+            <a:avLst/>
+          </a:prstGeom>
+          <a:noFill/>
+        </p:spPr>
+        <p:txBody>
+          <a:bodyPr wrap="square" rtlCol="0">
+            <a:spAutoFit/>
+          </a:bodyPr>
+          <a:lstStyle/>
+          <a:p>
+            <a:r>
+              <a:rPr lang="ru-RU" sz="1600" dirty="0"/>
+              <a:t>Узел</a:t>
+            </a:r>
+            <a:endParaRPr lang="ru-RU" dirty="0"/>
+          </a:p>
+        </p:txBody>
+      </p:sp>
+      <p:sp>
+        <p:nvSpPr>
+          <p:cNvPr id="7" name="TextBox 6">
+            <a:extLst>
+              <a:ext uri="{FF2B5EF4-FFF2-40B4-BE49-F238E27FC236}">
+                <a16:creationId xmlns:a16="http://schemas.microsoft.com/office/drawing/2014/main" id="{9D975303-7E16-C243-8CD7-779D601A57C8}"/>
+              </a:ext>
+            </a:extLst>
+          </p:cNvPr>
+          <p:cNvSpPr txBox="1"/>
+          <p:nvPr/>
+        </p:nvSpPr>
+        <p:spPr>
+          <a:xfrm>
+            <a:off x="8766313" y="2921068"/>
+            <a:ext cx="2347117" cy="369332"/>
+          </a:xfrm>
+          <a:prstGeom prst="rect">
+            <a:avLst/>
+          </a:prstGeom>
+          <a:noFill/>
+        </p:spPr>
+        <p:txBody>
+          <a:bodyPr wrap="none" rtlCol="0">
+            <a:spAutoFit/>
+          </a:bodyPr>
+          <a:lstStyle/>
+          <a:p>
+            <a:r>
+              <a:rPr lang="ru-RU" sz="1600" dirty="0"/>
+              <a:t>Предпочтительный</a:t>
+            </a:r>
+            <a:r>
+              <a:rPr lang="ru-RU" dirty="0"/>
+              <a:t> путь</a:t>
+            </a:r>
+          </a:p>
+        </p:txBody>
+      </p:sp>
+      <p:sp>
+        <p:nvSpPr>
+          <p:cNvPr id="8" name="Прямоугольник 7">
+            <a:extLst>
+              <a:ext uri="{FF2B5EF4-FFF2-40B4-BE49-F238E27FC236}">
+                <a16:creationId xmlns:a16="http://schemas.microsoft.com/office/drawing/2014/main" id="{3FC69F0F-D666-EACE-03B8-A472CE12C678}"/>
+              </a:ext>
+            </a:extLst>
+          </p:cNvPr>
+          <p:cNvSpPr/>
+          <p:nvPr/>
+        </p:nvSpPr>
+        <p:spPr>
+          <a:xfrm>
+            <a:off x="8279296" y="3290400"/>
+            <a:ext cx="487017" cy="277201"/>
+          </a:xfrm>
+          <a:prstGeom prst="rect">
+            <a:avLst/>
+          </a:prstGeom>
+          <a:solidFill>
+            <a:schemeClr val="bg1"/>
+          </a:solidFill>
+          <a:ln>
+            <a:noFill/>
+          </a:ln>
+        </p:spPr>
+        <p:style>
+          <a:lnRef idx="2">
+            <a:schemeClr val="accent1">
+              <a:shade val="50000"/>
+            </a:schemeClr>
+          </a:lnRef>
+          <a:fillRef idx="1">
+            <a:schemeClr val="accent1"/>
+          </a:fillRef>
+          <a:effectRef idx="0">
+            <a:schemeClr val="accent1"/>
+          </a:effectRef>
+          <a:fontRef idx="minor">
+            <a:schemeClr val="lt1"/>
+          </a:fontRef>
+        </p:style>
+        <p:txBody>
+          <a:bodyPr rtlCol="0" anchor="ctr"/>
+          <a:lstStyle/>
+          <a:p>
+            <a:pPr algn="ctr"/>
+            <a:endParaRPr lang="ru-RU"/>
+          </a:p>
+        </p:txBody>
+      </p:sp>
     </p:spTree>
     <p:extLst>
       <p:ext uri="{BB962C8B-B14F-4D97-AF65-F5344CB8AC3E}">
-        <p14:creationId xmlns:p14="http://schemas.microsoft.com/office/powerpoint/2010/main" val="4017284558"/>
+        <p14:creationId xmlns:p14="http://schemas.microsoft.com/office/powerpoint/2010/main" val="3703236099"/>
       </p:ext>
     </p:extLst>
   </p:cSld>
@@ -3537,38 +6550,10 @@
       </p:grpSpPr>
       <p:sp>
         <p:nvSpPr>
-          <p:cNvPr id="2" name="Заголовок 1">
-            <a:extLst>
-              <a:ext uri="{FF2B5EF4-FFF2-40B4-BE49-F238E27FC236}">
-                <a16:creationId xmlns:a16="http://schemas.microsoft.com/office/drawing/2014/main" id="{2241141C-2BF9-A7EF-051D-060A9B4BC4AE}"/>
-              </a:ext>
-            </a:extLst>
-          </p:cNvPr>
-          <p:cNvSpPr>
-            <a:spLocks noGrp="1"/>
-          </p:cNvSpPr>
-          <p:nvPr>
-            <p:ph type="title"/>
-          </p:nvPr>
-        </p:nvSpPr>
-        <p:spPr/>
-        <p:txBody>
-          <a:bodyPr/>
-          <a:lstStyle/>
-          <a:p>
-            <a:r>
-              <a:rPr lang="ru-RU" dirty="0"/>
-              <a:t>Функции, используемые в реализации</a:t>
-            </a:r>
-          </a:p>
-        </p:txBody>
-      </p:sp>
-      <p:sp>
-        <p:nvSpPr>
-          <p:cNvPr id="3" name="TextBox 2">
-            <a:extLst>
-              <a:ext uri="{FF2B5EF4-FFF2-40B4-BE49-F238E27FC236}">
-                <a16:creationId xmlns:a16="http://schemas.microsoft.com/office/drawing/2014/main" id="{DB8A0CC4-7080-74DD-88DB-44E3E2B63903}"/>
+          <p:cNvPr id="2" name="TextBox 1">
+            <a:extLst>
+              <a:ext uri="{FF2B5EF4-FFF2-40B4-BE49-F238E27FC236}">
+                <a16:creationId xmlns:a16="http://schemas.microsoft.com/office/drawing/2014/main" id="{03A716F0-0C87-6B19-3FC1-086C4F077895}"/>
               </a:ext>
             </a:extLst>
           </p:cNvPr>
@@ -3577,8 +6562,8 @@
         </p:nvSpPr>
         <p:spPr>
           <a:xfrm>
-            <a:off x="838200" y="1798819"/>
-            <a:ext cx="10515600" cy="3785652"/>
+            <a:off x="665922" y="445586"/>
+            <a:ext cx="11218601" cy="1015663"/>
           </a:xfrm>
           <a:prstGeom prst="rect">
             <a:avLst/>
@@ -3592,191 +6577,86 @@
           <a:lstStyle/>
           <a:p>
             <a:r>
-              <a:rPr lang="ru-RU" sz="2400" dirty="0"/>
-              <a:t>•	</a:t>
-            </a:r>
-            <a:r>
-              <a:rPr lang="ru-RU" sz="2400" b="1" dirty="0" err="1"/>
-              <a:t>explore</a:t>
-            </a:r>
-            <a:r>
-              <a:rPr lang="ru-RU" sz="2400" b="1" dirty="0"/>
-              <a:t>() </a:t>
-            </a:r>
-            <a:r>
-              <a:rPr lang="ru-RU" sz="2400" dirty="0"/>
-              <a:t>— вспомогательная функция, которая отображает все дерево.</a:t>
-            </a:r>
-          </a:p>
-          <a:p>
-            <a:r>
-              <a:rPr lang="ru-RU" sz="2400" dirty="0"/>
-              <a:t>•	</a:t>
-            </a:r>
-            <a:r>
-              <a:rPr lang="ru-RU" sz="2400" b="1" dirty="0" err="1"/>
-              <a:t>treeFor</a:t>
-            </a:r>
-            <a:r>
-              <a:rPr lang="ru-RU" sz="2400" b="1" dirty="0"/>
-              <a:t>() </a:t>
-            </a:r>
-            <a:r>
-              <a:rPr lang="ru-RU" sz="2400" dirty="0"/>
-              <a:t>- функция создания дерева.</a:t>
-            </a:r>
-          </a:p>
-          <a:p>
-            <a:r>
-              <a:rPr lang="ru-RU" sz="2400" dirty="0"/>
-              <a:t>•	</a:t>
-            </a:r>
-            <a:r>
-              <a:rPr lang="ru-RU" sz="2400" b="1" dirty="0" err="1"/>
-              <a:t>rotate</a:t>
-            </a:r>
-            <a:r>
-              <a:rPr lang="ru-RU" sz="2400" b="1" dirty="0"/>
-              <a:t>() </a:t>
-            </a:r>
-            <a:r>
-              <a:rPr lang="ru-RU" sz="2400" dirty="0"/>
-              <a:t>- функция для выполнения операции вращения.</a:t>
-            </a:r>
-          </a:p>
-          <a:p>
-            <a:r>
-              <a:rPr lang="ru-RU" sz="2400" dirty="0"/>
-              <a:t>•	</a:t>
-            </a:r>
-            <a:r>
-              <a:rPr lang="ru-RU" sz="2400" b="1" dirty="0" err="1"/>
-              <a:t>splay</a:t>
-            </a:r>
-            <a:r>
-              <a:rPr lang="ru-RU" sz="2400" b="1" dirty="0"/>
-              <a:t>() </a:t>
-            </a:r>
-            <a:r>
-              <a:rPr lang="ru-RU" sz="2400" dirty="0"/>
-              <a:t>- функция для выполнения операции расширения.</a:t>
-            </a:r>
-          </a:p>
-          <a:p>
-            <a:r>
-              <a:rPr lang="ru-RU" sz="2400" dirty="0"/>
-              <a:t>•	</a:t>
-            </a:r>
-            <a:r>
-              <a:rPr lang="ru-RU" sz="2400" b="1" dirty="0" err="1"/>
-              <a:t>switchPath</a:t>
-            </a:r>
-            <a:r>
-              <a:rPr lang="ru-RU" sz="2400" b="1" dirty="0"/>
-              <a:t>() </a:t>
-            </a:r>
-            <a:r>
-              <a:rPr lang="ru-RU" sz="2400" dirty="0"/>
-              <a:t>— функция для установки значений </a:t>
-            </a:r>
-            <a:r>
-              <a:rPr lang="ru-RU" sz="2400" dirty="0" err="1"/>
-              <a:t>depth</a:t>
-            </a:r>
-            <a:r>
-              <a:rPr lang="ru-RU" sz="2400" dirty="0"/>
-              <a:t> и </a:t>
-            </a:r>
-            <a:r>
-              <a:rPr lang="ru-RU" sz="2400" dirty="0" err="1"/>
-              <a:t>minDepths</a:t>
-            </a:r>
-            <a:r>
-              <a:rPr lang="ru-RU" sz="2400" dirty="0"/>
-              <a:t> в узлах.</a:t>
-            </a:r>
-          </a:p>
-          <a:p>
-            <a:r>
-              <a:rPr lang="ru-RU" sz="2400" dirty="0"/>
-              <a:t>•	</a:t>
-            </a:r>
-            <a:r>
-              <a:rPr lang="ru-RU" sz="2400" b="1" dirty="0" err="1"/>
-              <a:t>refParent</a:t>
-            </a:r>
-            <a:r>
-              <a:rPr lang="ru-RU" sz="2400" b="1" dirty="0"/>
-              <a:t>() </a:t>
-            </a:r>
-            <a:r>
-              <a:rPr lang="ru-RU" sz="2400" dirty="0"/>
-              <a:t>— функция для возврата первого дочернего элемента, значение </a:t>
-            </a:r>
-            <a:r>
-              <a:rPr lang="ru-RU" sz="2400" dirty="0" err="1"/>
-              <a:t>minDepth</a:t>
-            </a:r>
-            <a:r>
-              <a:rPr lang="ru-RU" sz="2400" dirty="0"/>
-              <a:t> которого больше значения </a:t>
-            </a:r>
-            <a:r>
-              <a:rPr lang="ru-RU" sz="2400" dirty="0" err="1"/>
-              <a:t>depth</a:t>
-            </a:r>
-            <a:r>
-              <a:rPr lang="ru-RU" sz="2400" dirty="0"/>
-              <a:t>.</a:t>
-            </a:r>
-          </a:p>
-          <a:p>
-            <a:r>
-              <a:rPr lang="ru-RU" sz="2400" dirty="0"/>
-              <a:t>•	</a:t>
-            </a:r>
-            <a:r>
-              <a:rPr lang="ru-RU" sz="2400" b="1" dirty="0" err="1"/>
-              <a:t>expose</a:t>
-            </a:r>
-            <a:r>
-              <a:rPr lang="ru-RU" sz="2400" b="1" dirty="0"/>
-              <a:t>() </a:t>
-            </a:r>
-            <a:r>
-              <a:rPr lang="ru-RU" sz="2400" dirty="0"/>
-              <a:t>- функция для переноса текущего узла в корень всего дерева.</a:t>
-            </a:r>
-          </a:p>
-          <a:p>
-            <a:r>
-              <a:rPr lang="ru-RU" sz="2400" dirty="0"/>
-              <a:t>•	</a:t>
-            </a:r>
-            <a:r>
-              <a:rPr lang="ru-RU" sz="2400" b="1" dirty="0" err="1"/>
-              <a:t>query</a:t>
-            </a:r>
-            <a:r>
-              <a:rPr lang="ru-RU" sz="2400" b="1" dirty="0"/>
-              <a:t>() </a:t>
-            </a:r>
-            <a:r>
-              <a:rPr lang="ru-RU" sz="2400" dirty="0"/>
-              <a:t>- функция для доступа к элементу в дереве </a:t>
-            </a:r>
-            <a:r>
-              <a:rPr lang="ru-RU" sz="2400" dirty="0" err="1"/>
+              <a:rPr lang="ru-RU" sz="2000" dirty="0"/>
+              <a:t>На схеме изображено дерево </a:t>
+            </a:r>
+            <a:r>
+              <a:rPr lang="en-US" sz="2000" dirty="0"/>
               <a:t>Tango</a:t>
             </a:r>
-            <a:endParaRPr lang="ru-RU" sz="2400" dirty="0"/>
-          </a:p>
-        </p:txBody>
-      </p:sp>
+            <a:r>
+              <a:rPr lang="ru-RU" sz="2000" dirty="0"/>
+              <a:t> после перестроения</a:t>
+            </a:r>
+          </a:p>
+          <a:p>
+            <a:r>
+              <a:rPr lang="ru-RU" sz="2000" dirty="0"/>
+              <a:t>Набор узлов, соединенных сплошными линиями, — это вспомогательное </a:t>
+            </a:r>
+            <a:r>
+              <a:rPr lang="ru-RU" sz="2000" dirty="0" err="1"/>
+              <a:t>Splay</a:t>
+            </a:r>
+            <a:r>
+              <a:rPr lang="ru-RU" sz="2000" dirty="0"/>
+              <a:t> дерево.</a:t>
+            </a:r>
+          </a:p>
+          <a:p>
+            <a:r>
+              <a:rPr lang="ru-RU" sz="2000" dirty="0"/>
+              <a:t>Пунктирные линии – соединение вспомогательных деревьев. </a:t>
+            </a:r>
+            <a:endParaRPr lang="en-US" sz="2000" dirty="0"/>
+          </a:p>
+        </p:txBody>
+      </p:sp>
+      <p:pic>
+        <p:nvPicPr>
+          <p:cNvPr id="3" name="Рисунок 2">
+            <a:extLst>
+              <a:ext uri="{FF2B5EF4-FFF2-40B4-BE49-F238E27FC236}">
+                <a16:creationId xmlns:a16="http://schemas.microsoft.com/office/drawing/2014/main" id="{015917B3-3A48-B87D-5074-40880BC16727}"/>
+              </a:ext>
+            </a:extLst>
+          </p:cNvPr>
+          <p:cNvPicPr>
+            <a:picLocks noChangeAspect="1"/>
+          </p:cNvPicPr>
+          <p:nvPr/>
+        </p:nvPicPr>
+        <p:blipFill>
+          <a:blip r:embed="rId2">
+            <a:extLst>
+              <a:ext uri="{28A0092B-C50C-407E-A947-70E740481C1C}">
+                <a14:useLocalDpi xmlns:a14="http://schemas.microsoft.com/office/drawing/2010/main" val="0"/>
+              </a:ext>
+            </a:extLst>
+          </a:blip>
+          <a:srcRect/>
+          <a:stretch>
+            <a:fillRect/>
+          </a:stretch>
+        </p:blipFill>
+        <p:spPr bwMode="auto">
+          <a:xfrm>
+            <a:off x="3528391" y="1865645"/>
+            <a:ext cx="5135217" cy="4546769"/>
+          </a:xfrm>
+          <a:prstGeom prst="rect">
+            <a:avLst/>
+          </a:prstGeom>
+          <a:noFill/>
+          <a:ln>
+            <a:noFill/>
+          </a:ln>
+        </p:spPr>
+      </p:pic>
     </p:spTree>
     <p:extLst>
       <p:ext uri="{BB962C8B-B14F-4D97-AF65-F5344CB8AC3E}">
-        <p14:creationId xmlns:p14="http://schemas.microsoft.com/office/powerpoint/2010/main" val="4102492739"/>
+        <p14:creationId xmlns:p14="http://schemas.microsoft.com/office/powerpoint/2010/main" val="4017284558"/>
       </p:ext>
     </p:extLst>
   </p:cSld>
@@ -3808,7 +6688,7 @@
           <p:cNvPr id="2" name="Заголовок 1">
             <a:extLst>
               <a:ext uri="{FF2B5EF4-FFF2-40B4-BE49-F238E27FC236}">
-                <a16:creationId xmlns:a16="http://schemas.microsoft.com/office/drawing/2014/main" id="{39DBF00B-D169-42D3-01AA-9E33FC8DC653}"/>
+                <a16:creationId xmlns:a16="http://schemas.microsoft.com/office/drawing/2014/main" id="{2241141C-2BF9-A7EF-051D-060A9B4BC4AE}"/>
               </a:ext>
             </a:extLst>
           </p:cNvPr>
@@ -3826,7 +6706,7 @@
           <a:p>
             <a:r>
               <a:rPr lang="ru-RU" dirty="0"/>
-              <a:t>Обращение к элементу (поиск)</a:t>
+              <a:t>Функции, используемые в реализации</a:t>
             </a:r>
           </a:p>
         </p:txBody>
@@ -3836,7 +6716,7 @@
           <p:cNvPr id="3" name="TextBox 2">
             <a:extLst>
               <a:ext uri="{FF2B5EF4-FFF2-40B4-BE49-F238E27FC236}">
-                <a16:creationId xmlns:a16="http://schemas.microsoft.com/office/drawing/2014/main" id="{2EAF4EA8-F0BA-4EF4-0182-1B83C3D0A154}"/>
+                <a16:creationId xmlns:a16="http://schemas.microsoft.com/office/drawing/2014/main" id="{DB8A0CC4-7080-74DD-88DB-44E3E2B63903}"/>
               </a:ext>
             </a:extLst>
           </p:cNvPr>
@@ -3845,8 +6725,8 @@
         </p:nvSpPr>
         <p:spPr>
           <a:xfrm>
-            <a:off x="838200" y="1690688"/>
-            <a:ext cx="10732957" cy="1200329"/>
+            <a:off x="838200" y="2047297"/>
+            <a:ext cx="10515600" cy="2585323"/>
           </a:xfrm>
           <a:prstGeom prst="rect">
             <a:avLst/>
@@ -3860,194 +6740,191 @@
           <a:lstStyle/>
           <a:p>
             <a:r>
-              <a:rPr lang="ru-RU" sz="2400" dirty="0"/>
-              <a:t>Мы вызываем функцию </a:t>
-            </a:r>
-            <a:r>
-              <a:rPr lang="ru-RU" sz="2400" dirty="0" err="1"/>
+              <a:rPr lang="ru-RU" dirty="0"/>
+              <a:t>•	</a:t>
+            </a:r>
+            <a:r>
+              <a:rPr lang="ru-RU" b="1" dirty="0" err="1"/>
+              <a:t>explore</a:t>
+            </a:r>
+            <a:r>
+              <a:rPr lang="ru-RU" b="1" dirty="0"/>
+              <a:t>() </a:t>
+            </a:r>
+            <a:r>
+              <a:rPr lang="ru-RU" dirty="0"/>
+              <a:t>— вспомогательная функция, которая отображает все дерево.</a:t>
+            </a:r>
+          </a:p>
+          <a:p>
+            <a:r>
+              <a:rPr lang="ru-RU" dirty="0"/>
+              <a:t>•	</a:t>
+            </a:r>
+            <a:r>
+              <a:rPr lang="ru-RU" b="1" dirty="0" err="1"/>
+              <a:t>treeFor</a:t>
+            </a:r>
+            <a:r>
+              <a:rPr lang="ru-RU" b="1" dirty="0"/>
+              <a:t>() </a:t>
+            </a:r>
+            <a:r>
+              <a:rPr lang="ru-RU" dirty="0"/>
+              <a:t>- функция создания дерева.</a:t>
+            </a:r>
+          </a:p>
+          <a:p>
+            <a:r>
+              <a:rPr lang="ru-RU" dirty="0"/>
+              <a:t>•	</a:t>
+            </a:r>
+            <a:r>
+              <a:rPr lang="ru-RU" b="1" dirty="0" err="1"/>
+              <a:t>rotate</a:t>
+            </a:r>
+            <a:r>
+              <a:rPr lang="ru-RU" b="1" dirty="0"/>
+              <a:t>() </a:t>
+            </a:r>
+            <a:r>
+              <a:rPr lang="ru-RU" dirty="0"/>
+              <a:t>- функция для выполнения операции вращения.</a:t>
+            </a:r>
+          </a:p>
+          <a:p>
+            <a:r>
+              <a:rPr lang="ru-RU" dirty="0"/>
+              <a:t>•	</a:t>
+            </a:r>
+            <a:r>
+              <a:rPr lang="ru-RU" b="1" dirty="0" err="1"/>
+              <a:t>splay</a:t>
+            </a:r>
+            <a:r>
+              <a:rPr lang="ru-RU" b="1" dirty="0"/>
+              <a:t>() </a:t>
+            </a:r>
+            <a:r>
+              <a:rPr lang="ru-RU" dirty="0"/>
+              <a:t>- функция для выполнения операции расширения.</a:t>
+            </a:r>
+          </a:p>
+          <a:p>
+            <a:r>
+              <a:rPr lang="ru-RU" dirty="0"/>
+              <a:t>•	</a:t>
+            </a:r>
+            <a:r>
+              <a:rPr lang="ru-RU" b="1" dirty="0" err="1"/>
+              <a:t>switchPath</a:t>
+            </a:r>
+            <a:r>
+              <a:rPr lang="ru-RU" b="1" dirty="0"/>
+              <a:t>() </a:t>
+            </a:r>
+            <a:r>
+              <a:rPr lang="ru-RU" dirty="0"/>
+              <a:t>— функция для установки значений </a:t>
+            </a:r>
+            <a:r>
+              <a:rPr lang="ru-RU" dirty="0" err="1"/>
+              <a:t>depth</a:t>
+            </a:r>
+            <a:r>
+              <a:rPr lang="ru-RU" dirty="0"/>
+              <a:t> и </a:t>
+            </a:r>
+            <a:r>
+              <a:rPr lang="ru-RU" dirty="0" err="1"/>
+              <a:t>minDepths</a:t>
+            </a:r>
+            <a:r>
+              <a:rPr lang="ru-RU" dirty="0"/>
+              <a:t> в узлах.</a:t>
+            </a:r>
+          </a:p>
+          <a:p>
+            <a:r>
+              <a:rPr lang="ru-RU" dirty="0"/>
+              <a:t>•	</a:t>
+            </a:r>
+            <a:r>
+              <a:rPr lang="ru-RU" b="1" dirty="0" err="1"/>
+              <a:t>refParent</a:t>
+            </a:r>
+            <a:r>
+              <a:rPr lang="ru-RU" b="1" dirty="0"/>
+              <a:t>() </a:t>
+            </a:r>
+            <a:r>
+              <a:rPr lang="ru-RU" dirty="0"/>
+              <a:t>— функция для возврата первого дочернего элемента, значение </a:t>
+            </a:r>
+            <a:r>
+              <a:rPr lang="ru-RU" dirty="0" err="1"/>
+              <a:t>minDepth</a:t>
+            </a:r>
+            <a:r>
+              <a:rPr lang="ru-RU" dirty="0"/>
+              <a:t> которого больше значения </a:t>
+            </a:r>
+            <a:r>
+              <a:rPr lang="ru-RU" dirty="0" err="1"/>
+              <a:t>depth</a:t>
+            </a:r>
+            <a:r>
+              <a:rPr lang="ru-RU" dirty="0"/>
+              <a:t>.</a:t>
+            </a:r>
+          </a:p>
+          <a:p>
+            <a:r>
+              <a:rPr lang="ru-RU" dirty="0"/>
+              <a:t>•	</a:t>
+            </a:r>
+            <a:r>
+              <a:rPr lang="ru-RU" b="1" dirty="0" err="1"/>
+              <a:t>expose</a:t>
+            </a:r>
+            <a:r>
+              <a:rPr lang="ru-RU" b="1" dirty="0"/>
+              <a:t>() </a:t>
+            </a:r>
+            <a:r>
+              <a:rPr lang="ru-RU" dirty="0"/>
+              <a:t>- функция для переноса текущего узла в корень всего дерева.</a:t>
+            </a:r>
+          </a:p>
+          <a:p>
+            <a:r>
+              <a:rPr lang="ru-RU" dirty="0"/>
+              <a:t>•	</a:t>
+            </a:r>
+            <a:r>
+              <a:rPr lang="ru-RU" b="1" dirty="0" err="1"/>
               <a:t>query</a:t>
             </a:r>
             <a:r>
-              <a:rPr lang="ru-RU" sz="2400" dirty="0"/>
-              <a:t>() для доступа к необходимому узлу в </a:t>
-            </a:r>
-            <a:r>
-              <a:rPr lang="ru-RU" sz="2400" dirty="0" err="1"/>
+              <a:rPr lang="ru-RU" b="1" dirty="0"/>
+              <a:t>() </a:t>
+            </a:r>
+            <a:r>
+              <a:rPr lang="ru-RU" dirty="0"/>
+              <a:t>- функция для доступа к элементу в дереве </a:t>
+            </a:r>
+            <a:r>
+              <a:rPr lang="ru-RU" dirty="0" err="1"/>
               <a:t>Tango</a:t>
             </a:r>
-            <a:r>
-              <a:rPr lang="ru-RU" sz="2400" dirty="0"/>
-              <a:t> </a:t>
-            </a:r>
-            <a:r>
-              <a:rPr lang="ru-RU" sz="2400" dirty="0" err="1"/>
-              <a:t>Tree</a:t>
-            </a:r>
-            <a:r>
-              <a:rPr lang="ru-RU" sz="2400" dirty="0"/>
-              <a:t>. Затем функция "поднимает" узел вверх по дереву до тех пор, пока он не достигнет корня </a:t>
-            </a:r>
-            <a:r>
-              <a:rPr lang="ru-RU" sz="2400" dirty="0" err="1"/>
-              <a:t>Tango</a:t>
-            </a:r>
-            <a:r>
-              <a:rPr lang="ru-RU" sz="2400" dirty="0"/>
-              <a:t> </a:t>
-            </a:r>
-            <a:r>
-              <a:rPr lang="ru-RU" sz="2400" dirty="0" err="1"/>
-              <a:t>Tree</a:t>
-            </a:r>
-            <a:r>
-              <a:rPr lang="ru-RU" sz="2400" dirty="0"/>
-              <a:t>.</a:t>
-            </a:r>
-          </a:p>
-        </p:txBody>
-      </p:sp>
-      <p:sp>
-        <p:nvSpPr>
-          <p:cNvPr id="4" name="TextBox 3">
-            <a:extLst>
-              <a:ext uri="{FF2B5EF4-FFF2-40B4-BE49-F238E27FC236}">
-                <a16:creationId xmlns:a16="http://schemas.microsoft.com/office/drawing/2014/main" id="{089560CB-FE19-E26C-4E6C-C058C9EDA3CA}"/>
-              </a:ext>
-            </a:extLst>
-          </p:cNvPr>
-          <p:cNvSpPr txBox="1"/>
-          <p:nvPr/>
-        </p:nvSpPr>
-        <p:spPr>
-          <a:xfrm>
-            <a:off x="838200" y="3147934"/>
-            <a:ext cx="6465488" cy="3170099"/>
-          </a:xfrm>
-          <a:prstGeom prst="rect">
-            <a:avLst/>
-          </a:prstGeom>
-          <a:solidFill>
-            <a:schemeClr val="bg1">
-              <a:lumMod val="95000"/>
-            </a:schemeClr>
-          </a:solidFill>
-        </p:spPr>
-        <p:txBody>
-          <a:bodyPr wrap="none" rtlCol="0">
-            <a:spAutoFit/>
-          </a:bodyPr>
-          <a:lstStyle/>
-          <a:p>
-            <a:r>
-              <a:rPr lang="ru-RU" sz="2000" i="1" dirty="0"/>
-              <a:t>Псевдокод </a:t>
-            </a:r>
-            <a:r>
-              <a:rPr lang="en-US" sz="2000" i="1" dirty="0"/>
-              <a:t>query():</a:t>
-            </a:r>
-          </a:p>
-          <a:p>
-            <a:r>
-              <a:rPr lang="ru-RU" sz="2000" i="1" dirty="0"/>
-              <a:t>Ищем, пока не найдем либо ключ, либо </a:t>
-            </a:r>
-            <a:r>
-              <a:rPr lang="en-US" sz="2000" i="1" dirty="0"/>
-              <a:t>NULL</a:t>
-            </a:r>
-          </a:p>
-          <a:p>
-            <a:r>
-              <a:rPr lang="ru-RU" sz="2000" dirty="0"/>
-              <a:t>Операция поиска аналогична поиску в бинарном дереве.</a:t>
-            </a:r>
-          </a:p>
-          <a:p>
-            <a:r>
-              <a:rPr lang="en-US" sz="2000" dirty="0" err="1"/>
-              <a:t>curr</a:t>
-            </a:r>
-            <a:r>
-              <a:rPr lang="en-US" sz="2000" dirty="0"/>
-              <a:t> = current node</a:t>
-            </a:r>
-          </a:p>
-          <a:p>
-            <a:r>
-              <a:rPr lang="en-US" sz="2000" dirty="0" err="1"/>
-              <a:t>prev</a:t>
-            </a:r>
-            <a:r>
-              <a:rPr lang="en-US" sz="2000" dirty="0"/>
-              <a:t> = parent of </a:t>
-            </a:r>
-            <a:r>
-              <a:rPr lang="en-US" sz="2000" dirty="0" err="1"/>
-              <a:t>curr</a:t>
-            </a:r>
-            <a:endParaRPr lang="en-US" sz="2000" dirty="0"/>
-          </a:p>
-          <a:p>
-            <a:r>
-              <a:rPr lang="en-US" sz="2000" dirty="0"/>
-              <a:t>if </a:t>
-            </a:r>
-            <a:r>
-              <a:rPr lang="en-US" sz="2000" dirty="0" err="1"/>
-              <a:t>curr</a:t>
-            </a:r>
-            <a:r>
-              <a:rPr lang="en-US" sz="2000" dirty="0"/>
-              <a:t> == NULL:</a:t>
-            </a:r>
-          </a:p>
-          <a:p>
-            <a:r>
-              <a:rPr lang="en-US" sz="2000" dirty="0"/>
-              <a:t>    expose(</a:t>
-            </a:r>
-            <a:r>
-              <a:rPr lang="en-US" sz="2000" dirty="0" err="1"/>
-              <a:t>prev</a:t>
-            </a:r>
-            <a:r>
-              <a:rPr lang="en-US" sz="2000" dirty="0"/>
-              <a:t>)</a:t>
-            </a:r>
-          </a:p>
-          <a:p>
-            <a:r>
-              <a:rPr lang="en-US" sz="2000" dirty="0"/>
-              <a:t>    return false</a:t>
-            </a:r>
-          </a:p>
-          <a:p>
-            <a:r>
-              <a:rPr lang="en-US" sz="2000" dirty="0"/>
-              <a:t>expose(</a:t>
-            </a:r>
-            <a:r>
-              <a:rPr lang="en-US" sz="2000" dirty="0" err="1"/>
-              <a:t>curr</a:t>
-            </a:r>
-            <a:r>
-              <a:rPr lang="en-US" sz="2000" dirty="0"/>
-              <a:t>)</a:t>
-            </a:r>
-          </a:p>
-          <a:p>
-            <a:r>
-              <a:rPr lang="en-US" sz="2000" dirty="0"/>
-              <a:t>return true</a:t>
-            </a:r>
+            <a:endParaRPr lang="ru-RU" dirty="0"/>
           </a:p>
         </p:txBody>
       </p:sp>
     </p:spTree>
     <p:extLst>
       <p:ext uri="{BB962C8B-B14F-4D97-AF65-F5344CB8AC3E}">
-        <p14:creationId xmlns:p14="http://schemas.microsoft.com/office/powerpoint/2010/main" val="3143351128"/>
+        <p14:creationId xmlns:p14="http://schemas.microsoft.com/office/powerpoint/2010/main" val="4102492739"/>
       </p:ext>
     </p:extLst>
   </p:cSld>
@@ -4079,7 +6956,7 @@
           <p:cNvPr id="2" name="Заголовок 1">
             <a:extLst>
               <a:ext uri="{FF2B5EF4-FFF2-40B4-BE49-F238E27FC236}">
-                <a16:creationId xmlns:a16="http://schemas.microsoft.com/office/drawing/2014/main" id="{8E8E0F16-AD9E-E68C-8ED7-828D5A77E777}"/>
+                <a16:creationId xmlns:a16="http://schemas.microsoft.com/office/drawing/2014/main" id="{39DBF00B-D169-42D3-01AA-9E33FC8DC653}"/>
               </a:ext>
             </a:extLst>
           </p:cNvPr>
@@ -4090,39 +6967,34 @@
             <p:ph type="title"/>
           </p:nvPr>
         </p:nvSpPr>
+        <p:spPr/>
+        <p:txBody>
+          <a:bodyPr/>
+          <a:lstStyle/>
+          <a:p>
+            <a:r>
+              <a:rPr lang="ru-RU" dirty="0"/>
+              <a:t>Обращение к элементу (поиск)</a:t>
+            </a:r>
+          </a:p>
+        </p:txBody>
+      </p:sp>
+      <p:sp>
+        <p:nvSpPr>
+          <p:cNvPr id="3" name="TextBox 2">
+            <a:extLst>
+              <a:ext uri="{FF2B5EF4-FFF2-40B4-BE49-F238E27FC236}">
+                <a16:creationId xmlns:a16="http://schemas.microsoft.com/office/drawing/2014/main" id="{2EAF4EA8-F0BA-4EF4-0182-1B83C3D0A154}"/>
+              </a:ext>
+            </a:extLst>
+          </p:cNvPr>
+          <p:cNvSpPr txBox="1"/>
+          <p:nvPr/>
+        </p:nvSpPr>
         <p:spPr>
           <a:xfrm>
-            <a:off x="711590" y="381758"/>
-            <a:ext cx="10515600" cy="1325563"/>
-          </a:xfrm>
-        </p:spPr>
-        <p:txBody>
-          <a:bodyPr/>
-          <a:lstStyle/>
-          <a:p>
-            <a:r>
-              <a:rPr lang="ru-RU" dirty="0"/>
-              <a:t>Тестирование</a:t>
-            </a:r>
-          </a:p>
-        </p:txBody>
-      </p:sp>
-      <p:sp>
-        <p:nvSpPr>
-          <p:cNvPr id="3" name="TextBox 2">
-            <a:extLst>
-              <a:ext uri="{FF2B5EF4-FFF2-40B4-BE49-F238E27FC236}">
-                <a16:creationId xmlns:a16="http://schemas.microsoft.com/office/drawing/2014/main" id="{B9981724-218A-22BD-55DA-FDEDAC1A4BE6}"/>
-              </a:ext>
-            </a:extLst>
-          </p:cNvPr>
-          <p:cNvSpPr txBox="1"/>
-          <p:nvPr/>
-        </p:nvSpPr>
-        <p:spPr>
-          <a:xfrm>
-            <a:off x="838200" y="1707321"/>
-            <a:ext cx="3671668" cy="3238066"/>
+            <a:off x="838200" y="1690688"/>
+            <a:ext cx="10732957" cy="1569660"/>
           </a:xfrm>
           <a:prstGeom prst="rect">
             <a:avLst/>
@@ -4135,1975 +7007,50 @@
           </a:bodyPr>
           <a:lstStyle/>
           <a:p>
-            <a:pPr>
-              <a:lnSpc>
-                <a:spcPct val="107000"/>
-              </a:lnSpc>
-              <a:spcAft>
-                <a:spcPts val="800"/>
-              </a:spcAft>
-            </a:pPr>
-            <a:r>
-              <a:rPr lang="ru-RU" sz="2800" dirty="0">
-                <a:effectLst/>
-                <a:ea typeface="Calibri" panose="020F0502020204030204" pitchFamily="34" charset="0"/>
-                <a:cs typeface="Arial" panose="020B0604020202020204" pitchFamily="34" charset="0"/>
-              </a:rPr>
-              <a:t>Оценка производительности выполнена на 3 наборах данных разной размерности (500, 50000, 5000000).</a:t>
-            </a:r>
-          </a:p>
-          <a:p>
-            <a:endParaRPr lang="ru-RU" dirty="0"/>
-          </a:p>
-        </p:txBody>
-      </p:sp>
-      <p:graphicFrame>
-        <p:nvGraphicFramePr>
-          <p:cNvPr id="6" name="Таблица 5">
-            <a:extLst>
-              <a:ext uri="{FF2B5EF4-FFF2-40B4-BE49-F238E27FC236}">
-                <a16:creationId xmlns:a16="http://schemas.microsoft.com/office/drawing/2014/main" id="{55F3297E-B807-9274-D541-46938EFC8D1D}"/>
-              </a:ext>
-            </a:extLst>
-          </p:cNvPr>
-          <p:cNvGraphicFramePr>
-            <a:graphicFrameLocks noGrp="1"/>
-          </p:cNvGraphicFramePr>
-          <p:nvPr>
-            <p:extLst>
-              <p:ext uri="{D42A27DB-BD31-4B8C-83A1-F6EECF244321}">
-                <p14:modId xmlns:p14="http://schemas.microsoft.com/office/powerpoint/2010/main" val="2832319395"/>
-              </p:ext>
-            </p:extLst>
-          </p:nvPr>
-        </p:nvGraphicFramePr>
-        <p:xfrm>
-          <a:off x="4777508" y="1194903"/>
-          <a:ext cx="6847913" cy="5105600"/>
-        </p:xfrm>
-        <a:graphic>
-          <a:graphicData uri="http://schemas.openxmlformats.org/drawingml/2006/table">
-            <a:tbl>
-              <a:tblPr firstRow="1" firstCol="1" bandRow="1">
-                <a:tableStyleId>{5FD0F851-EC5A-4D38-B0AD-8093EC10F338}</a:tableStyleId>
-              </a:tblPr>
-              <a:tblGrid>
-                <a:gridCol w="2282402">
-                  <a:extLst>
-                    <a:ext uri="{9D8B030D-6E8A-4147-A177-3AD203B41FA5}">
-                      <a16:colId xmlns:a16="http://schemas.microsoft.com/office/drawing/2014/main" val="906854898"/>
-                    </a:ext>
-                  </a:extLst>
-                </a:gridCol>
-                <a:gridCol w="2282402">
-                  <a:extLst>
-                    <a:ext uri="{9D8B030D-6E8A-4147-A177-3AD203B41FA5}">
-                      <a16:colId xmlns:a16="http://schemas.microsoft.com/office/drawing/2014/main" val="3699106382"/>
-                    </a:ext>
-                  </a:extLst>
-                </a:gridCol>
-                <a:gridCol w="2283109">
-                  <a:extLst>
-                    <a:ext uri="{9D8B030D-6E8A-4147-A177-3AD203B41FA5}">
-                      <a16:colId xmlns:a16="http://schemas.microsoft.com/office/drawing/2014/main" val="4225622755"/>
-                    </a:ext>
-                  </a:extLst>
-                </a:gridCol>
-              </a:tblGrid>
-              <a:tr h="255280">
-                <a:tc>
-                  <a:txBody>
-                    <a:bodyPr/>
-                    <a:lstStyle/>
-                    <a:p>
-                      <a:pPr algn="l">
-                        <a:lnSpc>
-                          <a:spcPct val="107000"/>
-                        </a:lnSpc>
-                        <a:spcAft>
-                          <a:spcPts val="800"/>
-                        </a:spcAft>
-                      </a:pPr>
-                      <a:r>
-                        <a:rPr lang="ru-RU" sz="1600">
-                          <a:effectLst/>
-                        </a:rPr>
-                        <a:t> </a:t>
-                      </a:r>
-                      <a:endParaRPr lang="ru-RU" sz="1200">
-                        <a:effectLst/>
-                        <a:latin typeface="Calibri" panose="020F0502020204030204" pitchFamily="34" charset="0"/>
-                        <a:ea typeface="Calibri" panose="020F0502020204030204" pitchFamily="34" charset="0"/>
-                        <a:cs typeface="Arial" panose="020B0604020202020204" pitchFamily="34" charset="0"/>
-                      </a:endParaRPr>
-                    </a:p>
-                  </a:txBody>
-                  <a:tcPr marL="68580" marR="68580" marT="0" marB="0"/>
-                </a:tc>
-                <a:tc>
-                  <a:txBody>
-                    <a:bodyPr/>
-                    <a:lstStyle/>
-                    <a:p>
-                      <a:pPr algn="ctr">
-                        <a:lnSpc>
-                          <a:spcPct val="107000"/>
-                        </a:lnSpc>
-                        <a:spcAft>
-                          <a:spcPts val="800"/>
-                        </a:spcAft>
-                      </a:pPr>
-                      <a:r>
-                        <a:rPr lang="ru-RU" sz="1600">
-                          <a:effectLst/>
-                        </a:rPr>
-                        <a:t>Время создания</a:t>
-                      </a:r>
-                      <a:endParaRPr lang="ru-RU" sz="1200">
-                        <a:effectLst/>
-                        <a:latin typeface="Calibri" panose="020F0502020204030204" pitchFamily="34" charset="0"/>
-                        <a:ea typeface="Calibri" panose="020F0502020204030204" pitchFamily="34" charset="0"/>
-                        <a:cs typeface="Arial" panose="020B0604020202020204" pitchFamily="34" charset="0"/>
-                      </a:endParaRPr>
-                    </a:p>
-                  </a:txBody>
-                  <a:tcPr marL="68580" marR="68580" marT="0" marB="0"/>
-                </a:tc>
-                <a:tc>
-                  <a:txBody>
-                    <a:bodyPr/>
-                    <a:lstStyle/>
-                    <a:p>
-                      <a:pPr algn="ctr">
-                        <a:lnSpc>
-                          <a:spcPct val="107000"/>
-                        </a:lnSpc>
-                        <a:spcAft>
-                          <a:spcPts val="800"/>
-                        </a:spcAft>
-                      </a:pPr>
-                      <a:r>
-                        <a:rPr lang="ru-RU" sz="1600">
-                          <a:effectLst/>
-                        </a:rPr>
-                        <a:t>Время поиска</a:t>
-                      </a:r>
-                      <a:endParaRPr lang="ru-RU" sz="1200">
-                        <a:effectLst/>
-                        <a:latin typeface="Calibri" panose="020F0502020204030204" pitchFamily="34" charset="0"/>
-                        <a:ea typeface="Calibri" panose="020F0502020204030204" pitchFamily="34" charset="0"/>
-                        <a:cs typeface="Arial" panose="020B0604020202020204" pitchFamily="34" charset="0"/>
-                      </a:endParaRPr>
-                    </a:p>
-                  </a:txBody>
-                  <a:tcPr marL="68580" marR="68580" marT="0" marB="0"/>
-                </a:tc>
-                <a:extLst>
-                  <a:ext uri="{0D108BD9-81ED-4DB2-BD59-A6C34878D82A}">
-                    <a16:rowId xmlns:a16="http://schemas.microsoft.com/office/drawing/2014/main" val="1708508007"/>
-                  </a:ext>
-                </a:extLst>
-              </a:tr>
-              <a:tr h="255280">
-                <a:tc>
-                  <a:txBody>
-                    <a:bodyPr/>
-                    <a:lstStyle/>
-                    <a:p>
-                      <a:pPr algn="l">
-                        <a:lnSpc>
-                          <a:spcPct val="107000"/>
-                        </a:lnSpc>
-                        <a:spcAft>
-                          <a:spcPts val="800"/>
-                        </a:spcAft>
-                      </a:pPr>
-                      <a:r>
-                        <a:rPr lang="ru-RU" sz="1600">
-                          <a:effectLst/>
-                        </a:rPr>
-                        <a:t>Порядок возрастания</a:t>
-                      </a:r>
-                      <a:endParaRPr lang="ru-RU" sz="1200">
-                        <a:effectLst/>
-                        <a:latin typeface="Calibri" panose="020F0502020204030204" pitchFamily="34" charset="0"/>
-                        <a:ea typeface="Calibri" panose="020F0502020204030204" pitchFamily="34" charset="0"/>
-                        <a:cs typeface="Arial" panose="020B0604020202020204" pitchFamily="34" charset="0"/>
-                      </a:endParaRPr>
-                    </a:p>
-                  </a:txBody>
-                  <a:tcPr marL="68580" marR="68580" marT="0" marB="0"/>
-                </a:tc>
-                <a:tc>
-                  <a:txBody>
-                    <a:bodyPr/>
-                    <a:lstStyle/>
-                    <a:p>
-                      <a:pPr algn="ctr">
-                        <a:lnSpc>
-                          <a:spcPct val="107000"/>
-                        </a:lnSpc>
-                        <a:spcAft>
-                          <a:spcPts val="800"/>
-                        </a:spcAft>
-                      </a:pPr>
-                      <a:r>
-                        <a:rPr lang="ru-RU" sz="1600">
-                          <a:effectLst/>
-                        </a:rPr>
-                        <a:t> </a:t>
-                      </a:r>
-                      <a:endParaRPr lang="ru-RU" sz="1200">
-                        <a:effectLst/>
-                        <a:latin typeface="Calibri" panose="020F0502020204030204" pitchFamily="34" charset="0"/>
-                        <a:ea typeface="Calibri" panose="020F0502020204030204" pitchFamily="34" charset="0"/>
-                        <a:cs typeface="Arial" panose="020B0604020202020204" pitchFamily="34" charset="0"/>
-                      </a:endParaRPr>
-                    </a:p>
-                  </a:txBody>
-                  <a:tcPr marL="68580" marR="68580" marT="0" marB="0"/>
-                </a:tc>
-                <a:tc>
-                  <a:txBody>
-                    <a:bodyPr/>
-                    <a:lstStyle/>
-                    <a:p>
-                      <a:pPr algn="ctr">
-                        <a:lnSpc>
-                          <a:spcPct val="107000"/>
-                        </a:lnSpc>
-                        <a:spcAft>
-                          <a:spcPts val="800"/>
-                        </a:spcAft>
-                      </a:pPr>
-                      <a:r>
-                        <a:rPr lang="ru-RU" sz="1600">
-                          <a:effectLst/>
-                        </a:rPr>
-                        <a:t> </a:t>
-                      </a:r>
-                      <a:endParaRPr lang="ru-RU" sz="1200">
-                        <a:effectLst/>
-                        <a:latin typeface="Calibri" panose="020F0502020204030204" pitchFamily="34" charset="0"/>
-                        <a:ea typeface="Calibri" panose="020F0502020204030204" pitchFamily="34" charset="0"/>
-                        <a:cs typeface="Arial" panose="020B0604020202020204" pitchFamily="34" charset="0"/>
-                      </a:endParaRPr>
-                    </a:p>
-                  </a:txBody>
-                  <a:tcPr marL="68580" marR="68580" marT="0" marB="0"/>
-                </a:tc>
-                <a:extLst>
-                  <a:ext uri="{0D108BD9-81ED-4DB2-BD59-A6C34878D82A}">
-                    <a16:rowId xmlns:a16="http://schemas.microsoft.com/office/drawing/2014/main" val="295166622"/>
-                  </a:ext>
-                </a:extLst>
-              </a:tr>
-              <a:tr h="255280">
-                <a:tc>
-                  <a:txBody>
-                    <a:bodyPr/>
-                    <a:lstStyle/>
-                    <a:p>
-                      <a:pPr algn="l">
-                        <a:lnSpc>
-                          <a:spcPct val="107000"/>
-                        </a:lnSpc>
-                        <a:spcAft>
-                          <a:spcPts val="800"/>
-                        </a:spcAft>
-                      </a:pPr>
-                      <a:r>
-                        <a:rPr lang="ru-RU" sz="1600">
-                          <a:effectLst/>
-                        </a:rPr>
-                        <a:t>1. 500</a:t>
-                      </a:r>
-                      <a:endParaRPr lang="ru-RU" sz="1200">
-                        <a:effectLst/>
-                        <a:latin typeface="Calibri" panose="020F0502020204030204" pitchFamily="34" charset="0"/>
-                        <a:ea typeface="Calibri" panose="020F0502020204030204" pitchFamily="34" charset="0"/>
-                        <a:cs typeface="Arial" panose="020B0604020202020204" pitchFamily="34" charset="0"/>
-                      </a:endParaRPr>
-                    </a:p>
-                  </a:txBody>
-                  <a:tcPr marL="68580" marR="68580" marT="0" marB="0"/>
-                </a:tc>
-                <a:tc>
-                  <a:txBody>
-                    <a:bodyPr/>
-                    <a:lstStyle/>
-                    <a:p>
-                      <a:pPr algn="ctr">
-                        <a:lnSpc>
-                          <a:spcPct val="107000"/>
-                        </a:lnSpc>
-                        <a:spcAft>
-                          <a:spcPts val="800"/>
-                        </a:spcAft>
-                      </a:pPr>
-                      <a:r>
-                        <a:rPr lang="ru-RU" sz="1600">
-                          <a:effectLst/>
-                        </a:rPr>
-                        <a:t>15ns</a:t>
-                      </a:r>
-                      <a:endParaRPr lang="ru-RU" sz="1200">
-                        <a:effectLst/>
-                        <a:latin typeface="Calibri" panose="020F0502020204030204" pitchFamily="34" charset="0"/>
-                        <a:ea typeface="Calibri" panose="020F0502020204030204" pitchFamily="34" charset="0"/>
-                        <a:cs typeface="Arial" panose="020B0604020202020204" pitchFamily="34" charset="0"/>
-                      </a:endParaRPr>
-                    </a:p>
-                  </a:txBody>
-                  <a:tcPr marL="68580" marR="68580" marT="0" marB="0"/>
-                </a:tc>
-                <a:tc>
-                  <a:txBody>
-                    <a:bodyPr/>
-                    <a:lstStyle/>
-                    <a:p>
-                      <a:pPr algn="ctr">
-                        <a:lnSpc>
-                          <a:spcPct val="107000"/>
-                        </a:lnSpc>
-                        <a:spcAft>
-                          <a:spcPts val="800"/>
-                        </a:spcAft>
-                      </a:pPr>
-                      <a:r>
-                        <a:rPr lang="ru-RU" sz="1600">
-                          <a:effectLst/>
-                        </a:rPr>
-                        <a:t>10</a:t>
-                      </a:r>
-                      <a:r>
-                        <a:rPr lang="en-US" sz="1600">
-                          <a:effectLst/>
-                        </a:rPr>
-                        <a:t>0ns</a:t>
-                      </a:r>
-                      <a:endParaRPr lang="ru-RU" sz="1200">
-                        <a:effectLst/>
-                        <a:latin typeface="Calibri" panose="020F0502020204030204" pitchFamily="34" charset="0"/>
-                        <a:ea typeface="Calibri" panose="020F0502020204030204" pitchFamily="34" charset="0"/>
-                        <a:cs typeface="Arial" panose="020B0604020202020204" pitchFamily="34" charset="0"/>
-                      </a:endParaRPr>
-                    </a:p>
-                  </a:txBody>
-                  <a:tcPr marL="68580" marR="68580" marT="0" marB="0"/>
-                </a:tc>
-                <a:extLst>
-                  <a:ext uri="{0D108BD9-81ED-4DB2-BD59-A6C34878D82A}">
-                    <a16:rowId xmlns:a16="http://schemas.microsoft.com/office/drawing/2014/main" val="3126988486"/>
-                  </a:ext>
-                </a:extLst>
-              </a:tr>
-              <a:tr h="255280">
-                <a:tc>
-                  <a:txBody>
-                    <a:bodyPr/>
-                    <a:lstStyle/>
-                    <a:p>
-                      <a:pPr algn="l">
-                        <a:lnSpc>
-                          <a:spcPct val="107000"/>
-                        </a:lnSpc>
-                        <a:spcAft>
-                          <a:spcPts val="800"/>
-                        </a:spcAft>
-                      </a:pPr>
-                      <a:r>
-                        <a:rPr lang="ru-RU" sz="1600">
-                          <a:effectLst/>
-                        </a:rPr>
-                        <a:t>2. 50000</a:t>
-                      </a:r>
-                      <a:endParaRPr lang="ru-RU" sz="1200">
-                        <a:effectLst/>
-                        <a:latin typeface="Calibri" panose="020F0502020204030204" pitchFamily="34" charset="0"/>
-                        <a:ea typeface="Calibri" panose="020F0502020204030204" pitchFamily="34" charset="0"/>
-                        <a:cs typeface="Arial" panose="020B0604020202020204" pitchFamily="34" charset="0"/>
-                      </a:endParaRPr>
-                    </a:p>
-                  </a:txBody>
-                  <a:tcPr marL="68580" marR="68580" marT="0" marB="0"/>
-                </a:tc>
-                <a:tc>
-                  <a:txBody>
-                    <a:bodyPr/>
-                    <a:lstStyle/>
-                    <a:p>
-                      <a:pPr algn="ctr">
-                        <a:lnSpc>
-                          <a:spcPct val="107000"/>
-                        </a:lnSpc>
-                        <a:spcAft>
-                          <a:spcPts val="800"/>
-                        </a:spcAft>
-                      </a:pPr>
-                      <a:r>
-                        <a:rPr lang="en-US" sz="1600">
-                          <a:effectLst/>
-                        </a:rPr>
-                        <a:t>1500ns</a:t>
-                      </a:r>
-                      <a:endParaRPr lang="ru-RU" sz="1200">
-                        <a:effectLst/>
-                        <a:latin typeface="Calibri" panose="020F0502020204030204" pitchFamily="34" charset="0"/>
-                        <a:ea typeface="Calibri" panose="020F0502020204030204" pitchFamily="34" charset="0"/>
-                        <a:cs typeface="Arial" panose="020B0604020202020204" pitchFamily="34" charset="0"/>
-                      </a:endParaRPr>
-                    </a:p>
-                  </a:txBody>
-                  <a:tcPr marL="68580" marR="68580" marT="0" marB="0"/>
-                </a:tc>
-                <a:tc>
-                  <a:txBody>
-                    <a:bodyPr/>
-                    <a:lstStyle/>
-                    <a:p>
-                      <a:pPr algn="ctr">
-                        <a:lnSpc>
-                          <a:spcPct val="107000"/>
-                        </a:lnSpc>
-                        <a:spcAft>
-                          <a:spcPts val="800"/>
-                        </a:spcAft>
-                      </a:pPr>
-                      <a:r>
-                        <a:rPr lang="en-US" sz="1600">
-                          <a:effectLst/>
-                        </a:rPr>
-                        <a:t>31000ns</a:t>
-                      </a:r>
-                      <a:endParaRPr lang="ru-RU" sz="1200">
-                        <a:effectLst/>
-                        <a:latin typeface="Calibri" panose="020F0502020204030204" pitchFamily="34" charset="0"/>
-                        <a:ea typeface="Calibri" panose="020F0502020204030204" pitchFamily="34" charset="0"/>
-                        <a:cs typeface="Arial" panose="020B0604020202020204" pitchFamily="34" charset="0"/>
-                      </a:endParaRPr>
-                    </a:p>
-                  </a:txBody>
-                  <a:tcPr marL="68580" marR="68580" marT="0" marB="0"/>
-                </a:tc>
-                <a:extLst>
-                  <a:ext uri="{0D108BD9-81ED-4DB2-BD59-A6C34878D82A}">
-                    <a16:rowId xmlns:a16="http://schemas.microsoft.com/office/drawing/2014/main" val="1137818356"/>
-                  </a:ext>
-                </a:extLst>
-              </a:tr>
-              <a:tr h="255280">
-                <a:tc>
-                  <a:txBody>
-                    <a:bodyPr/>
-                    <a:lstStyle/>
-                    <a:p>
-                      <a:pPr algn="l">
-                        <a:lnSpc>
-                          <a:spcPct val="107000"/>
-                        </a:lnSpc>
-                        <a:spcAft>
-                          <a:spcPts val="800"/>
-                        </a:spcAft>
-                      </a:pPr>
-                      <a:r>
-                        <a:rPr lang="ru-RU" sz="1600">
-                          <a:effectLst/>
-                        </a:rPr>
-                        <a:t>3. 5000000</a:t>
-                      </a:r>
-                      <a:endParaRPr lang="ru-RU" sz="1200">
-                        <a:effectLst/>
-                        <a:latin typeface="Calibri" panose="020F0502020204030204" pitchFamily="34" charset="0"/>
-                        <a:ea typeface="Calibri" panose="020F0502020204030204" pitchFamily="34" charset="0"/>
-                        <a:cs typeface="Arial" panose="020B0604020202020204" pitchFamily="34" charset="0"/>
-                      </a:endParaRPr>
-                    </a:p>
-                  </a:txBody>
-                  <a:tcPr marL="68580" marR="68580" marT="0" marB="0"/>
-                </a:tc>
-                <a:tc>
-                  <a:txBody>
-                    <a:bodyPr/>
-                    <a:lstStyle/>
-                    <a:p>
-                      <a:pPr algn="ctr">
-                        <a:lnSpc>
-                          <a:spcPct val="107000"/>
-                        </a:lnSpc>
-                        <a:spcAft>
-                          <a:spcPts val="800"/>
-                        </a:spcAft>
-                      </a:pPr>
-                      <a:r>
-                        <a:rPr lang="en-US" sz="1600">
-                          <a:effectLst/>
-                        </a:rPr>
-                        <a:t>180000ns</a:t>
-                      </a:r>
-                      <a:endParaRPr lang="ru-RU" sz="1200">
-                        <a:effectLst/>
-                        <a:latin typeface="Calibri" panose="020F0502020204030204" pitchFamily="34" charset="0"/>
-                        <a:ea typeface="Calibri" panose="020F0502020204030204" pitchFamily="34" charset="0"/>
-                        <a:cs typeface="Arial" panose="020B0604020202020204" pitchFamily="34" charset="0"/>
-                      </a:endParaRPr>
-                    </a:p>
-                  </a:txBody>
-                  <a:tcPr marL="68580" marR="68580" marT="0" marB="0"/>
-                </a:tc>
-                <a:tc>
-                  <a:txBody>
-                    <a:bodyPr/>
-                    <a:lstStyle/>
-                    <a:p>
-                      <a:pPr algn="ctr">
-                        <a:lnSpc>
-                          <a:spcPct val="107000"/>
-                        </a:lnSpc>
-                        <a:spcAft>
-                          <a:spcPts val="800"/>
-                        </a:spcAft>
-                      </a:pPr>
-                      <a:r>
-                        <a:rPr lang="en-US" sz="1600">
-                          <a:effectLst/>
-                        </a:rPr>
-                        <a:t>17300000ns</a:t>
-                      </a:r>
-                      <a:endParaRPr lang="ru-RU" sz="1200">
-                        <a:effectLst/>
-                        <a:latin typeface="Calibri" panose="020F0502020204030204" pitchFamily="34" charset="0"/>
-                        <a:ea typeface="Calibri" panose="020F0502020204030204" pitchFamily="34" charset="0"/>
-                        <a:cs typeface="Arial" panose="020B0604020202020204" pitchFamily="34" charset="0"/>
-                      </a:endParaRPr>
-                    </a:p>
-                  </a:txBody>
-                  <a:tcPr marL="68580" marR="68580" marT="0" marB="0"/>
-                </a:tc>
-                <a:extLst>
-                  <a:ext uri="{0D108BD9-81ED-4DB2-BD59-A6C34878D82A}">
-                    <a16:rowId xmlns:a16="http://schemas.microsoft.com/office/drawing/2014/main" val="4210636774"/>
-                  </a:ext>
-                </a:extLst>
-              </a:tr>
-              <a:tr h="255280">
-                <a:tc>
-                  <a:txBody>
-                    <a:bodyPr/>
-                    <a:lstStyle/>
-                    <a:p>
-                      <a:pPr algn="l">
-                        <a:lnSpc>
-                          <a:spcPct val="107000"/>
-                        </a:lnSpc>
-                        <a:spcAft>
-                          <a:spcPts val="800"/>
-                        </a:spcAft>
-                      </a:pPr>
-                      <a:r>
-                        <a:rPr lang="ru-RU" sz="1600">
-                          <a:effectLst/>
-                        </a:rPr>
-                        <a:t> </a:t>
-                      </a:r>
-                      <a:endParaRPr lang="ru-RU" sz="1200">
-                        <a:effectLst/>
-                        <a:latin typeface="Calibri" panose="020F0502020204030204" pitchFamily="34" charset="0"/>
-                        <a:ea typeface="Calibri" panose="020F0502020204030204" pitchFamily="34" charset="0"/>
-                        <a:cs typeface="Arial" panose="020B0604020202020204" pitchFamily="34" charset="0"/>
-                      </a:endParaRPr>
-                    </a:p>
-                  </a:txBody>
-                  <a:tcPr marL="68580" marR="68580" marT="0" marB="0"/>
-                </a:tc>
-                <a:tc>
-                  <a:txBody>
-                    <a:bodyPr/>
-                    <a:lstStyle/>
-                    <a:p>
-                      <a:pPr algn="ctr">
-                        <a:lnSpc>
-                          <a:spcPct val="107000"/>
-                        </a:lnSpc>
-                        <a:spcAft>
-                          <a:spcPts val="800"/>
-                        </a:spcAft>
-                      </a:pPr>
-                      <a:r>
-                        <a:rPr lang="ru-RU" sz="1600">
-                          <a:effectLst/>
-                        </a:rPr>
-                        <a:t> </a:t>
-                      </a:r>
-                      <a:endParaRPr lang="ru-RU" sz="1200">
-                        <a:effectLst/>
-                        <a:latin typeface="Calibri" panose="020F0502020204030204" pitchFamily="34" charset="0"/>
-                        <a:ea typeface="Calibri" panose="020F0502020204030204" pitchFamily="34" charset="0"/>
-                        <a:cs typeface="Arial" panose="020B0604020202020204" pitchFamily="34" charset="0"/>
-                      </a:endParaRPr>
-                    </a:p>
-                  </a:txBody>
-                  <a:tcPr marL="68580" marR="68580" marT="0" marB="0"/>
-                </a:tc>
-                <a:tc>
-                  <a:txBody>
-                    <a:bodyPr/>
-                    <a:lstStyle/>
-                    <a:p>
-                      <a:pPr algn="ctr">
-                        <a:lnSpc>
-                          <a:spcPct val="107000"/>
-                        </a:lnSpc>
-                        <a:spcAft>
-                          <a:spcPts val="800"/>
-                        </a:spcAft>
-                      </a:pPr>
-                      <a:r>
-                        <a:rPr lang="ru-RU" sz="1600" dirty="0">
-                          <a:effectLst/>
-                        </a:rPr>
-                        <a:t> </a:t>
-                      </a:r>
-                      <a:endParaRPr lang="ru-RU" sz="1200" dirty="0">
-                        <a:effectLst/>
-                        <a:latin typeface="Calibri" panose="020F0502020204030204" pitchFamily="34" charset="0"/>
-                        <a:ea typeface="Calibri" panose="020F0502020204030204" pitchFamily="34" charset="0"/>
-                        <a:cs typeface="Arial" panose="020B0604020202020204" pitchFamily="34" charset="0"/>
-                      </a:endParaRPr>
-                    </a:p>
-                  </a:txBody>
-                  <a:tcPr marL="68580" marR="68580" marT="0" marB="0"/>
-                </a:tc>
-                <a:extLst>
-                  <a:ext uri="{0D108BD9-81ED-4DB2-BD59-A6C34878D82A}">
-                    <a16:rowId xmlns:a16="http://schemas.microsoft.com/office/drawing/2014/main" val="3010796276"/>
-                  </a:ext>
-                </a:extLst>
-              </a:tr>
-              <a:tr h="255280">
-                <a:tc>
-                  <a:txBody>
-                    <a:bodyPr/>
-                    <a:lstStyle/>
-                    <a:p>
-                      <a:pPr algn="l">
-                        <a:lnSpc>
-                          <a:spcPct val="107000"/>
-                        </a:lnSpc>
-                        <a:spcAft>
-                          <a:spcPts val="800"/>
-                        </a:spcAft>
-                      </a:pPr>
-                      <a:r>
-                        <a:rPr lang="ru-RU" sz="1600">
-                          <a:effectLst/>
-                        </a:rPr>
-                        <a:t>Обратный порядок</a:t>
-                      </a:r>
-                      <a:endParaRPr lang="ru-RU" sz="1200">
-                        <a:effectLst/>
-                        <a:latin typeface="Calibri" panose="020F0502020204030204" pitchFamily="34" charset="0"/>
-                        <a:ea typeface="Calibri" panose="020F0502020204030204" pitchFamily="34" charset="0"/>
-                        <a:cs typeface="Arial" panose="020B0604020202020204" pitchFamily="34" charset="0"/>
-                      </a:endParaRPr>
-                    </a:p>
-                  </a:txBody>
-                  <a:tcPr marL="68580" marR="68580" marT="0" marB="0"/>
-                </a:tc>
-                <a:tc>
-                  <a:txBody>
-                    <a:bodyPr/>
-                    <a:lstStyle/>
-                    <a:p>
-                      <a:pPr algn="ctr">
-                        <a:lnSpc>
-                          <a:spcPct val="107000"/>
-                        </a:lnSpc>
-                        <a:spcAft>
-                          <a:spcPts val="800"/>
-                        </a:spcAft>
-                      </a:pPr>
-                      <a:r>
-                        <a:rPr lang="ru-RU" sz="1600">
-                          <a:effectLst/>
-                        </a:rPr>
-                        <a:t> </a:t>
-                      </a:r>
-                      <a:endParaRPr lang="ru-RU" sz="1200">
-                        <a:effectLst/>
-                        <a:latin typeface="Calibri" panose="020F0502020204030204" pitchFamily="34" charset="0"/>
-                        <a:ea typeface="Calibri" panose="020F0502020204030204" pitchFamily="34" charset="0"/>
-                        <a:cs typeface="Arial" panose="020B0604020202020204" pitchFamily="34" charset="0"/>
-                      </a:endParaRPr>
-                    </a:p>
-                  </a:txBody>
-                  <a:tcPr marL="68580" marR="68580" marT="0" marB="0"/>
-                </a:tc>
-                <a:tc>
-                  <a:txBody>
-                    <a:bodyPr/>
-                    <a:lstStyle/>
-                    <a:p>
-                      <a:pPr algn="ctr">
-                        <a:lnSpc>
-                          <a:spcPct val="107000"/>
-                        </a:lnSpc>
-                        <a:spcAft>
-                          <a:spcPts val="800"/>
-                        </a:spcAft>
-                      </a:pPr>
-                      <a:r>
-                        <a:rPr lang="ru-RU" sz="1600">
-                          <a:effectLst/>
-                        </a:rPr>
-                        <a:t> </a:t>
-                      </a:r>
-                      <a:endParaRPr lang="ru-RU" sz="1200">
-                        <a:effectLst/>
-                        <a:latin typeface="Calibri" panose="020F0502020204030204" pitchFamily="34" charset="0"/>
-                        <a:ea typeface="Calibri" panose="020F0502020204030204" pitchFamily="34" charset="0"/>
-                        <a:cs typeface="Arial" panose="020B0604020202020204" pitchFamily="34" charset="0"/>
-                      </a:endParaRPr>
-                    </a:p>
-                  </a:txBody>
-                  <a:tcPr marL="68580" marR="68580" marT="0" marB="0"/>
-                </a:tc>
-                <a:extLst>
-                  <a:ext uri="{0D108BD9-81ED-4DB2-BD59-A6C34878D82A}">
-                    <a16:rowId xmlns:a16="http://schemas.microsoft.com/office/drawing/2014/main" val="1118512418"/>
-                  </a:ext>
-                </a:extLst>
-              </a:tr>
-              <a:tr h="255280">
-                <a:tc>
-                  <a:txBody>
-                    <a:bodyPr/>
-                    <a:lstStyle/>
-                    <a:p>
-                      <a:pPr algn="l">
-                        <a:lnSpc>
-                          <a:spcPct val="107000"/>
-                        </a:lnSpc>
-                        <a:spcAft>
-                          <a:spcPts val="800"/>
-                        </a:spcAft>
-                      </a:pPr>
-                      <a:r>
-                        <a:rPr lang="ru-RU" sz="1600">
-                          <a:effectLst/>
-                        </a:rPr>
-                        <a:t>1. 500</a:t>
-                      </a:r>
-                      <a:endParaRPr lang="ru-RU" sz="1200">
-                        <a:effectLst/>
-                        <a:latin typeface="Calibri" panose="020F0502020204030204" pitchFamily="34" charset="0"/>
-                        <a:ea typeface="Calibri" panose="020F0502020204030204" pitchFamily="34" charset="0"/>
-                        <a:cs typeface="Arial" panose="020B0604020202020204" pitchFamily="34" charset="0"/>
-                      </a:endParaRPr>
-                    </a:p>
-                  </a:txBody>
-                  <a:tcPr marL="68580" marR="68580" marT="0" marB="0"/>
-                </a:tc>
-                <a:tc>
-                  <a:txBody>
-                    <a:bodyPr/>
-                    <a:lstStyle/>
-                    <a:p>
-                      <a:pPr algn="ctr">
-                        <a:lnSpc>
-                          <a:spcPct val="107000"/>
-                        </a:lnSpc>
-                        <a:spcAft>
-                          <a:spcPts val="800"/>
-                        </a:spcAft>
-                      </a:pPr>
-                      <a:r>
-                        <a:rPr lang="ru-RU" sz="1600">
-                          <a:effectLst/>
-                        </a:rPr>
-                        <a:t>15ns</a:t>
-                      </a:r>
-                      <a:endParaRPr lang="ru-RU" sz="1200">
-                        <a:effectLst/>
-                        <a:latin typeface="Calibri" panose="020F0502020204030204" pitchFamily="34" charset="0"/>
-                        <a:ea typeface="Calibri" panose="020F0502020204030204" pitchFamily="34" charset="0"/>
-                        <a:cs typeface="Arial" panose="020B0604020202020204" pitchFamily="34" charset="0"/>
-                      </a:endParaRPr>
-                    </a:p>
-                  </a:txBody>
-                  <a:tcPr marL="68580" marR="68580" marT="0" marB="0"/>
-                </a:tc>
-                <a:tc>
-                  <a:txBody>
-                    <a:bodyPr/>
-                    <a:lstStyle/>
-                    <a:p>
-                      <a:pPr algn="ctr">
-                        <a:lnSpc>
-                          <a:spcPct val="107000"/>
-                        </a:lnSpc>
-                        <a:spcAft>
-                          <a:spcPts val="800"/>
-                        </a:spcAft>
-                      </a:pPr>
-                      <a:r>
-                        <a:rPr lang="en-US" sz="1600">
-                          <a:effectLst/>
-                        </a:rPr>
-                        <a:t>150ns</a:t>
-                      </a:r>
-                      <a:endParaRPr lang="ru-RU" sz="1200">
-                        <a:effectLst/>
-                        <a:latin typeface="Calibri" panose="020F0502020204030204" pitchFamily="34" charset="0"/>
-                        <a:ea typeface="Calibri" panose="020F0502020204030204" pitchFamily="34" charset="0"/>
-                        <a:cs typeface="Arial" panose="020B0604020202020204" pitchFamily="34" charset="0"/>
-                      </a:endParaRPr>
-                    </a:p>
-                  </a:txBody>
-                  <a:tcPr marL="68580" marR="68580" marT="0" marB="0"/>
-                </a:tc>
-                <a:extLst>
-                  <a:ext uri="{0D108BD9-81ED-4DB2-BD59-A6C34878D82A}">
-                    <a16:rowId xmlns:a16="http://schemas.microsoft.com/office/drawing/2014/main" val="3658601334"/>
-                  </a:ext>
-                </a:extLst>
-              </a:tr>
-              <a:tr h="255280">
-                <a:tc>
-                  <a:txBody>
-                    <a:bodyPr/>
-                    <a:lstStyle/>
-                    <a:p>
-                      <a:pPr algn="l">
-                        <a:lnSpc>
-                          <a:spcPct val="107000"/>
-                        </a:lnSpc>
-                        <a:spcAft>
-                          <a:spcPts val="800"/>
-                        </a:spcAft>
-                      </a:pPr>
-                      <a:r>
-                        <a:rPr lang="ru-RU" sz="1600">
-                          <a:effectLst/>
-                        </a:rPr>
-                        <a:t>2. 50000</a:t>
-                      </a:r>
-                      <a:endParaRPr lang="ru-RU" sz="1200">
-                        <a:effectLst/>
-                        <a:latin typeface="Calibri" panose="020F0502020204030204" pitchFamily="34" charset="0"/>
-                        <a:ea typeface="Calibri" panose="020F0502020204030204" pitchFamily="34" charset="0"/>
-                        <a:cs typeface="Arial" panose="020B0604020202020204" pitchFamily="34" charset="0"/>
-                      </a:endParaRPr>
-                    </a:p>
-                  </a:txBody>
-                  <a:tcPr marL="68580" marR="68580" marT="0" marB="0"/>
-                </a:tc>
-                <a:tc>
-                  <a:txBody>
-                    <a:bodyPr/>
-                    <a:lstStyle/>
-                    <a:p>
-                      <a:pPr algn="ctr">
-                        <a:lnSpc>
-                          <a:spcPct val="107000"/>
-                        </a:lnSpc>
-                        <a:spcAft>
-                          <a:spcPts val="800"/>
-                        </a:spcAft>
-                      </a:pPr>
-                      <a:r>
-                        <a:rPr lang="en-US" sz="1600">
-                          <a:effectLst/>
-                        </a:rPr>
-                        <a:t>1500ns</a:t>
-                      </a:r>
-                      <a:endParaRPr lang="ru-RU" sz="1200">
-                        <a:effectLst/>
-                        <a:latin typeface="Calibri" panose="020F0502020204030204" pitchFamily="34" charset="0"/>
-                        <a:ea typeface="Calibri" panose="020F0502020204030204" pitchFamily="34" charset="0"/>
-                        <a:cs typeface="Arial" panose="020B0604020202020204" pitchFamily="34" charset="0"/>
-                      </a:endParaRPr>
-                    </a:p>
-                  </a:txBody>
-                  <a:tcPr marL="68580" marR="68580" marT="0" marB="0"/>
-                </a:tc>
-                <a:tc>
-                  <a:txBody>
-                    <a:bodyPr/>
-                    <a:lstStyle/>
-                    <a:p>
-                      <a:pPr algn="ctr">
-                        <a:lnSpc>
-                          <a:spcPct val="107000"/>
-                        </a:lnSpc>
-                        <a:spcAft>
-                          <a:spcPts val="800"/>
-                        </a:spcAft>
-                      </a:pPr>
-                      <a:r>
-                        <a:rPr lang="en-US" sz="1600">
-                          <a:effectLst/>
-                        </a:rPr>
-                        <a:t>33000ns</a:t>
-                      </a:r>
-                      <a:endParaRPr lang="ru-RU" sz="1200">
-                        <a:effectLst/>
-                        <a:latin typeface="Calibri" panose="020F0502020204030204" pitchFamily="34" charset="0"/>
-                        <a:ea typeface="Calibri" panose="020F0502020204030204" pitchFamily="34" charset="0"/>
-                        <a:cs typeface="Arial" panose="020B0604020202020204" pitchFamily="34" charset="0"/>
-                      </a:endParaRPr>
-                    </a:p>
-                  </a:txBody>
-                  <a:tcPr marL="68580" marR="68580" marT="0" marB="0"/>
-                </a:tc>
-                <a:extLst>
-                  <a:ext uri="{0D108BD9-81ED-4DB2-BD59-A6C34878D82A}">
-                    <a16:rowId xmlns:a16="http://schemas.microsoft.com/office/drawing/2014/main" val="3567607282"/>
-                  </a:ext>
-                </a:extLst>
-              </a:tr>
-              <a:tr h="255280">
-                <a:tc>
-                  <a:txBody>
-                    <a:bodyPr/>
-                    <a:lstStyle/>
-                    <a:p>
-                      <a:pPr algn="l">
-                        <a:lnSpc>
-                          <a:spcPct val="107000"/>
-                        </a:lnSpc>
-                        <a:spcAft>
-                          <a:spcPts val="800"/>
-                        </a:spcAft>
-                      </a:pPr>
-                      <a:r>
-                        <a:rPr lang="ru-RU" sz="1600">
-                          <a:effectLst/>
-                        </a:rPr>
-                        <a:t>3. 5000000</a:t>
-                      </a:r>
-                      <a:endParaRPr lang="ru-RU" sz="1200">
-                        <a:effectLst/>
-                        <a:latin typeface="Calibri" panose="020F0502020204030204" pitchFamily="34" charset="0"/>
-                        <a:ea typeface="Calibri" panose="020F0502020204030204" pitchFamily="34" charset="0"/>
-                        <a:cs typeface="Arial" panose="020B0604020202020204" pitchFamily="34" charset="0"/>
-                      </a:endParaRPr>
-                    </a:p>
-                  </a:txBody>
-                  <a:tcPr marL="68580" marR="68580" marT="0" marB="0"/>
-                </a:tc>
-                <a:tc>
-                  <a:txBody>
-                    <a:bodyPr/>
-                    <a:lstStyle/>
-                    <a:p>
-                      <a:pPr algn="ctr">
-                        <a:lnSpc>
-                          <a:spcPct val="107000"/>
-                        </a:lnSpc>
-                        <a:spcAft>
-                          <a:spcPts val="800"/>
-                        </a:spcAft>
-                      </a:pPr>
-                      <a:r>
-                        <a:rPr lang="en-US" sz="1600">
-                          <a:effectLst/>
-                        </a:rPr>
-                        <a:t>180000ns</a:t>
-                      </a:r>
-                      <a:endParaRPr lang="ru-RU" sz="1200">
-                        <a:effectLst/>
-                        <a:latin typeface="Calibri" panose="020F0502020204030204" pitchFamily="34" charset="0"/>
-                        <a:ea typeface="Calibri" panose="020F0502020204030204" pitchFamily="34" charset="0"/>
-                        <a:cs typeface="Arial" panose="020B0604020202020204" pitchFamily="34" charset="0"/>
-                      </a:endParaRPr>
-                    </a:p>
-                  </a:txBody>
-                  <a:tcPr marL="68580" marR="68580" marT="0" marB="0"/>
-                </a:tc>
-                <a:tc>
-                  <a:txBody>
-                    <a:bodyPr/>
-                    <a:lstStyle/>
-                    <a:p>
-                      <a:pPr algn="ctr">
-                        <a:lnSpc>
-                          <a:spcPct val="107000"/>
-                        </a:lnSpc>
-                        <a:spcAft>
-                          <a:spcPts val="800"/>
-                        </a:spcAft>
-                      </a:pPr>
-                      <a:r>
-                        <a:rPr lang="en-US" sz="1600">
-                          <a:effectLst/>
-                        </a:rPr>
-                        <a:t>12200000ns</a:t>
-                      </a:r>
-                      <a:endParaRPr lang="ru-RU" sz="1200">
-                        <a:effectLst/>
-                        <a:latin typeface="Calibri" panose="020F0502020204030204" pitchFamily="34" charset="0"/>
-                        <a:ea typeface="Calibri" panose="020F0502020204030204" pitchFamily="34" charset="0"/>
-                        <a:cs typeface="Arial" panose="020B0604020202020204" pitchFamily="34" charset="0"/>
-                      </a:endParaRPr>
-                    </a:p>
-                  </a:txBody>
-                  <a:tcPr marL="68580" marR="68580" marT="0" marB="0"/>
-                </a:tc>
-                <a:extLst>
-                  <a:ext uri="{0D108BD9-81ED-4DB2-BD59-A6C34878D82A}">
-                    <a16:rowId xmlns:a16="http://schemas.microsoft.com/office/drawing/2014/main" val="3188912028"/>
-                  </a:ext>
-                </a:extLst>
-              </a:tr>
-              <a:tr h="255280">
-                <a:tc>
-                  <a:txBody>
-                    <a:bodyPr/>
-                    <a:lstStyle/>
-                    <a:p>
-                      <a:pPr algn="l">
-                        <a:lnSpc>
-                          <a:spcPct val="107000"/>
-                        </a:lnSpc>
-                        <a:spcAft>
-                          <a:spcPts val="800"/>
-                        </a:spcAft>
-                      </a:pPr>
-                      <a:r>
-                        <a:rPr lang="ru-RU" sz="1600">
-                          <a:effectLst/>
-                        </a:rPr>
-                        <a:t> </a:t>
-                      </a:r>
-                      <a:endParaRPr lang="ru-RU" sz="1200">
-                        <a:effectLst/>
-                        <a:latin typeface="Calibri" panose="020F0502020204030204" pitchFamily="34" charset="0"/>
-                        <a:ea typeface="Calibri" panose="020F0502020204030204" pitchFamily="34" charset="0"/>
-                        <a:cs typeface="Arial" panose="020B0604020202020204" pitchFamily="34" charset="0"/>
-                      </a:endParaRPr>
-                    </a:p>
-                  </a:txBody>
-                  <a:tcPr marL="68580" marR="68580" marT="0" marB="0"/>
-                </a:tc>
-                <a:tc>
-                  <a:txBody>
-                    <a:bodyPr/>
-                    <a:lstStyle/>
-                    <a:p>
-                      <a:pPr algn="ctr">
-                        <a:lnSpc>
-                          <a:spcPct val="107000"/>
-                        </a:lnSpc>
-                        <a:spcAft>
-                          <a:spcPts val="800"/>
-                        </a:spcAft>
-                      </a:pPr>
-                      <a:r>
-                        <a:rPr lang="ru-RU" sz="1600">
-                          <a:effectLst/>
-                        </a:rPr>
-                        <a:t> </a:t>
-                      </a:r>
-                      <a:endParaRPr lang="ru-RU" sz="1200">
-                        <a:effectLst/>
-                        <a:latin typeface="Calibri" panose="020F0502020204030204" pitchFamily="34" charset="0"/>
-                        <a:ea typeface="Calibri" panose="020F0502020204030204" pitchFamily="34" charset="0"/>
-                        <a:cs typeface="Arial" panose="020B0604020202020204" pitchFamily="34" charset="0"/>
-                      </a:endParaRPr>
-                    </a:p>
-                  </a:txBody>
-                  <a:tcPr marL="68580" marR="68580" marT="0" marB="0"/>
-                </a:tc>
-                <a:tc>
-                  <a:txBody>
-                    <a:bodyPr/>
-                    <a:lstStyle/>
-                    <a:p>
-                      <a:pPr algn="ctr">
-                        <a:lnSpc>
-                          <a:spcPct val="107000"/>
-                        </a:lnSpc>
-                        <a:spcAft>
-                          <a:spcPts val="800"/>
-                        </a:spcAft>
-                      </a:pPr>
-                      <a:r>
-                        <a:rPr lang="ru-RU" sz="1600">
-                          <a:effectLst/>
-                        </a:rPr>
-                        <a:t> </a:t>
-                      </a:r>
-                      <a:endParaRPr lang="ru-RU" sz="1200">
-                        <a:effectLst/>
-                        <a:latin typeface="Calibri" panose="020F0502020204030204" pitchFamily="34" charset="0"/>
-                        <a:ea typeface="Calibri" panose="020F0502020204030204" pitchFamily="34" charset="0"/>
-                        <a:cs typeface="Arial" panose="020B0604020202020204" pitchFamily="34" charset="0"/>
-                      </a:endParaRPr>
-                    </a:p>
-                  </a:txBody>
-                  <a:tcPr marL="68580" marR="68580" marT="0" marB="0"/>
-                </a:tc>
-                <a:extLst>
-                  <a:ext uri="{0D108BD9-81ED-4DB2-BD59-A6C34878D82A}">
-                    <a16:rowId xmlns:a16="http://schemas.microsoft.com/office/drawing/2014/main" val="3874150676"/>
-                  </a:ext>
-                </a:extLst>
-              </a:tr>
-              <a:tr h="255280">
-                <a:tc>
-                  <a:txBody>
-                    <a:bodyPr/>
-                    <a:lstStyle/>
-                    <a:p>
-                      <a:pPr algn="l">
-                        <a:lnSpc>
-                          <a:spcPct val="107000"/>
-                        </a:lnSpc>
-                        <a:spcAft>
-                          <a:spcPts val="800"/>
-                        </a:spcAft>
-                      </a:pPr>
-                      <a:r>
-                        <a:rPr lang="ru-RU" sz="1600">
-                          <a:effectLst/>
-                        </a:rPr>
-                        <a:t>Случайный порядок</a:t>
-                      </a:r>
-                      <a:endParaRPr lang="ru-RU" sz="1200">
-                        <a:effectLst/>
-                        <a:latin typeface="Calibri" panose="020F0502020204030204" pitchFamily="34" charset="0"/>
-                        <a:ea typeface="Calibri" panose="020F0502020204030204" pitchFamily="34" charset="0"/>
-                        <a:cs typeface="Arial" panose="020B0604020202020204" pitchFamily="34" charset="0"/>
-                      </a:endParaRPr>
-                    </a:p>
-                  </a:txBody>
-                  <a:tcPr marL="68580" marR="68580" marT="0" marB="0"/>
-                </a:tc>
-                <a:tc>
-                  <a:txBody>
-                    <a:bodyPr/>
-                    <a:lstStyle/>
-                    <a:p>
-                      <a:pPr algn="ctr">
-                        <a:lnSpc>
-                          <a:spcPct val="107000"/>
-                        </a:lnSpc>
-                        <a:spcAft>
-                          <a:spcPts val="800"/>
-                        </a:spcAft>
-                      </a:pPr>
-                      <a:r>
-                        <a:rPr lang="ru-RU" sz="1600">
-                          <a:effectLst/>
-                        </a:rPr>
-                        <a:t> </a:t>
-                      </a:r>
-                      <a:endParaRPr lang="ru-RU" sz="1200">
-                        <a:effectLst/>
-                        <a:latin typeface="Calibri" panose="020F0502020204030204" pitchFamily="34" charset="0"/>
-                        <a:ea typeface="Calibri" panose="020F0502020204030204" pitchFamily="34" charset="0"/>
-                        <a:cs typeface="Arial" panose="020B0604020202020204" pitchFamily="34" charset="0"/>
-                      </a:endParaRPr>
-                    </a:p>
-                  </a:txBody>
-                  <a:tcPr marL="68580" marR="68580" marT="0" marB="0"/>
-                </a:tc>
-                <a:tc>
-                  <a:txBody>
-                    <a:bodyPr/>
-                    <a:lstStyle/>
-                    <a:p>
-                      <a:pPr algn="ctr">
-                        <a:lnSpc>
-                          <a:spcPct val="107000"/>
-                        </a:lnSpc>
-                        <a:spcAft>
-                          <a:spcPts val="800"/>
-                        </a:spcAft>
-                      </a:pPr>
-                      <a:r>
-                        <a:rPr lang="ru-RU" sz="1600">
-                          <a:effectLst/>
-                        </a:rPr>
-                        <a:t> </a:t>
-                      </a:r>
-                      <a:endParaRPr lang="ru-RU" sz="1200">
-                        <a:effectLst/>
-                        <a:latin typeface="Calibri" panose="020F0502020204030204" pitchFamily="34" charset="0"/>
-                        <a:ea typeface="Calibri" panose="020F0502020204030204" pitchFamily="34" charset="0"/>
-                        <a:cs typeface="Arial" panose="020B0604020202020204" pitchFamily="34" charset="0"/>
-                      </a:endParaRPr>
-                    </a:p>
-                  </a:txBody>
-                  <a:tcPr marL="68580" marR="68580" marT="0" marB="0"/>
-                </a:tc>
-                <a:extLst>
-                  <a:ext uri="{0D108BD9-81ED-4DB2-BD59-A6C34878D82A}">
-                    <a16:rowId xmlns:a16="http://schemas.microsoft.com/office/drawing/2014/main" val="1719746403"/>
-                  </a:ext>
-                </a:extLst>
-              </a:tr>
-              <a:tr h="255280">
-                <a:tc>
-                  <a:txBody>
-                    <a:bodyPr/>
-                    <a:lstStyle/>
-                    <a:p>
-                      <a:pPr algn="l">
-                        <a:lnSpc>
-                          <a:spcPct val="107000"/>
-                        </a:lnSpc>
-                        <a:spcAft>
-                          <a:spcPts val="800"/>
-                        </a:spcAft>
-                      </a:pPr>
-                      <a:r>
-                        <a:rPr lang="ru-RU" sz="1600">
-                          <a:effectLst/>
-                        </a:rPr>
-                        <a:t>1. 500</a:t>
-                      </a:r>
-                      <a:endParaRPr lang="ru-RU" sz="1200">
-                        <a:effectLst/>
-                        <a:latin typeface="Calibri" panose="020F0502020204030204" pitchFamily="34" charset="0"/>
-                        <a:ea typeface="Calibri" panose="020F0502020204030204" pitchFamily="34" charset="0"/>
-                        <a:cs typeface="Arial" panose="020B0604020202020204" pitchFamily="34" charset="0"/>
-                      </a:endParaRPr>
-                    </a:p>
-                  </a:txBody>
-                  <a:tcPr marL="68580" marR="68580" marT="0" marB="0"/>
-                </a:tc>
-                <a:tc>
-                  <a:txBody>
-                    <a:bodyPr/>
-                    <a:lstStyle/>
-                    <a:p>
-                      <a:pPr algn="ctr">
-                        <a:lnSpc>
-                          <a:spcPct val="107000"/>
-                        </a:lnSpc>
-                        <a:spcAft>
-                          <a:spcPts val="800"/>
-                        </a:spcAft>
-                      </a:pPr>
-                      <a:r>
-                        <a:rPr lang="ru-RU" sz="1600">
-                          <a:effectLst/>
-                        </a:rPr>
-                        <a:t>15ns</a:t>
-                      </a:r>
-                      <a:endParaRPr lang="ru-RU" sz="1200">
-                        <a:effectLst/>
-                        <a:latin typeface="Calibri" panose="020F0502020204030204" pitchFamily="34" charset="0"/>
-                        <a:ea typeface="Calibri" panose="020F0502020204030204" pitchFamily="34" charset="0"/>
-                        <a:cs typeface="Arial" panose="020B0604020202020204" pitchFamily="34" charset="0"/>
-                      </a:endParaRPr>
-                    </a:p>
-                  </a:txBody>
-                  <a:tcPr marL="68580" marR="68580" marT="0" marB="0"/>
-                </a:tc>
-                <a:tc>
-                  <a:txBody>
-                    <a:bodyPr/>
-                    <a:lstStyle/>
-                    <a:p>
-                      <a:pPr algn="ctr">
-                        <a:lnSpc>
-                          <a:spcPct val="107000"/>
-                        </a:lnSpc>
-                        <a:spcAft>
-                          <a:spcPts val="800"/>
-                        </a:spcAft>
-                      </a:pPr>
-                      <a:r>
-                        <a:rPr lang="en-US" sz="1600">
-                          <a:effectLst/>
-                        </a:rPr>
-                        <a:t>350ns</a:t>
-                      </a:r>
-                      <a:endParaRPr lang="ru-RU" sz="1200">
-                        <a:effectLst/>
-                        <a:latin typeface="Calibri" panose="020F0502020204030204" pitchFamily="34" charset="0"/>
-                        <a:ea typeface="Calibri" panose="020F0502020204030204" pitchFamily="34" charset="0"/>
-                        <a:cs typeface="Arial" panose="020B0604020202020204" pitchFamily="34" charset="0"/>
-                      </a:endParaRPr>
-                    </a:p>
-                  </a:txBody>
-                  <a:tcPr marL="68580" marR="68580" marT="0" marB="0"/>
-                </a:tc>
-                <a:extLst>
-                  <a:ext uri="{0D108BD9-81ED-4DB2-BD59-A6C34878D82A}">
-                    <a16:rowId xmlns:a16="http://schemas.microsoft.com/office/drawing/2014/main" val="3147436479"/>
-                  </a:ext>
-                </a:extLst>
-              </a:tr>
-              <a:tr h="255280">
-                <a:tc>
-                  <a:txBody>
-                    <a:bodyPr/>
-                    <a:lstStyle/>
-                    <a:p>
-                      <a:pPr algn="l">
-                        <a:lnSpc>
-                          <a:spcPct val="107000"/>
-                        </a:lnSpc>
-                        <a:spcAft>
-                          <a:spcPts val="800"/>
-                        </a:spcAft>
-                      </a:pPr>
-                      <a:r>
-                        <a:rPr lang="ru-RU" sz="1600">
-                          <a:effectLst/>
-                        </a:rPr>
-                        <a:t>2. 50000</a:t>
-                      </a:r>
-                      <a:endParaRPr lang="ru-RU" sz="1200">
-                        <a:effectLst/>
-                        <a:latin typeface="Calibri" panose="020F0502020204030204" pitchFamily="34" charset="0"/>
-                        <a:ea typeface="Calibri" panose="020F0502020204030204" pitchFamily="34" charset="0"/>
-                        <a:cs typeface="Arial" panose="020B0604020202020204" pitchFamily="34" charset="0"/>
-                      </a:endParaRPr>
-                    </a:p>
-                  </a:txBody>
-                  <a:tcPr marL="68580" marR="68580" marT="0" marB="0"/>
-                </a:tc>
-                <a:tc>
-                  <a:txBody>
-                    <a:bodyPr/>
-                    <a:lstStyle/>
-                    <a:p>
-                      <a:pPr algn="ctr">
-                        <a:lnSpc>
-                          <a:spcPct val="107000"/>
-                        </a:lnSpc>
-                        <a:spcAft>
-                          <a:spcPts val="800"/>
-                        </a:spcAft>
-                      </a:pPr>
-                      <a:r>
-                        <a:rPr lang="en-US" sz="1600">
-                          <a:effectLst/>
-                        </a:rPr>
-                        <a:t>1500ns</a:t>
-                      </a:r>
-                      <a:endParaRPr lang="ru-RU" sz="1200">
-                        <a:effectLst/>
-                        <a:latin typeface="Calibri" panose="020F0502020204030204" pitchFamily="34" charset="0"/>
-                        <a:ea typeface="Calibri" panose="020F0502020204030204" pitchFamily="34" charset="0"/>
-                        <a:cs typeface="Arial" panose="020B0604020202020204" pitchFamily="34" charset="0"/>
-                      </a:endParaRPr>
-                    </a:p>
-                  </a:txBody>
-                  <a:tcPr marL="68580" marR="68580" marT="0" marB="0"/>
-                </a:tc>
-                <a:tc>
-                  <a:txBody>
-                    <a:bodyPr/>
-                    <a:lstStyle/>
-                    <a:p>
-                      <a:pPr algn="ctr">
-                        <a:lnSpc>
-                          <a:spcPct val="107000"/>
-                        </a:lnSpc>
-                        <a:spcAft>
-                          <a:spcPts val="800"/>
-                        </a:spcAft>
-                      </a:pPr>
-                      <a:r>
-                        <a:rPr lang="en-US" sz="1600">
-                          <a:effectLst/>
-                        </a:rPr>
-                        <a:t>83000ns</a:t>
-                      </a:r>
-                      <a:endParaRPr lang="ru-RU" sz="1200">
-                        <a:effectLst/>
-                        <a:latin typeface="Calibri" panose="020F0502020204030204" pitchFamily="34" charset="0"/>
-                        <a:ea typeface="Calibri" panose="020F0502020204030204" pitchFamily="34" charset="0"/>
-                        <a:cs typeface="Arial" panose="020B0604020202020204" pitchFamily="34" charset="0"/>
-                      </a:endParaRPr>
-                    </a:p>
-                  </a:txBody>
-                  <a:tcPr marL="68580" marR="68580" marT="0" marB="0"/>
-                </a:tc>
-                <a:extLst>
-                  <a:ext uri="{0D108BD9-81ED-4DB2-BD59-A6C34878D82A}">
-                    <a16:rowId xmlns:a16="http://schemas.microsoft.com/office/drawing/2014/main" val="1276845282"/>
-                  </a:ext>
-                </a:extLst>
-              </a:tr>
-              <a:tr h="255280">
-                <a:tc>
-                  <a:txBody>
-                    <a:bodyPr/>
-                    <a:lstStyle/>
-                    <a:p>
-                      <a:pPr algn="l">
-                        <a:lnSpc>
-                          <a:spcPct val="107000"/>
-                        </a:lnSpc>
-                        <a:spcAft>
-                          <a:spcPts val="800"/>
-                        </a:spcAft>
-                      </a:pPr>
-                      <a:r>
-                        <a:rPr lang="ru-RU" sz="1600">
-                          <a:effectLst/>
-                        </a:rPr>
-                        <a:t>3. 5000000</a:t>
-                      </a:r>
-                      <a:endParaRPr lang="ru-RU" sz="1200">
-                        <a:effectLst/>
-                        <a:latin typeface="Calibri" panose="020F0502020204030204" pitchFamily="34" charset="0"/>
-                        <a:ea typeface="Calibri" panose="020F0502020204030204" pitchFamily="34" charset="0"/>
-                        <a:cs typeface="Arial" panose="020B0604020202020204" pitchFamily="34" charset="0"/>
-                      </a:endParaRPr>
-                    </a:p>
-                  </a:txBody>
-                  <a:tcPr marL="68580" marR="68580" marT="0" marB="0"/>
-                </a:tc>
-                <a:tc>
-                  <a:txBody>
-                    <a:bodyPr/>
-                    <a:lstStyle/>
-                    <a:p>
-                      <a:pPr algn="ctr">
-                        <a:lnSpc>
-                          <a:spcPct val="107000"/>
-                        </a:lnSpc>
-                        <a:spcAft>
-                          <a:spcPts val="800"/>
-                        </a:spcAft>
-                      </a:pPr>
-                      <a:r>
-                        <a:rPr lang="en-US" sz="1600">
-                          <a:effectLst/>
-                        </a:rPr>
-                        <a:t>180000ns</a:t>
-                      </a:r>
-                      <a:endParaRPr lang="ru-RU" sz="1200">
-                        <a:effectLst/>
-                        <a:latin typeface="Calibri" panose="020F0502020204030204" pitchFamily="34" charset="0"/>
-                        <a:ea typeface="Calibri" panose="020F0502020204030204" pitchFamily="34" charset="0"/>
-                        <a:cs typeface="Arial" panose="020B0604020202020204" pitchFamily="34" charset="0"/>
-                      </a:endParaRPr>
-                    </a:p>
-                  </a:txBody>
-                  <a:tcPr marL="68580" marR="68580" marT="0" marB="0"/>
-                </a:tc>
-                <a:tc>
-                  <a:txBody>
-                    <a:bodyPr/>
-                    <a:lstStyle/>
-                    <a:p>
-                      <a:pPr algn="ctr">
-                        <a:lnSpc>
-                          <a:spcPct val="107000"/>
-                        </a:lnSpc>
-                        <a:spcAft>
-                          <a:spcPts val="800"/>
-                        </a:spcAft>
-                      </a:pPr>
-                      <a:r>
-                        <a:rPr lang="en-US" sz="1600">
-                          <a:effectLst/>
-                        </a:rPr>
-                        <a:t>28500000ns</a:t>
-                      </a:r>
-                      <a:endParaRPr lang="ru-RU" sz="1200">
-                        <a:effectLst/>
-                        <a:latin typeface="Calibri" panose="020F0502020204030204" pitchFamily="34" charset="0"/>
-                        <a:ea typeface="Calibri" panose="020F0502020204030204" pitchFamily="34" charset="0"/>
-                        <a:cs typeface="Arial" panose="020B0604020202020204" pitchFamily="34" charset="0"/>
-                      </a:endParaRPr>
-                    </a:p>
-                  </a:txBody>
-                  <a:tcPr marL="68580" marR="68580" marT="0" marB="0"/>
-                </a:tc>
-                <a:extLst>
-                  <a:ext uri="{0D108BD9-81ED-4DB2-BD59-A6C34878D82A}">
-                    <a16:rowId xmlns:a16="http://schemas.microsoft.com/office/drawing/2014/main" val="3717663172"/>
-                  </a:ext>
-                </a:extLst>
-              </a:tr>
-              <a:tr h="255280">
-                <a:tc>
-                  <a:txBody>
-                    <a:bodyPr/>
-                    <a:lstStyle/>
-                    <a:p>
-                      <a:pPr algn="l">
-                        <a:lnSpc>
-                          <a:spcPct val="107000"/>
-                        </a:lnSpc>
-                        <a:spcAft>
-                          <a:spcPts val="800"/>
-                        </a:spcAft>
-                      </a:pPr>
-                      <a:r>
-                        <a:rPr lang="ru-RU" sz="1600">
-                          <a:effectLst/>
-                        </a:rPr>
-                        <a:t> </a:t>
-                      </a:r>
-                      <a:endParaRPr lang="ru-RU" sz="1200">
-                        <a:effectLst/>
-                        <a:latin typeface="Calibri" panose="020F0502020204030204" pitchFamily="34" charset="0"/>
-                        <a:ea typeface="Calibri" panose="020F0502020204030204" pitchFamily="34" charset="0"/>
-                        <a:cs typeface="Arial" panose="020B0604020202020204" pitchFamily="34" charset="0"/>
-                      </a:endParaRPr>
-                    </a:p>
-                  </a:txBody>
-                  <a:tcPr marL="68580" marR="68580" marT="0" marB="0"/>
-                </a:tc>
-                <a:tc>
-                  <a:txBody>
-                    <a:bodyPr/>
-                    <a:lstStyle/>
-                    <a:p>
-                      <a:pPr algn="ctr">
-                        <a:lnSpc>
-                          <a:spcPct val="107000"/>
-                        </a:lnSpc>
-                        <a:spcAft>
-                          <a:spcPts val="800"/>
-                        </a:spcAft>
-                      </a:pPr>
-                      <a:r>
-                        <a:rPr lang="ru-RU" sz="1600">
-                          <a:effectLst/>
-                        </a:rPr>
-                        <a:t> </a:t>
-                      </a:r>
-                      <a:endParaRPr lang="ru-RU" sz="1200">
-                        <a:effectLst/>
-                        <a:latin typeface="Calibri" panose="020F0502020204030204" pitchFamily="34" charset="0"/>
-                        <a:ea typeface="Calibri" panose="020F0502020204030204" pitchFamily="34" charset="0"/>
-                        <a:cs typeface="Arial" panose="020B0604020202020204" pitchFamily="34" charset="0"/>
-                      </a:endParaRPr>
-                    </a:p>
-                  </a:txBody>
-                  <a:tcPr marL="68580" marR="68580" marT="0" marB="0"/>
-                </a:tc>
-                <a:tc>
-                  <a:txBody>
-                    <a:bodyPr/>
-                    <a:lstStyle/>
-                    <a:p>
-                      <a:pPr algn="ctr">
-                        <a:lnSpc>
-                          <a:spcPct val="107000"/>
-                        </a:lnSpc>
-                        <a:spcAft>
-                          <a:spcPts val="800"/>
-                        </a:spcAft>
-                      </a:pPr>
-                      <a:r>
-                        <a:rPr lang="ru-RU" sz="1600">
-                          <a:effectLst/>
-                        </a:rPr>
-                        <a:t> </a:t>
-                      </a:r>
-                      <a:endParaRPr lang="ru-RU" sz="1200">
-                        <a:effectLst/>
-                        <a:latin typeface="Calibri" panose="020F0502020204030204" pitchFamily="34" charset="0"/>
-                        <a:ea typeface="Calibri" panose="020F0502020204030204" pitchFamily="34" charset="0"/>
-                        <a:cs typeface="Arial" panose="020B0604020202020204" pitchFamily="34" charset="0"/>
-                      </a:endParaRPr>
-                    </a:p>
-                  </a:txBody>
-                  <a:tcPr marL="68580" marR="68580" marT="0" marB="0"/>
-                </a:tc>
-                <a:extLst>
-                  <a:ext uri="{0D108BD9-81ED-4DB2-BD59-A6C34878D82A}">
-                    <a16:rowId xmlns:a16="http://schemas.microsoft.com/office/drawing/2014/main" val="3173518909"/>
-                  </a:ext>
-                </a:extLst>
-              </a:tr>
-              <a:tr h="255280">
-                <a:tc>
-                  <a:txBody>
-                    <a:bodyPr/>
-                    <a:lstStyle/>
-                    <a:p>
-                      <a:pPr algn="l">
-                        <a:lnSpc>
-                          <a:spcPct val="107000"/>
-                        </a:lnSpc>
-                        <a:spcAft>
-                          <a:spcPts val="800"/>
-                        </a:spcAft>
-                      </a:pPr>
-                      <a:r>
-                        <a:rPr lang="ru-RU" sz="1600">
-                          <a:effectLst/>
-                        </a:rPr>
-                        <a:t>Одно число</a:t>
-                      </a:r>
-                      <a:endParaRPr lang="ru-RU" sz="1200">
-                        <a:effectLst/>
-                        <a:latin typeface="Calibri" panose="020F0502020204030204" pitchFamily="34" charset="0"/>
-                        <a:ea typeface="Calibri" panose="020F0502020204030204" pitchFamily="34" charset="0"/>
-                        <a:cs typeface="Arial" panose="020B0604020202020204" pitchFamily="34" charset="0"/>
-                      </a:endParaRPr>
-                    </a:p>
-                  </a:txBody>
-                  <a:tcPr marL="68580" marR="68580" marT="0" marB="0"/>
-                </a:tc>
-                <a:tc>
-                  <a:txBody>
-                    <a:bodyPr/>
-                    <a:lstStyle/>
-                    <a:p>
-                      <a:pPr algn="ctr">
-                        <a:lnSpc>
-                          <a:spcPct val="107000"/>
-                        </a:lnSpc>
-                        <a:spcAft>
-                          <a:spcPts val="800"/>
-                        </a:spcAft>
-                      </a:pPr>
-                      <a:r>
-                        <a:rPr lang="ru-RU" sz="1600">
-                          <a:effectLst/>
-                        </a:rPr>
-                        <a:t> </a:t>
-                      </a:r>
-                      <a:endParaRPr lang="ru-RU" sz="1200">
-                        <a:effectLst/>
-                        <a:latin typeface="Calibri" panose="020F0502020204030204" pitchFamily="34" charset="0"/>
-                        <a:ea typeface="Calibri" panose="020F0502020204030204" pitchFamily="34" charset="0"/>
-                        <a:cs typeface="Arial" panose="020B0604020202020204" pitchFamily="34" charset="0"/>
-                      </a:endParaRPr>
-                    </a:p>
-                  </a:txBody>
-                  <a:tcPr marL="68580" marR="68580" marT="0" marB="0"/>
-                </a:tc>
-                <a:tc>
-                  <a:txBody>
-                    <a:bodyPr/>
-                    <a:lstStyle/>
-                    <a:p>
-                      <a:pPr algn="ctr">
-                        <a:lnSpc>
-                          <a:spcPct val="107000"/>
-                        </a:lnSpc>
-                        <a:spcAft>
-                          <a:spcPts val="800"/>
-                        </a:spcAft>
-                      </a:pPr>
-                      <a:r>
-                        <a:rPr lang="ru-RU" sz="1600">
-                          <a:effectLst/>
-                        </a:rPr>
-                        <a:t> </a:t>
-                      </a:r>
-                      <a:endParaRPr lang="ru-RU" sz="1200">
-                        <a:effectLst/>
-                        <a:latin typeface="Calibri" panose="020F0502020204030204" pitchFamily="34" charset="0"/>
-                        <a:ea typeface="Calibri" panose="020F0502020204030204" pitchFamily="34" charset="0"/>
-                        <a:cs typeface="Arial" panose="020B0604020202020204" pitchFamily="34" charset="0"/>
-                      </a:endParaRPr>
-                    </a:p>
-                  </a:txBody>
-                  <a:tcPr marL="68580" marR="68580" marT="0" marB="0"/>
-                </a:tc>
-                <a:extLst>
-                  <a:ext uri="{0D108BD9-81ED-4DB2-BD59-A6C34878D82A}">
-                    <a16:rowId xmlns:a16="http://schemas.microsoft.com/office/drawing/2014/main" val="2938433735"/>
-                  </a:ext>
-                </a:extLst>
-              </a:tr>
-              <a:tr h="255280">
-                <a:tc>
-                  <a:txBody>
-                    <a:bodyPr/>
-                    <a:lstStyle/>
-                    <a:p>
-                      <a:pPr algn="l">
-                        <a:lnSpc>
-                          <a:spcPct val="107000"/>
-                        </a:lnSpc>
-                        <a:spcAft>
-                          <a:spcPts val="800"/>
-                        </a:spcAft>
-                      </a:pPr>
-                      <a:r>
-                        <a:rPr lang="ru-RU" sz="1600">
-                          <a:effectLst/>
-                        </a:rPr>
-                        <a:t>1. 500</a:t>
-                      </a:r>
-                      <a:endParaRPr lang="ru-RU" sz="1200">
-                        <a:effectLst/>
-                        <a:latin typeface="Calibri" panose="020F0502020204030204" pitchFamily="34" charset="0"/>
-                        <a:ea typeface="Calibri" panose="020F0502020204030204" pitchFamily="34" charset="0"/>
-                        <a:cs typeface="Arial" panose="020B0604020202020204" pitchFamily="34" charset="0"/>
-                      </a:endParaRPr>
-                    </a:p>
-                  </a:txBody>
-                  <a:tcPr marL="68580" marR="68580" marT="0" marB="0"/>
-                </a:tc>
-                <a:tc>
-                  <a:txBody>
-                    <a:bodyPr/>
-                    <a:lstStyle/>
-                    <a:p>
-                      <a:pPr algn="ctr">
-                        <a:lnSpc>
-                          <a:spcPct val="107000"/>
-                        </a:lnSpc>
-                        <a:spcAft>
-                          <a:spcPts val="800"/>
-                        </a:spcAft>
-                      </a:pPr>
-                      <a:r>
-                        <a:rPr lang="ru-RU" sz="1600">
-                          <a:effectLst/>
-                        </a:rPr>
-                        <a:t>15ns</a:t>
-                      </a:r>
-                      <a:endParaRPr lang="ru-RU" sz="1200">
-                        <a:effectLst/>
-                        <a:latin typeface="Calibri" panose="020F0502020204030204" pitchFamily="34" charset="0"/>
-                        <a:ea typeface="Calibri" panose="020F0502020204030204" pitchFamily="34" charset="0"/>
-                        <a:cs typeface="Arial" panose="020B0604020202020204" pitchFamily="34" charset="0"/>
-                      </a:endParaRPr>
-                    </a:p>
-                  </a:txBody>
-                  <a:tcPr marL="68580" marR="68580" marT="0" marB="0"/>
-                </a:tc>
-                <a:tc>
-                  <a:txBody>
-                    <a:bodyPr/>
-                    <a:lstStyle/>
-                    <a:p>
-                      <a:pPr algn="ctr">
-                        <a:lnSpc>
-                          <a:spcPct val="107000"/>
-                        </a:lnSpc>
-                        <a:spcAft>
-                          <a:spcPts val="800"/>
-                        </a:spcAft>
-                      </a:pPr>
-                      <a:r>
-                        <a:rPr lang="en-US" sz="1600">
-                          <a:effectLst/>
-                        </a:rPr>
-                        <a:t>7ns</a:t>
-                      </a:r>
-                      <a:endParaRPr lang="ru-RU" sz="1200">
-                        <a:effectLst/>
-                        <a:latin typeface="Calibri" panose="020F0502020204030204" pitchFamily="34" charset="0"/>
-                        <a:ea typeface="Calibri" panose="020F0502020204030204" pitchFamily="34" charset="0"/>
-                        <a:cs typeface="Arial" panose="020B0604020202020204" pitchFamily="34" charset="0"/>
-                      </a:endParaRPr>
-                    </a:p>
-                  </a:txBody>
-                  <a:tcPr marL="68580" marR="68580" marT="0" marB="0"/>
-                </a:tc>
-                <a:extLst>
-                  <a:ext uri="{0D108BD9-81ED-4DB2-BD59-A6C34878D82A}">
-                    <a16:rowId xmlns:a16="http://schemas.microsoft.com/office/drawing/2014/main" val="2840443519"/>
-                  </a:ext>
-                </a:extLst>
-              </a:tr>
-              <a:tr h="255280">
-                <a:tc>
-                  <a:txBody>
-                    <a:bodyPr/>
-                    <a:lstStyle/>
-                    <a:p>
-                      <a:pPr algn="l">
-                        <a:lnSpc>
-                          <a:spcPct val="107000"/>
-                        </a:lnSpc>
-                        <a:spcAft>
-                          <a:spcPts val="800"/>
-                        </a:spcAft>
-                      </a:pPr>
-                      <a:r>
-                        <a:rPr lang="ru-RU" sz="1600">
-                          <a:effectLst/>
-                        </a:rPr>
-                        <a:t>2. 50000</a:t>
-                      </a:r>
-                      <a:endParaRPr lang="ru-RU" sz="1200">
-                        <a:effectLst/>
-                        <a:latin typeface="Calibri" panose="020F0502020204030204" pitchFamily="34" charset="0"/>
-                        <a:ea typeface="Calibri" panose="020F0502020204030204" pitchFamily="34" charset="0"/>
-                        <a:cs typeface="Arial" panose="020B0604020202020204" pitchFamily="34" charset="0"/>
-                      </a:endParaRPr>
-                    </a:p>
-                  </a:txBody>
-                  <a:tcPr marL="68580" marR="68580" marT="0" marB="0"/>
-                </a:tc>
-                <a:tc>
-                  <a:txBody>
-                    <a:bodyPr/>
-                    <a:lstStyle/>
-                    <a:p>
-                      <a:pPr algn="ctr">
-                        <a:lnSpc>
-                          <a:spcPct val="107000"/>
-                        </a:lnSpc>
-                        <a:spcAft>
-                          <a:spcPts val="800"/>
-                        </a:spcAft>
-                      </a:pPr>
-                      <a:r>
-                        <a:rPr lang="en-US" sz="1600">
-                          <a:effectLst/>
-                        </a:rPr>
-                        <a:t>1500ns</a:t>
-                      </a:r>
-                      <a:endParaRPr lang="ru-RU" sz="1200">
-                        <a:effectLst/>
-                        <a:latin typeface="Calibri" panose="020F0502020204030204" pitchFamily="34" charset="0"/>
-                        <a:ea typeface="Calibri" panose="020F0502020204030204" pitchFamily="34" charset="0"/>
-                        <a:cs typeface="Arial" panose="020B0604020202020204" pitchFamily="34" charset="0"/>
-                      </a:endParaRPr>
-                    </a:p>
-                  </a:txBody>
-                  <a:tcPr marL="68580" marR="68580" marT="0" marB="0"/>
-                </a:tc>
-                <a:tc>
-                  <a:txBody>
-                    <a:bodyPr/>
-                    <a:lstStyle/>
-                    <a:p>
-                      <a:pPr algn="ctr">
-                        <a:lnSpc>
-                          <a:spcPct val="107000"/>
-                        </a:lnSpc>
-                        <a:spcAft>
-                          <a:spcPts val="800"/>
-                        </a:spcAft>
-                      </a:pPr>
-                      <a:r>
-                        <a:rPr lang="en-US" sz="1600">
-                          <a:effectLst/>
-                        </a:rPr>
-                        <a:t>600ns</a:t>
-                      </a:r>
-                      <a:endParaRPr lang="ru-RU" sz="1200">
-                        <a:effectLst/>
-                        <a:latin typeface="Calibri" panose="020F0502020204030204" pitchFamily="34" charset="0"/>
-                        <a:ea typeface="Calibri" panose="020F0502020204030204" pitchFamily="34" charset="0"/>
-                        <a:cs typeface="Arial" panose="020B0604020202020204" pitchFamily="34" charset="0"/>
-                      </a:endParaRPr>
-                    </a:p>
-                  </a:txBody>
-                  <a:tcPr marL="68580" marR="68580" marT="0" marB="0"/>
-                </a:tc>
-                <a:extLst>
-                  <a:ext uri="{0D108BD9-81ED-4DB2-BD59-A6C34878D82A}">
-                    <a16:rowId xmlns:a16="http://schemas.microsoft.com/office/drawing/2014/main" val="3613290628"/>
-                  </a:ext>
-                </a:extLst>
-              </a:tr>
-              <a:tr h="255280">
-                <a:tc>
-                  <a:txBody>
-                    <a:bodyPr/>
-                    <a:lstStyle/>
-                    <a:p>
-                      <a:pPr algn="l">
-                        <a:lnSpc>
-                          <a:spcPct val="107000"/>
-                        </a:lnSpc>
-                        <a:spcAft>
-                          <a:spcPts val="800"/>
-                        </a:spcAft>
-                      </a:pPr>
-                      <a:r>
-                        <a:rPr lang="ru-RU" sz="1600">
-                          <a:effectLst/>
-                        </a:rPr>
-                        <a:t>3. 5000000</a:t>
-                      </a:r>
-                      <a:endParaRPr lang="ru-RU" sz="1200">
-                        <a:effectLst/>
-                        <a:latin typeface="Calibri" panose="020F0502020204030204" pitchFamily="34" charset="0"/>
-                        <a:ea typeface="Calibri" panose="020F0502020204030204" pitchFamily="34" charset="0"/>
-                        <a:cs typeface="Arial" panose="020B0604020202020204" pitchFamily="34" charset="0"/>
-                      </a:endParaRPr>
-                    </a:p>
-                  </a:txBody>
-                  <a:tcPr marL="68580" marR="68580" marT="0" marB="0"/>
-                </a:tc>
-                <a:tc>
-                  <a:txBody>
-                    <a:bodyPr/>
-                    <a:lstStyle/>
-                    <a:p>
-                      <a:pPr algn="ctr">
-                        <a:lnSpc>
-                          <a:spcPct val="107000"/>
-                        </a:lnSpc>
-                        <a:spcAft>
-                          <a:spcPts val="800"/>
-                        </a:spcAft>
-                      </a:pPr>
-                      <a:r>
-                        <a:rPr lang="en-US" sz="1600">
-                          <a:effectLst/>
-                        </a:rPr>
-                        <a:t>180000ns</a:t>
-                      </a:r>
-                      <a:endParaRPr lang="ru-RU" sz="1200">
-                        <a:effectLst/>
-                        <a:latin typeface="Calibri" panose="020F0502020204030204" pitchFamily="34" charset="0"/>
-                        <a:ea typeface="Calibri" panose="020F0502020204030204" pitchFamily="34" charset="0"/>
-                        <a:cs typeface="Arial" panose="020B0604020202020204" pitchFamily="34" charset="0"/>
-                      </a:endParaRPr>
-                    </a:p>
-                  </a:txBody>
-                  <a:tcPr marL="68580" marR="68580" marT="0" marB="0"/>
-                </a:tc>
-                <a:tc>
-                  <a:txBody>
-                    <a:bodyPr/>
-                    <a:lstStyle/>
-                    <a:p>
-                      <a:pPr algn="ctr">
-                        <a:lnSpc>
-                          <a:spcPct val="107000"/>
-                        </a:lnSpc>
-                        <a:spcAft>
-                          <a:spcPts val="800"/>
-                        </a:spcAft>
-                      </a:pPr>
-                      <a:r>
-                        <a:rPr lang="en-US" sz="1600" dirty="0">
-                          <a:effectLst/>
-                        </a:rPr>
-                        <a:t>59000ns</a:t>
-                      </a:r>
-                      <a:endParaRPr lang="ru-RU" sz="1200" dirty="0">
-                        <a:effectLst/>
-                        <a:latin typeface="Calibri" panose="020F0502020204030204" pitchFamily="34" charset="0"/>
-                        <a:ea typeface="Calibri" panose="020F0502020204030204" pitchFamily="34" charset="0"/>
-                        <a:cs typeface="Arial" panose="020B0604020202020204" pitchFamily="34" charset="0"/>
-                      </a:endParaRPr>
-                    </a:p>
-                  </a:txBody>
-                  <a:tcPr marL="68580" marR="68580" marT="0" marB="0"/>
-                </a:tc>
-                <a:extLst>
-                  <a:ext uri="{0D108BD9-81ED-4DB2-BD59-A6C34878D82A}">
-                    <a16:rowId xmlns:a16="http://schemas.microsoft.com/office/drawing/2014/main" val="13618809"/>
-                  </a:ext>
-                </a:extLst>
-              </a:tr>
-            </a:tbl>
-          </a:graphicData>
-        </a:graphic>
-      </p:graphicFrame>
+            <a:r>
+              <a:rPr lang="ru-RU" sz="2400" dirty="0"/>
+              <a:t>Функция </a:t>
+            </a:r>
+            <a:r>
+              <a:rPr lang="ru-RU" sz="2400" dirty="0" err="1"/>
+              <a:t>query</a:t>
+            </a:r>
+            <a:r>
+              <a:rPr lang="ru-RU" sz="2400" dirty="0"/>
+              <a:t>()  используется для доступа к необходимому узлу в </a:t>
+            </a:r>
+            <a:r>
+              <a:rPr lang="ru-RU" sz="2400" dirty="0" err="1"/>
+              <a:t>Tango</a:t>
+            </a:r>
+            <a:r>
+              <a:rPr lang="ru-RU" sz="2400" dirty="0"/>
+              <a:t> </a:t>
+            </a:r>
+            <a:r>
+              <a:rPr lang="ru-RU" sz="2400" dirty="0" err="1"/>
+              <a:t>Tree</a:t>
+            </a:r>
+            <a:r>
+              <a:rPr lang="ru-RU" sz="2400" dirty="0"/>
+              <a:t>.</a:t>
+            </a:r>
+          </a:p>
+          <a:p>
+            <a:endParaRPr lang="ru-RU" sz="2400" dirty="0"/>
+          </a:p>
+          <a:p>
+            <a:r>
+              <a:rPr lang="ru-RU" sz="2400" dirty="0"/>
+              <a:t>Функция перемещает узел вверх по дереву до тех пор, пока он не достигнет корня основного дерева.</a:t>
+            </a:r>
+          </a:p>
+        </p:txBody>
+      </p:sp>
     </p:spTree>
     <p:extLst>
       <p:ext uri="{BB962C8B-B14F-4D97-AF65-F5344CB8AC3E}">
-        <p14:creationId xmlns:p14="http://schemas.microsoft.com/office/powerpoint/2010/main" val="1974905652"/>
+        <p14:creationId xmlns:p14="http://schemas.microsoft.com/office/powerpoint/2010/main" val="3143351128"/>
       </p:ext>
     </p:extLst>
   </p:cSld>
@@ -6135,7 +7082,7 @@
           <p:cNvPr id="2" name="Заголовок 1">
             <a:extLst>
               <a:ext uri="{FF2B5EF4-FFF2-40B4-BE49-F238E27FC236}">
-                <a16:creationId xmlns:a16="http://schemas.microsoft.com/office/drawing/2014/main" id="{4A0C670F-6FC2-5BBB-C9A9-0EF980D1EA17}"/>
+                <a16:creationId xmlns:a16="http://schemas.microsoft.com/office/drawing/2014/main" id="{EF9F526E-19B4-838B-692B-6F7051A063D1}"/>
               </a:ext>
             </a:extLst>
           </p:cNvPr>
@@ -6152,9 +7099,18 @@
           <a:lstStyle/>
           <a:p>
             <a:r>
-              <a:rPr lang="ru-RU" dirty="0"/>
-              <a:t>Результаты тестирования</a:t>
-            </a:r>
+              <a:rPr lang="ru-RU" sz="4400" dirty="0"/>
+              <a:t>Псевдокод</a:t>
+            </a:r>
+            <a:r>
+              <a:rPr lang="ru-RU" sz="4400" i="1" dirty="0"/>
+              <a:t> </a:t>
+            </a:r>
+            <a:r>
+              <a:rPr lang="en-US" sz="4400" i="1" dirty="0"/>
+              <a:t>query()</a:t>
+            </a:r>
+            <a:endParaRPr lang="ru-RU" dirty="0"/>
           </a:p>
         </p:txBody>
       </p:sp>
@@ -6163,7 +7119,7 @@
           <p:cNvPr id="3" name="TextBox 2">
             <a:extLst>
               <a:ext uri="{FF2B5EF4-FFF2-40B4-BE49-F238E27FC236}">
-                <a16:creationId xmlns:a16="http://schemas.microsoft.com/office/drawing/2014/main" id="{27F2728B-5758-798E-50BB-83FCB551D151}"/>
+                <a16:creationId xmlns:a16="http://schemas.microsoft.com/office/drawing/2014/main" id="{05D238D5-990C-2AA4-57C1-C3145A2DEE4B}"/>
               </a:ext>
             </a:extLst>
           </p:cNvPr>
@@ -6172,8 +7128,120 @@
         </p:nvSpPr>
         <p:spPr>
           <a:xfrm>
-            <a:off x="914400" y="1903677"/>
-            <a:ext cx="10439400" cy="3539430"/>
+            <a:off x="947531" y="2862468"/>
+            <a:ext cx="4956313" cy="2246769"/>
+          </a:xfrm>
+          <a:prstGeom prst="rect">
+            <a:avLst/>
+          </a:prstGeom>
+          <a:solidFill>
+            <a:schemeClr val="bg1">
+              <a:lumMod val="95000"/>
+            </a:schemeClr>
+          </a:solidFill>
+        </p:spPr>
+        <p:txBody>
+          <a:bodyPr wrap="square" rtlCol="0">
+            <a:spAutoFit/>
+          </a:bodyPr>
+          <a:lstStyle/>
+          <a:p>
+            <a:r>
+              <a:rPr lang="en-US" sz="2000" dirty="0" err="1"/>
+              <a:t>curr</a:t>
+            </a:r>
+            <a:r>
+              <a:rPr lang="en-US" sz="2000" dirty="0"/>
+              <a:t> = current node</a:t>
+            </a:r>
+          </a:p>
+          <a:p>
+            <a:r>
+              <a:rPr lang="en-US" sz="2000" dirty="0" err="1"/>
+              <a:t>prev</a:t>
+            </a:r>
+            <a:r>
+              <a:rPr lang="en-US" sz="2000" dirty="0"/>
+              <a:t> = parent of </a:t>
+            </a:r>
+            <a:r>
+              <a:rPr lang="en-US" sz="2000" dirty="0" err="1"/>
+              <a:t>curr</a:t>
+            </a:r>
+            <a:endParaRPr lang="en-US" sz="2000" dirty="0"/>
+          </a:p>
+          <a:p>
+            <a:r>
+              <a:rPr lang="en-US" sz="2000" dirty="0"/>
+              <a:t>if </a:t>
+            </a:r>
+            <a:r>
+              <a:rPr lang="en-US" sz="2000" dirty="0" err="1"/>
+              <a:t>curr</a:t>
+            </a:r>
+            <a:r>
+              <a:rPr lang="en-US" sz="2000" dirty="0"/>
+              <a:t> == NULL:</a:t>
+            </a:r>
+          </a:p>
+          <a:p>
+            <a:r>
+              <a:rPr lang="en-US" sz="2000" dirty="0"/>
+              <a:t>    expose(</a:t>
+            </a:r>
+            <a:r>
+              <a:rPr lang="en-US" sz="2000" dirty="0" err="1"/>
+              <a:t>prev</a:t>
+            </a:r>
+            <a:r>
+              <a:rPr lang="en-US" sz="2000" dirty="0"/>
+              <a:t>)</a:t>
+            </a:r>
+          </a:p>
+          <a:p>
+            <a:r>
+              <a:rPr lang="en-US" sz="2000" dirty="0"/>
+              <a:t>    return false</a:t>
+            </a:r>
+          </a:p>
+          <a:p>
+            <a:r>
+              <a:rPr lang="en-US" sz="2000" dirty="0"/>
+              <a:t>expose(</a:t>
+            </a:r>
+            <a:r>
+              <a:rPr lang="en-US" sz="2000" dirty="0" err="1"/>
+              <a:t>curr</a:t>
+            </a:r>
+            <a:r>
+              <a:rPr lang="en-US" sz="2000" dirty="0"/>
+              <a:t>)</a:t>
+            </a:r>
+          </a:p>
+          <a:p>
+            <a:r>
+              <a:rPr lang="en-US" sz="2000" dirty="0"/>
+              <a:t>return true</a:t>
+            </a:r>
+          </a:p>
+        </p:txBody>
+      </p:sp>
+      <p:sp>
+        <p:nvSpPr>
+          <p:cNvPr id="4" name="TextBox 3">
+            <a:extLst>
+              <a:ext uri="{FF2B5EF4-FFF2-40B4-BE49-F238E27FC236}">
+                <a16:creationId xmlns:a16="http://schemas.microsoft.com/office/drawing/2014/main" id="{BE38BB3E-0446-1773-5EA7-438FCEFB2611}"/>
+              </a:ext>
+            </a:extLst>
+          </p:cNvPr>
+          <p:cNvSpPr txBox="1"/>
+          <p:nvPr/>
+        </p:nvSpPr>
+        <p:spPr>
+          <a:xfrm>
+            <a:off x="838200" y="1808922"/>
+            <a:ext cx="4655633" cy="369332"/>
           </a:xfrm>
           <a:prstGeom prst="rect">
             <a:avLst/>
@@ -6181,35 +7249,26 @@
           <a:noFill/>
         </p:spPr>
         <p:txBody>
-          <a:bodyPr wrap="square" rtlCol="0">
+          <a:bodyPr wrap="none" rtlCol="0">
             <a:spAutoFit/>
           </a:bodyPr>
           <a:lstStyle/>
           <a:p>
             <a:r>
-              <a:rPr lang="ru-RU" sz="2800"/>
-              <a:t>Самый длительный поиск – это поиск случайного элемента, это предсказуемо потому что к данному типу в этом дереве никаких оптимизаций не применено. </a:t>
-            </a:r>
-          </a:p>
-          <a:p>
-            <a:r>
-              <a:rPr lang="ru-RU" sz="2800"/>
-              <a:t>Обратный поиск примерно равен по времени поиску в порядке возрастания.</a:t>
-            </a:r>
-          </a:p>
-          <a:p>
-            <a:r>
-              <a:rPr lang="ru-RU" sz="2800"/>
-              <a:t>Поиск одного и того же числа оказался самым быстрым, потому что еще при первой операции поиска дерево перестроилось и это число стало корнем</a:t>
-            </a:r>
-            <a:endParaRPr lang="ru-RU" sz="2800" dirty="0"/>
+              <a:rPr lang="ru-RU" sz="1800" i="1" dirty="0"/>
+              <a:t>Ищем, пока не найдем либо ключ, либо </a:t>
+            </a:r>
+            <a:r>
+              <a:rPr lang="en-US" sz="1800" i="1" dirty="0"/>
+              <a:t>NULL</a:t>
+            </a:r>
           </a:p>
         </p:txBody>
       </p:sp>
     </p:spTree>
     <p:extLst>
       <p:ext uri="{BB962C8B-B14F-4D97-AF65-F5344CB8AC3E}">
-        <p14:creationId xmlns:p14="http://schemas.microsoft.com/office/powerpoint/2010/main" val="611797987"/>
+        <p14:creationId xmlns:p14="http://schemas.microsoft.com/office/powerpoint/2010/main" val="3644622265"/>
       </p:ext>
     </p:extLst>
   </p:cSld>
@@ -6241,7 +7300,7 @@
           <p:cNvPr id="2" name="Заголовок 1">
             <a:extLst>
               <a:ext uri="{FF2B5EF4-FFF2-40B4-BE49-F238E27FC236}">
-                <a16:creationId xmlns:a16="http://schemas.microsoft.com/office/drawing/2014/main" id="{A662F2D9-B8B1-52CB-ABB8-7C7C6F5D3214}"/>
+                <a16:creationId xmlns:a16="http://schemas.microsoft.com/office/drawing/2014/main" id="{8E8E0F16-AD9E-E68C-8ED7-828D5A77E777}"/>
               </a:ext>
             </a:extLst>
           </p:cNvPr>
@@ -6252,14 +7311,19 @@
             <p:ph type="title"/>
           </p:nvPr>
         </p:nvSpPr>
-        <p:spPr/>
+        <p:spPr>
+          <a:xfrm>
+            <a:off x="711590" y="381758"/>
+            <a:ext cx="10515600" cy="1325563"/>
+          </a:xfrm>
+        </p:spPr>
         <p:txBody>
           <a:bodyPr/>
           <a:lstStyle/>
           <a:p>
             <a:r>
               <a:rPr lang="ru-RU" dirty="0"/>
-              <a:t>Результаты</a:t>
+              <a:t>Тестирование</a:t>
             </a:r>
           </a:p>
         </p:txBody>
@@ -6269,7 +7333,7 @@
           <p:cNvPr id="3" name="TextBox 2">
             <a:extLst>
               <a:ext uri="{FF2B5EF4-FFF2-40B4-BE49-F238E27FC236}">
-                <a16:creationId xmlns:a16="http://schemas.microsoft.com/office/drawing/2014/main" id="{5C6F2E68-A86B-E1A4-3924-FD0D73A1D115}"/>
+                <a16:creationId xmlns:a16="http://schemas.microsoft.com/office/drawing/2014/main" id="{B9981724-218A-22BD-55DA-FDEDAC1A4BE6}"/>
               </a:ext>
             </a:extLst>
           </p:cNvPr>
@@ -6278,8 +7342,8 @@
         </p:nvSpPr>
         <p:spPr>
           <a:xfrm>
-            <a:off x="1035148" y="2264898"/>
-            <a:ext cx="6228372" cy="2246769"/>
+            <a:off x="838200" y="1707321"/>
+            <a:ext cx="10515600" cy="2521203"/>
           </a:xfrm>
           <a:prstGeom prst="rect">
             <a:avLst/>
@@ -6287,70 +7351,84 @@
           <a:noFill/>
         </p:spPr>
         <p:txBody>
-          <a:bodyPr wrap="none" rtlCol="0">
+          <a:bodyPr wrap="square" rtlCol="0">
             <a:spAutoFit/>
           </a:bodyPr>
           <a:lstStyle/>
           <a:p>
-            <a:r>
-              <a:rPr lang="ru-RU" sz="2800" dirty="0"/>
-              <a:t>Представлено в репозитории на </a:t>
-            </a:r>
-            <a:r>
-              <a:rPr lang="ru-RU" sz="2800" dirty="0" err="1"/>
-              <a:t>github</a:t>
-            </a:r>
-            <a:r>
-              <a:rPr lang="ru-RU" sz="2800" dirty="0"/>
-              <a:t>:</a:t>
-            </a:r>
-          </a:p>
-          <a:p>
-            <a:pPr marL="342900" indent="-342900">
-              <a:buFont typeface="Arial" panose="020B0604020202020204" pitchFamily="34" charset="0"/>
-              <a:buChar char="•"/>
+            <a:pPr>
+              <a:lnSpc>
+                <a:spcPct val="107000"/>
+              </a:lnSpc>
+              <a:spcAft>
+                <a:spcPts val="800"/>
+              </a:spcAft>
             </a:pPr>
             <a:r>
-              <a:rPr lang="ru-RU" sz="2800" dirty="0"/>
-              <a:t>Реализация алгоритма</a:t>
-            </a:r>
-          </a:p>
-          <a:p>
-            <a:pPr marL="342900" indent="-342900">
-              <a:buFont typeface="Arial" panose="020B0604020202020204" pitchFamily="34" charset="0"/>
-              <a:buChar char="•"/>
+              <a:rPr lang="ru-RU" sz="2800" dirty="0">
+                <a:effectLst/>
+                <a:ea typeface="Calibri" panose="020F0502020204030204" pitchFamily="34" charset="0"/>
+                <a:cs typeface="Arial" panose="020B0604020202020204" pitchFamily="34" charset="0"/>
+              </a:rPr>
+              <a:t>Оценка производительности выполнена на </a:t>
+            </a:r>
+            <a:r>
+              <a:rPr lang="ru-RU" sz="2800" dirty="0">
+                <a:ea typeface="Calibri" panose="020F0502020204030204" pitchFamily="34" charset="0"/>
+                <a:cs typeface="Arial" panose="020B0604020202020204" pitchFamily="34" charset="0"/>
+              </a:rPr>
+              <a:t>7</a:t>
+            </a:r>
+            <a:r>
+              <a:rPr lang="ru-RU" sz="2800" dirty="0">
+                <a:effectLst/>
+                <a:ea typeface="Calibri" panose="020F0502020204030204" pitchFamily="34" charset="0"/>
+                <a:cs typeface="Arial" panose="020B0604020202020204" pitchFamily="34" charset="0"/>
+              </a:rPr>
+              <a:t> наборах данных разной размерности.</a:t>
+            </a:r>
+          </a:p>
+          <a:p>
+            <a:pPr>
+              <a:lnSpc>
+                <a:spcPct val="107000"/>
+              </a:lnSpc>
+              <a:spcAft>
+                <a:spcPts val="800"/>
+              </a:spcAft>
             </a:pPr>
-            <a:r>
-              <a:rPr lang="ru-RU" sz="2800" dirty="0"/>
-              <a:t>Отчёт</a:t>
-            </a:r>
-          </a:p>
-          <a:p>
-            <a:pPr marL="342900" indent="-342900">
-              <a:buFont typeface="Arial" panose="020B0604020202020204" pitchFamily="34" charset="0"/>
-              <a:buChar char="•"/>
+            <a:endParaRPr lang="ru-RU" sz="2800" dirty="0">
+              <a:ea typeface="Calibri" panose="020F0502020204030204" pitchFamily="34" charset="0"/>
+              <a:cs typeface="Arial" panose="020B0604020202020204" pitchFamily="34" charset="0"/>
+            </a:endParaRPr>
+          </a:p>
+          <a:p>
+            <a:pPr>
+              <a:lnSpc>
+                <a:spcPct val="107000"/>
+              </a:lnSpc>
+              <a:spcAft>
+                <a:spcPts val="800"/>
+              </a:spcAft>
             </a:pPr>
             <a:r>
-              <a:rPr lang="ru-RU" sz="2800" dirty="0"/>
-              <a:t>Набор тестов</a:t>
-            </a:r>
-          </a:p>
-          <a:p>
-            <a:pPr marL="342900" indent="-342900">
-              <a:buFont typeface="Arial" panose="020B0604020202020204" pitchFamily="34" charset="0"/>
-              <a:buChar char="•"/>
-            </a:pPr>
-            <a:r>
-              <a:rPr lang="ru-RU" sz="2800" dirty="0"/>
-              <a:t>Презентация</a:t>
-            </a:r>
+              <a:rPr lang="ru-RU" sz="2800" dirty="0">
+                <a:effectLst/>
+                <a:ea typeface="Calibri" panose="020F0502020204030204" pitchFamily="34" charset="0"/>
+                <a:cs typeface="Arial" panose="020B0604020202020204" pitchFamily="34" charset="0"/>
+              </a:rPr>
+              <a:t>Оценено время поиска каждого элемента в различном порядке.</a:t>
+            </a:r>
+          </a:p>
+          <a:p>
+            <a:endParaRPr lang="ru-RU" dirty="0"/>
           </a:p>
         </p:txBody>
       </p:sp>
     </p:spTree>
     <p:extLst>
       <p:ext uri="{BB962C8B-B14F-4D97-AF65-F5344CB8AC3E}">
-        <p14:creationId xmlns:p14="http://schemas.microsoft.com/office/powerpoint/2010/main" val="1650765061"/>
+        <p14:creationId xmlns:p14="http://schemas.microsoft.com/office/powerpoint/2010/main" val="1974905652"/>
       </p:ext>
     </p:extLst>
   </p:cSld>
@@ -6377,12 +7455,128 @@
           <a:chExt cx="0" cy="0"/>
         </a:xfrm>
       </p:grpSpPr>
+      <p:graphicFrame>
+        <p:nvGraphicFramePr>
+          <p:cNvPr id="2" name="Диаграмма 1">
+            <a:extLst>
+              <a:ext uri="{FF2B5EF4-FFF2-40B4-BE49-F238E27FC236}">
+                <a16:creationId xmlns:a16="http://schemas.microsoft.com/office/drawing/2014/main" id="{71422165-B48E-7BF5-60F0-81FF30ACEC16}"/>
+              </a:ext>
+            </a:extLst>
+          </p:cNvPr>
+          <p:cNvGraphicFramePr/>
+          <p:nvPr>
+            <p:extLst>
+              <p:ext uri="{D42A27DB-BD31-4B8C-83A1-F6EECF244321}">
+                <p14:modId xmlns:p14="http://schemas.microsoft.com/office/powerpoint/2010/main" val="1215113322"/>
+              </p:ext>
+            </p:extLst>
+          </p:nvPr>
+        </p:nvGraphicFramePr>
+        <p:xfrm>
+          <a:off x="1606274" y="513661"/>
+          <a:ext cx="8979452" cy="5830678"/>
+        </p:xfrm>
+        <a:graphic>
+          <a:graphicData uri="http://schemas.openxmlformats.org/drawingml/2006/chart">
+            <c:chart xmlns:c="http://schemas.openxmlformats.org/drawingml/2006/chart" xmlns:r="http://schemas.openxmlformats.org/officeDocument/2006/relationships" r:id="rId2"/>
+          </a:graphicData>
+        </a:graphic>
+      </p:graphicFrame>
+    </p:spTree>
+    <p:extLst>
+      <p:ext uri="{BB962C8B-B14F-4D97-AF65-F5344CB8AC3E}">
+        <p14:creationId xmlns:p14="http://schemas.microsoft.com/office/powerpoint/2010/main" val="613694380"/>
+      </p:ext>
+    </p:extLst>
+  </p:cSld>
+  <p:clrMapOvr>
+    <a:masterClrMapping/>
+  </p:clrMapOvr>
+</p:sld>
+</file>
+
+<file path=ppt/slides/slide17.xml><?xml version="1.0" encoding="utf-8"?>
+<p:sld xmlns:a="http://schemas.openxmlformats.org/drawingml/2006/main" xmlns:r="http://schemas.openxmlformats.org/officeDocument/2006/relationships" xmlns:p="http://schemas.openxmlformats.org/presentationml/2006/main">
+  <p:cSld>
+    <p:spTree>
+      <p:nvGrpSpPr>
+        <p:cNvPr id="1" name=""/>
+        <p:cNvGrpSpPr/>
+        <p:nvPr/>
+      </p:nvGrpSpPr>
+      <p:grpSpPr>
+        <a:xfrm>
+          <a:off x="0" y="0"/>
+          <a:ext cx="0" cy="0"/>
+          <a:chOff x="0" y="0"/>
+          <a:chExt cx="0" cy="0"/>
+        </a:xfrm>
+      </p:grpSpPr>
+      <p:graphicFrame>
+        <p:nvGraphicFramePr>
+          <p:cNvPr id="2" name="Диаграмма 1">
+            <a:extLst>
+              <a:ext uri="{FF2B5EF4-FFF2-40B4-BE49-F238E27FC236}">
+                <a16:creationId xmlns:a16="http://schemas.microsoft.com/office/drawing/2014/main" id="{B2B0F9BE-3B34-0DD9-72C2-2F3DB9B7F2FE}"/>
+              </a:ext>
+            </a:extLst>
+          </p:cNvPr>
+          <p:cNvGraphicFramePr/>
+          <p:nvPr>
+            <p:extLst>
+              <p:ext uri="{D42A27DB-BD31-4B8C-83A1-F6EECF244321}">
+                <p14:modId xmlns:p14="http://schemas.microsoft.com/office/powerpoint/2010/main" val="4169096023"/>
+              </p:ext>
+            </p:extLst>
+          </p:nvPr>
+        </p:nvGraphicFramePr>
+        <p:xfrm>
+          <a:off x="1606274" y="513661"/>
+          <a:ext cx="8979452" cy="5830678"/>
+        </p:xfrm>
+        <a:graphic>
+          <a:graphicData uri="http://schemas.openxmlformats.org/drawingml/2006/chart">
+            <c:chart xmlns:c="http://schemas.openxmlformats.org/drawingml/2006/chart" xmlns:r="http://schemas.openxmlformats.org/officeDocument/2006/relationships" r:id="rId2"/>
+          </a:graphicData>
+        </a:graphic>
+      </p:graphicFrame>
+    </p:spTree>
+    <p:extLst>
+      <p:ext uri="{BB962C8B-B14F-4D97-AF65-F5344CB8AC3E}">
+        <p14:creationId xmlns:p14="http://schemas.microsoft.com/office/powerpoint/2010/main" val="882650291"/>
+      </p:ext>
+    </p:extLst>
+  </p:cSld>
+  <p:clrMapOvr>
+    <a:masterClrMapping/>
+  </p:clrMapOvr>
+</p:sld>
+</file>
+
+<file path=ppt/slides/slide18.xml><?xml version="1.0" encoding="utf-8"?>
+<p:sld xmlns:a="http://schemas.openxmlformats.org/drawingml/2006/main" xmlns:r="http://schemas.openxmlformats.org/officeDocument/2006/relationships" xmlns:p="http://schemas.openxmlformats.org/presentationml/2006/main">
+  <p:cSld>
+    <p:spTree>
+      <p:nvGrpSpPr>
+        <p:cNvPr id="1" name=""/>
+        <p:cNvGrpSpPr/>
+        <p:nvPr/>
+      </p:nvGrpSpPr>
+      <p:grpSpPr>
+        <a:xfrm>
+          <a:off x="0" y="0"/>
+          <a:ext cx="0" cy="0"/>
+          <a:chOff x="0" y="0"/>
+          <a:chExt cx="0" cy="0"/>
+        </a:xfrm>
+      </p:grpSpPr>
       <p:sp>
         <p:nvSpPr>
           <p:cNvPr id="2" name="Заголовок 1">
             <a:extLst>
               <a:ext uri="{FF2B5EF4-FFF2-40B4-BE49-F238E27FC236}">
-                <a16:creationId xmlns:a16="http://schemas.microsoft.com/office/drawing/2014/main" id="{544293C3-7DCE-9312-8E3C-CF08DADBEBA8}"/>
+                <a16:creationId xmlns:a16="http://schemas.microsoft.com/office/drawing/2014/main" id="{A662F2D9-B8B1-52CB-ABB8-7C7C6F5D3214}"/>
               </a:ext>
             </a:extLst>
           </p:cNvPr>
@@ -6400,7 +7594,7 @@
           <a:p>
             <a:r>
               <a:rPr lang="ru-RU" dirty="0"/>
-              <a:t>Заключение</a:t>
+              <a:t>Результаты</a:t>
             </a:r>
           </a:p>
         </p:txBody>
@@ -6410,7 +7604,7 @@
           <p:cNvPr id="3" name="TextBox 2">
             <a:extLst>
               <a:ext uri="{FF2B5EF4-FFF2-40B4-BE49-F238E27FC236}">
-                <a16:creationId xmlns:a16="http://schemas.microsoft.com/office/drawing/2014/main" id="{F2DB7B8E-A19A-58AA-04B6-8D7804B8C877}"/>
+                <a16:creationId xmlns:a16="http://schemas.microsoft.com/office/drawing/2014/main" id="{5C6F2E68-A86B-E1A4-3924-FD0D73A1D115}"/>
               </a:ext>
             </a:extLst>
           </p:cNvPr>
@@ -6419,8 +7613,8 @@
         </p:nvSpPr>
         <p:spPr>
           <a:xfrm>
-            <a:off x="984738" y="1800665"/>
-            <a:ext cx="10515600" cy="1815882"/>
+            <a:off x="1035148" y="2264898"/>
+            <a:ext cx="6448112" cy="2246769"/>
           </a:xfrm>
           <a:prstGeom prst="rect">
             <a:avLst/>
@@ -6428,18 +7622,168 @@
           <a:noFill/>
         </p:spPr>
         <p:txBody>
+          <a:bodyPr wrap="none" rtlCol="0">
+            <a:spAutoFit/>
+          </a:bodyPr>
+          <a:lstStyle/>
+          <a:p>
+            <a:r>
+              <a:rPr lang="ru-RU" sz="2800" dirty="0"/>
+              <a:t>Представлено в репозитории на </a:t>
+            </a:r>
+            <a:r>
+              <a:rPr lang="ru-RU" sz="2800" dirty="0" err="1"/>
+              <a:t>github</a:t>
+            </a:r>
+            <a:r>
+              <a:rPr lang="ru-RU" sz="2800" dirty="0"/>
+              <a:t>:</a:t>
+            </a:r>
+          </a:p>
+          <a:p>
+            <a:pPr marL="342900" indent="-342900">
+              <a:buFont typeface="Arial" panose="020B0604020202020204" pitchFamily="34" charset="0"/>
+              <a:buChar char="•"/>
+            </a:pPr>
+            <a:r>
+              <a:rPr lang="ru-RU" sz="2800" dirty="0"/>
+              <a:t>Реализация алгоритма</a:t>
+            </a:r>
+          </a:p>
+          <a:p>
+            <a:pPr marL="342900" indent="-342900">
+              <a:buFont typeface="Arial" panose="020B0604020202020204" pitchFamily="34" charset="0"/>
+              <a:buChar char="•"/>
+            </a:pPr>
+            <a:r>
+              <a:rPr lang="ru-RU" sz="2800" dirty="0"/>
+              <a:t>Доклад</a:t>
+            </a:r>
+          </a:p>
+          <a:p>
+            <a:pPr marL="342900" indent="-342900">
+              <a:buFont typeface="Arial" panose="020B0604020202020204" pitchFamily="34" charset="0"/>
+              <a:buChar char="•"/>
+            </a:pPr>
+            <a:r>
+              <a:rPr lang="ru-RU" sz="2800" dirty="0"/>
+              <a:t>Автоматическая система тестирования</a:t>
+            </a:r>
+          </a:p>
+          <a:p>
+            <a:pPr marL="342900" indent="-342900">
+              <a:buFont typeface="Arial" panose="020B0604020202020204" pitchFamily="34" charset="0"/>
+              <a:buChar char="•"/>
+            </a:pPr>
+            <a:r>
+              <a:rPr lang="ru-RU" sz="2800" dirty="0"/>
+              <a:t>Презентация</a:t>
+            </a:r>
+          </a:p>
+        </p:txBody>
+      </p:sp>
+    </p:spTree>
+    <p:extLst>
+      <p:ext uri="{BB962C8B-B14F-4D97-AF65-F5344CB8AC3E}">
+        <p14:creationId xmlns:p14="http://schemas.microsoft.com/office/powerpoint/2010/main" val="1650765061"/>
+      </p:ext>
+    </p:extLst>
+  </p:cSld>
+  <p:clrMapOvr>
+    <a:masterClrMapping/>
+  </p:clrMapOvr>
+</p:sld>
+</file>
+
+<file path=ppt/slides/slide19.xml><?xml version="1.0" encoding="utf-8"?>
+<p:sld xmlns:a="http://schemas.openxmlformats.org/drawingml/2006/main" xmlns:r="http://schemas.openxmlformats.org/officeDocument/2006/relationships" xmlns:p="http://schemas.openxmlformats.org/presentationml/2006/main">
+  <p:cSld>
+    <p:spTree>
+      <p:nvGrpSpPr>
+        <p:cNvPr id="1" name=""/>
+        <p:cNvGrpSpPr/>
+        <p:nvPr/>
+      </p:nvGrpSpPr>
+      <p:grpSpPr>
+        <a:xfrm>
+          <a:off x="0" y="0"/>
+          <a:ext cx="0" cy="0"/>
+          <a:chOff x="0" y="0"/>
+          <a:chExt cx="0" cy="0"/>
+        </a:xfrm>
+      </p:grpSpPr>
+      <p:sp>
+        <p:nvSpPr>
+          <p:cNvPr id="2" name="Заголовок 1">
+            <a:extLst>
+              <a:ext uri="{FF2B5EF4-FFF2-40B4-BE49-F238E27FC236}">
+                <a16:creationId xmlns:a16="http://schemas.microsoft.com/office/drawing/2014/main" id="{544293C3-7DCE-9312-8E3C-CF08DADBEBA8}"/>
+              </a:ext>
+            </a:extLst>
+          </p:cNvPr>
+          <p:cNvSpPr>
+            <a:spLocks noGrp="1"/>
+          </p:cNvSpPr>
+          <p:nvPr>
+            <p:ph type="title"/>
+          </p:nvPr>
+        </p:nvSpPr>
+        <p:spPr/>
+        <p:txBody>
+          <a:bodyPr/>
+          <a:lstStyle/>
+          <a:p>
+            <a:r>
+              <a:rPr lang="ru-RU" dirty="0"/>
+              <a:t>Заключение</a:t>
+            </a:r>
+          </a:p>
+        </p:txBody>
+      </p:sp>
+      <p:sp>
+        <p:nvSpPr>
+          <p:cNvPr id="3" name="TextBox 2">
+            <a:extLst>
+              <a:ext uri="{FF2B5EF4-FFF2-40B4-BE49-F238E27FC236}">
+                <a16:creationId xmlns:a16="http://schemas.microsoft.com/office/drawing/2014/main" id="{F2DB7B8E-A19A-58AA-04B6-8D7804B8C877}"/>
+              </a:ext>
+            </a:extLst>
+          </p:cNvPr>
+          <p:cNvSpPr txBox="1"/>
+          <p:nvPr/>
+        </p:nvSpPr>
+        <p:spPr>
+          <a:xfrm>
+            <a:off x="756138" y="2228671"/>
+            <a:ext cx="10515600" cy="1569660"/>
+          </a:xfrm>
+          <a:prstGeom prst="rect">
+            <a:avLst/>
+          </a:prstGeom>
+          <a:noFill/>
+        </p:spPr>
+        <p:txBody>
           <a:bodyPr wrap="square" rtlCol="0">
             <a:spAutoFit/>
           </a:bodyPr>
           <a:lstStyle/>
           <a:p>
             <a:r>
-              <a:rPr lang="en-US" sz="2800" dirty="0"/>
+              <a:rPr lang="en-US" sz="2400" dirty="0"/>
               <a:t>Tango tree </a:t>
             </a:r>
             <a:r>
-              <a:rPr lang="ru-RU" sz="2800" dirty="0"/>
-              <a:t>является самым оптимальным по времени бинарным деревом поиска, но из-за своей статичной структуры, то есть невозможности добавлять, удалять, а также изменять элементы, практического применения не имеет.</a:t>
+              <a:rPr lang="ru-RU" sz="2400" dirty="0"/>
+              <a:t>является одним из оптимальных по времени бинарным деревом поиска.</a:t>
+            </a:r>
+          </a:p>
+          <a:p>
+            <a:endParaRPr lang="ru-RU" sz="2400" dirty="0"/>
+          </a:p>
+          <a:p>
+            <a:r>
+              <a:rPr lang="ru-RU" sz="2400" dirty="0"/>
+              <a:t>Но из-за своей статичной структуры, практического применения не имеет.</a:t>
             </a:r>
           </a:p>
         </p:txBody>
@@ -6929,8 +8273,8 @@
         </p:blipFill>
         <p:spPr bwMode="auto">
           <a:xfrm>
-            <a:off x="703182" y="1678016"/>
-            <a:ext cx="4777381" cy="3332223"/>
+            <a:off x="4860235" y="2687862"/>
+            <a:ext cx="5123016" cy="3573303"/>
           </a:xfrm>
           <a:custGeom>
             <a:avLst/>
@@ -7009,8 +8353,8 @@
         </p:nvSpPr>
         <p:spPr>
           <a:xfrm>
-            <a:off x="5894962" y="1984443"/>
-            <a:ext cx="5458838" cy="4192520"/>
+            <a:off x="637162" y="1293880"/>
+            <a:ext cx="9878438" cy="952363"/>
           </a:xfrm>
         </p:spPr>
         <p:txBody>
@@ -7020,11 +8364,63 @@
           <a:lstStyle/>
           <a:p>
             <a:pPr marL="0" indent="0">
+              <a:lnSpc>
+                <a:spcPct val="150000"/>
+              </a:lnSpc>
               <a:buNone/>
             </a:pPr>
             <a:r>
+              <a:rPr lang="ru-RU" sz="1800" dirty="0" err="1"/>
+              <a:t>Tango</a:t>
+            </a:r>
+            <a:r>
+              <a:rPr lang="ru-RU" sz="1800" dirty="0"/>
+              <a:t> дерево было разработано 4 учеными. (2004г)</a:t>
+            </a:r>
+            <a:endParaRPr lang="ru-RU" sz="2000" dirty="0"/>
+          </a:p>
+          <a:p>
+            <a:pPr marL="0" indent="0">
+              <a:buNone/>
+            </a:pPr>
+            <a:r>
+              <a:rPr lang="ru-RU" sz="1800" dirty="0"/>
+              <a:t>Названо в честь города Буэнос-Айреса, символом которого является танго.</a:t>
+            </a:r>
+          </a:p>
+        </p:txBody>
+      </p:sp>
+      <p:sp>
+        <p:nvSpPr>
+          <p:cNvPr id="4" name="TextBox 3">
+            <a:extLst>
+              <a:ext uri="{FF2B5EF4-FFF2-40B4-BE49-F238E27FC236}">
+                <a16:creationId xmlns:a16="http://schemas.microsoft.com/office/drawing/2014/main" id="{F9BED140-6652-1645-F691-DCAB21CEE348}"/>
+              </a:ext>
+            </a:extLst>
+          </p:cNvPr>
+          <p:cNvSpPr txBox="1"/>
+          <p:nvPr/>
+        </p:nvSpPr>
+        <p:spPr>
+          <a:xfrm>
+            <a:off x="2454666" y="3790500"/>
+            <a:ext cx="1823830" cy="1200329"/>
+          </a:xfrm>
+          <a:prstGeom prst="rect">
+            <a:avLst/>
+          </a:prstGeom>
+          <a:noFill/>
+        </p:spPr>
+        <p:txBody>
+          <a:bodyPr wrap="square" rtlCol="0">
+            <a:spAutoFit/>
+          </a:bodyPr>
+          <a:lstStyle/>
+          <a:p>
+            <a:r>
               <a:rPr lang="ru-RU" dirty="0"/>
-              <a:t>В 2004 году четверо ученых, Эрик Д. </a:t>
+              <a:t>Эрик Д. </a:t>
             </a:r>
             <a:r>
               <a:rPr lang="ru-RU" dirty="0" err="1"/>
@@ -7032,23 +8428,23 @@
             </a:r>
             <a:r>
               <a:rPr lang="ru-RU" dirty="0"/>
-              <a:t>, Дион </a:t>
+              <a:t> Дион </a:t>
             </a:r>
             <a:r>
               <a:rPr lang="ru-RU" dirty="0" err="1"/>
-              <a:t>Хармон</a:t>
+              <a:t>Хармо</a:t>
             </a:r>
             <a:r>
               <a:rPr lang="ru-RU" dirty="0"/>
-              <a:t>, Джон </a:t>
+              <a:t> Джон </a:t>
             </a:r>
             <a:r>
               <a:rPr lang="ru-RU" dirty="0" err="1"/>
-              <a:t>Яконо</a:t>
+              <a:t>Якон</a:t>
             </a:r>
             <a:r>
               <a:rPr lang="ru-RU" dirty="0"/>
-              <a:t> и </a:t>
+              <a:t> </a:t>
             </a:r>
             <a:r>
               <a:rPr lang="ru-RU" dirty="0" err="1"/>
@@ -7062,18 +8458,7 @@
               <a:rPr lang="ru-RU" dirty="0" err="1"/>
               <a:t>Патраску</a:t>
             </a:r>
-            <a:r>
-              <a:rPr lang="ru-RU" dirty="0"/>
-              <a:t>, разработали </a:t>
-            </a:r>
-            <a:r>
-              <a:rPr lang="ru-RU" dirty="0" err="1"/>
-              <a:t>Tango</a:t>
-            </a:r>
-            <a:r>
-              <a:rPr lang="ru-RU" dirty="0"/>
-              <a:t> дерево. Назвали его в честь города Буэнос-Айреса, символом которого является танго.</a:t>
-            </a:r>
+            <a:endParaRPr lang="ru-RU" dirty="0"/>
           </a:p>
         </p:txBody>
       </p:sp>
@@ -7091,6 +8476,152 @@
 </file>
 
 <file path=ppt/slides/slide3.xml><?xml version="1.0" encoding="utf-8"?>
+<p:sld xmlns:a="http://schemas.openxmlformats.org/drawingml/2006/main" xmlns:r="http://schemas.openxmlformats.org/officeDocument/2006/relationships" xmlns:p="http://schemas.openxmlformats.org/presentationml/2006/main">
+  <p:cSld>
+    <p:spTree>
+      <p:nvGrpSpPr>
+        <p:cNvPr id="1" name=""/>
+        <p:cNvGrpSpPr/>
+        <p:nvPr/>
+      </p:nvGrpSpPr>
+      <p:grpSpPr>
+        <a:xfrm>
+          <a:off x="0" y="0"/>
+          <a:ext cx="0" cy="0"/>
+          <a:chOff x="0" y="0"/>
+          <a:chExt cx="0" cy="0"/>
+        </a:xfrm>
+      </p:grpSpPr>
+      <p:sp>
+        <p:nvSpPr>
+          <p:cNvPr id="2" name="Заголовок 1">
+            <a:extLst>
+              <a:ext uri="{FF2B5EF4-FFF2-40B4-BE49-F238E27FC236}">
+                <a16:creationId xmlns:a16="http://schemas.microsoft.com/office/drawing/2014/main" id="{79630E3B-E965-0759-677E-63E655110AC6}"/>
+              </a:ext>
+            </a:extLst>
+          </p:cNvPr>
+          <p:cNvSpPr>
+            <a:spLocks noGrp="1"/>
+          </p:cNvSpPr>
+          <p:nvPr>
+            <p:ph type="title"/>
+          </p:nvPr>
+        </p:nvSpPr>
+        <p:spPr/>
+        <p:txBody>
+          <a:bodyPr/>
+          <a:lstStyle/>
+          <a:p>
+            <a:r>
+              <a:rPr lang="en-US" dirty="0"/>
+              <a:t>Tango </a:t>
+            </a:r>
+            <a:r>
+              <a:rPr lang="ru-RU" dirty="0"/>
+              <a:t>дерево</a:t>
+            </a:r>
+          </a:p>
+        </p:txBody>
+      </p:sp>
+      <p:sp>
+        <p:nvSpPr>
+          <p:cNvPr id="4" name="TextBox 3">
+            <a:extLst>
+              <a:ext uri="{FF2B5EF4-FFF2-40B4-BE49-F238E27FC236}">
+                <a16:creationId xmlns:a16="http://schemas.microsoft.com/office/drawing/2014/main" id="{E0945F73-607E-D1F9-9B03-03946F58255E}"/>
+              </a:ext>
+            </a:extLst>
+          </p:cNvPr>
+          <p:cNvSpPr txBox="1"/>
+          <p:nvPr/>
+        </p:nvSpPr>
+        <p:spPr>
+          <a:xfrm>
+            <a:off x="838200" y="1838739"/>
+            <a:ext cx="10515600" cy="2246769"/>
+          </a:xfrm>
+          <a:prstGeom prst="rect">
+            <a:avLst/>
+          </a:prstGeom>
+          <a:noFill/>
+        </p:spPr>
+        <p:txBody>
+          <a:bodyPr wrap="square" rtlCol="0">
+            <a:spAutoFit/>
+          </a:bodyPr>
+          <a:lstStyle/>
+          <a:p>
+            <a:r>
+              <a:rPr lang="en-US" sz="2000" dirty="0"/>
+              <a:t>C</a:t>
+            </a:r>
+            <a:r>
+              <a:rPr lang="ru-RU" sz="2000" dirty="0"/>
+              <a:t>балансированное бинарное дерево поиска.</a:t>
+            </a:r>
+            <a:endParaRPr lang="en-US" sz="2000" dirty="0"/>
+          </a:p>
+          <a:p>
+            <a:endParaRPr lang="ru-RU" sz="2000" dirty="0"/>
+          </a:p>
+          <a:p>
+            <a:r>
+              <a:rPr lang="ru-RU" sz="2000" dirty="0"/>
+              <a:t>Состоит из объединенных по некоторому принципу вспомогательных деревьев.</a:t>
+            </a:r>
+            <a:endParaRPr lang="en-US" sz="2000" dirty="0"/>
+          </a:p>
+          <a:p>
+            <a:endParaRPr lang="ru-RU" sz="2000" dirty="0"/>
+          </a:p>
+          <a:p>
+            <a:r>
+              <a:rPr lang="ru-RU" sz="2000" dirty="0"/>
+              <a:t>Поддерживает операции</a:t>
+            </a:r>
+            <a:r>
+              <a:rPr lang="en-US" sz="2000" dirty="0"/>
+              <a:t>:</a:t>
+            </a:r>
+          </a:p>
+          <a:p>
+            <a:pPr marL="285750" indent="-285750">
+              <a:buFont typeface="Arial" panose="020B0604020202020204" pitchFamily="34" charset="0"/>
+              <a:buChar char="•"/>
+            </a:pPr>
+            <a:r>
+              <a:rPr lang="ru-RU" sz="2000" dirty="0"/>
+              <a:t>поиска</a:t>
+            </a:r>
+            <a:endParaRPr lang="en-US" sz="2000" dirty="0"/>
+          </a:p>
+          <a:p>
+            <a:pPr marL="285750" indent="-285750">
+              <a:buFont typeface="Arial" panose="020B0604020202020204" pitchFamily="34" charset="0"/>
+              <a:buChar char="•"/>
+            </a:pPr>
+            <a:r>
+              <a:rPr lang="ru-RU" sz="2000" dirty="0"/>
+              <a:t>разделения и слияния вспомогательных деревьев</a:t>
+            </a:r>
+          </a:p>
+        </p:txBody>
+      </p:sp>
+    </p:spTree>
+    <p:extLst>
+      <p:ext uri="{BB962C8B-B14F-4D97-AF65-F5344CB8AC3E}">
+        <p14:creationId xmlns:p14="http://schemas.microsoft.com/office/powerpoint/2010/main" val="3946436899"/>
+      </p:ext>
+    </p:extLst>
+  </p:cSld>
+  <p:clrMapOvr>
+    <a:masterClrMapping/>
+  </p:clrMapOvr>
+</p:sld>
+</file>
+
+<file path=ppt/slides/slide4.xml><?xml version="1.0" encoding="utf-8"?>
 <p:sld xmlns:a="http://schemas.openxmlformats.org/drawingml/2006/main" xmlns:r="http://schemas.openxmlformats.org/officeDocument/2006/relationships" xmlns:p="http://schemas.openxmlformats.org/presentationml/2006/main">
   <p:cSld>
     <p:bg>
@@ -7207,9 +8738,14 @@
           <a:lstStyle/>
           <a:p>
             <a:r>
-              <a:rPr lang="ru-RU" sz="3600"/>
-              <a:t>Строение дерева</a:t>
-            </a:r>
+              <a:rPr lang="ru-RU" sz="3600" dirty="0"/>
+              <a:t>Строение дерева </a:t>
+            </a:r>
+            <a:r>
+              <a:rPr lang="en-US" sz="3600" dirty="0"/>
+              <a:t>Tango</a:t>
+            </a:r>
+            <a:endParaRPr lang="ru-RU" sz="3600" dirty="0"/>
           </a:p>
         </p:txBody>
       </p:sp>
@@ -7231,8 +8767,8 @@
         </p:nvSpPr>
         <p:spPr>
           <a:xfrm>
-            <a:off x="643469" y="1782981"/>
-            <a:ext cx="4008384" cy="4393982"/>
+            <a:off x="643467" y="1567676"/>
+            <a:ext cx="10826288" cy="4393982"/>
           </a:xfrm>
         </p:spPr>
         <p:txBody>
@@ -7246,7 +8782,7 @@
             </a:pPr>
             <a:r>
               <a:rPr lang="ru-RU" sz="2000" dirty="0"/>
-              <a:t>Рассмотрим бинарное дерево поиска. Дочерний элемент к которому обращались в последнюю становится предпочтительным</a:t>
+              <a:t>Дочерний элемент, к которому обращались в последнюю очередь становится предпочтительным.</a:t>
             </a:r>
           </a:p>
           <a:p>
@@ -7448,8 +8984,8 @@
         </p:blipFill>
         <p:spPr>
           <a:xfrm>
-            <a:off x="5295320" y="2001981"/>
-            <a:ext cx="6253212" cy="3923891"/>
+            <a:off x="3113617" y="2541881"/>
+            <a:ext cx="5964766" cy="3742891"/>
           </a:xfrm>
           <a:prstGeom prst="rect">
             <a:avLst/>
@@ -7629,7 +9165,7 @@
 </p:sld>
 </file>
 
-<file path=ppt/slides/slide4.xml><?xml version="1.0" encoding="utf-8"?>
+<file path=ppt/slides/slide5.xml><?xml version="1.0" encoding="utf-8"?>
 <p:sld xmlns:a="http://schemas.openxmlformats.org/drawingml/2006/main" xmlns:r="http://schemas.openxmlformats.org/officeDocument/2006/relationships" xmlns:p="http://schemas.openxmlformats.org/presentationml/2006/main">
   <p:cSld>
     <p:bg>
@@ -7905,8 +9441,8 @@
         </p:blipFill>
         <p:spPr>
           <a:xfrm>
-            <a:off x="643466" y="1520891"/>
-            <a:ext cx="6774371" cy="3099274"/>
+            <a:off x="2024829" y="2575097"/>
+            <a:ext cx="8023632" cy="3670811"/>
           </a:xfrm>
           <a:prstGeom prst="rect">
             <a:avLst/>
@@ -7931,8 +9467,8 @@
         </p:nvSpPr>
         <p:spPr>
           <a:xfrm>
-            <a:off x="7544052" y="1782981"/>
-            <a:ext cx="4004479" cy="4393982"/>
+            <a:off x="798358" y="981163"/>
+            <a:ext cx="10722937" cy="1275341"/>
           </a:xfrm>
         </p:spPr>
         <p:txBody>
@@ -7946,7 +9482,17 @@
             </a:pPr>
             <a:r>
               <a:rPr lang="ru-RU" sz="2000" dirty="0"/>
-              <a:t>Предпочтительные пути образуют цепочки по всему дереву, и мы можем группировать узлы в цепочки и сохранять каждую цепочку как самостоятельное дерево с указателями между ними, от одного дерева к другому.</a:t>
+              <a:t>Предпочтительные пути(вспомогательные деревья) образуют цепочки по всему дереву.</a:t>
+            </a:r>
+            <a:endParaRPr lang="en-US" sz="2000" dirty="0"/>
+          </a:p>
+          <a:p>
+            <a:pPr marL="0" indent="0">
+              <a:buNone/>
+            </a:pPr>
+            <a:r>
+              <a:rPr lang="ru-RU" sz="2000" dirty="0"/>
+              <a:t>Пути группируются в цепочки, с указателями между ними, и сохраняются в основном дереве</a:t>
             </a:r>
           </a:p>
         </p:txBody>
@@ -8124,187 +9670,6 @@
 </p:sld>
 </file>
 
-<file path=ppt/slides/slide5.xml><?xml version="1.0" encoding="utf-8"?>
-<p:sld xmlns:a="http://schemas.openxmlformats.org/drawingml/2006/main" xmlns:r="http://schemas.openxmlformats.org/officeDocument/2006/relationships" xmlns:p="http://schemas.openxmlformats.org/presentationml/2006/main">
-  <p:cSld>
-    <p:spTree>
-      <p:nvGrpSpPr>
-        <p:cNvPr id="1" name=""/>
-        <p:cNvGrpSpPr/>
-        <p:nvPr/>
-      </p:nvGrpSpPr>
-      <p:grpSpPr>
-        <a:xfrm>
-          <a:off x="0" y="0"/>
-          <a:ext cx="0" cy="0"/>
-          <a:chOff x="0" y="0"/>
-          <a:chExt cx="0" cy="0"/>
-        </a:xfrm>
-      </p:grpSpPr>
-      <p:sp>
-        <p:nvSpPr>
-          <p:cNvPr id="2" name="Заголовок 1">
-            <a:extLst>
-              <a:ext uri="{FF2B5EF4-FFF2-40B4-BE49-F238E27FC236}">
-                <a16:creationId xmlns:a16="http://schemas.microsoft.com/office/drawing/2014/main" id="{1AF1C682-4DD2-42E0-6954-5AB33EA182A2}"/>
-              </a:ext>
-            </a:extLst>
-          </p:cNvPr>
-          <p:cNvSpPr>
-            <a:spLocks noGrp="1"/>
-          </p:cNvSpPr>
-          <p:nvPr>
-            <p:ph type="title"/>
-          </p:nvPr>
-        </p:nvSpPr>
-        <p:spPr>
-          <a:xfrm>
-            <a:off x="528710" y="365125"/>
-            <a:ext cx="10515600" cy="1325563"/>
-          </a:xfrm>
-        </p:spPr>
-        <p:txBody>
-          <a:bodyPr/>
-          <a:lstStyle/>
-          <a:p>
-            <a:r>
-              <a:rPr lang="ru-RU" dirty="0"/>
-              <a:t>Вспомогательные деревья</a:t>
-            </a:r>
-          </a:p>
-        </p:txBody>
-      </p:sp>
-      <p:sp>
-        <p:nvSpPr>
-          <p:cNvPr id="3" name="Объект 2">
-            <a:extLst>
-              <a:ext uri="{FF2B5EF4-FFF2-40B4-BE49-F238E27FC236}">
-                <a16:creationId xmlns:a16="http://schemas.microsoft.com/office/drawing/2014/main" id="{ED794EB3-964A-D31A-056C-76DCFE7C75A8}"/>
-              </a:ext>
-            </a:extLst>
-          </p:cNvPr>
-          <p:cNvSpPr>
-            <a:spLocks noGrp="1"/>
-          </p:cNvSpPr>
-          <p:nvPr>
-            <p:ph idx="1"/>
-          </p:nvPr>
-        </p:nvSpPr>
-        <p:spPr>
-          <a:xfrm>
-            <a:off x="838200" y="1690688"/>
-            <a:ext cx="10515600" cy="4351338"/>
-          </a:xfrm>
-        </p:spPr>
-        <p:txBody>
-          <a:bodyPr>
-            <a:normAutofit fontScale="92500" lnSpcReduction="20000"/>
-          </a:bodyPr>
-          <a:lstStyle/>
-          <a:p>
-            <a:pPr marL="0" indent="0">
-              <a:buNone/>
-            </a:pPr>
-            <a:r>
-              <a:rPr lang="ru-RU" dirty="0"/>
-              <a:t>Вспомогательное дерево представляет собой модифицированное бинарное дерево поиска в узлах которого хранятся:</a:t>
-            </a:r>
-          </a:p>
-          <a:p>
-            <a:r>
-              <a:rPr lang="ru-RU" dirty="0"/>
-              <a:t>Ключ</a:t>
-            </a:r>
-          </a:p>
-          <a:p>
-            <a:r>
-              <a:rPr lang="ru-RU" dirty="0"/>
-              <a:t>Глубина узла</a:t>
-            </a:r>
-          </a:p>
-          <a:p>
-            <a:r>
-              <a:rPr lang="ru-RU" dirty="0"/>
-              <a:t>Минимальная глубина вспомогательного дерева в </a:t>
-            </a:r>
-            <a:r>
-              <a:rPr lang="en-US" dirty="0"/>
-              <a:t>Tango.</a:t>
-            </a:r>
-            <a:endParaRPr lang="ru-RU" dirty="0"/>
-          </a:p>
-          <a:p>
-            <a:endParaRPr lang="en-US" dirty="0"/>
-          </a:p>
-          <a:p>
-            <a:pPr marL="0" indent="0">
-              <a:buNone/>
-            </a:pPr>
-            <a:r>
-              <a:rPr lang="ru-RU" dirty="0"/>
-              <a:t>Операции во вспомогательном дереве</a:t>
-            </a:r>
-          </a:p>
-          <a:p>
-            <a:pPr marL="514350" indent="-514350">
-              <a:buFont typeface="+mj-lt"/>
-              <a:buAutoNum type="arabicPeriod"/>
-            </a:pPr>
-            <a:r>
-              <a:rPr lang="ru-RU" dirty="0"/>
-              <a:t>Поиск элемента по ключу во вспомогательном дереве</a:t>
-            </a:r>
-          </a:p>
-          <a:p>
-            <a:pPr marL="514350" indent="-514350">
-              <a:buFont typeface="+mj-lt"/>
-              <a:buAutoNum type="arabicPeriod"/>
-            </a:pPr>
-            <a:r>
-              <a:rPr lang="ru-RU" dirty="0"/>
-              <a:t>Разрезание вспомогательного дерева на два вспомогательных дерева</a:t>
-            </a:r>
-            <a:r>
-              <a:rPr lang="en-US" dirty="0"/>
-              <a:t>.</a:t>
-            </a:r>
-          </a:p>
-          <a:p>
-            <a:pPr marL="514350" indent="-514350">
-              <a:buFont typeface="+mj-lt"/>
-              <a:buAutoNum type="arabicPeriod"/>
-            </a:pPr>
-            <a:r>
-              <a:rPr lang="ru-RU" dirty="0"/>
-              <a:t>Объединение двух вспомогательных деревьев</a:t>
-            </a:r>
-            <a:r>
-              <a:rPr lang="en-US" dirty="0"/>
-              <a:t>.</a:t>
-            </a:r>
-            <a:endParaRPr lang="ru-RU" dirty="0"/>
-          </a:p>
-          <a:p>
-            <a:pPr marL="0" indent="0">
-              <a:buNone/>
-            </a:pPr>
-            <a:endParaRPr lang="ru-RU" dirty="0"/>
-          </a:p>
-        </p:txBody>
-      </p:sp>
-    </p:spTree>
-    <p:extLst>
-      <p:ext uri="{BB962C8B-B14F-4D97-AF65-F5344CB8AC3E}">
-        <p14:creationId xmlns:p14="http://schemas.microsoft.com/office/powerpoint/2010/main" val="1023699623"/>
-      </p:ext>
-    </p:extLst>
-  </p:cSld>
-  <p:clrMapOvr>
-    <a:masterClrMapping/>
-  </p:clrMapOvr>
-</p:sld>
-</file>
-
 <file path=ppt/slides/slide6.xml><?xml version="1.0" encoding="utf-8"?>
 <p:sld xmlns:a="http://schemas.openxmlformats.org/drawingml/2006/main" xmlns:r="http://schemas.openxmlformats.org/officeDocument/2006/relationships" xmlns:p="http://schemas.openxmlformats.org/presentationml/2006/main">
   <p:cSld>
@@ -8327,7 +9692,7 @@
           <p:cNvPr id="2" name="Заголовок 1">
             <a:extLst>
               <a:ext uri="{FF2B5EF4-FFF2-40B4-BE49-F238E27FC236}">
-                <a16:creationId xmlns:a16="http://schemas.microsoft.com/office/drawing/2014/main" id="{E9103D0C-E50B-B921-CAB1-1D5EC52D7EB7}"/>
+                <a16:creationId xmlns:a16="http://schemas.microsoft.com/office/drawing/2014/main" id="{1AF1C682-4DD2-42E0-6954-5AB33EA182A2}"/>
               </a:ext>
             </a:extLst>
           </p:cNvPr>
@@ -8338,98 +9703,89 @@
             <p:ph type="title"/>
           </p:nvPr>
         </p:nvSpPr>
-        <p:spPr/>
+        <p:spPr>
+          <a:xfrm>
+            <a:off x="528710" y="365125"/>
+            <a:ext cx="10515600" cy="1325563"/>
+          </a:xfrm>
+        </p:spPr>
+        <p:txBody>
+          <a:bodyPr/>
+          <a:lstStyle/>
+          <a:p>
+            <a:r>
+              <a:rPr lang="ru-RU" dirty="0"/>
+              <a:t>Вспомогательные деревья</a:t>
+            </a:r>
+          </a:p>
+        </p:txBody>
+      </p:sp>
+      <p:sp>
+        <p:nvSpPr>
+          <p:cNvPr id="3" name="Объект 2">
+            <a:extLst>
+              <a:ext uri="{FF2B5EF4-FFF2-40B4-BE49-F238E27FC236}">
+                <a16:creationId xmlns:a16="http://schemas.microsoft.com/office/drawing/2014/main" id="{ED794EB3-964A-D31A-056C-76DCFE7C75A8}"/>
+              </a:ext>
+            </a:extLst>
+          </p:cNvPr>
+          <p:cNvSpPr>
+            <a:spLocks noGrp="1"/>
+          </p:cNvSpPr>
+          <p:nvPr>
+            <p:ph idx="1"/>
+          </p:nvPr>
+        </p:nvSpPr>
+        <p:spPr>
+          <a:xfrm>
+            <a:off x="838200" y="1690688"/>
+            <a:ext cx="10515600" cy="4351338"/>
+          </a:xfrm>
+        </p:spPr>
         <p:txBody>
           <a:bodyPr>
             <a:normAutofit/>
           </a:bodyPr>
           <a:lstStyle/>
           <a:p>
-            <a:r>
-              <a:rPr lang="ru-RU" dirty="0"/>
-              <a:t>Операция поиска в </a:t>
-            </a:r>
-            <a:r>
-              <a:rPr lang="ru-RU" dirty="0" err="1"/>
-              <a:t>Tango</a:t>
-            </a:r>
-            <a:r>
-              <a:rPr lang="ru-RU" dirty="0"/>
-              <a:t> дереве</a:t>
-            </a:r>
-          </a:p>
-        </p:txBody>
-      </p:sp>
-      <p:sp>
-        <p:nvSpPr>
-          <p:cNvPr id="3" name="TextBox 2">
-            <a:extLst>
-              <a:ext uri="{FF2B5EF4-FFF2-40B4-BE49-F238E27FC236}">
-                <a16:creationId xmlns:a16="http://schemas.microsoft.com/office/drawing/2014/main" id="{4D9363AC-E7CB-3318-9593-C1DA1E13992E}"/>
-              </a:ext>
-            </a:extLst>
-          </p:cNvPr>
-          <p:cNvSpPr txBox="1"/>
-          <p:nvPr/>
-        </p:nvSpPr>
-        <p:spPr>
-          <a:xfrm>
-            <a:off x="911469" y="1905506"/>
-            <a:ext cx="10369062" cy="3539430"/>
-          </a:xfrm>
-          <a:prstGeom prst="rect">
-            <a:avLst/>
-          </a:prstGeom>
-          <a:noFill/>
-        </p:spPr>
-        <p:txBody>
-          <a:bodyPr wrap="square" rtlCol="0">
-            <a:spAutoFit/>
-          </a:bodyPr>
-          <a:lstStyle/>
-          <a:p>
-            <a:r>
-              <a:rPr lang="ru-RU" sz="2800" dirty="0"/>
-              <a:t>Поиск в дереве </a:t>
-            </a:r>
-            <a:r>
-              <a:rPr lang="ru-RU" sz="2800" dirty="0" err="1"/>
-              <a:t>Tango</a:t>
-            </a:r>
-            <a:r>
-              <a:rPr lang="ru-RU" sz="2800" dirty="0"/>
-              <a:t> очень похож на таковой в бинарном дереве поиска.</a:t>
-            </a:r>
-          </a:p>
-          <a:p>
-            <a:endParaRPr lang="en-US" sz="2800" dirty="0"/>
-          </a:p>
-          <a:p>
-            <a:pPr marL="457200" indent="-457200">
-              <a:buFont typeface="+mj-lt"/>
-              <a:buAutoNum type="arabicPeriod"/>
+            <a:pPr marL="0" indent="0">
+              <a:buNone/>
             </a:pPr>
             <a:r>
-              <a:rPr lang="ru-RU" sz="2800" dirty="0"/>
-              <a:t>Сначала находим предпочтительный путь, который начинается в корне дерева, просматриваем его вспомогательное дерево.</a:t>
-            </a:r>
-          </a:p>
-          <a:p>
-            <a:pPr marL="457200" indent="-457200">
-              <a:buFont typeface="+mj-lt"/>
-              <a:buAutoNum type="arabicPeriod"/>
+              <a:rPr lang="ru-RU" sz="2000" dirty="0"/>
+              <a:t>Вспомогательное дерево представляет собой модифицированное бинарное дерево поиска в узлах которого хранятся:</a:t>
+            </a:r>
+          </a:p>
+          <a:p>
+            <a:r>
+              <a:rPr lang="ru-RU" sz="2000" dirty="0"/>
+              <a:t>Ключ</a:t>
+            </a:r>
+          </a:p>
+          <a:p>
+            <a:r>
+              <a:rPr lang="ru-RU" sz="2000" dirty="0"/>
+              <a:t>Глубина узла</a:t>
+            </a:r>
+          </a:p>
+          <a:p>
+            <a:r>
+              <a:rPr lang="ru-RU" sz="2000" dirty="0"/>
+              <a:t>Минимальная глубина вспомогательного дерева в основном дереве</a:t>
+            </a:r>
+          </a:p>
+          <a:p>
+            <a:pPr marL="0" indent="0">
+              <a:buNone/>
             </a:pPr>
-            <a:r>
-              <a:rPr lang="ru-RU" sz="2800" dirty="0"/>
-              <a:t>Если узел не был найден в заданном вспомогательном дереве, то ищем вспомогательное дерево следующего пути и так далее до перебора всего дерева.</a:t>
-            </a:r>
+            <a:endParaRPr lang="en-US" dirty="0"/>
           </a:p>
         </p:txBody>
       </p:sp>
     </p:spTree>
     <p:extLst>
       <p:ext uri="{BB962C8B-B14F-4D97-AF65-F5344CB8AC3E}">
-        <p14:creationId xmlns:p14="http://schemas.microsoft.com/office/powerpoint/2010/main" val="700536802"/>
+        <p14:creationId xmlns:p14="http://schemas.microsoft.com/office/powerpoint/2010/main" val="1023699623"/>
       </p:ext>
     </p:extLst>
   </p:cSld>
@@ -8461,7 +9817,7 @@
           <p:cNvPr id="2" name="Заголовок 1">
             <a:extLst>
               <a:ext uri="{FF2B5EF4-FFF2-40B4-BE49-F238E27FC236}">
-                <a16:creationId xmlns:a16="http://schemas.microsoft.com/office/drawing/2014/main" id="{CBEA2B93-84E7-ABA4-1A32-156C9DA2C760}"/>
+                <a16:creationId xmlns:a16="http://schemas.microsoft.com/office/drawing/2014/main" id="{59637CFE-AF85-641C-6C8B-CD76E4E50FF3}"/>
               </a:ext>
             </a:extLst>
           </p:cNvPr>
@@ -8472,39 +9828,34 @@
             <p:ph type="title"/>
           </p:nvPr>
         </p:nvSpPr>
+        <p:spPr/>
+        <p:txBody>
+          <a:bodyPr/>
+          <a:lstStyle/>
+          <a:p>
+            <a:r>
+              <a:rPr lang="ru-RU" dirty="0"/>
+              <a:t>Операции во вспомогательном дереве</a:t>
+            </a:r>
+          </a:p>
+        </p:txBody>
+      </p:sp>
+      <p:sp>
+        <p:nvSpPr>
+          <p:cNvPr id="4" name="TextBox 3">
+            <a:extLst>
+              <a:ext uri="{FF2B5EF4-FFF2-40B4-BE49-F238E27FC236}">
+                <a16:creationId xmlns:a16="http://schemas.microsoft.com/office/drawing/2014/main" id="{42A7DBF8-7D92-9C7D-E0EE-CE219724B365}"/>
+              </a:ext>
+            </a:extLst>
+          </p:cNvPr>
+          <p:cNvSpPr txBox="1"/>
+          <p:nvPr/>
+        </p:nvSpPr>
         <p:spPr>
           <a:xfrm>
-            <a:off x="838200" y="210381"/>
-            <a:ext cx="10515600" cy="1325563"/>
-          </a:xfrm>
-        </p:spPr>
-        <p:txBody>
-          <a:bodyPr/>
-          <a:lstStyle/>
-          <a:p>
-            <a:r>
-              <a:rPr lang="ru-RU" dirty="0"/>
-              <a:t>Реализация</a:t>
-            </a:r>
-          </a:p>
-        </p:txBody>
-      </p:sp>
-      <p:sp>
-        <p:nvSpPr>
-          <p:cNvPr id="3" name="TextBox 2">
-            <a:extLst>
-              <a:ext uri="{FF2B5EF4-FFF2-40B4-BE49-F238E27FC236}">
-                <a16:creationId xmlns:a16="http://schemas.microsoft.com/office/drawing/2014/main" id="{D521AED7-8265-1337-A9A2-004A50043A69}"/>
-              </a:ext>
-            </a:extLst>
-          </p:cNvPr>
-          <p:cNvSpPr txBox="1"/>
-          <p:nvPr/>
-        </p:nvSpPr>
-        <p:spPr>
-          <a:xfrm>
-            <a:off x="838200" y="1386875"/>
-            <a:ext cx="2447914" cy="584775"/>
+            <a:off x="951672" y="2252366"/>
+            <a:ext cx="8898006" cy="923330"/>
           </a:xfrm>
           <a:prstGeom prst="rect">
             <a:avLst/>
@@ -8512,73 +9863,55 @@
           <a:noFill/>
         </p:spPr>
         <p:txBody>
-          <a:bodyPr wrap="none" rtlCol="0">
+          <a:bodyPr wrap="square">
             <a:spAutoFit/>
           </a:bodyPr>
           <a:lstStyle/>
           <a:p>
-            <a:r>
-              <a:rPr lang="en-US" sz="3200" dirty="0"/>
-              <a:t>Splay-</a:t>
-            </a:r>
-            <a:r>
-              <a:rPr lang="ru-RU" sz="3200" dirty="0"/>
-              <a:t>дерево</a:t>
-            </a:r>
-          </a:p>
-        </p:txBody>
-      </p:sp>
-      <p:sp>
-        <p:nvSpPr>
-          <p:cNvPr id="4" name="TextBox 3">
-            <a:extLst>
-              <a:ext uri="{FF2B5EF4-FFF2-40B4-BE49-F238E27FC236}">
-                <a16:creationId xmlns:a16="http://schemas.microsoft.com/office/drawing/2014/main" id="{07F75E23-69EA-4179-3C95-7B5172643081}"/>
-              </a:ext>
-            </a:extLst>
-          </p:cNvPr>
-          <p:cNvSpPr txBox="1"/>
-          <p:nvPr/>
-        </p:nvSpPr>
-        <p:spPr>
-          <a:xfrm>
-            <a:off x="838200" y="2521059"/>
-            <a:ext cx="10064262" cy="2246769"/>
-          </a:xfrm>
-          <a:prstGeom prst="rect">
-            <a:avLst/>
-          </a:prstGeom>
-          <a:noFill/>
-        </p:spPr>
-        <p:txBody>
-          <a:bodyPr wrap="square" rtlCol="0">
-            <a:spAutoFit/>
-          </a:bodyPr>
-          <a:lstStyle/>
-          <a:p>
-            <a:r>
-              <a:rPr lang="ru-RU" sz="2800" dirty="0" err="1"/>
-              <a:t>Splay</a:t>
-            </a:r>
-            <a:r>
-              <a:rPr lang="ru-RU" sz="2800" dirty="0"/>
-              <a:t>-дерево — это самобалансирующееся бинарное дерево поиска. Дереву не нужно хранить никакой дополнительной информации, что делает его эффективным по памяти. После каждого обращения, в нашем случае после поиска, </a:t>
-            </a:r>
-            <a:r>
-              <a:rPr lang="ru-RU" sz="2800" dirty="0" err="1"/>
-              <a:t>splay</a:t>
-            </a:r>
-            <a:r>
-              <a:rPr lang="ru-RU" sz="2800" dirty="0"/>
-              <a:t>-дерево меняет свою структуру.</a:t>
-            </a:r>
+            <a:pPr marL="514350" indent="-514350">
+              <a:buFont typeface="+mj-lt"/>
+              <a:buAutoNum type="arabicPeriod"/>
+            </a:pPr>
+            <a:r>
+              <a:rPr lang="ru-RU" dirty="0"/>
+              <a:t>Поиск элемента по ключу </a:t>
+            </a:r>
+          </a:p>
+          <a:p>
+            <a:pPr marL="514350" indent="-514350">
+              <a:buFont typeface="+mj-lt"/>
+              <a:buAutoNum type="arabicPeriod"/>
+            </a:pPr>
+            <a:r>
+              <a:rPr lang="ru-RU" dirty="0"/>
+              <a:t>Разрезание вспомогательного дерева на два вспомогательных дерева</a:t>
+            </a:r>
+            <a:r>
+              <a:rPr lang="en-US" dirty="0"/>
+              <a:t>.</a:t>
+            </a:r>
+          </a:p>
+          <a:p>
+            <a:pPr marL="514350" indent="-514350">
+              <a:buFont typeface="+mj-lt"/>
+              <a:buAutoNum type="arabicPeriod"/>
+            </a:pPr>
+            <a:r>
+              <a:rPr lang="ru-RU" dirty="0"/>
+              <a:t>Объединение двух вспомогательных деревьев</a:t>
+            </a:r>
+            <a:r>
+              <a:rPr lang="en-US" dirty="0"/>
+              <a:t>.</a:t>
+            </a:r>
+            <a:endParaRPr lang="ru-RU" dirty="0"/>
           </a:p>
         </p:txBody>
       </p:sp>
     </p:spTree>
     <p:extLst>
       <p:ext uri="{BB962C8B-B14F-4D97-AF65-F5344CB8AC3E}">
-        <p14:creationId xmlns:p14="http://schemas.microsoft.com/office/powerpoint/2010/main" val="3048935604"/>
+        <p14:creationId xmlns:p14="http://schemas.microsoft.com/office/powerpoint/2010/main" val="1262170770"/>
       </p:ext>
     </p:extLst>
   </p:cSld>
@@ -8591,14 +9924,6 @@
 <file path=ppt/slides/slide8.xml><?xml version="1.0" encoding="utf-8"?>
 <p:sld xmlns:a="http://schemas.openxmlformats.org/drawingml/2006/main" xmlns:r="http://schemas.openxmlformats.org/officeDocument/2006/relationships" xmlns:p="http://schemas.openxmlformats.org/presentationml/2006/main">
   <p:cSld>
-    <p:bg>
-      <p:bgPr>
-        <a:solidFill>
-          <a:schemeClr val="bg1"/>
-        </a:solidFill>
-        <a:effectLst/>
-      </p:bgPr>
-    </p:bg>
     <p:spTree>
       <p:nvGrpSpPr>
         <p:cNvPr id="1" name=""/>
@@ -8613,146 +9938,12 @@
           <a:chExt cx="0" cy="0"/>
         </a:xfrm>
       </p:grpSpPr>
-      <p:sp useBgFill="1">
-        <p:nvSpPr>
-          <p:cNvPr id="10" name="Rectangle 9">
-            <a:extLst>
-              <a:ext uri="{FF2B5EF4-FFF2-40B4-BE49-F238E27FC236}">
-                <a16:creationId xmlns:a16="http://schemas.microsoft.com/office/drawing/2014/main" id="{53F29798-D584-4792-9B62-3F5F5C36D619}"/>
-              </a:ext>
-              <a:ext uri="{C183D7F6-B498-43B3-948B-1728B52AA6E4}">
-                <adec:decorative xmlns:adec="http://schemas.microsoft.com/office/drawing/2017/decorative" val="1"/>
-              </a:ext>
-            </a:extLst>
-          </p:cNvPr>
-          <p:cNvSpPr>
-            <a:spLocks noGrp="1" noRot="1" noChangeAspect="1" noMove="1" noResize="1" noEditPoints="1" noAdjustHandles="1" noChangeArrowheads="1" noChangeShapeType="1" noTextEdit="1"/>
-          </p:cNvSpPr>
-          <p:nvPr>
-            <p:extLst>
-              <p:ext uri="{386F3935-93C4-4BCD-93E2-E3B085C9AB24}">
-                <p16:designElem xmlns:p16="http://schemas.microsoft.com/office/powerpoint/2015/main" val="1"/>
-              </p:ext>
-            </p:extLst>
-          </p:nvPr>
-        </p:nvSpPr>
-        <p:spPr>
-          <a:xfrm>
-            <a:off x="0" y="0"/>
-            <a:ext cx="12188952" cy="6858000"/>
-          </a:xfrm>
-          <a:prstGeom prst="rect">
-            <a:avLst/>
-          </a:prstGeom>
-          <a:ln>
-            <a:noFill/>
-          </a:ln>
-        </p:spPr>
-        <p:style>
-          <a:lnRef idx="2">
-            <a:schemeClr val="accent1">
-              <a:shade val="50000"/>
-            </a:schemeClr>
-          </a:lnRef>
-          <a:fillRef idx="1">
-            <a:schemeClr val="accent1"/>
-          </a:fillRef>
-          <a:effectRef idx="0">
-            <a:schemeClr val="accent1"/>
-          </a:effectRef>
-          <a:fontRef idx="minor">
-            <a:schemeClr val="lt1"/>
-          </a:fontRef>
-        </p:style>
-        <p:txBody>
-          <a:bodyPr rtlCol="0" anchor="ctr"/>
-          <a:lstStyle/>
-          <a:p>
-            <a:pPr algn="ctr"/>
-            <a:endParaRPr lang="en-US"/>
-          </a:p>
-        </p:txBody>
-      </p:sp>
-      <p:pic>
-        <p:nvPicPr>
-          <p:cNvPr id="4" name="Рисунок 3">
-            <a:extLst>
-              <a:ext uri="{FF2B5EF4-FFF2-40B4-BE49-F238E27FC236}">
-                <a16:creationId xmlns:a16="http://schemas.microsoft.com/office/drawing/2014/main" id="{359C4987-692B-2632-3454-C0F76D99DA22}"/>
-              </a:ext>
-            </a:extLst>
-          </p:cNvPr>
-          <p:cNvPicPr>
-            <a:picLocks noChangeAspect="1"/>
-          </p:cNvPicPr>
-          <p:nvPr/>
-        </p:nvPicPr>
-        <p:blipFill>
-          <a:blip r:embed="rId2" cstate="print">
-            <a:extLst>
-              <a:ext uri="{28A0092B-C50C-407E-A947-70E740481C1C}">
-                <a14:useLocalDpi xmlns:a14="http://schemas.microsoft.com/office/drawing/2010/main" val="0"/>
-              </a:ext>
-            </a:extLst>
-          </a:blip>
-          <a:srcRect/>
-          <a:stretch>
-            <a:fillRect/>
-          </a:stretch>
-        </p:blipFill>
-        <p:spPr bwMode="auto">
-          <a:xfrm>
-            <a:off x="-1705938" y="1856090"/>
-            <a:ext cx="9493086" cy="1786432"/>
-          </a:xfrm>
-          <a:prstGeom prst="rect">
-            <a:avLst/>
-          </a:prstGeom>
-        </p:spPr>
-      </p:pic>
-      <p:pic>
-        <p:nvPicPr>
-          <p:cNvPr id="5" name="Рисунок 4">
-            <a:extLst>
-              <a:ext uri="{FF2B5EF4-FFF2-40B4-BE49-F238E27FC236}">
-                <a16:creationId xmlns:a16="http://schemas.microsoft.com/office/drawing/2014/main" id="{346C0E9E-96A9-D1AB-9C94-2E8C7F600740}"/>
-              </a:ext>
-            </a:extLst>
-          </p:cNvPr>
-          <p:cNvPicPr>
-            <a:picLocks noChangeAspect="1"/>
-          </p:cNvPicPr>
-          <p:nvPr/>
-        </p:nvPicPr>
-        <p:blipFill>
-          <a:blip r:embed="rId3">
-            <a:extLst>
-              <a:ext uri="{28A0092B-C50C-407E-A947-70E740481C1C}">
-                <a14:useLocalDpi xmlns:a14="http://schemas.microsoft.com/office/drawing/2010/main" val="0"/>
-              </a:ext>
-            </a:extLst>
-          </a:blip>
-          <a:srcRect/>
-          <a:stretch>
-            <a:fillRect/>
-          </a:stretch>
-        </p:blipFill>
-        <p:spPr bwMode="auto">
-          <a:xfrm>
-            <a:off x="-612061" y="4281876"/>
-            <a:ext cx="7595844" cy="1936770"/>
-          </a:xfrm>
-          <a:prstGeom prst="rect">
-            <a:avLst/>
-          </a:prstGeom>
-        </p:spPr>
-      </p:pic>
       <p:sp>
         <p:nvSpPr>
           <p:cNvPr id="2" name="Заголовок 1">
             <a:extLst>
               <a:ext uri="{FF2B5EF4-FFF2-40B4-BE49-F238E27FC236}">
-                <a16:creationId xmlns:a16="http://schemas.microsoft.com/office/drawing/2014/main" id="{B4FA2B23-DD2E-A976-5797-D110B30B6535}"/>
+                <a16:creationId xmlns:a16="http://schemas.microsoft.com/office/drawing/2014/main" id="{E9103D0C-E50B-B921-CAB1-1D5EC52D7EB7}"/>
               </a:ext>
             </a:extLst>
           </p:cNvPr>
@@ -8763,243 +9954,76 @@
             <p:ph type="title"/>
           </p:nvPr>
         </p:nvSpPr>
-        <p:spPr>
-          <a:xfrm>
-            <a:off x="838200" y="184805"/>
-            <a:ext cx="10515600" cy="1505883"/>
-          </a:xfrm>
-        </p:spPr>
-        <p:txBody>
-          <a:bodyPr anchor="ctr">
+        <p:spPr/>
+        <p:txBody>
+          <a:bodyPr>
             <a:normAutofit/>
           </a:bodyPr>
           <a:lstStyle/>
           <a:p>
             <a:r>
-              <a:rPr lang="ru-RU" sz="5200"/>
-              <a:t>Строение </a:t>
-            </a:r>
-            <a:r>
-              <a:rPr lang="en-US" sz="5200"/>
-              <a:t>splay-</a:t>
-            </a:r>
-            <a:r>
-              <a:rPr lang="ru-RU" sz="5200"/>
-              <a:t>дерева</a:t>
-            </a:r>
-          </a:p>
-        </p:txBody>
-      </p:sp>
-      <p:pic>
-        <p:nvPicPr>
-          <p:cNvPr id="6" name="Рисунок 5">
-            <a:extLst>
-              <a:ext uri="{FF2B5EF4-FFF2-40B4-BE49-F238E27FC236}">
-                <a16:creationId xmlns:a16="http://schemas.microsoft.com/office/drawing/2014/main" id="{FF4A8035-6608-3585-9A78-BE7FE4B97D9D}"/>
-              </a:ext>
-            </a:extLst>
-          </p:cNvPr>
-          <p:cNvPicPr>
-            <a:picLocks noChangeAspect="1"/>
-          </p:cNvPicPr>
+              <a:rPr lang="ru-RU" dirty="0"/>
+              <a:t>Операция поиска в </a:t>
+            </a:r>
+            <a:r>
+              <a:rPr lang="ru-RU" dirty="0" err="1"/>
+              <a:t>Tango</a:t>
+            </a:r>
+            <a:r>
+              <a:rPr lang="ru-RU" dirty="0"/>
+              <a:t> дереве</a:t>
+            </a:r>
+          </a:p>
+        </p:txBody>
+      </p:sp>
+      <p:sp>
+        <p:nvSpPr>
+          <p:cNvPr id="3" name="TextBox 2">
+            <a:extLst>
+              <a:ext uri="{FF2B5EF4-FFF2-40B4-BE49-F238E27FC236}">
+                <a16:creationId xmlns:a16="http://schemas.microsoft.com/office/drawing/2014/main" id="{4D9363AC-E7CB-3318-9593-C1DA1E13992E}"/>
+              </a:ext>
+            </a:extLst>
+          </p:cNvPr>
+          <p:cNvSpPr txBox="1"/>
           <p:nvPr/>
-        </p:nvPicPr>
-        <p:blipFill>
-          <a:blip r:embed="rId4">
-            <a:extLst>
-              <a:ext uri="{28A0092B-C50C-407E-A947-70E740481C1C}">
-                <a14:useLocalDpi xmlns:a14="http://schemas.microsoft.com/office/drawing/2010/main" val="0"/>
-              </a:ext>
-            </a:extLst>
-          </a:blip>
-          <a:stretch>
-            <a:fillRect/>
-          </a:stretch>
-        </p:blipFill>
-        <p:spPr bwMode="auto">
+        </p:nvSpPr>
+        <p:spPr>
           <a:xfrm>
-            <a:off x="5073274" y="1699023"/>
-            <a:ext cx="7595843" cy="1974919"/>
+            <a:off x="911469" y="1905506"/>
+            <a:ext cx="10369062" cy="1354217"/>
           </a:xfrm>
           <a:prstGeom prst="rect">
             <a:avLst/>
           </a:prstGeom>
           <a:noFill/>
         </p:spPr>
-      </p:pic>
-      <p:sp>
-        <p:nvSpPr>
-          <p:cNvPr id="8" name="TextBox 7">
-            <a:extLst>
-              <a:ext uri="{FF2B5EF4-FFF2-40B4-BE49-F238E27FC236}">
-                <a16:creationId xmlns:a16="http://schemas.microsoft.com/office/drawing/2014/main" id="{9FD7F8E2-E9E8-454F-A6A6-66884EC29302}"/>
-              </a:ext>
-            </a:extLst>
-          </p:cNvPr>
-          <p:cNvSpPr txBox="1"/>
-          <p:nvPr/>
-        </p:nvSpPr>
-        <p:spPr>
-          <a:xfrm>
-            <a:off x="603455" y="2448494"/>
-            <a:ext cx="469490" cy="523220"/>
-          </a:xfrm>
-          <a:prstGeom prst="rect">
-            <a:avLst/>
-          </a:prstGeom>
-          <a:noFill/>
-        </p:spPr>
         <p:txBody>
           <a:bodyPr wrap="square" rtlCol="0">
             <a:spAutoFit/>
           </a:bodyPr>
           <a:lstStyle/>
           <a:p>
-            <a:r>
-              <a:rPr lang="ru-RU" sz="2800" b="1" dirty="0"/>
-              <a:t>1</a:t>
-            </a:r>
-          </a:p>
-        </p:txBody>
-      </p:sp>
-      <p:sp>
-        <p:nvSpPr>
-          <p:cNvPr id="9" name="TextBox 8">
-            <a:extLst>
-              <a:ext uri="{FF2B5EF4-FFF2-40B4-BE49-F238E27FC236}">
-                <a16:creationId xmlns:a16="http://schemas.microsoft.com/office/drawing/2014/main" id="{6671B629-9473-740D-89C9-EDC65242ABBE}"/>
-              </a:ext>
-            </a:extLst>
-          </p:cNvPr>
-          <p:cNvSpPr txBox="1"/>
-          <p:nvPr/>
-        </p:nvSpPr>
-        <p:spPr>
-          <a:xfrm>
-            <a:off x="368710" y="4727041"/>
-            <a:ext cx="469490" cy="523220"/>
-          </a:xfrm>
-          <a:prstGeom prst="rect">
-            <a:avLst/>
-          </a:prstGeom>
-          <a:noFill/>
-        </p:spPr>
-        <p:txBody>
-          <a:bodyPr wrap="square" rtlCol="0">
-            <a:spAutoFit/>
-          </a:bodyPr>
-          <a:lstStyle/>
-          <a:p>
-            <a:r>
-              <a:rPr lang="ru-RU" sz="2800" b="1" dirty="0"/>
-              <a:t>2</a:t>
-            </a:r>
-          </a:p>
-        </p:txBody>
-      </p:sp>
-      <p:sp>
-        <p:nvSpPr>
-          <p:cNvPr id="11" name="TextBox 10">
-            <a:extLst>
-              <a:ext uri="{FF2B5EF4-FFF2-40B4-BE49-F238E27FC236}">
-                <a16:creationId xmlns:a16="http://schemas.microsoft.com/office/drawing/2014/main" id="{D9477728-8EE0-52F2-7250-40C4E57DF8F7}"/>
-              </a:ext>
-            </a:extLst>
-          </p:cNvPr>
-          <p:cNvSpPr txBox="1"/>
-          <p:nvPr/>
-        </p:nvSpPr>
-        <p:spPr>
-          <a:xfrm>
-            <a:off x="5911474" y="2424872"/>
-            <a:ext cx="469490" cy="523220"/>
-          </a:xfrm>
-          <a:prstGeom prst="rect">
-            <a:avLst/>
-          </a:prstGeom>
-          <a:noFill/>
-        </p:spPr>
-        <p:txBody>
-          <a:bodyPr wrap="square" rtlCol="0">
-            <a:spAutoFit/>
-          </a:bodyPr>
-          <a:lstStyle/>
-          <a:p>
-            <a:r>
-              <a:rPr lang="ru-RU" sz="2800" b="1" dirty="0"/>
-              <a:t>3</a:t>
-            </a:r>
-          </a:p>
-        </p:txBody>
-      </p:sp>
-      <p:pic>
-        <p:nvPicPr>
-          <p:cNvPr id="12" name="Рисунок 11">
-            <a:extLst>
-              <a:ext uri="{FF2B5EF4-FFF2-40B4-BE49-F238E27FC236}">
-                <a16:creationId xmlns:a16="http://schemas.microsoft.com/office/drawing/2014/main" id="{C9981F16-8105-3B94-D98F-CC0A46E76871}"/>
-              </a:ext>
-            </a:extLst>
-          </p:cNvPr>
-          <p:cNvPicPr>
-            <a:picLocks noChangeAspect="1"/>
-          </p:cNvPicPr>
-          <p:nvPr/>
-        </p:nvPicPr>
-        <p:blipFill>
-          <a:blip r:embed="rId5">
-            <a:extLst>
-              <a:ext uri="{28A0092B-C50C-407E-A947-70E740481C1C}">
-                <a14:useLocalDpi xmlns:a14="http://schemas.microsoft.com/office/drawing/2010/main" val="0"/>
-              </a:ext>
-            </a:extLst>
-          </a:blip>
-          <a:stretch>
-            <a:fillRect/>
-          </a:stretch>
-        </p:blipFill>
-        <p:spPr bwMode="auto">
-          <a:xfrm>
-            <a:off x="5064126" y="4395440"/>
-            <a:ext cx="9044484" cy="1741062"/>
-          </a:xfrm>
-          <a:prstGeom prst="rect">
-            <a:avLst/>
-          </a:prstGeom>
-          <a:noFill/>
-        </p:spPr>
-      </p:pic>
-      <p:sp>
-        <p:nvSpPr>
-          <p:cNvPr id="15" name="TextBox 14">
-            <a:extLst>
-              <a:ext uri="{FF2B5EF4-FFF2-40B4-BE49-F238E27FC236}">
-                <a16:creationId xmlns:a16="http://schemas.microsoft.com/office/drawing/2014/main" id="{F32103B4-052C-6979-80B3-34F41F0F0589}"/>
-              </a:ext>
-            </a:extLst>
-          </p:cNvPr>
-          <p:cNvSpPr txBox="1"/>
-          <p:nvPr/>
-        </p:nvSpPr>
-        <p:spPr>
-          <a:xfrm>
-            <a:off x="7092450" y="4933704"/>
-            <a:ext cx="469490" cy="523220"/>
-          </a:xfrm>
-          <a:prstGeom prst="rect">
-            <a:avLst/>
-          </a:prstGeom>
-          <a:noFill/>
-        </p:spPr>
-        <p:txBody>
-          <a:bodyPr wrap="square" rtlCol="0">
-            <a:spAutoFit/>
-          </a:bodyPr>
-          <a:lstStyle/>
-          <a:p>
-            <a:r>
-              <a:rPr lang="ru-RU" sz="2800" b="1" dirty="0"/>
-              <a:t>4</a:t>
+            <a:endParaRPr lang="en-US" sz="2800" dirty="0"/>
+          </a:p>
+          <a:p>
+            <a:pPr marL="457200" indent="-457200">
+              <a:buFont typeface="+mj-lt"/>
+              <a:buAutoNum type="arabicPeriod"/>
+            </a:pPr>
+            <a:r>
+              <a:rPr lang="ru-RU" dirty="0"/>
+              <a:t>Сначала ищем в первом вспомогательном дереве, корень которого совпадает с корнем основного</a:t>
+            </a:r>
+          </a:p>
+          <a:p>
+            <a:pPr marL="457200" indent="-457200">
+              <a:buFont typeface="+mj-lt"/>
+              <a:buAutoNum type="arabicPeriod"/>
+            </a:pPr>
+            <a:r>
+              <a:rPr lang="ru-RU" dirty="0"/>
+              <a:t>Если узел не был найден, то ищем в следующем вспомогательном дереве и так далее до перебора всего основного дерева.</a:t>
             </a:r>
           </a:p>
         </p:txBody>
@@ -9007,7 +10031,7 @@
     </p:spTree>
     <p:extLst>
       <p:ext uri="{BB962C8B-B14F-4D97-AF65-F5344CB8AC3E}">
-        <p14:creationId xmlns:p14="http://schemas.microsoft.com/office/powerpoint/2010/main" val="3957465862"/>
+        <p14:creationId xmlns:p14="http://schemas.microsoft.com/office/powerpoint/2010/main" val="700536802"/>
       </p:ext>
     </p:extLst>
   </p:cSld>
@@ -9039,7 +10063,7 @@
           <p:cNvPr id="2" name="Заголовок 1">
             <a:extLst>
               <a:ext uri="{FF2B5EF4-FFF2-40B4-BE49-F238E27FC236}">
-                <a16:creationId xmlns:a16="http://schemas.microsoft.com/office/drawing/2014/main" id="{D97A3DBE-142E-0AB8-C722-BF01009ED9F6}"/>
+                <a16:creationId xmlns:a16="http://schemas.microsoft.com/office/drawing/2014/main" id="{CBEA2B93-84E7-ABA4-1A32-156C9DA2C760}"/>
               </a:ext>
             </a:extLst>
           </p:cNvPr>
@@ -9050,24 +10074,34 @@
             <p:ph type="title"/>
           </p:nvPr>
         </p:nvSpPr>
-        <p:spPr/>
+        <p:spPr>
+          <a:xfrm>
+            <a:off x="838200" y="210381"/>
+            <a:ext cx="10515600" cy="1325563"/>
+          </a:xfrm>
+        </p:spPr>
         <p:txBody>
           <a:bodyPr/>
           <a:lstStyle/>
           <a:p>
             <a:r>
-              <a:rPr lang="ru-RU" dirty="0"/>
-              <a:t>Описание реализации </a:t>
-            </a:r>
-          </a:p>
-        </p:txBody>
-      </p:sp>
-      <p:sp>
-        <p:nvSpPr>
-          <p:cNvPr id="3" name="TextBox 2">
-            <a:extLst>
-              <a:ext uri="{FF2B5EF4-FFF2-40B4-BE49-F238E27FC236}">
-                <a16:creationId xmlns:a16="http://schemas.microsoft.com/office/drawing/2014/main" id="{D75BC433-A3F8-2622-6D74-F261A0AB2C94}"/>
+              <a:rPr lang="en-US" sz="4400" dirty="0"/>
+              <a:t>Splay-</a:t>
+            </a:r>
+            <a:r>
+              <a:rPr lang="ru-RU" sz="4400" dirty="0"/>
+              <a:t>дерево</a:t>
+            </a:r>
+            <a:endParaRPr lang="ru-RU" dirty="0"/>
+          </a:p>
+        </p:txBody>
+      </p:sp>
+      <p:sp>
+        <p:nvSpPr>
+          <p:cNvPr id="4" name="TextBox 3">
+            <a:extLst>
+              <a:ext uri="{FF2B5EF4-FFF2-40B4-BE49-F238E27FC236}">
+                <a16:creationId xmlns:a16="http://schemas.microsoft.com/office/drawing/2014/main" id="{07F75E23-69EA-4179-3C95-7B5172643081}"/>
               </a:ext>
             </a:extLst>
           </p:cNvPr>
@@ -9076,8 +10110,8 @@
         </p:nvSpPr>
         <p:spPr>
           <a:xfrm>
-            <a:off x="974361" y="1558977"/>
-            <a:ext cx="10236457" cy="400110"/>
+            <a:off x="838200" y="2521059"/>
+            <a:ext cx="10064262" cy="1015663"/>
           </a:xfrm>
           <a:prstGeom prst="rect">
             <a:avLst/>
@@ -9085,64 +10119,43 @@
           <a:noFill/>
         </p:spPr>
         <p:txBody>
-          <a:bodyPr wrap="none" rtlCol="0">
+          <a:bodyPr wrap="square" rtlCol="0">
             <a:spAutoFit/>
           </a:bodyPr>
           <a:lstStyle/>
           <a:p>
             <a:r>
-              <a:rPr lang="ru-RU" sz="2000"/>
-              <a:t>Реализация по большей части не отличается от ранее описанного теоретического варианта.</a:t>
-            </a:r>
+              <a:rPr lang="ru-RU" sz="2000" dirty="0" err="1"/>
+              <a:t>Splay</a:t>
+            </a:r>
+            <a:r>
+              <a:rPr lang="ru-RU" sz="2000" dirty="0"/>
+              <a:t>-дерево — это самобалансирующееся бинарное дерево поиска.</a:t>
+            </a:r>
+          </a:p>
+          <a:p>
             <a:endParaRPr lang="ru-RU" sz="2000" dirty="0"/>
           </a:p>
-        </p:txBody>
-      </p:sp>
-      <p:pic>
-        <p:nvPicPr>
-          <p:cNvPr id="4" name="Рисунок 3">
-            <a:extLst>
-              <a:ext uri="{FF2B5EF4-FFF2-40B4-BE49-F238E27FC236}">
-                <a16:creationId xmlns:a16="http://schemas.microsoft.com/office/drawing/2014/main" id="{122BBED7-0343-241F-9A71-51E4CA90C817}"/>
-              </a:ext>
-            </a:extLst>
-          </p:cNvPr>
-          <p:cNvPicPr>
-            <a:picLocks noChangeAspect="1"/>
-          </p:cNvPicPr>
-          <p:nvPr/>
-        </p:nvPicPr>
-        <p:blipFill>
-          <a:blip r:embed="rId2">
-            <a:extLst>
-              <a:ext uri="{28A0092B-C50C-407E-A947-70E740481C1C}">
-                <a14:useLocalDpi xmlns:a14="http://schemas.microsoft.com/office/drawing/2010/main" val="0"/>
-              </a:ext>
-            </a:extLst>
-          </a:blip>
-          <a:srcRect/>
-          <a:stretch>
-            <a:fillRect/>
-          </a:stretch>
-        </p:blipFill>
-        <p:spPr bwMode="auto">
-          <a:xfrm>
-            <a:off x="1615112" y="2322010"/>
-            <a:ext cx="8633214" cy="3573749"/>
-          </a:xfrm>
-          <a:prstGeom prst="rect">
-            <a:avLst/>
-          </a:prstGeom>
-          <a:noFill/>
-          <a:ln>
-            <a:noFill/>
-          </a:ln>
-        </p:spPr>
-      </p:pic>
+          <a:p>
+            <a:r>
+              <a:rPr lang="ru-RU" sz="2000" dirty="0"/>
+              <a:t>После каждого обращения, </a:t>
+            </a:r>
+            <a:r>
+              <a:rPr lang="ru-RU" sz="2000" dirty="0" err="1"/>
+              <a:t>splay</a:t>
+            </a:r>
+            <a:r>
+              <a:rPr lang="ru-RU" sz="2000" dirty="0"/>
+              <a:t>-дерево меняет свою структуру.</a:t>
+            </a:r>
+          </a:p>
+        </p:txBody>
+      </p:sp>
     </p:spTree>
     <p:extLst>
       <p:ext uri="{BB962C8B-B14F-4D97-AF65-F5344CB8AC3E}">
-        <p14:creationId xmlns:p14="http://schemas.microsoft.com/office/powerpoint/2010/main" val="3703236099"/>
+        <p14:creationId xmlns:p14="http://schemas.microsoft.com/office/powerpoint/2010/main" val="3048935604"/>
       </p:ext>
     </p:extLst>
   </p:cSld>

--- a/Танго дерево презентация.pptx
+++ b/Танго дерево презентация.pptx
@@ -164,8 +164,10 @@
               </a:defRPr>
             </a:pPr>
             <a:r>
-              <a:rPr lang="ru-RU" sz="2800" dirty="0"/>
-              <a:t>Тестирование</a:t>
+              <a:rPr lang="ru-RU" sz="2800" b="0" i="0" u="none" strike="noStrike" baseline="0" dirty="0">
+                <a:effectLst/>
+              </a:rPr>
+              <a:t>Анализ</a:t>
             </a:r>
             <a:r>
               <a:rPr lang="ru-RU" sz="2800" baseline="0" dirty="0"/>
@@ -879,8 +881,10 @@
               </a:defRPr>
             </a:pPr>
             <a:r>
-              <a:rPr lang="ru-RU" sz="2800" dirty="0"/>
-              <a:t>Тестирование</a:t>
+              <a:rPr lang="ru-RU" sz="2800" b="0" i="0" u="none" strike="noStrike" baseline="0" dirty="0">
+                <a:effectLst/>
+              </a:rPr>
+              <a:t>Анализ</a:t>
             </a:r>
             <a:r>
               <a:rPr lang="ru-RU" sz="2800" baseline="0" dirty="0"/>
@@ -6563,7 +6567,7 @@
         <p:spPr>
           <a:xfrm>
             <a:off x="665922" y="445586"/>
-            <a:ext cx="11218601" cy="1015663"/>
+            <a:ext cx="11218601" cy="1200329"/>
           </a:xfrm>
           <a:prstGeom prst="rect">
             <a:avLst/>
@@ -6577,15 +6581,21 @@
           <a:lstStyle/>
           <a:p>
             <a:r>
-              <a:rPr lang="ru-RU" sz="2000" dirty="0"/>
-              <a:t>На схеме изображено дерево </a:t>
-            </a:r>
-            <a:r>
-              <a:rPr lang="en-US" sz="2000" dirty="0"/>
+              <a:rPr lang="ru-RU" sz="3200" dirty="0">
+                <a:latin typeface="+mj-lt"/>
+              </a:rPr>
+              <a:t>Дерево </a:t>
+            </a:r>
+            <a:r>
+              <a:rPr lang="en-US" sz="3200" dirty="0">
+                <a:latin typeface="+mj-lt"/>
+              </a:rPr>
               <a:t>Tango</a:t>
             </a:r>
             <a:r>
-              <a:rPr lang="ru-RU" sz="2000" dirty="0"/>
+              <a:rPr lang="ru-RU" sz="3200" dirty="0">
+                <a:latin typeface="+mj-lt"/>
+              </a:rPr>
               <a:t> после перестроения</a:t>
             </a:r>
           </a:p>
@@ -6706,7 +6716,7 @@
           <a:p>
             <a:r>
               <a:rPr lang="ru-RU" dirty="0"/>
-              <a:t>Функции, используемые в реализации</a:t>
+              <a:t>Основные функции</a:t>
             </a:r>
           </a:p>
         </p:txBody>
@@ -6749,11 +6759,11 @@
             </a:r>
             <a:r>
               <a:rPr lang="ru-RU" b="1" dirty="0"/>
-              <a:t>() </a:t>
+              <a:t>() - </a:t>
             </a:r>
             <a:r>
               <a:rPr lang="ru-RU" dirty="0"/>
-              <a:t>— вспомогательная функция, которая отображает все дерево.</a:t>
+              <a:t>отображает все дерево.</a:t>
             </a:r>
           </a:p>
           <a:p>
@@ -6771,7 +6781,7 @@
             </a:r>
             <a:r>
               <a:rPr lang="ru-RU" dirty="0"/>
-              <a:t>- функция создания дерева.</a:t>
+              <a:t>- создание дерева.</a:t>
             </a:r>
           </a:p>
           <a:p>
@@ -6789,7 +6799,7 @@
             </a:r>
             <a:r>
               <a:rPr lang="ru-RU" dirty="0"/>
-              <a:t>- функция для выполнения операции вращения.</a:t>
+              <a:t>- операция вращения.</a:t>
             </a:r>
           </a:p>
           <a:p>
@@ -6807,7 +6817,7 @@
             </a:r>
             <a:r>
               <a:rPr lang="ru-RU" dirty="0"/>
-              <a:t>- функция для выполнения операции расширения.</a:t>
+              <a:t>- операция расширения.</a:t>
             </a:r>
           </a:p>
           <a:p>
@@ -6825,7 +6835,7 @@
             </a:r>
             <a:r>
               <a:rPr lang="ru-RU" dirty="0"/>
-              <a:t>— функция для установки значений </a:t>
+              <a:t>—установка значений </a:t>
             </a:r>
             <a:r>
               <a:rPr lang="ru-RU" dirty="0" err="1"/>
@@ -6859,7 +6869,7 @@
             </a:r>
             <a:r>
               <a:rPr lang="ru-RU" dirty="0"/>
-              <a:t>— функция для возврата первого дочернего элемента, значение </a:t>
+              <a:t>—возврат первого дочернего элемента, значение </a:t>
             </a:r>
             <a:r>
               <a:rPr lang="ru-RU" dirty="0" err="1"/>
@@ -6893,7 +6903,7 @@
             </a:r>
             <a:r>
               <a:rPr lang="ru-RU" dirty="0"/>
-              <a:t>- функция для переноса текущего узла в корень всего дерева.</a:t>
+              <a:t>- перенос текущего узла в корень всего дерева.</a:t>
             </a:r>
           </a:p>
           <a:p>
@@ -6911,7 +6921,7 @@
             </a:r>
             <a:r>
               <a:rPr lang="ru-RU" dirty="0"/>
-              <a:t>- функция для доступа к элементу в дереве </a:t>
+              <a:t>- доступ к элементу в дереве </a:t>
             </a:r>
             <a:r>
               <a:rPr lang="ru-RU" dirty="0" err="1"/>
@@ -6974,7 +6984,7 @@
           <a:p>
             <a:r>
               <a:rPr lang="ru-RU" dirty="0"/>
-              <a:t>Обращение к элементу (поиск)</a:t>
+              <a:t>Обращение к элементу</a:t>
             </a:r>
           </a:p>
         </p:txBody>
@@ -6994,7 +7004,7 @@
         <p:spPr>
           <a:xfrm>
             <a:off x="838200" y="1690688"/>
-            <a:ext cx="10732957" cy="1569660"/>
+            <a:ext cx="10732957" cy="2308324"/>
           </a:xfrm>
           <a:prstGeom prst="rect">
             <a:avLst/>
@@ -7009,6 +7019,15 @@
           <a:p>
             <a:r>
               <a:rPr lang="ru-RU" sz="2400" dirty="0"/>
+              <a:t>Принимает на вход значение искомого узла.</a:t>
+            </a:r>
+          </a:p>
+          <a:p>
+            <a:endParaRPr lang="ru-RU" sz="2400" dirty="0"/>
+          </a:p>
+          <a:p>
+            <a:r>
+              <a:rPr lang="ru-RU" sz="2400" dirty="0"/>
               <a:t>Функция </a:t>
             </a:r>
             <a:r>
@@ -7017,33 +7036,41 @@
             </a:r>
             <a:r>
               <a:rPr lang="ru-RU" sz="2400" dirty="0"/>
-              <a:t>()  используется для доступа к необходимому узлу в </a:t>
-            </a:r>
-            <a:r>
-              <a:rPr lang="ru-RU" sz="2400" dirty="0" err="1"/>
-              <a:t>Tango</a:t>
+              <a:t>() :</a:t>
+            </a:r>
+          </a:p>
+          <a:p>
+            <a:pPr marL="457200" indent="-457200">
+              <a:buFont typeface="+mj-lt"/>
+              <a:buAutoNum type="arabicPeriod"/>
+            </a:pPr>
+            <a:r>
+              <a:rPr lang="ru-RU" sz="2400" dirty="0"/>
+              <a:t>Выполняет поиск</a:t>
+            </a:r>
+          </a:p>
+          <a:p>
+            <a:pPr marL="457200" indent="-457200">
+              <a:buFont typeface="+mj-lt"/>
+              <a:buAutoNum type="arabicPeriod"/>
+            </a:pPr>
+            <a:r>
+              <a:rPr lang="ru-RU" sz="2400" dirty="0"/>
+              <a:t>перемещает узел вверх по дереву, пока он не достигнет корня основного дерева</a:t>
+            </a:r>
+            <a:r>
+              <a:rPr lang="en-US" sz="2400" dirty="0"/>
+              <a:t> -</a:t>
             </a:r>
             <a:r>
               <a:rPr lang="ru-RU" sz="2400" dirty="0"/>
               <a:t> </a:t>
             </a:r>
             <a:r>
-              <a:rPr lang="ru-RU" sz="2400" dirty="0" err="1"/>
-              <a:t>Tree</a:t>
-            </a:r>
-            <a:r>
-              <a:rPr lang="ru-RU" sz="2400" dirty="0"/>
-              <a:t>.</a:t>
-            </a:r>
-          </a:p>
-          <a:p>
+              <a:rPr lang="en-US" sz="2400" dirty="0"/>
+              <a:t>expose()</a:t>
+            </a:r>
             <a:endParaRPr lang="ru-RU" sz="2400" dirty="0"/>
-          </a:p>
-          <a:p>
-            <a:r>
-              <a:rPr lang="ru-RU" sz="2400" dirty="0"/>
-              <a:t>Функция перемещает узел вверх по дереву до тех пор, пока он не достигнет корня основного дерева.</a:t>
-            </a:r>
           </a:p>
         </p:txBody>
       </p:sp>
@@ -7183,6 +7210,11 @@
               <a:rPr lang="en-US" sz="2000" dirty="0"/>
               <a:t> == NULL:</a:t>
             </a:r>
+            <a:r>
+              <a:rPr lang="ru-RU" sz="2000" dirty="0"/>
+              <a:t>    если не найден элемент</a:t>
+            </a:r>
+            <a:endParaRPr lang="en-US" sz="2000" dirty="0"/>
           </a:p>
           <a:p>
             <a:r>
@@ -7197,6 +7229,11 @@
               <a:rPr lang="en-US" sz="2000" dirty="0"/>
               <a:t>)</a:t>
             </a:r>
+            <a:r>
+              <a:rPr lang="ru-RU" sz="2000" dirty="0"/>
+              <a:t>     </a:t>
+            </a:r>
+            <a:endParaRPr lang="en-US" sz="2000" dirty="0"/>
           </a:p>
           <a:p>
             <a:r>
@@ -7241,7 +7278,7 @@
         <p:spPr>
           <a:xfrm>
             <a:off x="838200" y="1808922"/>
-            <a:ext cx="4655633" cy="369332"/>
+            <a:ext cx="4655633" cy="923330"/>
           </a:xfrm>
           <a:prstGeom prst="rect">
             <a:avLst/>
@@ -7262,6 +7299,21 @@
               <a:rPr lang="en-US" sz="1800" i="1" dirty="0"/>
               <a:t>NULL</a:t>
             </a:r>
+            <a:endParaRPr lang="ru-RU" sz="1800" i="1" dirty="0"/>
+          </a:p>
+          <a:p>
+            <a:endParaRPr lang="ru-RU" i="1" dirty="0"/>
+          </a:p>
+          <a:p>
+            <a:r>
+              <a:rPr lang="ru-RU" sz="1800" i="1" dirty="0"/>
+              <a:t>О</a:t>
+            </a:r>
+            <a:r>
+              <a:rPr lang="ru-RU" i="1" dirty="0"/>
+              <a:t>т первого до последнего повторяем:</a:t>
+            </a:r>
+            <a:endParaRPr lang="en-US" sz="1800" i="1" dirty="0"/>
           </a:p>
         </p:txBody>
       </p:sp>
@@ -7323,7 +7375,7 @@
           <a:p>
             <a:r>
               <a:rPr lang="ru-RU" dirty="0"/>
-              <a:t>Тестирование</a:t>
+              <a:t>Анализ</a:t>
             </a:r>
           </a:p>
         </p:txBody>
@@ -7468,7 +7520,7 @@
           <p:nvPr>
             <p:extLst>
               <p:ext uri="{D42A27DB-BD31-4B8C-83A1-F6EECF244321}">
-                <p14:modId xmlns:p14="http://schemas.microsoft.com/office/powerpoint/2010/main" val="1215113322"/>
+                <p14:modId xmlns:p14="http://schemas.microsoft.com/office/powerpoint/2010/main" val="3016679123"/>
               </p:ext>
             </p:extLst>
           </p:nvPr>
@@ -7526,7 +7578,7 @@
           <p:nvPr>
             <p:extLst>
               <p:ext uri="{D42A27DB-BD31-4B8C-83A1-F6EECF244321}">
-                <p14:modId xmlns:p14="http://schemas.microsoft.com/office/powerpoint/2010/main" val="4169096023"/>
+                <p14:modId xmlns:p14="http://schemas.microsoft.com/office/powerpoint/2010/main" val="1272472243"/>
               </p:ext>
             </p:extLst>
           </p:nvPr>
@@ -9657,6 +9709,41 @@
           </p:txBody>
         </p:sp>
       </p:grpSp>
+      <p:sp>
+        <p:nvSpPr>
+          <p:cNvPr id="2" name="TextBox 1">
+            <a:extLst>
+              <a:ext uri="{FF2B5EF4-FFF2-40B4-BE49-F238E27FC236}">
+                <a16:creationId xmlns:a16="http://schemas.microsoft.com/office/drawing/2014/main" id="{C50D9964-0CC0-A23F-7FD7-5A0A7D18AF27}"/>
+              </a:ext>
+            </a:extLst>
+          </p:cNvPr>
+          <p:cNvSpPr txBox="1"/>
+          <p:nvPr/>
+        </p:nvSpPr>
+        <p:spPr>
+          <a:xfrm>
+            <a:off x="8567530" y="5923722"/>
+            <a:ext cx="988669" cy="369332"/>
+          </a:xfrm>
+          <a:prstGeom prst="rect">
+            <a:avLst/>
+          </a:prstGeom>
+          <a:noFill/>
+        </p:spPr>
+        <p:txBody>
+          <a:bodyPr wrap="none" rtlCol="0">
+            <a:spAutoFit/>
+          </a:bodyPr>
+          <a:lstStyle/>
+          <a:p>
+            <a:r>
+              <a:rPr lang="ru-RU" dirty="0"/>
+              <a:t>цепочка</a:t>
+            </a:r>
+          </a:p>
+        </p:txBody>
+      </p:sp>
     </p:spTree>
     <p:extLst>
       <p:ext uri="{BB962C8B-B14F-4D97-AF65-F5344CB8AC3E}">
@@ -10013,7 +10100,7 @@
             </a:pPr>
             <a:r>
               <a:rPr lang="ru-RU" dirty="0"/>
-              <a:t>Сначала ищем в первом вспомогательном дереве, корень которого совпадает с корнем основного</a:t>
+              <a:t>Ищем во вспомогательном дереве, корень которого совпадает с корнем основного</a:t>
             </a:r>
           </a:p>
           <a:p>
@@ -10023,7 +10110,7 @@
             </a:pPr>
             <a:r>
               <a:rPr lang="ru-RU" dirty="0"/>
-              <a:t>Если узел не был найден, то ищем в следующем вспомогательном дереве и так далее до перебора всего основного дерева.</a:t>
+              <a:t>Если узел не найден, то ищем в следующем вспомогательном дереве и так далее до перебора всего основного дерева.</a:t>
             </a:r>
           </a:p>
         </p:txBody>
@@ -10111,7 +10198,7 @@
         <p:spPr>
           <a:xfrm>
             <a:off x="838200" y="2521059"/>
-            <a:ext cx="10064262" cy="1015663"/>
+            <a:ext cx="10064262" cy="1631216"/>
           </a:xfrm>
           <a:prstGeom prst="rect">
             <a:avLst/>
@@ -10148,6 +10235,15 @@
             <a:r>
               <a:rPr lang="ru-RU" sz="2000" dirty="0"/>
               <a:t>-дерево меняет свою структуру.</a:t>
+            </a:r>
+          </a:p>
+          <a:p>
+            <a:endParaRPr lang="ru-RU" sz="2000" dirty="0"/>
+          </a:p>
+          <a:p>
+            <a:r>
+              <a:rPr lang="ru-RU" sz="2000" dirty="0"/>
+              <a:t>В реализации является вспомогательным.</a:t>
             </a:r>
           </a:p>
         </p:txBody>

--- a/Танго дерево презентация.pptx
+++ b/Танго дерево презентация.pptx
@@ -20,8 +20,8 @@
     <p:sldId id="270" r:id="rId14"/>
     <p:sldId id="276" r:id="rId15"/>
     <p:sldId id="271" r:id="rId16"/>
-    <p:sldId id="280" r:id="rId17"/>
-    <p:sldId id="281" r:id="rId18"/>
+    <p:sldId id="278" r:id="rId17"/>
+    <p:sldId id="280" r:id="rId18"/>
     <p:sldId id="273" r:id="rId19"/>
     <p:sldId id="274" r:id="rId20"/>
   </p:sldIdLst>
@@ -128,2528 +128,6 @@
     </p:ext>
   </p:extLst>
 </p:presentation>
-</file>
-
-<file path=ppt/charts/chart1.xml><?xml version="1.0" encoding="utf-8"?>
-<c:chartSpace xmlns:c="http://schemas.openxmlformats.org/drawingml/2006/chart" xmlns:a="http://schemas.openxmlformats.org/drawingml/2006/main" xmlns:r="http://schemas.openxmlformats.org/officeDocument/2006/relationships" xmlns:c16r2="http://schemas.microsoft.com/office/drawing/2015/06/chart">
-  <c:date1904 val="0"/>
-  <c:lang val="ru-RU"/>
-  <c:roundedCorners val="0"/>
-  <mc:AlternateContent xmlns:mc="http://schemas.openxmlformats.org/markup-compatibility/2006">
-    <mc:Choice xmlns:c14="http://schemas.microsoft.com/office/drawing/2007/8/2/chart" Requires="c14">
-      <c14:style val="102"/>
-    </mc:Choice>
-    <mc:Fallback>
-      <c:style val="2"/>
-    </mc:Fallback>
-  </mc:AlternateContent>
-  <c:chart>
-    <c:title>
-      <c:tx>
-        <c:rich>
-          <a:bodyPr rot="0" spcFirstLastPara="1" vertOverflow="ellipsis" vert="horz" wrap="square" anchor="ctr" anchorCtr="1"/>
-          <a:lstStyle/>
-          <a:p>
-            <a:pPr>
-              <a:defRPr sz="2800" b="0" i="0" u="none" strike="noStrike" kern="1200" spc="0" baseline="0">
-                <a:solidFill>
-                  <a:schemeClr val="tx1">
-                    <a:lumMod val="65000"/>
-                    <a:lumOff val="35000"/>
-                  </a:schemeClr>
-                </a:solidFill>
-                <a:latin typeface="+mn-lt"/>
-                <a:ea typeface="+mn-ea"/>
-                <a:cs typeface="+mn-cs"/>
-              </a:defRPr>
-            </a:pPr>
-            <a:r>
-              <a:rPr lang="ru-RU" sz="2800" b="0" i="0" u="none" strike="noStrike" baseline="0" dirty="0">
-                <a:effectLst/>
-              </a:rPr>
-              <a:t>Анализ</a:t>
-            </a:r>
-            <a:r>
-              <a:rPr lang="ru-RU" sz="2800" baseline="0" dirty="0"/>
-              <a:t> производительности</a:t>
-            </a:r>
-            <a:endParaRPr lang="ru-RU" sz="2800" dirty="0"/>
-          </a:p>
-        </c:rich>
-      </c:tx>
-      <c:overlay val="0"/>
-      <c:spPr>
-        <a:noFill/>
-        <a:ln>
-          <a:noFill/>
-        </a:ln>
-        <a:effectLst/>
-      </c:spPr>
-      <c:txPr>
-        <a:bodyPr rot="0" spcFirstLastPara="1" vertOverflow="ellipsis" vert="horz" wrap="square" anchor="ctr" anchorCtr="1"/>
-        <a:lstStyle/>
-        <a:p>
-          <a:pPr>
-            <a:defRPr sz="2800" b="0" i="0" u="none" strike="noStrike" kern="1200" spc="0" baseline="0">
-              <a:solidFill>
-                <a:schemeClr val="tx1">
-                  <a:lumMod val="65000"/>
-                  <a:lumOff val="35000"/>
-                </a:schemeClr>
-              </a:solidFill>
-              <a:latin typeface="+mn-lt"/>
-              <a:ea typeface="+mn-ea"/>
-              <a:cs typeface="+mn-cs"/>
-            </a:defRPr>
-          </a:pPr>
-          <a:endParaRPr lang="ru-RU"/>
-        </a:p>
-      </c:txPr>
-    </c:title>
-    <c:autoTitleDeleted val="0"/>
-    <c:plotArea>
-      <c:layout>
-        <c:manualLayout>
-          <c:layoutTarget val="inner"/>
-          <c:xMode val="edge"/>
-          <c:yMode val="edge"/>
-          <c:x val="9.4440507059896289E-2"/>
-          <c:y val="0.11569110866782713"/>
-          <c:w val="0.89000175066362619"/>
-          <c:h val="0.72956438102443588"/>
-        </c:manualLayout>
-      </c:layout>
-      <c:lineChart>
-        <c:grouping val="standard"/>
-        <c:varyColors val="0"/>
-        <c:ser>
-          <c:idx val="0"/>
-          <c:order val="0"/>
-          <c:tx>
-            <c:strRef>
-              <c:f>Лист1!$B$1</c:f>
-              <c:strCache>
-                <c:ptCount val="1"/>
-                <c:pt idx="0">
-                  <c:v>Порядок возрастания</c:v>
-                </c:pt>
-              </c:strCache>
-            </c:strRef>
-          </c:tx>
-          <c:spPr>
-            <a:ln w="28575" cap="rnd">
-              <a:solidFill>
-                <a:schemeClr val="accent1"/>
-              </a:solidFill>
-              <a:round/>
-            </a:ln>
-            <a:effectLst/>
-          </c:spPr>
-          <c:marker>
-            <c:symbol val="none"/>
-          </c:marker>
-          <c:cat>
-            <c:numRef>
-              <c:f>Лист1!$A$2:$A$7</c:f>
-              <c:numCache>
-                <c:formatCode>General</c:formatCode>
-                <c:ptCount val="4"/>
-                <c:pt idx="0">
-                  <c:v>100</c:v>
-                </c:pt>
-                <c:pt idx="1">
-                  <c:v>1000</c:v>
-                </c:pt>
-                <c:pt idx="2">
-                  <c:v>10000</c:v>
-                </c:pt>
-                <c:pt idx="3">
-                  <c:v>100000</c:v>
-                </c:pt>
-              </c:numCache>
-            </c:numRef>
-          </c:cat>
-          <c:val>
-            <c:numRef>
-              <c:f>Лист1!$B$2:$B$7</c:f>
-              <c:numCache>
-                <c:formatCode>General</c:formatCode>
-                <c:ptCount val="4"/>
-                <c:pt idx="0">
-                  <c:v>1.4999999999999999E-2</c:v>
-                </c:pt>
-                <c:pt idx="1">
-                  <c:v>0.35</c:v>
-                </c:pt>
-                <c:pt idx="2">
-                  <c:v>5.4</c:v>
-                </c:pt>
-                <c:pt idx="3">
-                  <c:v>69.5</c:v>
-                </c:pt>
-              </c:numCache>
-            </c:numRef>
-          </c:val>
-          <c:smooth val="1"/>
-          <c:extLst>
-            <c:ext xmlns:c16="http://schemas.microsoft.com/office/drawing/2014/chart" uri="{C3380CC4-5D6E-409C-BE32-E72D297353CC}">
-              <c16:uniqueId val="{00000000-AA6D-4549-A8B5-2034BA41989C}"/>
-            </c:ext>
-          </c:extLst>
-        </c:ser>
-        <c:ser>
-          <c:idx val="1"/>
-          <c:order val="1"/>
-          <c:tx>
-            <c:strRef>
-              <c:f>Лист1!$C$1</c:f>
-              <c:strCache>
-                <c:ptCount val="1"/>
-                <c:pt idx="0">
-                  <c:v>Обратный порядок</c:v>
-                </c:pt>
-              </c:strCache>
-            </c:strRef>
-          </c:tx>
-          <c:spPr>
-            <a:ln w="28575" cap="rnd">
-              <a:solidFill>
-                <a:schemeClr val="accent2"/>
-              </a:solidFill>
-              <a:round/>
-            </a:ln>
-            <a:effectLst/>
-          </c:spPr>
-          <c:marker>
-            <c:symbol val="none"/>
-          </c:marker>
-          <c:cat>
-            <c:numRef>
-              <c:f>Лист1!$A$2:$A$7</c:f>
-              <c:numCache>
-                <c:formatCode>General</c:formatCode>
-                <c:ptCount val="4"/>
-                <c:pt idx="0">
-                  <c:v>100</c:v>
-                </c:pt>
-                <c:pt idx="1">
-                  <c:v>1000</c:v>
-                </c:pt>
-                <c:pt idx="2">
-                  <c:v>10000</c:v>
-                </c:pt>
-                <c:pt idx="3">
-                  <c:v>100000</c:v>
-                </c:pt>
-              </c:numCache>
-            </c:numRef>
-          </c:cat>
-          <c:val>
-            <c:numRef>
-              <c:f>Лист1!$C$2:$C$7</c:f>
-              <c:numCache>
-                <c:formatCode>General</c:formatCode>
-                <c:ptCount val="4"/>
-                <c:pt idx="0">
-                  <c:v>1.4999999999999999E-2</c:v>
-                </c:pt>
-                <c:pt idx="1">
-                  <c:v>0.3</c:v>
-                </c:pt>
-                <c:pt idx="2">
-                  <c:v>6.9</c:v>
-                </c:pt>
-                <c:pt idx="3">
-                  <c:v>103</c:v>
-                </c:pt>
-              </c:numCache>
-            </c:numRef>
-          </c:val>
-          <c:smooth val="1"/>
-          <c:extLst>
-            <c:ext xmlns:c16="http://schemas.microsoft.com/office/drawing/2014/chart" uri="{C3380CC4-5D6E-409C-BE32-E72D297353CC}">
-              <c16:uniqueId val="{00000001-AA6D-4549-A8B5-2034BA41989C}"/>
-            </c:ext>
-          </c:extLst>
-        </c:ser>
-        <c:ser>
-          <c:idx val="2"/>
-          <c:order val="2"/>
-          <c:tx>
-            <c:strRef>
-              <c:f>Лист1!$D$1</c:f>
-              <c:strCache>
-                <c:ptCount val="1"/>
-                <c:pt idx="0">
-                  <c:v>Случайный порядок</c:v>
-                </c:pt>
-              </c:strCache>
-            </c:strRef>
-          </c:tx>
-          <c:spPr>
-            <a:ln w="28575" cap="rnd">
-              <a:solidFill>
-                <a:schemeClr val="accent3"/>
-              </a:solidFill>
-              <a:round/>
-            </a:ln>
-            <a:effectLst/>
-          </c:spPr>
-          <c:marker>
-            <c:symbol val="none"/>
-          </c:marker>
-          <c:cat>
-            <c:numRef>
-              <c:f>Лист1!$A$2:$A$7</c:f>
-              <c:numCache>
-                <c:formatCode>General</c:formatCode>
-                <c:ptCount val="4"/>
-                <c:pt idx="0">
-                  <c:v>100</c:v>
-                </c:pt>
-                <c:pt idx="1">
-                  <c:v>1000</c:v>
-                </c:pt>
-                <c:pt idx="2">
-                  <c:v>10000</c:v>
-                </c:pt>
-                <c:pt idx="3">
-                  <c:v>100000</c:v>
-                </c:pt>
-              </c:numCache>
-            </c:numRef>
-          </c:cat>
-          <c:val>
-            <c:numRef>
-              <c:f>Лист1!$D$2:$D$7</c:f>
-              <c:numCache>
-                <c:formatCode>General</c:formatCode>
-                <c:ptCount val="4"/>
-                <c:pt idx="0">
-                  <c:v>1.4999999999999999E-2</c:v>
-                </c:pt>
-                <c:pt idx="1">
-                  <c:v>1</c:v>
-                </c:pt>
-                <c:pt idx="2">
-                  <c:v>15</c:v>
-                </c:pt>
-                <c:pt idx="3">
-                  <c:v>243</c:v>
-                </c:pt>
-              </c:numCache>
-            </c:numRef>
-          </c:val>
-          <c:smooth val="1"/>
-          <c:extLst>
-            <c:ext xmlns:c16="http://schemas.microsoft.com/office/drawing/2014/chart" uri="{C3380CC4-5D6E-409C-BE32-E72D297353CC}">
-              <c16:uniqueId val="{00000002-AA6D-4549-A8B5-2034BA41989C}"/>
-            </c:ext>
-          </c:extLst>
-        </c:ser>
-        <c:ser>
-          <c:idx val="3"/>
-          <c:order val="3"/>
-          <c:tx>
-            <c:strRef>
-              <c:f>Лист1!$E$1</c:f>
-              <c:strCache>
-                <c:ptCount val="1"/>
-                <c:pt idx="0">
-                  <c:v>Одно число</c:v>
-                </c:pt>
-              </c:strCache>
-            </c:strRef>
-          </c:tx>
-          <c:spPr>
-            <a:ln w="28575" cap="rnd">
-              <a:solidFill>
-                <a:schemeClr val="accent4"/>
-              </a:solidFill>
-              <a:round/>
-            </a:ln>
-            <a:effectLst/>
-          </c:spPr>
-          <c:marker>
-            <c:symbol val="none"/>
-          </c:marker>
-          <c:cat>
-            <c:numRef>
-              <c:f>Лист1!$A$2:$A$7</c:f>
-              <c:numCache>
-                <c:formatCode>General</c:formatCode>
-                <c:ptCount val="4"/>
-                <c:pt idx="0">
-                  <c:v>100</c:v>
-                </c:pt>
-                <c:pt idx="1">
-                  <c:v>1000</c:v>
-                </c:pt>
-                <c:pt idx="2">
-                  <c:v>10000</c:v>
-                </c:pt>
-                <c:pt idx="3">
-                  <c:v>100000</c:v>
-                </c:pt>
-              </c:numCache>
-            </c:numRef>
-          </c:cat>
-          <c:val>
-            <c:numRef>
-              <c:f>Лист1!$E$2:$E$7</c:f>
-              <c:numCache>
-                <c:formatCode>General</c:formatCode>
-                <c:ptCount val="4"/>
-                <c:pt idx="0">
-                  <c:v>1.4999999999999999E-2</c:v>
-                </c:pt>
-                <c:pt idx="1">
-                  <c:v>1.4999999999999999E-2</c:v>
-                </c:pt>
-                <c:pt idx="2">
-                  <c:v>0.2</c:v>
-                </c:pt>
-                <c:pt idx="3">
-                  <c:v>1.7</c:v>
-                </c:pt>
-              </c:numCache>
-            </c:numRef>
-          </c:val>
-          <c:smooth val="1"/>
-          <c:extLst>
-            <c:ext xmlns:c16="http://schemas.microsoft.com/office/drawing/2014/chart" uri="{C3380CC4-5D6E-409C-BE32-E72D297353CC}">
-              <c16:uniqueId val="{00000003-AA6D-4549-A8B5-2034BA41989C}"/>
-            </c:ext>
-          </c:extLst>
-        </c:ser>
-        <c:dLbls>
-          <c:showLegendKey val="0"/>
-          <c:showVal val="0"/>
-          <c:showCatName val="0"/>
-          <c:showSerName val="0"/>
-          <c:showPercent val="0"/>
-          <c:showBubbleSize val="0"/>
-        </c:dLbls>
-        <c:smooth val="0"/>
-        <c:axId val="1002873392"/>
-        <c:axId val="1002878800"/>
-      </c:lineChart>
-      <c:catAx>
-        <c:axId val="1002873392"/>
-        <c:scaling>
-          <c:orientation val="minMax"/>
-        </c:scaling>
-        <c:delete val="0"/>
-        <c:axPos val="b"/>
-        <c:title>
-          <c:tx>
-            <c:rich>
-              <a:bodyPr rot="0" spcFirstLastPara="1" vertOverflow="ellipsis" vert="horz" wrap="square" anchor="ctr" anchorCtr="1"/>
-              <a:lstStyle/>
-              <a:p>
-                <a:pPr>
-                  <a:defRPr sz="1600" b="0" i="0" u="none" strike="noStrike" kern="1200" baseline="0">
-                    <a:solidFill>
-                      <a:schemeClr val="tx1">
-                        <a:lumMod val="65000"/>
-                        <a:lumOff val="35000"/>
-                      </a:schemeClr>
-                    </a:solidFill>
-                    <a:latin typeface="+mn-lt"/>
-                    <a:ea typeface="+mn-ea"/>
-                    <a:cs typeface="+mn-cs"/>
-                  </a:defRPr>
-                </a:pPr>
-                <a:r>
-                  <a:rPr lang="ru-RU" sz="1600" dirty="0"/>
-                  <a:t>Количество</a:t>
-                </a:r>
-                <a:r>
-                  <a:rPr lang="ru-RU" sz="1600" baseline="0" dirty="0"/>
-                  <a:t> элементов</a:t>
-                </a:r>
-                <a:endParaRPr lang="ru-RU" sz="1600" dirty="0"/>
-              </a:p>
-            </c:rich>
-          </c:tx>
-          <c:overlay val="0"/>
-          <c:spPr>
-            <a:noFill/>
-            <a:ln>
-              <a:noFill/>
-            </a:ln>
-            <a:effectLst/>
-          </c:spPr>
-          <c:txPr>
-            <a:bodyPr rot="0" spcFirstLastPara="1" vertOverflow="ellipsis" vert="horz" wrap="square" anchor="ctr" anchorCtr="1"/>
-            <a:lstStyle/>
-            <a:p>
-              <a:pPr>
-                <a:defRPr sz="1600" b="0" i="0" u="none" strike="noStrike" kern="1200" baseline="0">
-                  <a:solidFill>
-                    <a:schemeClr val="tx1">
-                      <a:lumMod val="65000"/>
-                      <a:lumOff val="35000"/>
-                    </a:schemeClr>
-                  </a:solidFill>
-                  <a:latin typeface="+mn-lt"/>
-                  <a:ea typeface="+mn-ea"/>
-                  <a:cs typeface="+mn-cs"/>
-                </a:defRPr>
-              </a:pPr>
-              <a:endParaRPr lang="ru-RU"/>
-            </a:p>
-          </c:txPr>
-        </c:title>
-        <c:numFmt formatCode="General" sourceLinked="1"/>
-        <c:majorTickMark val="none"/>
-        <c:minorTickMark val="none"/>
-        <c:tickLblPos val="nextTo"/>
-        <c:spPr>
-          <a:noFill/>
-          <a:ln w="9525" cap="flat" cmpd="sng" algn="ctr">
-            <a:solidFill>
-              <a:schemeClr val="tx1">
-                <a:lumMod val="15000"/>
-                <a:lumOff val="85000"/>
-              </a:schemeClr>
-            </a:solidFill>
-            <a:round/>
-          </a:ln>
-          <a:effectLst/>
-        </c:spPr>
-        <c:txPr>
-          <a:bodyPr rot="-60000000" spcFirstLastPara="1" vertOverflow="ellipsis" vert="horz" wrap="square" anchor="ctr" anchorCtr="1"/>
-          <a:lstStyle/>
-          <a:p>
-            <a:pPr>
-              <a:defRPr sz="1197" b="0" i="0" u="none" strike="noStrike" kern="1200" baseline="0">
-                <a:solidFill>
-                  <a:schemeClr val="tx1">
-                    <a:lumMod val="65000"/>
-                    <a:lumOff val="35000"/>
-                  </a:schemeClr>
-                </a:solidFill>
-                <a:latin typeface="+mn-lt"/>
-                <a:ea typeface="+mn-ea"/>
-                <a:cs typeface="+mn-cs"/>
-              </a:defRPr>
-            </a:pPr>
-            <a:endParaRPr lang="ru-RU"/>
-          </a:p>
-        </c:txPr>
-        <c:crossAx val="1002878800"/>
-        <c:crosses val="autoZero"/>
-        <c:auto val="1"/>
-        <c:lblAlgn val="ctr"/>
-        <c:lblOffset val="100"/>
-        <c:noMultiLvlLbl val="0"/>
-      </c:catAx>
-      <c:valAx>
-        <c:axId val="1002878800"/>
-        <c:scaling>
-          <c:orientation val="minMax"/>
-        </c:scaling>
-        <c:delete val="0"/>
-        <c:axPos val="l"/>
-        <c:majorGridlines>
-          <c:spPr>
-            <a:ln w="9525" cap="flat" cmpd="sng" algn="ctr">
-              <a:solidFill>
-                <a:schemeClr val="tx1">
-                  <a:lumMod val="15000"/>
-                  <a:lumOff val="85000"/>
-                </a:schemeClr>
-              </a:solidFill>
-              <a:round/>
-            </a:ln>
-            <a:effectLst/>
-          </c:spPr>
-        </c:majorGridlines>
-        <c:title>
-          <c:tx>
-            <c:rich>
-              <a:bodyPr rot="-5400000" spcFirstLastPara="1" vertOverflow="ellipsis" vert="horz" wrap="square" anchor="ctr" anchorCtr="1"/>
-              <a:lstStyle/>
-              <a:p>
-                <a:pPr>
-                  <a:defRPr sz="1800" b="0" i="0" u="none" strike="noStrike" kern="1200" baseline="0">
-                    <a:solidFill>
-                      <a:schemeClr val="tx1">
-                        <a:lumMod val="65000"/>
-                        <a:lumOff val="35000"/>
-                      </a:schemeClr>
-                    </a:solidFill>
-                    <a:latin typeface="+mn-lt"/>
-                    <a:ea typeface="+mn-ea"/>
-                    <a:cs typeface="+mn-cs"/>
-                  </a:defRPr>
-                </a:pPr>
-                <a:r>
-                  <a:rPr lang="ru-RU" sz="1800" dirty="0"/>
-                  <a:t>мс</a:t>
-                </a:r>
-              </a:p>
-            </c:rich>
-          </c:tx>
-          <c:layout>
-            <c:manualLayout>
-              <c:xMode val="edge"/>
-              <c:yMode val="edge"/>
-              <c:x val="1.7187500000000001E-2"/>
-              <c:y val="0.46099529644467913"/>
-            </c:manualLayout>
-          </c:layout>
-          <c:overlay val="0"/>
-          <c:spPr>
-            <a:noFill/>
-            <a:ln>
-              <a:noFill/>
-            </a:ln>
-            <a:effectLst/>
-          </c:spPr>
-          <c:txPr>
-            <a:bodyPr rot="-5400000" spcFirstLastPara="1" vertOverflow="ellipsis" vert="horz" wrap="square" anchor="ctr" anchorCtr="1"/>
-            <a:lstStyle/>
-            <a:p>
-              <a:pPr>
-                <a:defRPr sz="1800" b="0" i="0" u="none" strike="noStrike" kern="1200" baseline="0">
-                  <a:solidFill>
-                    <a:schemeClr val="tx1">
-                      <a:lumMod val="65000"/>
-                      <a:lumOff val="35000"/>
-                    </a:schemeClr>
-                  </a:solidFill>
-                  <a:latin typeface="+mn-lt"/>
-                  <a:ea typeface="+mn-ea"/>
-                  <a:cs typeface="+mn-cs"/>
-                </a:defRPr>
-              </a:pPr>
-              <a:endParaRPr lang="ru-RU"/>
-            </a:p>
-          </c:txPr>
-        </c:title>
-        <c:numFmt formatCode="General" sourceLinked="1"/>
-        <c:majorTickMark val="none"/>
-        <c:minorTickMark val="none"/>
-        <c:tickLblPos val="nextTo"/>
-        <c:spPr>
-          <a:noFill/>
-          <a:ln>
-            <a:noFill/>
-          </a:ln>
-          <a:effectLst/>
-        </c:spPr>
-        <c:txPr>
-          <a:bodyPr rot="-60000000" spcFirstLastPara="1" vertOverflow="ellipsis" vert="horz" wrap="square" anchor="ctr" anchorCtr="1"/>
-          <a:lstStyle/>
-          <a:p>
-            <a:pPr>
-              <a:defRPr sz="1197" b="0" i="0" u="none" strike="noStrike" kern="1200" baseline="0">
-                <a:solidFill>
-                  <a:schemeClr val="tx1">
-                    <a:lumMod val="65000"/>
-                    <a:lumOff val="35000"/>
-                  </a:schemeClr>
-                </a:solidFill>
-                <a:latin typeface="+mn-lt"/>
-                <a:ea typeface="+mn-ea"/>
-                <a:cs typeface="+mn-cs"/>
-              </a:defRPr>
-            </a:pPr>
-            <a:endParaRPr lang="ru-RU"/>
-          </a:p>
-        </c:txPr>
-        <c:crossAx val="1002873392"/>
-        <c:crosses val="autoZero"/>
-        <c:crossBetween val="between"/>
-      </c:valAx>
-      <c:spPr>
-        <a:noFill/>
-        <a:ln>
-          <a:noFill/>
-        </a:ln>
-        <a:effectLst/>
-      </c:spPr>
-    </c:plotArea>
-    <c:legend>
-      <c:legendPos val="b"/>
-      <c:layout>
-        <c:manualLayout>
-          <c:xMode val="edge"/>
-          <c:yMode val="edge"/>
-          <c:x val="0.15803280645634057"/>
-          <c:y val="0.8924783704399385"/>
-          <c:w val="0.75851711218011963"/>
-          <c:h val="9.3459114017272096E-2"/>
-        </c:manualLayout>
-      </c:layout>
-      <c:overlay val="0"/>
-      <c:spPr>
-        <a:noFill/>
-        <a:ln>
-          <a:noFill/>
-        </a:ln>
-        <a:effectLst/>
-      </c:spPr>
-      <c:txPr>
-        <a:bodyPr rot="0" spcFirstLastPara="1" vertOverflow="ellipsis" vert="horz" wrap="square" anchor="ctr" anchorCtr="1"/>
-        <a:lstStyle/>
-        <a:p>
-          <a:pPr>
-            <a:defRPr sz="1600" b="0" i="0" u="none" strike="noStrike" kern="1200" baseline="0">
-              <a:solidFill>
-                <a:schemeClr val="tx1">
-                  <a:lumMod val="65000"/>
-                  <a:lumOff val="35000"/>
-                </a:schemeClr>
-              </a:solidFill>
-              <a:latin typeface="+mn-lt"/>
-              <a:ea typeface="+mn-ea"/>
-              <a:cs typeface="+mn-cs"/>
-            </a:defRPr>
-          </a:pPr>
-          <a:endParaRPr lang="ru-RU"/>
-        </a:p>
-      </c:txPr>
-    </c:legend>
-    <c:plotVisOnly val="1"/>
-    <c:dispBlanksAs val="gap"/>
-    <c:extLst>
-      <c:ext xmlns:c16r3="http://schemas.microsoft.com/office/drawing/2017/03/chart" uri="{56B9EC1D-385E-4148-901F-78D8002777C0}">
-        <c16r3:dataDisplayOptions16>
-          <c16r3:dispNaAsBlank val="1"/>
-        </c16r3:dataDisplayOptions16>
-      </c:ext>
-    </c:extLst>
-    <c:showDLblsOverMax val="0"/>
-  </c:chart>
-  <c:spPr>
-    <a:noFill/>
-    <a:ln>
-      <a:noFill/>
-    </a:ln>
-    <a:effectLst/>
-  </c:spPr>
-  <c:txPr>
-    <a:bodyPr/>
-    <a:lstStyle/>
-    <a:p>
-      <a:pPr>
-        <a:defRPr/>
-      </a:pPr>
-      <a:endParaRPr lang="ru-RU"/>
-    </a:p>
-  </c:txPr>
-  <c:externalData r:id="rId3">
-    <c:autoUpdate val="0"/>
-  </c:externalData>
-</c:chartSpace>
-</file>
-
-<file path=ppt/charts/chart2.xml><?xml version="1.0" encoding="utf-8"?>
-<c:chartSpace xmlns:c="http://schemas.openxmlformats.org/drawingml/2006/chart" xmlns:a="http://schemas.openxmlformats.org/drawingml/2006/main" xmlns:r="http://schemas.openxmlformats.org/officeDocument/2006/relationships" xmlns:c16r2="http://schemas.microsoft.com/office/drawing/2015/06/chart">
-  <c:date1904 val="0"/>
-  <c:lang val="ru-RU"/>
-  <c:roundedCorners val="0"/>
-  <mc:AlternateContent xmlns:mc="http://schemas.openxmlformats.org/markup-compatibility/2006">
-    <mc:Choice xmlns:c14="http://schemas.microsoft.com/office/drawing/2007/8/2/chart" Requires="c14">
-      <c14:style val="102"/>
-    </mc:Choice>
-    <mc:Fallback>
-      <c:style val="2"/>
-    </mc:Fallback>
-  </mc:AlternateContent>
-  <c:chart>
-    <c:title>
-      <c:tx>
-        <c:rich>
-          <a:bodyPr rot="0" spcFirstLastPara="1" vertOverflow="ellipsis" vert="horz" wrap="square" anchor="ctr" anchorCtr="1"/>
-          <a:lstStyle/>
-          <a:p>
-            <a:pPr>
-              <a:defRPr sz="2800" b="0" i="0" u="none" strike="noStrike" kern="1200" spc="0" baseline="0">
-                <a:solidFill>
-                  <a:schemeClr val="tx1">
-                    <a:lumMod val="65000"/>
-                    <a:lumOff val="35000"/>
-                  </a:schemeClr>
-                </a:solidFill>
-                <a:latin typeface="+mn-lt"/>
-                <a:ea typeface="+mn-ea"/>
-                <a:cs typeface="+mn-cs"/>
-              </a:defRPr>
-            </a:pPr>
-            <a:r>
-              <a:rPr lang="ru-RU" sz="2800" b="0" i="0" u="none" strike="noStrike" baseline="0" dirty="0">
-                <a:effectLst/>
-              </a:rPr>
-              <a:t>Анализ</a:t>
-            </a:r>
-            <a:r>
-              <a:rPr lang="ru-RU" sz="2800" baseline="0" dirty="0"/>
-              <a:t> производительности</a:t>
-            </a:r>
-            <a:endParaRPr lang="ru-RU" sz="2800" dirty="0"/>
-          </a:p>
-        </c:rich>
-      </c:tx>
-      <c:overlay val="0"/>
-      <c:spPr>
-        <a:noFill/>
-        <a:ln>
-          <a:noFill/>
-        </a:ln>
-        <a:effectLst/>
-      </c:spPr>
-      <c:txPr>
-        <a:bodyPr rot="0" spcFirstLastPara="1" vertOverflow="ellipsis" vert="horz" wrap="square" anchor="ctr" anchorCtr="1"/>
-        <a:lstStyle/>
-        <a:p>
-          <a:pPr>
-            <a:defRPr sz="2800" b="0" i="0" u="none" strike="noStrike" kern="1200" spc="0" baseline="0">
-              <a:solidFill>
-                <a:schemeClr val="tx1">
-                  <a:lumMod val="65000"/>
-                  <a:lumOff val="35000"/>
-                </a:schemeClr>
-              </a:solidFill>
-              <a:latin typeface="+mn-lt"/>
-              <a:ea typeface="+mn-ea"/>
-              <a:cs typeface="+mn-cs"/>
-            </a:defRPr>
-          </a:pPr>
-          <a:endParaRPr lang="ru-RU"/>
-        </a:p>
-      </c:txPr>
-    </c:title>
-    <c:autoTitleDeleted val="0"/>
-    <c:plotArea>
-      <c:layout>
-        <c:manualLayout>
-          <c:layoutTarget val="inner"/>
-          <c:xMode val="edge"/>
-          <c:yMode val="edge"/>
-          <c:x val="9.4440507059896289E-2"/>
-          <c:y val="0.11569110866782713"/>
-          <c:w val="0.8574719259037189"/>
-          <c:h val="0.68817983088759149"/>
-        </c:manualLayout>
-      </c:layout>
-      <c:lineChart>
-        <c:grouping val="standard"/>
-        <c:varyColors val="0"/>
-        <c:ser>
-          <c:idx val="0"/>
-          <c:order val="0"/>
-          <c:tx>
-            <c:strRef>
-              <c:f>Лист1!$B$1</c:f>
-              <c:strCache>
-                <c:ptCount val="1"/>
-                <c:pt idx="0">
-                  <c:v>Порядок возрастания</c:v>
-                </c:pt>
-              </c:strCache>
-            </c:strRef>
-          </c:tx>
-          <c:spPr>
-            <a:ln w="28575" cap="rnd">
-              <a:solidFill>
-                <a:schemeClr val="accent1"/>
-              </a:solidFill>
-              <a:round/>
-            </a:ln>
-            <a:effectLst/>
-          </c:spPr>
-          <c:marker>
-            <c:symbol val="none"/>
-          </c:marker>
-          <c:cat>
-            <c:numRef>
-              <c:f>Лист1!$A$2:$A$4</c:f>
-              <c:numCache>
-                <c:formatCode>General</c:formatCode>
-                <c:ptCount val="3"/>
-                <c:pt idx="0">
-                  <c:v>100000</c:v>
-                </c:pt>
-                <c:pt idx="1">
-                  <c:v>5000000</c:v>
-                </c:pt>
-                <c:pt idx="2">
-                  <c:v>10000000</c:v>
-                </c:pt>
-              </c:numCache>
-            </c:numRef>
-          </c:cat>
-          <c:val>
-            <c:numRef>
-              <c:f>Лист1!$B$2:$B$4</c:f>
-              <c:numCache>
-                <c:formatCode>General</c:formatCode>
-                <c:ptCount val="3"/>
-                <c:pt idx="0">
-                  <c:v>1370</c:v>
-                </c:pt>
-                <c:pt idx="1">
-                  <c:v>17150</c:v>
-                </c:pt>
-                <c:pt idx="2">
-                  <c:v>41000</c:v>
-                </c:pt>
-              </c:numCache>
-            </c:numRef>
-          </c:val>
-          <c:smooth val="1"/>
-          <c:extLst>
-            <c:ext xmlns:c16="http://schemas.microsoft.com/office/drawing/2014/chart" uri="{C3380CC4-5D6E-409C-BE32-E72D297353CC}">
-              <c16:uniqueId val="{00000000-9323-4981-A0CB-E06C8F62C227}"/>
-            </c:ext>
-          </c:extLst>
-        </c:ser>
-        <c:ser>
-          <c:idx val="1"/>
-          <c:order val="1"/>
-          <c:tx>
-            <c:strRef>
-              <c:f>Лист1!$C$1</c:f>
-              <c:strCache>
-                <c:ptCount val="1"/>
-                <c:pt idx="0">
-                  <c:v>Обратный порядок</c:v>
-                </c:pt>
-              </c:strCache>
-            </c:strRef>
-          </c:tx>
-          <c:spPr>
-            <a:ln w="28575" cap="rnd">
-              <a:solidFill>
-                <a:schemeClr val="accent2"/>
-              </a:solidFill>
-              <a:round/>
-            </a:ln>
-            <a:effectLst/>
-          </c:spPr>
-          <c:marker>
-            <c:symbol val="none"/>
-          </c:marker>
-          <c:cat>
-            <c:numRef>
-              <c:f>Лист1!$A$2:$A$4</c:f>
-              <c:numCache>
-                <c:formatCode>General</c:formatCode>
-                <c:ptCount val="3"/>
-                <c:pt idx="0">
-                  <c:v>100000</c:v>
-                </c:pt>
-                <c:pt idx="1">
-                  <c:v>5000000</c:v>
-                </c:pt>
-                <c:pt idx="2">
-                  <c:v>10000000</c:v>
-                </c:pt>
-              </c:numCache>
-            </c:numRef>
-          </c:cat>
-          <c:val>
-            <c:numRef>
-              <c:f>Лист1!$C$2:$C$4</c:f>
-              <c:numCache>
-                <c:formatCode>General</c:formatCode>
-                <c:ptCount val="3"/>
-                <c:pt idx="0">
-                  <c:v>1300</c:v>
-                </c:pt>
-                <c:pt idx="1">
-                  <c:v>11000</c:v>
-                </c:pt>
-                <c:pt idx="2">
-                  <c:v>36000</c:v>
-                </c:pt>
-              </c:numCache>
-            </c:numRef>
-          </c:val>
-          <c:smooth val="1"/>
-          <c:extLst>
-            <c:ext xmlns:c16="http://schemas.microsoft.com/office/drawing/2014/chart" uri="{C3380CC4-5D6E-409C-BE32-E72D297353CC}">
-              <c16:uniqueId val="{00000001-9323-4981-A0CB-E06C8F62C227}"/>
-            </c:ext>
-          </c:extLst>
-        </c:ser>
-        <c:ser>
-          <c:idx val="2"/>
-          <c:order val="2"/>
-          <c:tx>
-            <c:strRef>
-              <c:f>Лист1!$D$1</c:f>
-              <c:strCache>
-                <c:ptCount val="1"/>
-                <c:pt idx="0">
-                  <c:v>Случайный порядок</c:v>
-                </c:pt>
-              </c:strCache>
-            </c:strRef>
-          </c:tx>
-          <c:spPr>
-            <a:ln w="28575" cap="rnd">
-              <a:solidFill>
-                <a:schemeClr val="accent3"/>
-              </a:solidFill>
-              <a:round/>
-            </a:ln>
-            <a:effectLst/>
-          </c:spPr>
-          <c:marker>
-            <c:symbol val="none"/>
-          </c:marker>
-          <c:cat>
-            <c:numRef>
-              <c:f>Лист1!$A$2:$A$4</c:f>
-              <c:numCache>
-                <c:formatCode>General</c:formatCode>
-                <c:ptCount val="3"/>
-                <c:pt idx="0">
-                  <c:v>100000</c:v>
-                </c:pt>
-                <c:pt idx="1">
-                  <c:v>5000000</c:v>
-                </c:pt>
-                <c:pt idx="2">
-                  <c:v>10000000</c:v>
-                </c:pt>
-              </c:numCache>
-            </c:numRef>
-          </c:cat>
-          <c:val>
-            <c:numRef>
-              <c:f>Лист1!$D$2:$D$4</c:f>
-              <c:numCache>
-                <c:formatCode>General</c:formatCode>
-                <c:ptCount val="3"/>
-                <c:pt idx="0">
-                  <c:v>3250</c:v>
-                </c:pt>
-                <c:pt idx="1">
-                  <c:v>23730</c:v>
-                </c:pt>
-                <c:pt idx="2">
-                  <c:v>60000</c:v>
-                </c:pt>
-              </c:numCache>
-            </c:numRef>
-          </c:val>
-          <c:smooth val="1"/>
-          <c:extLst>
-            <c:ext xmlns:c16="http://schemas.microsoft.com/office/drawing/2014/chart" uri="{C3380CC4-5D6E-409C-BE32-E72D297353CC}">
-              <c16:uniqueId val="{00000002-9323-4981-A0CB-E06C8F62C227}"/>
-            </c:ext>
-          </c:extLst>
-        </c:ser>
-        <c:ser>
-          <c:idx val="3"/>
-          <c:order val="3"/>
-          <c:tx>
-            <c:strRef>
-              <c:f>Лист1!$E$1</c:f>
-              <c:strCache>
-                <c:ptCount val="1"/>
-                <c:pt idx="0">
-                  <c:v>Одно число</c:v>
-                </c:pt>
-              </c:strCache>
-            </c:strRef>
-          </c:tx>
-          <c:spPr>
-            <a:ln w="28575" cap="rnd">
-              <a:solidFill>
-                <a:schemeClr val="accent4"/>
-              </a:solidFill>
-              <a:round/>
-            </a:ln>
-            <a:effectLst/>
-          </c:spPr>
-          <c:marker>
-            <c:symbol val="none"/>
-          </c:marker>
-          <c:cat>
-            <c:numRef>
-              <c:f>Лист1!$A$2:$A$4</c:f>
-              <c:numCache>
-                <c:formatCode>General</c:formatCode>
-                <c:ptCount val="3"/>
-                <c:pt idx="0">
-                  <c:v>100000</c:v>
-                </c:pt>
-                <c:pt idx="1">
-                  <c:v>5000000</c:v>
-                </c:pt>
-                <c:pt idx="2">
-                  <c:v>10000000</c:v>
-                </c:pt>
-              </c:numCache>
-            </c:numRef>
-          </c:cat>
-          <c:val>
-            <c:numRef>
-              <c:f>Лист1!$E$2:$E$4</c:f>
-              <c:numCache>
-                <c:formatCode>General</c:formatCode>
-                <c:ptCount val="3"/>
-                <c:pt idx="0">
-                  <c:v>9</c:v>
-                </c:pt>
-                <c:pt idx="1">
-                  <c:v>46</c:v>
-                </c:pt>
-                <c:pt idx="2">
-                  <c:v>0.2</c:v>
-                </c:pt>
-              </c:numCache>
-            </c:numRef>
-          </c:val>
-          <c:smooth val="1"/>
-          <c:extLst>
-            <c:ext xmlns:c16="http://schemas.microsoft.com/office/drawing/2014/chart" uri="{C3380CC4-5D6E-409C-BE32-E72D297353CC}">
-              <c16:uniqueId val="{00000003-9323-4981-A0CB-E06C8F62C227}"/>
-            </c:ext>
-          </c:extLst>
-        </c:ser>
-        <c:dLbls>
-          <c:showLegendKey val="0"/>
-          <c:showVal val="0"/>
-          <c:showCatName val="0"/>
-          <c:showSerName val="0"/>
-          <c:showPercent val="0"/>
-          <c:showBubbleSize val="0"/>
-        </c:dLbls>
-        <c:smooth val="0"/>
-        <c:axId val="1002873392"/>
-        <c:axId val="1002878800"/>
-      </c:lineChart>
-      <c:catAx>
-        <c:axId val="1002873392"/>
-        <c:scaling>
-          <c:orientation val="minMax"/>
-        </c:scaling>
-        <c:delete val="0"/>
-        <c:axPos val="b"/>
-        <c:title>
-          <c:tx>
-            <c:rich>
-              <a:bodyPr rot="0" spcFirstLastPara="1" vertOverflow="ellipsis" vert="horz" wrap="square" anchor="ctr" anchorCtr="1"/>
-              <a:lstStyle/>
-              <a:p>
-                <a:pPr>
-                  <a:defRPr sz="1600" b="0" i="0" u="none" strike="noStrike" kern="1200" baseline="0">
-                    <a:solidFill>
-                      <a:schemeClr val="tx1">
-                        <a:lumMod val="65000"/>
-                        <a:lumOff val="35000"/>
-                      </a:schemeClr>
-                    </a:solidFill>
-                    <a:latin typeface="+mn-lt"/>
-                    <a:ea typeface="+mn-ea"/>
-                    <a:cs typeface="+mn-cs"/>
-                  </a:defRPr>
-                </a:pPr>
-                <a:r>
-                  <a:rPr lang="ru-RU" sz="1600" dirty="0"/>
-                  <a:t>Количество</a:t>
-                </a:r>
-                <a:r>
-                  <a:rPr lang="ru-RU" sz="1600" baseline="0" dirty="0"/>
-                  <a:t> элементов</a:t>
-                </a:r>
-                <a:endParaRPr lang="ru-RU" sz="1600" dirty="0"/>
-              </a:p>
-            </c:rich>
-          </c:tx>
-          <c:overlay val="0"/>
-          <c:spPr>
-            <a:noFill/>
-            <a:ln>
-              <a:noFill/>
-            </a:ln>
-            <a:effectLst/>
-          </c:spPr>
-          <c:txPr>
-            <a:bodyPr rot="0" spcFirstLastPara="1" vertOverflow="ellipsis" vert="horz" wrap="square" anchor="ctr" anchorCtr="1"/>
-            <a:lstStyle/>
-            <a:p>
-              <a:pPr>
-                <a:defRPr sz="1600" b="0" i="0" u="none" strike="noStrike" kern="1200" baseline="0">
-                  <a:solidFill>
-                    <a:schemeClr val="tx1">
-                      <a:lumMod val="65000"/>
-                      <a:lumOff val="35000"/>
-                    </a:schemeClr>
-                  </a:solidFill>
-                  <a:latin typeface="+mn-lt"/>
-                  <a:ea typeface="+mn-ea"/>
-                  <a:cs typeface="+mn-cs"/>
-                </a:defRPr>
-              </a:pPr>
-              <a:endParaRPr lang="ru-RU"/>
-            </a:p>
-          </c:txPr>
-        </c:title>
-        <c:numFmt formatCode="General" sourceLinked="1"/>
-        <c:majorTickMark val="none"/>
-        <c:minorTickMark val="none"/>
-        <c:tickLblPos val="nextTo"/>
-        <c:spPr>
-          <a:noFill/>
-          <a:ln w="9525" cap="flat" cmpd="sng" algn="ctr">
-            <a:solidFill>
-              <a:schemeClr val="tx1">
-                <a:lumMod val="15000"/>
-                <a:lumOff val="85000"/>
-              </a:schemeClr>
-            </a:solidFill>
-            <a:round/>
-          </a:ln>
-          <a:effectLst/>
-        </c:spPr>
-        <c:txPr>
-          <a:bodyPr rot="-60000000" spcFirstLastPara="1" vertOverflow="ellipsis" vert="horz" wrap="square" anchor="ctr" anchorCtr="1"/>
-          <a:lstStyle/>
-          <a:p>
-            <a:pPr>
-              <a:defRPr sz="1197" b="0" i="0" u="none" strike="noStrike" kern="1200" baseline="0">
-                <a:solidFill>
-                  <a:schemeClr val="tx1">
-                    <a:lumMod val="65000"/>
-                    <a:lumOff val="35000"/>
-                  </a:schemeClr>
-                </a:solidFill>
-                <a:latin typeface="+mn-lt"/>
-                <a:ea typeface="+mn-ea"/>
-                <a:cs typeface="+mn-cs"/>
-              </a:defRPr>
-            </a:pPr>
-            <a:endParaRPr lang="ru-RU"/>
-          </a:p>
-        </c:txPr>
-        <c:crossAx val="1002878800"/>
-        <c:crosses val="autoZero"/>
-        <c:auto val="1"/>
-        <c:lblAlgn val="ctr"/>
-        <c:lblOffset val="100"/>
-        <c:noMultiLvlLbl val="0"/>
-      </c:catAx>
-      <c:valAx>
-        <c:axId val="1002878800"/>
-        <c:scaling>
-          <c:orientation val="minMax"/>
-        </c:scaling>
-        <c:delete val="0"/>
-        <c:axPos val="l"/>
-        <c:majorGridlines>
-          <c:spPr>
-            <a:ln w="9525" cap="flat" cmpd="sng" algn="ctr">
-              <a:solidFill>
-                <a:schemeClr val="tx1">
-                  <a:lumMod val="15000"/>
-                  <a:lumOff val="85000"/>
-                </a:schemeClr>
-              </a:solidFill>
-              <a:round/>
-            </a:ln>
-            <a:effectLst/>
-          </c:spPr>
-        </c:majorGridlines>
-        <c:title>
-          <c:tx>
-            <c:rich>
-              <a:bodyPr rot="-5400000" spcFirstLastPara="1" vertOverflow="ellipsis" vert="horz" wrap="square" anchor="ctr" anchorCtr="1"/>
-              <a:lstStyle/>
-              <a:p>
-                <a:pPr>
-                  <a:defRPr sz="1800" b="0" i="0" u="none" strike="noStrike" kern="1200" baseline="0">
-                    <a:solidFill>
-                      <a:schemeClr val="tx1">
-                        <a:lumMod val="65000"/>
-                        <a:lumOff val="35000"/>
-                      </a:schemeClr>
-                    </a:solidFill>
-                    <a:latin typeface="+mn-lt"/>
-                    <a:ea typeface="+mn-ea"/>
-                    <a:cs typeface="+mn-cs"/>
-                  </a:defRPr>
-                </a:pPr>
-                <a:r>
-                  <a:rPr lang="ru-RU" sz="1800" dirty="0"/>
-                  <a:t>мс</a:t>
-                </a:r>
-              </a:p>
-            </c:rich>
-          </c:tx>
-          <c:layout>
-            <c:manualLayout>
-              <c:xMode val="edge"/>
-              <c:yMode val="edge"/>
-              <c:x val="4.4584012476485213E-3"/>
-              <c:y val="0.4588171392760842"/>
-            </c:manualLayout>
-          </c:layout>
-          <c:overlay val="0"/>
-          <c:spPr>
-            <a:noFill/>
-            <a:ln>
-              <a:noFill/>
-            </a:ln>
-            <a:effectLst/>
-          </c:spPr>
-          <c:txPr>
-            <a:bodyPr rot="-5400000" spcFirstLastPara="1" vertOverflow="ellipsis" vert="horz" wrap="square" anchor="ctr" anchorCtr="1"/>
-            <a:lstStyle/>
-            <a:p>
-              <a:pPr>
-                <a:defRPr sz="1800" b="0" i="0" u="none" strike="noStrike" kern="1200" baseline="0">
-                  <a:solidFill>
-                    <a:schemeClr val="tx1">
-                      <a:lumMod val="65000"/>
-                      <a:lumOff val="35000"/>
-                    </a:schemeClr>
-                  </a:solidFill>
-                  <a:latin typeface="+mn-lt"/>
-                  <a:ea typeface="+mn-ea"/>
-                  <a:cs typeface="+mn-cs"/>
-                </a:defRPr>
-              </a:pPr>
-              <a:endParaRPr lang="ru-RU"/>
-            </a:p>
-          </c:txPr>
-        </c:title>
-        <c:numFmt formatCode="General" sourceLinked="1"/>
-        <c:majorTickMark val="none"/>
-        <c:minorTickMark val="none"/>
-        <c:tickLblPos val="nextTo"/>
-        <c:spPr>
-          <a:noFill/>
-          <a:ln>
-            <a:noFill/>
-          </a:ln>
-          <a:effectLst/>
-        </c:spPr>
-        <c:txPr>
-          <a:bodyPr rot="-60000000" spcFirstLastPara="1" vertOverflow="ellipsis" vert="horz" wrap="square" anchor="ctr" anchorCtr="1"/>
-          <a:lstStyle/>
-          <a:p>
-            <a:pPr>
-              <a:defRPr sz="1197" b="0" i="0" u="none" strike="noStrike" kern="1200" baseline="0">
-                <a:solidFill>
-                  <a:schemeClr val="tx1">
-                    <a:lumMod val="65000"/>
-                    <a:lumOff val="35000"/>
-                  </a:schemeClr>
-                </a:solidFill>
-                <a:latin typeface="+mn-lt"/>
-                <a:ea typeface="+mn-ea"/>
-                <a:cs typeface="+mn-cs"/>
-              </a:defRPr>
-            </a:pPr>
-            <a:endParaRPr lang="ru-RU"/>
-          </a:p>
-        </c:txPr>
-        <c:crossAx val="1002873392"/>
-        <c:crosses val="autoZero"/>
-        <c:crossBetween val="between"/>
-      </c:valAx>
-      <c:spPr>
-        <a:noFill/>
-        <a:ln>
-          <a:noFill/>
-        </a:ln>
-        <a:effectLst/>
-      </c:spPr>
-    </c:plotArea>
-    <c:legend>
-      <c:legendPos val="b"/>
-      <c:layout>
-        <c:manualLayout>
-          <c:xMode val="edge"/>
-          <c:yMode val="edge"/>
-          <c:x val="0.15803280645634057"/>
-          <c:y val="0.8924783704399385"/>
-          <c:w val="0.75851711218011963"/>
-          <c:h val="9.3459114017272096E-2"/>
-        </c:manualLayout>
-      </c:layout>
-      <c:overlay val="0"/>
-      <c:spPr>
-        <a:noFill/>
-        <a:ln>
-          <a:noFill/>
-        </a:ln>
-        <a:effectLst/>
-      </c:spPr>
-      <c:txPr>
-        <a:bodyPr rot="0" spcFirstLastPara="1" vertOverflow="ellipsis" vert="horz" wrap="square" anchor="ctr" anchorCtr="1"/>
-        <a:lstStyle/>
-        <a:p>
-          <a:pPr>
-            <a:defRPr sz="1600" b="0" i="0" u="none" strike="noStrike" kern="1200" baseline="0">
-              <a:solidFill>
-                <a:schemeClr val="tx1">
-                  <a:lumMod val="65000"/>
-                  <a:lumOff val="35000"/>
-                </a:schemeClr>
-              </a:solidFill>
-              <a:latin typeface="+mn-lt"/>
-              <a:ea typeface="+mn-ea"/>
-              <a:cs typeface="+mn-cs"/>
-            </a:defRPr>
-          </a:pPr>
-          <a:endParaRPr lang="ru-RU"/>
-        </a:p>
-      </c:txPr>
-    </c:legend>
-    <c:plotVisOnly val="1"/>
-    <c:dispBlanksAs val="gap"/>
-    <c:extLst>
-      <c:ext xmlns:c16r3="http://schemas.microsoft.com/office/drawing/2017/03/chart" uri="{56B9EC1D-385E-4148-901F-78D8002777C0}">
-        <c16r3:dataDisplayOptions16>
-          <c16r3:dispNaAsBlank val="1"/>
-        </c16r3:dataDisplayOptions16>
-      </c:ext>
-    </c:extLst>
-    <c:showDLblsOverMax val="0"/>
-  </c:chart>
-  <c:spPr>
-    <a:noFill/>
-    <a:ln>
-      <a:noFill/>
-    </a:ln>
-    <a:effectLst/>
-  </c:spPr>
-  <c:txPr>
-    <a:bodyPr/>
-    <a:lstStyle/>
-    <a:p>
-      <a:pPr>
-        <a:defRPr/>
-      </a:pPr>
-      <a:endParaRPr lang="ru-RU"/>
-    </a:p>
-  </c:txPr>
-  <c:externalData r:id="rId3">
-    <c:autoUpdate val="0"/>
-  </c:externalData>
-</c:chartSpace>
-</file>
-
-<file path=ppt/charts/colors1.xml><?xml version="1.0" encoding="utf-8"?>
-<cs:colorStyle xmlns:cs="http://schemas.microsoft.com/office/drawing/2012/chartStyle" xmlns:a="http://schemas.openxmlformats.org/drawingml/2006/main" meth="cycle" id="10">
-  <a:schemeClr val="accent1"/>
-  <a:schemeClr val="accent2"/>
-  <a:schemeClr val="accent3"/>
-  <a:schemeClr val="accent4"/>
-  <a:schemeClr val="accent5"/>
-  <a:schemeClr val="accent6"/>
-  <cs:variation/>
-  <cs:variation>
-    <a:lumMod val="60000"/>
-  </cs:variation>
-  <cs:variation>
-    <a:lumMod val="80000"/>
-    <a:lumOff val="20000"/>
-  </cs:variation>
-  <cs:variation>
-    <a:lumMod val="80000"/>
-  </cs:variation>
-  <cs:variation>
-    <a:lumMod val="60000"/>
-    <a:lumOff val="40000"/>
-  </cs:variation>
-  <cs:variation>
-    <a:lumMod val="50000"/>
-  </cs:variation>
-  <cs:variation>
-    <a:lumMod val="70000"/>
-    <a:lumOff val="30000"/>
-  </cs:variation>
-  <cs:variation>
-    <a:lumMod val="70000"/>
-  </cs:variation>
-  <cs:variation>
-    <a:lumMod val="50000"/>
-    <a:lumOff val="50000"/>
-  </cs:variation>
-</cs:colorStyle>
-</file>
-
-<file path=ppt/charts/colors2.xml><?xml version="1.0" encoding="utf-8"?>
-<cs:colorStyle xmlns:cs="http://schemas.microsoft.com/office/drawing/2012/chartStyle" xmlns:a="http://schemas.openxmlformats.org/drawingml/2006/main" meth="cycle" id="10">
-  <a:schemeClr val="accent1"/>
-  <a:schemeClr val="accent2"/>
-  <a:schemeClr val="accent3"/>
-  <a:schemeClr val="accent4"/>
-  <a:schemeClr val="accent5"/>
-  <a:schemeClr val="accent6"/>
-  <cs:variation/>
-  <cs:variation>
-    <a:lumMod val="60000"/>
-  </cs:variation>
-  <cs:variation>
-    <a:lumMod val="80000"/>
-    <a:lumOff val="20000"/>
-  </cs:variation>
-  <cs:variation>
-    <a:lumMod val="80000"/>
-  </cs:variation>
-  <cs:variation>
-    <a:lumMod val="60000"/>
-    <a:lumOff val="40000"/>
-  </cs:variation>
-  <cs:variation>
-    <a:lumMod val="50000"/>
-  </cs:variation>
-  <cs:variation>
-    <a:lumMod val="70000"/>
-    <a:lumOff val="30000"/>
-  </cs:variation>
-  <cs:variation>
-    <a:lumMod val="70000"/>
-  </cs:variation>
-  <cs:variation>
-    <a:lumMod val="50000"/>
-    <a:lumOff val="50000"/>
-  </cs:variation>
-</cs:colorStyle>
-</file>
-
-<file path=ppt/charts/style1.xml><?xml version="1.0" encoding="utf-8"?>
-<cs:chartStyle xmlns:cs="http://schemas.microsoft.com/office/drawing/2012/chartStyle" xmlns:a="http://schemas.openxmlformats.org/drawingml/2006/main" id="227">
-  <cs:axisTitle>
-    <cs:lnRef idx="0"/>
-    <cs:fillRef idx="0"/>
-    <cs:effectRef idx="0"/>
-    <cs:fontRef idx="minor">
-      <a:schemeClr val="tx1">
-        <a:lumMod val="65000"/>
-        <a:lumOff val="35000"/>
-      </a:schemeClr>
-    </cs:fontRef>
-    <cs:defRPr sz="1330" kern="1200"/>
-  </cs:axisTitle>
-  <cs:categoryAxis>
-    <cs:lnRef idx="0"/>
-    <cs:fillRef idx="0"/>
-    <cs:effectRef idx="0"/>
-    <cs:fontRef idx="minor">
-      <a:schemeClr val="tx1">
-        <a:lumMod val="65000"/>
-        <a:lumOff val="35000"/>
-      </a:schemeClr>
-    </cs:fontRef>
-    <cs:spPr>
-      <a:ln w="9525" cap="flat" cmpd="sng" algn="ctr">
-        <a:solidFill>
-          <a:schemeClr val="tx1">
-            <a:lumMod val="15000"/>
-            <a:lumOff val="85000"/>
-          </a:schemeClr>
-        </a:solidFill>
-        <a:round/>
-      </a:ln>
-    </cs:spPr>
-    <cs:defRPr sz="1197" kern="1200"/>
-  </cs:categoryAxis>
-  <cs:chartArea mods="allowNoFillOverride allowNoLineOverride">
-    <cs:lnRef idx="0"/>
-    <cs:fillRef idx="0"/>
-    <cs:effectRef idx="0"/>
-    <cs:fontRef idx="minor">
-      <a:schemeClr val="tx1"/>
-    </cs:fontRef>
-    <cs:spPr>
-      <a:solidFill>
-        <a:schemeClr val="bg1"/>
-      </a:solidFill>
-      <a:ln w="9525" cap="flat" cmpd="sng" algn="ctr">
-        <a:solidFill>
-          <a:schemeClr val="tx1">
-            <a:lumMod val="15000"/>
-            <a:lumOff val="85000"/>
-          </a:schemeClr>
-        </a:solidFill>
-        <a:round/>
-      </a:ln>
-    </cs:spPr>
-    <cs:defRPr sz="1330" kern="1200"/>
-  </cs:chartArea>
-  <cs:dataLabel>
-    <cs:lnRef idx="0"/>
-    <cs:fillRef idx="0"/>
-    <cs:effectRef idx="0"/>
-    <cs:fontRef idx="minor">
-      <a:schemeClr val="tx1">
-        <a:lumMod val="75000"/>
-        <a:lumOff val="25000"/>
-      </a:schemeClr>
-    </cs:fontRef>
-    <cs:defRPr sz="1197" kern="1200"/>
-  </cs:dataLabel>
-  <cs:dataLabelCallout>
-    <cs:lnRef idx="0"/>
-    <cs:fillRef idx="0"/>
-    <cs:effectRef idx="0"/>
-    <cs:fontRef idx="minor">
-      <a:schemeClr val="dk1">
-        <a:lumMod val="65000"/>
-        <a:lumOff val="35000"/>
-      </a:schemeClr>
-    </cs:fontRef>
-    <cs:spPr>
-      <a:solidFill>
-        <a:schemeClr val="lt1"/>
-      </a:solidFill>
-      <a:ln>
-        <a:solidFill>
-          <a:schemeClr val="dk1">
-            <a:lumMod val="25000"/>
-            <a:lumOff val="75000"/>
-          </a:schemeClr>
-        </a:solidFill>
-      </a:ln>
-    </cs:spPr>
-    <cs:defRPr sz="1197" kern="1200"/>
-    <cs:bodyPr rot="0" spcFirstLastPara="1" vertOverflow="clip" horzOverflow="clip" vert="horz" wrap="square" lIns="36576" tIns="18288" rIns="36576" bIns="18288" anchor="ctr" anchorCtr="1">
-      <a:spAutoFit/>
-    </cs:bodyPr>
-  </cs:dataLabelCallout>
-  <cs:dataPoint>
-    <cs:lnRef idx="0"/>
-    <cs:fillRef idx="1">
-      <cs:styleClr val="auto"/>
-    </cs:fillRef>
-    <cs:effectRef idx="0"/>
-    <cs:fontRef idx="minor">
-      <a:schemeClr val="tx1"/>
-    </cs:fontRef>
-    <cs:spPr>
-      <a:solidFill>
-        <a:schemeClr val="phClr"/>
-      </a:solidFill>
-    </cs:spPr>
-  </cs:dataPoint>
-  <cs:dataPoint3D>
-    <cs:lnRef idx="0"/>
-    <cs:fillRef idx="1">
-      <cs:styleClr val="auto"/>
-    </cs:fillRef>
-    <cs:effectRef idx="0"/>
-    <cs:fontRef idx="minor">
-      <a:schemeClr val="tx1"/>
-    </cs:fontRef>
-    <cs:spPr>
-      <a:solidFill>
-        <a:schemeClr val="phClr"/>
-      </a:solidFill>
-    </cs:spPr>
-  </cs:dataPoint3D>
-  <cs:dataPointLine>
-    <cs:lnRef idx="0">
-      <cs:styleClr val="auto"/>
-    </cs:lnRef>
-    <cs:fillRef idx="1"/>
-    <cs:effectRef idx="0"/>
-    <cs:fontRef idx="minor">
-      <a:schemeClr val="tx1"/>
-    </cs:fontRef>
-    <cs:spPr>
-      <a:ln w="28575" cap="rnd">
-        <a:solidFill>
-          <a:schemeClr val="phClr"/>
-        </a:solidFill>
-        <a:round/>
-      </a:ln>
-    </cs:spPr>
-  </cs:dataPointLine>
-  <cs:dataPointMarker>
-    <cs:lnRef idx="0">
-      <cs:styleClr val="auto"/>
-    </cs:lnRef>
-    <cs:fillRef idx="1">
-      <cs:styleClr val="auto"/>
-    </cs:fillRef>
-    <cs:effectRef idx="0"/>
-    <cs:fontRef idx="minor">
-      <a:schemeClr val="tx1"/>
-    </cs:fontRef>
-    <cs:spPr>
-      <a:solidFill>
-        <a:schemeClr val="phClr"/>
-      </a:solidFill>
-      <a:ln w="9525">
-        <a:solidFill>
-          <a:schemeClr val="phClr"/>
-        </a:solidFill>
-      </a:ln>
-    </cs:spPr>
-  </cs:dataPointMarker>
-  <cs:dataPointMarkerLayout symbol="circle" size="5"/>
-  <cs:dataPointWireframe>
-    <cs:lnRef idx="0">
-      <cs:styleClr val="auto"/>
-    </cs:lnRef>
-    <cs:fillRef idx="1"/>
-    <cs:effectRef idx="0"/>
-    <cs:fontRef idx="minor">
-      <a:schemeClr val="tx1"/>
-    </cs:fontRef>
-    <cs:spPr>
-      <a:ln w="9525" cap="rnd">
-        <a:solidFill>
-          <a:schemeClr val="phClr"/>
-        </a:solidFill>
-        <a:round/>
-      </a:ln>
-    </cs:spPr>
-  </cs:dataPointWireframe>
-  <cs:dataTable>
-    <cs:lnRef idx="0"/>
-    <cs:fillRef idx="0"/>
-    <cs:effectRef idx="0"/>
-    <cs:fontRef idx="minor">
-      <a:schemeClr val="tx1">
-        <a:lumMod val="65000"/>
-        <a:lumOff val="35000"/>
-      </a:schemeClr>
-    </cs:fontRef>
-    <cs:spPr>
-      <a:noFill/>
-      <a:ln w="9525" cap="flat" cmpd="sng" algn="ctr">
-        <a:solidFill>
-          <a:schemeClr val="tx1">
-            <a:lumMod val="15000"/>
-            <a:lumOff val="85000"/>
-          </a:schemeClr>
-        </a:solidFill>
-        <a:round/>
-      </a:ln>
-    </cs:spPr>
-    <cs:defRPr sz="1197" kern="1200"/>
-  </cs:dataTable>
-  <cs:downBar>
-    <cs:lnRef idx="0"/>
-    <cs:fillRef idx="0"/>
-    <cs:effectRef idx="0"/>
-    <cs:fontRef idx="minor">
-      <a:schemeClr val="dk1"/>
-    </cs:fontRef>
-    <cs:spPr>
-      <a:solidFill>
-        <a:schemeClr val="dk1">
-          <a:lumMod val="65000"/>
-          <a:lumOff val="35000"/>
-        </a:schemeClr>
-      </a:solidFill>
-      <a:ln w="9525">
-        <a:solidFill>
-          <a:schemeClr val="tx1">
-            <a:lumMod val="65000"/>
-            <a:lumOff val="35000"/>
-          </a:schemeClr>
-        </a:solidFill>
-      </a:ln>
-    </cs:spPr>
-  </cs:downBar>
-  <cs:dropLine>
-    <cs:lnRef idx="0"/>
-    <cs:fillRef idx="0"/>
-    <cs:effectRef idx="0"/>
-    <cs:fontRef idx="minor">
-      <a:schemeClr val="tx1"/>
-    </cs:fontRef>
-    <cs:spPr>
-      <a:ln w="9525" cap="flat" cmpd="sng" algn="ctr">
-        <a:solidFill>
-          <a:schemeClr val="tx1">
-            <a:lumMod val="35000"/>
-            <a:lumOff val="65000"/>
-          </a:schemeClr>
-        </a:solidFill>
-        <a:round/>
-      </a:ln>
-    </cs:spPr>
-  </cs:dropLine>
-  <cs:errorBar>
-    <cs:lnRef idx="0"/>
-    <cs:fillRef idx="0"/>
-    <cs:effectRef idx="0"/>
-    <cs:fontRef idx="minor">
-      <a:schemeClr val="tx1"/>
-    </cs:fontRef>
-    <cs:spPr>
-      <a:ln w="9525" cap="flat" cmpd="sng" algn="ctr">
-        <a:solidFill>
-          <a:schemeClr val="tx1">
-            <a:lumMod val="65000"/>
-            <a:lumOff val="35000"/>
-          </a:schemeClr>
-        </a:solidFill>
-        <a:round/>
-      </a:ln>
-    </cs:spPr>
-  </cs:errorBar>
-  <cs:floor>
-    <cs:lnRef idx="0"/>
-    <cs:fillRef idx="0"/>
-    <cs:effectRef idx="0"/>
-    <cs:fontRef idx="minor">
-      <a:schemeClr val="tx1"/>
-    </cs:fontRef>
-    <cs:spPr>
-      <a:noFill/>
-      <a:ln>
-        <a:noFill/>
-      </a:ln>
-    </cs:spPr>
-  </cs:floor>
-  <cs:gridlineMajor>
-    <cs:lnRef idx="0"/>
-    <cs:fillRef idx="0"/>
-    <cs:effectRef idx="0"/>
-    <cs:fontRef idx="minor">
-      <a:schemeClr val="tx1"/>
-    </cs:fontRef>
-    <cs:spPr>
-      <a:ln w="9525" cap="flat" cmpd="sng" algn="ctr">
-        <a:solidFill>
-          <a:schemeClr val="tx1">
-            <a:lumMod val="15000"/>
-            <a:lumOff val="85000"/>
-          </a:schemeClr>
-        </a:solidFill>
-        <a:round/>
-      </a:ln>
-    </cs:spPr>
-  </cs:gridlineMajor>
-  <cs:gridlineMinor>
-    <cs:lnRef idx="0"/>
-    <cs:fillRef idx="0"/>
-    <cs:effectRef idx="0"/>
-    <cs:fontRef idx="minor">
-      <a:schemeClr val="tx1"/>
-    </cs:fontRef>
-    <cs:spPr>
-      <a:ln w="9525" cap="flat" cmpd="sng" algn="ctr">
-        <a:solidFill>
-          <a:schemeClr val="tx1">
-            <a:lumMod val="5000"/>
-            <a:lumOff val="95000"/>
-          </a:schemeClr>
-        </a:solidFill>
-        <a:round/>
-      </a:ln>
-    </cs:spPr>
-  </cs:gridlineMinor>
-  <cs:hiLoLine>
-    <cs:lnRef idx="0"/>
-    <cs:fillRef idx="0"/>
-    <cs:effectRef idx="0"/>
-    <cs:fontRef idx="minor">
-      <a:schemeClr val="tx1"/>
-    </cs:fontRef>
-    <cs:spPr>
-      <a:ln w="9525" cap="flat" cmpd="sng" algn="ctr">
-        <a:solidFill>
-          <a:schemeClr val="tx1">
-            <a:lumMod val="75000"/>
-            <a:lumOff val="25000"/>
-          </a:schemeClr>
-        </a:solidFill>
-        <a:round/>
-      </a:ln>
-    </cs:spPr>
-  </cs:hiLoLine>
-  <cs:leaderLine>
-    <cs:lnRef idx="0"/>
-    <cs:fillRef idx="0"/>
-    <cs:effectRef idx="0"/>
-    <cs:fontRef idx="minor">
-      <a:schemeClr val="tx1"/>
-    </cs:fontRef>
-    <cs:spPr>
-      <a:ln w="9525" cap="flat" cmpd="sng" algn="ctr">
-        <a:solidFill>
-          <a:schemeClr val="tx1">
-            <a:lumMod val="35000"/>
-            <a:lumOff val="65000"/>
-          </a:schemeClr>
-        </a:solidFill>
-        <a:round/>
-      </a:ln>
-    </cs:spPr>
-  </cs:leaderLine>
-  <cs:legend>
-    <cs:lnRef idx="0"/>
-    <cs:fillRef idx="0"/>
-    <cs:effectRef idx="0"/>
-    <cs:fontRef idx="minor">
-      <a:schemeClr val="tx1">
-        <a:lumMod val="65000"/>
-        <a:lumOff val="35000"/>
-      </a:schemeClr>
-    </cs:fontRef>
-    <cs:defRPr sz="1197" kern="1200"/>
-  </cs:legend>
-  <cs:plotArea mods="allowNoFillOverride allowNoLineOverride">
-    <cs:lnRef idx="0"/>
-    <cs:fillRef idx="0"/>
-    <cs:effectRef idx="0"/>
-    <cs:fontRef idx="minor">
-      <a:schemeClr val="tx1"/>
-    </cs:fontRef>
-  </cs:plotArea>
-  <cs:plotArea3D mods="allowNoFillOverride allowNoLineOverride">
-    <cs:lnRef idx="0"/>
-    <cs:fillRef idx="0"/>
-    <cs:effectRef idx="0"/>
-    <cs:fontRef idx="minor">
-      <a:schemeClr val="tx1"/>
-    </cs:fontRef>
-  </cs:plotArea3D>
-  <cs:seriesAxis>
-    <cs:lnRef idx="0"/>
-    <cs:fillRef idx="0"/>
-    <cs:effectRef idx="0"/>
-    <cs:fontRef idx="minor">
-      <a:schemeClr val="tx1">
-        <a:lumMod val="65000"/>
-        <a:lumOff val="35000"/>
-      </a:schemeClr>
-    </cs:fontRef>
-    <cs:defRPr sz="1197" kern="1200"/>
-  </cs:seriesAxis>
-  <cs:seriesLine>
-    <cs:lnRef idx="0"/>
-    <cs:fillRef idx="0"/>
-    <cs:effectRef idx="0"/>
-    <cs:fontRef idx="minor">
-      <a:schemeClr val="tx1"/>
-    </cs:fontRef>
-    <cs:spPr>
-      <a:ln w="9525" cap="flat" cmpd="sng" algn="ctr">
-        <a:solidFill>
-          <a:schemeClr val="tx1">
-            <a:lumMod val="35000"/>
-            <a:lumOff val="65000"/>
-          </a:schemeClr>
-        </a:solidFill>
-        <a:round/>
-      </a:ln>
-    </cs:spPr>
-  </cs:seriesLine>
-  <cs:title>
-    <cs:lnRef idx="0"/>
-    <cs:fillRef idx="0"/>
-    <cs:effectRef idx="0"/>
-    <cs:fontRef idx="minor">
-      <a:schemeClr val="tx1">
-        <a:lumMod val="65000"/>
-        <a:lumOff val="35000"/>
-      </a:schemeClr>
-    </cs:fontRef>
-    <cs:defRPr sz="1862" b="0" kern="1200" spc="0" baseline="0"/>
-  </cs:title>
-  <cs:trendline>
-    <cs:lnRef idx="0">
-      <cs:styleClr val="auto"/>
-    </cs:lnRef>
-    <cs:fillRef idx="0"/>
-    <cs:effectRef idx="0"/>
-    <cs:fontRef idx="minor">
-      <a:schemeClr val="tx1"/>
-    </cs:fontRef>
-    <cs:spPr>
-      <a:ln w="19050" cap="rnd">
-        <a:solidFill>
-          <a:schemeClr val="phClr"/>
-        </a:solidFill>
-        <a:prstDash val="sysDot"/>
-      </a:ln>
-    </cs:spPr>
-  </cs:trendline>
-  <cs:trendlineLabel>
-    <cs:lnRef idx="0"/>
-    <cs:fillRef idx="0"/>
-    <cs:effectRef idx="0"/>
-    <cs:fontRef idx="minor">
-      <a:schemeClr val="tx1">
-        <a:lumMod val="65000"/>
-        <a:lumOff val="35000"/>
-      </a:schemeClr>
-    </cs:fontRef>
-    <cs:defRPr sz="1197" kern="1200"/>
-  </cs:trendlineLabel>
-  <cs:upBar>
-    <cs:lnRef idx="0"/>
-    <cs:fillRef idx="0"/>
-    <cs:effectRef idx="0"/>
-    <cs:fontRef idx="minor">
-      <a:schemeClr val="dk1"/>
-    </cs:fontRef>
-    <cs:spPr>
-      <a:solidFill>
-        <a:schemeClr val="lt1"/>
-      </a:solidFill>
-      <a:ln w="9525">
-        <a:solidFill>
-          <a:schemeClr val="tx1">
-            <a:lumMod val="15000"/>
-            <a:lumOff val="85000"/>
-          </a:schemeClr>
-        </a:solidFill>
-      </a:ln>
-    </cs:spPr>
-  </cs:upBar>
-  <cs:valueAxis>
-    <cs:lnRef idx="0"/>
-    <cs:fillRef idx="0"/>
-    <cs:effectRef idx="0"/>
-    <cs:fontRef idx="minor">
-      <a:schemeClr val="tx1">
-        <a:lumMod val="65000"/>
-        <a:lumOff val="35000"/>
-      </a:schemeClr>
-    </cs:fontRef>
-    <cs:defRPr sz="1197" kern="1200"/>
-  </cs:valueAxis>
-  <cs:wall>
-    <cs:lnRef idx="0"/>
-    <cs:fillRef idx="0"/>
-    <cs:effectRef idx="0"/>
-    <cs:fontRef idx="minor">
-      <a:schemeClr val="tx1"/>
-    </cs:fontRef>
-    <cs:spPr>
-      <a:noFill/>
-      <a:ln>
-        <a:noFill/>
-      </a:ln>
-    </cs:spPr>
-  </cs:wall>
-</cs:chartStyle>
-</file>
-
-<file path=ppt/charts/style2.xml><?xml version="1.0" encoding="utf-8"?>
-<cs:chartStyle xmlns:cs="http://schemas.microsoft.com/office/drawing/2012/chartStyle" xmlns:a="http://schemas.openxmlformats.org/drawingml/2006/main" id="227">
-  <cs:axisTitle>
-    <cs:lnRef idx="0"/>
-    <cs:fillRef idx="0"/>
-    <cs:effectRef idx="0"/>
-    <cs:fontRef idx="minor">
-      <a:schemeClr val="tx1">
-        <a:lumMod val="65000"/>
-        <a:lumOff val="35000"/>
-      </a:schemeClr>
-    </cs:fontRef>
-    <cs:defRPr sz="1330" kern="1200"/>
-  </cs:axisTitle>
-  <cs:categoryAxis>
-    <cs:lnRef idx="0"/>
-    <cs:fillRef idx="0"/>
-    <cs:effectRef idx="0"/>
-    <cs:fontRef idx="minor">
-      <a:schemeClr val="tx1">
-        <a:lumMod val="65000"/>
-        <a:lumOff val="35000"/>
-      </a:schemeClr>
-    </cs:fontRef>
-    <cs:spPr>
-      <a:ln w="9525" cap="flat" cmpd="sng" algn="ctr">
-        <a:solidFill>
-          <a:schemeClr val="tx1">
-            <a:lumMod val="15000"/>
-            <a:lumOff val="85000"/>
-          </a:schemeClr>
-        </a:solidFill>
-        <a:round/>
-      </a:ln>
-    </cs:spPr>
-    <cs:defRPr sz="1197" kern="1200"/>
-  </cs:categoryAxis>
-  <cs:chartArea mods="allowNoFillOverride allowNoLineOverride">
-    <cs:lnRef idx="0"/>
-    <cs:fillRef idx="0"/>
-    <cs:effectRef idx="0"/>
-    <cs:fontRef idx="minor">
-      <a:schemeClr val="tx1"/>
-    </cs:fontRef>
-    <cs:spPr>
-      <a:solidFill>
-        <a:schemeClr val="bg1"/>
-      </a:solidFill>
-      <a:ln w="9525" cap="flat" cmpd="sng" algn="ctr">
-        <a:solidFill>
-          <a:schemeClr val="tx1">
-            <a:lumMod val="15000"/>
-            <a:lumOff val="85000"/>
-          </a:schemeClr>
-        </a:solidFill>
-        <a:round/>
-      </a:ln>
-    </cs:spPr>
-    <cs:defRPr sz="1330" kern="1200"/>
-  </cs:chartArea>
-  <cs:dataLabel>
-    <cs:lnRef idx="0"/>
-    <cs:fillRef idx="0"/>
-    <cs:effectRef idx="0"/>
-    <cs:fontRef idx="minor">
-      <a:schemeClr val="tx1">
-        <a:lumMod val="75000"/>
-        <a:lumOff val="25000"/>
-      </a:schemeClr>
-    </cs:fontRef>
-    <cs:defRPr sz="1197" kern="1200"/>
-  </cs:dataLabel>
-  <cs:dataLabelCallout>
-    <cs:lnRef idx="0"/>
-    <cs:fillRef idx="0"/>
-    <cs:effectRef idx="0"/>
-    <cs:fontRef idx="minor">
-      <a:schemeClr val="dk1">
-        <a:lumMod val="65000"/>
-        <a:lumOff val="35000"/>
-      </a:schemeClr>
-    </cs:fontRef>
-    <cs:spPr>
-      <a:solidFill>
-        <a:schemeClr val="lt1"/>
-      </a:solidFill>
-      <a:ln>
-        <a:solidFill>
-          <a:schemeClr val="dk1">
-            <a:lumMod val="25000"/>
-            <a:lumOff val="75000"/>
-          </a:schemeClr>
-        </a:solidFill>
-      </a:ln>
-    </cs:spPr>
-    <cs:defRPr sz="1197" kern="1200"/>
-    <cs:bodyPr rot="0" spcFirstLastPara="1" vertOverflow="clip" horzOverflow="clip" vert="horz" wrap="square" lIns="36576" tIns="18288" rIns="36576" bIns="18288" anchor="ctr" anchorCtr="1">
-      <a:spAutoFit/>
-    </cs:bodyPr>
-  </cs:dataLabelCallout>
-  <cs:dataPoint>
-    <cs:lnRef idx="0"/>
-    <cs:fillRef idx="1">
-      <cs:styleClr val="auto"/>
-    </cs:fillRef>
-    <cs:effectRef idx="0"/>
-    <cs:fontRef idx="minor">
-      <a:schemeClr val="tx1"/>
-    </cs:fontRef>
-    <cs:spPr>
-      <a:solidFill>
-        <a:schemeClr val="phClr"/>
-      </a:solidFill>
-    </cs:spPr>
-  </cs:dataPoint>
-  <cs:dataPoint3D>
-    <cs:lnRef idx="0"/>
-    <cs:fillRef idx="1">
-      <cs:styleClr val="auto"/>
-    </cs:fillRef>
-    <cs:effectRef idx="0"/>
-    <cs:fontRef idx="minor">
-      <a:schemeClr val="tx1"/>
-    </cs:fontRef>
-    <cs:spPr>
-      <a:solidFill>
-        <a:schemeClr val="phClr"/>
-      </a:solidFill>
-    </cs:spPr>
-  </cs:dataPoint3D>
-  <cs:dataPointLine>
-    <cs:lnRef idx="0">
-      <cs:styleClr val="auto"/>
-    </cs:lnRef>
-    <cs:fillRef idx="1"/>
-    <cs:effectRef idx="0"/>
-    <cs:fontRef idx="minor">
-      <a:schemeClr val="tx1"/>
-    </cs:fontRef>
-    <cs:spPr>
-      <a:ln w="28575" cap="rnd">
-        <a:solidFill>
-          <a:schemeClr val="phClr"/>
-        </a:solidFill>
-        <a:round/>
-      </a:ln>
-    </cs:spPr>
-  </cs:dataPointLine>
-  <cs:dataPointMarker>
-    <cs:lnRef idx="0">
-      <cs:styleClr val="auto"/>
-    </cs:lnRef>
-    <cs:fillRef idx="1">
-      <cs:styleClr val="auto"/>
-    </cs:fillRef>
-    <cs:effectRef idx="0"/>
-    <cs:fontRef idx="minor">
-      <a:schemeClr val="tx1"/>
-    </cs:fontRef>
-    <cs:spPr>
-      <a:solidFill>
-        <a:schemeClr val="phClr"/>
-      </a:solidFill>
-      <a:ln w="9525">
-        <a:solidFill>
-          <a:schemeClr val="phClr"/>
-        </a:solidFill>
-      </a:ln>
-    </cs:spPr>
-  </cs:dataPointMarker>
-  <cs:dataPointMarkerLayout symbol="circle" size="5"/>
-  <cs:dataPointWireframe>
-    <cs:lnRef idx="0">
-      <cs:styleClr val="auto"/>
-    </cs:lnRef>
-    <cs:fillRef idx="1"/>
-    <cs:effectRef idx="0"/>
-    <cs:fontRef idx="minor">
-      <a:schemeClr val="tx1"/>
-    </cs:fontRef>
-    <cs:spPr>
-      <a:ln w="9525" cap="rnd">
-        <a:solidFill>
-          <a:schemeClr val="phClr"/>
-        </a:solidFill>
-        <a:round/>
-      </a:ln>
-    </cs:spPr>
-  </cs:dataPointWireframe>
-  <cs:dataTable>
-    <cs:lnRef idx="0"/>
-    <cs:fillRef idx="0"/>
-    <cs:effectRef idx="0"/>
-    <cs:fontRef idx="minor">
-      <a:schemeClr val="tx1">
-        <a:lumMod val="65000"/>
-        <a:lumOff val="35000"/>
-      </a:schemeClr>
-    </cs:fontRef>
-    <cs:spPr>
-      <a:noFill/>
-      <a:ln w="9525" cap="flat" cmpd="sng" algn="ctr">
-        <a:solidFill>
-          <a:schemeClr val="tx1">
-            <a:lumMod val="15000"/>
-            <a:lumOff val="85000"/>
-          </a:schemeClr>
-        </a:solidFill>
-        <a:round/>
-      </a:ln>
-    </cs:spPr>
-    <cs:defRPr sz="1197" kern="1200"/>
-  </cs:dataTable>
-  <cs:downBar>
-    <cs:lnRef idx="0"/>
-    <cs:fillRef idx="0"/>
-    <cs:effectRef idx="0"/>
-    <cs:fontRef idx="minor">
-      <a:schemeClr val="dk1"/>
-    </cs:fontRef>
-    <cs:spPr>
-      <a:solidFill>
-        <a:schemeClr val="dk1">
-          <a:lumMod val="65000"/>
-          <a:lumOff val="35000"/>
-        </a:schemeClr>
-      </a:solidFill>
-      <a:ln w="9525">
-        <a:solidFill>
-          <a:schemeClr val="tx1">
-            <a:lumMod val="65000"/>
-            <a:lumOff val="35000"/>
-          </a:schemeClr>
-        </a:solidFill>
-      </a:ln>
-    </cs:spPr>
-  </cs:downBar>
-  <cs:dropLine>
-    <cs:lnRef idx="0"/>
-    <cs:fillRef idx="0"/>
-    <cs:effectRef idx="0"/>
-    <cs:fontRef idx="minor">
-      <a:schemeClr val="tx1"/>
-    </cs:fontRef>
-    <cs:spPr>
-      <a:ln w="9525" cap="flat" cmpd="sng" algn="ctr">
-        <a:solidFill>
-          <a:schemeClr val="tx1">
-            <a:lumMod val="35000"/>
-            <a:lumOff val="65000"/>
-          </a:schemeClr>
-        </a:solidFill>
-        <a:round/>
-      </a:ln>
-    </cs:spPr>
-  </cs:dropLine>
-  <cs:errorBar>
-    <cs:lnRef idx="0"/>
-    <cs:fillRef idx="0"/>
-    <cs:effectRef idx="0"/>
-    <cs:fontRef idx="minor">
-      <a:schemeClr val="tx1"/>
-    </cs:fontRef>
-    <cs:spPr>
-      <a:ln w="9525" cap="flat" cmpd="sng" algn="ctr">
-        <a:solidFill>
-          <a:schemeClr val="tx1">
-            <a:lumMod val="65000"/>
-            <a:lumOff val="35000"/>
-          </a:schemeClr>
-        </a:solidFill>
-        <a:round/>
-      </a:ln>
-    </cs:spPr>
-  </cs:errorBar>
-  <cs:floor>
-    <cs:lnRef idx="0"/>
-    <cs:fillRef idx="0"/>
-    <cs:effectRef idx="0"/>
-    <cs:fontRef idx="minor">
-      <a:schemeClr val="tx1"/>
-    </cs:fontRef>
-    <cs:spPr>
-      <a:noFill/>
-      <a:ln>
-        <a:noFill/>
-      </a:ln>
-    </cs:spPr>
-  </cs:floor>
-  <cs:gridlineMajor>
-    <cs:lnRef idx="0"/>
-    <cs:fillRef idx="0"/>
-    <cs:effectRef idx="0"/>
-    <cs:fontRef idx="minor">
-      <a:schemeClr val="tx1"/>
-    </cs:fontRef>
-    <cs:spPr>
-      <a:ln w="9525" cap="flat" cmpd="sng" algn="ctr">
-        <a:solidFill>
-          <a:schemeClr val="tx1">
-            <a:lumMod val="15000"/>
-            <a:lumOff val="85000"/>
-          </a:schemeClr>
-        </a:solidFill>
-        <a:round/>
-      </a:ln>
-    </cs:spPr>
-  </cs:gridlineMajor>
-  <cs:gridlineMinor>
-    <cs:lnRef idx="0"/>
-    <cs:fillRef idx="0"/>
-    <cs:effectRef idx="0"/>
-    <cs:fontRef idx="minor">
-      <a:schemeClr val="tx1"/>
-    </cs:fontRef>
-    <cs:spPr>
-      <a:ln w="9525" cap="flat" cmpd="sng" algn="ctr">
-        <a:solidFill>
-          <a:schemeClr val="tx1">
-            <a:lumMod val="5000"/>
-            <a:lumOff val="95000"/>
-          </a:schemeClr>
-        </a:solidFill>
-        <a:round/>
-      </a:ln>
-    </cs:spPr>
-  </cs:gridlineMinor>
-  <cs:hiLoLine>
-    <cs:lnRef idx="0"/>
-    <cs:fillRef idx="0"/>
-    <cs:effectRef idx="0"/>
-    <cs:fontRef idx="minor">
-      <a:schemeClr val="tx1"/>
-    </cs:fontRef>
-    <cs:spPr>
-      <a:ln w="9525" cap="flat" cmpd="sng" algn="ctr">
-        <a:solidFill>
-          <a:schemeClr val="tx1">
-            <a:lumMod val="75000"/>
-            <a:lumOff val="25000"/>
-          </a:schemeClr>
-        </a:solidFill>
-        <a:round/>
-      </a:ln>
-    </cs:spPr>
-  </cs:hiLoLine>
-  <cs:leaderLine>
-    <cs:lnRef idx="0"/>
-    <cs:fillRef idx="0"/>
-    <cs:effectRef idx="0"/>
-    <cs:fontRef idx="minor">
-      <a:schemeClr val="tx1"/>
-    </cs:fontRef>
-    <cs:spPr>
-      <a:ln w="9525" cap="flat" cmpd="sng" algn="ctr">
-        <a:solidFill>
-          <a:schemeClr val="tx1">
-            <a:lumMod val="35000"/>
-            <a:lumOff val="65000"/>
-          </a:schemeClr>
-        </a:solidFill>
-        <a:round/>
-      </a:ln>
-    </cs:spPr>
-  </cs:leaderLine>
-  <cs:legend>
-    <cs:lnRef idx="0"/>
-    <cs:fillRef idx="0"/>
-    <cs:effectRef idx="0"/>
-    <cs:fontRef idx="minor">
-      <a:schemeClr val="tx1">
-        <a:lumMod val="65000"/>
-        <a:lumOff val="35000"/>
-      </a:schemeClr>
-    </cs:fontRef>
-    <cs:defRPr sz="1197" kern="1200"/>
-  </cs:legend>
-  <cs:plotArea mods="allowNoFillOverride allowNoLineOverride">
-    <cs:lnRef idx="0"/>
-    <cs:fillRef idx="0"/>
-    <cs:effectRef idx="0"/>
-    <cs:fontRef idx="minor">
-      <a:schemeClr val="tx1"/>
-    </cs:fontRef>
-  </cs:plotArea>
-  <cs:plotArea3D mods="allowNoFillOverride allowNoLineOverride">
-    <cs:lnRef idx="0"/>
-    <cs:fillRef idx="0"/>
-    <cs:effectRef idx="0"/>
-    <cs:fontRef idx="minor">
-      <a:schemeClr val="tx1"/>
-    </cs:fontRef>
-  </cs:plotArea3D>
-  <cs:seriesAxis>
-    <cs:lnRef idx="0"/>
-    <cs:fillRef idx="0"/>
-    <cs:effectRef idx="0"/>
-    <cs:fontRef idx="minor">
-      <a:schemeClr val="tx1">
-        <a:lumMod val="65000"/>
-        <a:lumOff val="35000"/>
-      </a:schemeClr>
-    </cs:fontRef>
-    <cs:defRPr sz="1197" kern="1200"/>
-  </cs:seriesAxis>
-  <cs:seriesLine>
-    <cs:lnRef idx="0"/>
-    <cs:fillRef idx="0"/>
-    <cs:effectRef idx="0"/>
-    <cs:fontRef idx="minor">
-      <a:schemeClr val="tx1"/>
-    </cs:fontRef>
-    <cs:spPr>
-      <a:ln w="9525" cap="flat" cmpd="sng" algn="ctr">
-        <a:solidFill>
-          <a:schemeClr val="tx1">
-            <a:lumMod val="35000"/>
-            <a:lumOff val="65000"/>
-          </a:schemeClr>
-        </a:solidFill>
-        <a:round/>
-      </a:ln>
-    </cs:spPr>
-  </cs:seriesLine>
-  <cs:title>
-    <cs:lnRef idx="0"/>
-    <cs:fillRef idx="0"/>
-    <cs:effectRef idx="0"/>
-    <cs:fontRef idx="minor">
-      <a:schemeClr val="tx1">
-        <a:lumMod val="65000"/>
-        <a:lumOff val="35000"/>
-      </a:schemeClr>
-    </cs:fontRef>
-    <cs:defRPr sz="1862" b="0" kern="1200" spc="0" baseline="0"/>
-  </cs:title>
-  <cs:trendline>
-    <cs:lnRef idx="0">
-      <cs:styleClr val="auto"/>
-    </cs:lnRef>
-    <cs:fillRef idx="0"/>
-    <cs:effectRef idx="0"/>
-    <cs:fontRef idx="minor">
-      <a:schemeClr val="tx1"/>
-    </cs:fontRef>
-    <cs:spPr>
-      <a:ln w="19050" cap="rnd">
-        <a:solidFill>
-          <a:schemeClr val="phClr"/>
-        </a:solidFill>
-        <a:prstDash val="sysDot"/>
-      </a:ln>
-    </cs:spPr>
-  </cs:trendline>
-  <cs:trendlineLabel>
-    <cs:lnRef idx="0"/>
-    <cs:fillRef idx="0"/>
-    <cs:effectRef idx="0"/>
-    <cs:fontRef idx="minor">
-      <a:schemeClr val="tx1">
-        <a:lumMod val="65000"/>
-        <a:lumOff val="35000"/>
-      </a:schemeClr>
-    </cs:fontRef>
-    <cs:defRPr sz="1197" kern="1200"/>
-  </cs:trendlineLabel>
-  <cs:upBar>
-    <cs:lnRef idx="0"/>
-    <cs:fillRef idx="0"/>
-    <cs:effectRef idx="0"/>
-    <cs:fontRef idx="minor">
-      <a:schemeClr val="dk1"/>
-    </cs:fontRef>
-    <cs:spPr>
-      <a:solidFill>
-        <a:schemeClr val="lt1"/>
-      </a:solidFill>
-      <a:ln w="9525">
-        <a:solidFill>
-          <a:schemeClr val="tx1">
-            <a:lumMod val="15000"/>
-            <a:lumOff val="85000"/>
-          </a:schemeClr>
-        </a:solidFill>
-      </a:ln>
-    </cs:spPr>
-  </cs:upBar>
-  <cs:valueAxis>
-    <cs:lnRef idx="0"/>
-    <cs:fillRef idx="0"/>
-    <cs:effectRef idx="0"/>
-    <cs:fontRef idx="minor">
-      <a:schemeClr val="tx1">
-        <a:lumMod val="65000"/>
-        <a:lumOff val="35000"/>
-      </a:schemeClr>
-    </cs:fontRef>
-    <cs:defRPr sz="1197" kern="1200"/>
-  </cs:valueAxis>
-  <cs:wall>
-    <cs:lnRef idx="0"/>
-    <cs:fillRef idx="0"/>
-    <cs:effectRef idx="0"/>
-    <cs:fontRef idx="minor">
-      <a:schemeClr val="tx1"/>
-    </cs:fontRef>
-    <cs:spPr>
-      <a:noFill/>
-      <a:ln>
-        <a:noFill/>
-      </a:ln>
-    </cs:spPr>
-  </cs:wall>
-</cs:chartStyle>
 </file>
 
 <file path=ppt/slideLayouts/slideLayout1.xml><?xml version="1.0" encoding="utf-8"?>
@@ -6343,185 +3821,6 @@
           </a:ln>
         </p:spPr>
       </p:pic>
-      <p:sp>
-        <p:nvSpPr>
-          <p:cNvPr id="5" name="Прямоугольник 4">
-            <a:extLst>
-              <a:ext uri="{FF2B5EF4-FFF2-40B4-BE49-F238E27FC236}">
-                <a16:creationId xmlns:a16="http://schemas.microsoft.com/office/drawing/2014/main" id="{8F95931F-00F6-351C-BF84-504F7A819AC8}"/>
-              </a:ext>
-            </a:extLst>
-          </p:cNvPr>
-          <p:cNvSpPr/>
-          <p:nvPr/>
-        </p:nvSpPr>
-        <p:spPr>
-          <a:xfrm>
-            <a:off x="8766313" y="2524539"/>
-            <a:ext cx="1689652" cy="1152939"/>
-          </a:xfrm>
-          <a:prstGeom prst="rect">
-            <a:avLst/>
-          </a:prstGeom>
-          <a:solidFill>
-            <a:schemeClr val="bg1"/>
-          </a:solidFill>
-          <a:ln>
-            <a:noFill/>
-          </a:ln>
-        </p:spPr>
-        <p:style>
-          <a:lnRef idx="2">
-            <a:schemeClr val="accent1">
-              <a:shade val="50000"/>
-            </a:schemeClr>
-          </a:lnRef>
-          <a:fillRef idx="1">
-            <a:schemeClr val="accent1"/>
-          </a:fillRef>
-          <a:effectRef idx="0">
-            <a:schemeClr val="accent1"/>
-          </a:effectRef>
-          <a:fontRef idx="minor">
-            <a:schemeClr val="lt1"/>
-          </a:fontRef>
-        </p:style>
-        <p:txBody>
-          <a:bodyPr rtlCol="0" anchor="ctr"/>
-          <a:lstStyle/>
-          <a:p>
-            <a:pPr algn="ctr"/>
-            <a:endParaRPr lang="ru-RU"/>
-          </a:p>
-        </p:txBody>
-      </p:sp>
-      <p:sp>
-        <p:nvSpPr>
-          <p:cNvPr id="6" name="TextBox 5">
-            <a:extLst>
-              <a:ext uri="{FF2B5EF4-FFF2-40B4-BE49-F238E27FC236}">
-                <a16:creationId xmlns:a16="http://schemas.microsoft.com/office/drawing/2014/main" id="{EBDE2A5D-1718-9794-BA4B-37F0030A08DB}"/>
-              </a:ext>
-            </a:extLst>
-          </p:cNvPr>
-          <p:cNvSpPr txBox="1"/>
-          <p:nvPr/>
-        </p:nvSpPr>
-        <p:spPr>
-          <a:xfrm>
-            <a:off x="8766314" y="2524539"/>
-            <a:ext cx="765312" cy="338554"/>
-          </a:xfrm>
-          <a:prstGeom prst="rect">
-            <a:avLst/>
-          </a:prstGeom>
-          <a:noFill/>
-        </p:spPr>
-        <p:txBody>
-          <a:bodyPr wrap="square" rtlCol="0">
-            <a:spAutoFit/>
-          </a:bodyPr>
-          <a:lstStyle/>
-          <a:p>
-            <a:r>
-              <a:rPr lang="ru-RU" sz="1600" dirty="0"/>
-              <a:t>Узел</a:t>
-            </a:r>
-            <a:endParaRPr lang="ru-RU" dirty="0"/>
-          </a:p>
-        </p:txBody>
-      </p:sp>
-      <p:sp>
-        <p:nvSpPr>
-          <p:cNvPr id="7" name="TextBox 6">
-            <a:extLst>
-              <a:ext uri="{FF2B5EF4-FFF2-40B4-BE49-F238E27FC236}">
-                <a16:creationId xmlns:a16="http://schemas.microsoft.com/office/drawing/2014/main" id="{9D975303-7E16-C243-8CD7-779D601A57C8}"/>
-              </a:ext>
-            </a:extLst>
-          </p:cNvPr>
-          <p:cNvSpPr txBox="1"/>
-          <p:nvPr/>
-        </p:nvSpPr>
-        <p:spPr>
-          <a:xfrm>
-            <a:off x="8766313" y="2921068"/>
-            <a:ext cx="2347117" cy="369332"/>
-          </a:xfrm>
-          <a:prstGeom prst="rect">
-            <a:avLst/>
-          </a:prstGeom>
-          <a:noFill/>
-        </p:spPr>
-        <p:txBody>
-          <a:bodyPr wrap="none" rtlCol="0">
-            <a:spAutoFit/>
-          </a:bodyPr>
-          <a:lstStyle/>
-          <a:p>
-            <a:r>
-              <a:rPr lang="ru-RU" sz="1600" dirty="0"/>
-              <a:t>Предпочтительный</a:t>
-            </a:r>
-            <a:r>
-              <a:rPr lang="ru-RU" dirty="0"/>
-              <a:t> путь</a:t>
-            </a:r>
-          </a:p>
-        </p:txBody>
-      </p:sp>
-      <p:sp>
-        <p:nvSpPr>
-          <p:cNvPr id="8" name="Прямоугольник 7">
-            <a:extLst>
-              <a:ext uri="{FF2B5EF4-FFF2-40B4-BE49-F238E27FC236}">
-                <a16:creationId xmlns:a16="http://schemas.microsoft.com/office/drawing/2014/main" id="{3FC69F0F-D666-EACE-03B8-A472CE12C678}"/>
-              </a:ext>
-            </a:extLst>
-          </p:cNvPr>
-          <p:cNvSpPr/>
-          <p:nvPr/>
-        </p:nvSpPr>
-        <p:spPr>
-          <a:xfrm>
-            <a:off x="8279296" y="3290400"/>
-            <a:ext cx="487017" cy="277201"/>
-          </a:xfrm>
-          <a:prstGeom prst="rect">
-            <a:avLst/>
-          </a:prstGeom>
-          <a:solidFill>
-            <a:schemeClr val="bg1"/>
-          </a:solidFill>
-          <a:ln>
-            <a:noFill/>
-          </a:ln>
-        </p:spPr>
-        <p:style>
-          <a:lnRef idx="2">
-            <a:schemeClr val="accent1">
-              <a:shade val="50000"/>
-            </a:schemeClr>
-          </a:lnRef>
-          <a:fillRef idx="1">
-            <a:schemeClr val="accent1"/>
-          </a:fillRef>
-          <a:effectRef idx="0">
-            <a:schemeClr val="accent1"/>
-          </a:effectRef>
-          <a:fontRef idx="minor">
-            <a:schemeClr val="lt1"/>
-          </a:fontRef>
-        </p:style>
-        <p:txBody>
-          <a:bodyPr rtlCol="0" anchor="ctr"/>
-          <a:lstStyle/>
-          <a:p>
-            <a:pPr algn="ctr"/>
-            <a:endParaRPr lang="ru-RU"/>
-          </a:p>
-        </p:txBody>
-      </p:sp>
     </p:spTree>
     <p:extLst>
       <p:ext uri="{BB962C8B-B14F-4D97-AF65-F5344CB8AC3E}">
@@ -6567,7 +3866,7 @@
         <p:spPr>
           <a:xfrm>
             <a:off x="665922" y="445586"/>
-            <a:ext cx="11218601" cy="1200329"/>
+            <a:ext cx="11218601" cy="1015663"/>
           </a:xfrm>
           <a:prstGeom prst="rect">
             <a:avLst/>
@@ -6581,21 +3880,15 @@
           <a:lstStyle/>
           <a:p>
             <a:r>
-              <a:rPr lang="ru-RU" sz="3200" dirty="0">
-                <a:latin typeface="+mj-lt"/>
-              </a:rPr>
-              <a:t>Дерево </a:t>
-            </a:r>
-            <a:r>
-              <a:rPr lang="en-US" sz="3200" dirty="0">
-                <a:latin typeface="+mj-lt"/>
-              </a:rPr>
+              <a:rPr lang="ru-RU" sz="2000" dirty="0"/>
+              <a:t>На схеме изображено дерево </a:t>
+            </a:r>
+            <a:r>
+              <a:rPr lang="en-US" sz="2000" dirty="0"/>
               <a:t>Tango</a:t>
             </a:r>
             <a:r>
-              <a:rPr lang="ru-RU" sz="3200" dirty="0">
-                <a:latin typeface="+mj-lt"/>
-              </a:rPr>
+              <a:rPr lang="ru-RU" sz="2000" dirty="0"/>
               <a:t> после перестроения</a:t>
             </a:r>
           </a:p>
@@ -6716,7 +4009,7 @@
           <a:p>
             <a:r>
               <a:rPr lang="ru-RU" dirty="0"/>
-              <a:t>Основные функции</a:t>
+              <a:t>Функции, используемые в реализации</a:t>
             </a:r>
           </a:p>
         </p:txBody>
@@ -6759,11 +4052,11 @@
             </a:r>
             <a:r>
               <a:rPr lang="ru-RU" b="1" dirty="0"/>
-              <a:t>() - </a:t>
+              <a:t>() </a:t>
             </a:r>
             <a:r>
               <a:rPr lang="ru-RU" dirty="0"/>
-              <a:t>отображает все дерево.</a:t>
+              <a:t>— вспомогательная функция, которая отображает все дерево.</a:t>
             </a:r>
           </a:p>
           <a:p>
@@ -6781,7 +4074,7 @@
             </a:r>
             <a:r>
               <a:rPr lang="ru-RU" dirty="0"/>
-              <a:t>- создание дерева.</a:t>
+              <a:t>- функция создания дерева.</a:t>
             </a:r>
           </a:p>
           <a:p>
@@ -6799,7 +4092,7 @@
             </a:r>
             <a:r>
               <a:rPr lang="ru-RU" dirty="0"/>
-              <a:t>- операция вращения.</a:t>
+              <a:t>- функция для выполнения операции вращения.</a:t>
             </a:r>
           </a:p>
           <a:p>
@@ -6817,7 +4110,7 @@
             </a:r>
             <a:r>
               <a:rPr lang="ru-RU" dirty="0"/>
-              <a:t>- операция расширения.</a:t>
+              <a:t>- функция для выполнения операции расширения.</a:t>
             </a:r>
           </a:p>
           <a:p>
@@ -6835,7 +4128,7 @@
             </a:r>
             <a:r>
               <a:rPr lang="ru-RU" dirty="0"/>
-              <a:t>—установка значений </a:t>
+              <a:t>— функция для установки значений </a:t>
             </a:r>
             <a:r>
               <a:rPr lang="ru-RU" dirty="0" err="1"/>
@@ -6869,7 +4162,7 @@
             </a:r>
             <a:r>
               <a:rPr lang="ru-RU" dirty="0"/>
-              <a:t>—возврат первого дочернего элемента, значение </a:t>
+              <a:t>— функция для возврата первого дочернего элемента, значение </a:t>
             </a:r>
             <a:r>
               <a:rPr lang="ru-RU" dirty="0" err="1"/>
@@ -6903,7 +4196,7 @@
             </a:r>
             <a:r>
               <a:rPr lang="ru-RU" dirty="0"/>
-              <a:t>- перенос текущего узла в корень всего дерева.</a:t>
+              <a:t>- функция для переноса текущего узла в корень всего дерева.</a:t>
             </a:r>
           </a:p>
           <a:p>
@@ -6921,7 +4214,7 @@
             </a:r>
             <a:r>
               <a:rPr lang="ru-RU" dirty="0"/>
-              <a:t>- доступ к элементу в дереве </a:t>
+              <a:t>- функция для доступа к элементу в дереве </a:t>
             </a:r>
             <a:r>
               <a:rPr lang="ru-RU" dirty="0" err="1"/>
@@ -6984,7 +4277,7 @@
           <a:p>
             <a:r>
               <a:rPr lang="ru-RU" dirty="0"/>
-              <a:t>Обращение к элементу</a:t>
+              <a:t>Обращение к элементу (поиск)</a:t>
             </a:r>
           </a:p>
         </p:txBody>
@@ -7004,7 +4297,7 @@
         <p:spPr>
           <a:xfrm>
             <a:off x="838200" y="1690688"/>
-            <a:ext cx="10732957" cy="2308324"/>
+            <a:ext cx="10732957" cy="1200329"/>
           </a:xfrm>
           <a:prstGeom prst="rect">
             <a:avLst/>
@@ -7019,15 +4312,6 @@
           <a:p>
             <a:r>
               <a:rPr lang="ru-RU" sz="2400" dirty="0"/>
-              <a:t>Принимает на вход значение искомого узла.</a:t>
-            </a:r>
-          </a:p>
-          <a:p>
-            <a:endParaRPr lang="ru-RU" sz="2400" dirty="0"/>
-          </a:p>
-          <a:p>
-            <a:r>
-              <a:rPr lang="ru-RU" sz="2400" dirty="0"/>
               <a:t>Функция </a:t>
             </a:r>
             <a:r>
@@ -7036,41 +4320,40 @@
             </a:r>
             <a:r>
               <a:rPr lang="ru-RU" sz="2400" dirty="0"/>
-              <a:t>() :</a:t>
-            </a:r>
-          </a:p>
-          <a:p>
-            <a:pPr marL="457200" indent="-457200">
-              <a:buFont typeface="+mj-lt"/>
-              <a:buAutoNum type="arabicPeriod"/>
-            </a:pPr>
-            <a:r>
-              <a:rPr lang="ru-RU" sz="2400" dirty="0"/>
-              <a:t>Выполняет поиск</a:t>
-            </a:r>
-          </a:p>
-          <a:p>
-            <a:pPr marL="457200" indent="-457200">
-              <a:buFont typeface="+mj-lt"/>
-              <a:buAutoNum type="arabicPeriod"/>
-            </a:pPr>
-            <a:r>
-              <a:rPr lang="ru-RU" sz="2400" dirty="0"/>
-              <a:t>перемещает узел вверх по дереву, пока он не достигнет корня основного дерева</a:t>
-            </a:r>
-            <a:r>
-              <a:rPr lang="en-US" sz="2400" dirty="0"/>
-              <a:t> -</a:t>
+              <a:t>()  используется для доступа к необходимому узлу в </a:t>
+            </a:r>
+            <a:r>
+              <a:rPr lang="ru-RU" sz="2400" dirty="0" err="1"/>
+              <a:t>Tango</a:t>
             </a:r>
             <a:r>
               <a:rPr lang="ru-RU" sz="2400" dirty="0"/>
               <a:t> </a:t>
             </a:r>
             <a:r>
-              <a:rPr lang="en-US" sz="2400" dirty="0"/>
-              <a:t>expose()</a:t>
-            </a:r>
-            <a:endParaRPr lang="ru-RU" sz="2400" dirty="0"/>
+              <a:rPr lang="ru-RU" sz="2400" dirty="0" err="1"/>
+              <a:t>Tree</a:t>
+            </a:r>
+            <a:r>
+              <a:rPr lang="ru-RU" sz="2400" dirty="0"/>
+              <a:t>. Эта функция "поднимает" узел вверх по дереву до тех пор, пока он не достигнет корня </a:t>
+            </a:r>
+            <a:r>
+              <a:rPr lang="ru-RU" sz="2400" dirty="0" err="1"/>
+              <a:t>Tango</a:t>
+            </a:r>
+            <a:r>
+              <a:rPr lang="ru-RU" sz="2400" dirty="0"/>
+              <a:t> </a:t>
+            </a:r>
+            <a:r>
+              <a:rPr lang="ru-RU" sz="2400" dirty="0" err="1"/>
+              <a:t>Tree</a:t>
+            </a:r>
+            <a:r>
+              <a:rPr lang="ru-RU" sz="2400" dirty="0"/>
+              <a:t>.</a:t>
+            </a:r>
           </a:p>
         </p:txBody>
       </p:sp>
@@ -7210,11 +4493,6 @@
               <a:rPr lang="en-US" sz="2000" dirty="0"/>
               <a:t> == NULL:</a:t>
             </a:r>
-            <a:r>
-              <a:rPr lang="ru-RU" sz="2000" dirty="0"/>
-              <a:t>    если не найден элемент</a:t>
-            </a:r>
-            <a:endParaRPr lang="en-US" sz="2000" dirty="0"/>
           </a:p>
           <a:p>
             <a:r>
@@ -7229,11 +4507,6 @@
               <a:rPr lang="en-US" sz="2000" dirty="0"/>
               <a:t>)</a:t>
             </a:r>
-            <a:r>
-              <a:rPr lang="ru-RU" sz="2000" dirty="0"/>
-              <a:t>     </a:t>
-            </a:r>
-            <a:endParaRPr lang="en-US" sz="2000" dirty="0"/>
           </a:p>
           <a:p>
             <a:r>
@@ -7278,7 +4551,7 @@
         <p:spPr>
           <a:xfrm>
             <a:off x="838200" y="1808922"/>
-            <a:ext cx="4655633" cy="923330"/>
+            <a:ext cx="4655633" cy="369332"/>
           </a:xfrm>
           <a:prstGeom prst="rect">
             <a:avLst/>
@@ -7299,21 +4572,6 @@
               <a:rPr lang="en-US" sz="1800" i="1" dirty="0"/>
               <a:t>NULL</a:t>
             </a:r>
-            <a:endParaRPr lang="ru-RU" sz="1800" i="1" dirty="0"/>
-          </a:p>
-          <a:p>
-            <a:endParaRPr lang="ru-RU" i="1" dirty="0"/>
-          </a:p>
-          <a:p>
-            <a:r>
-              <a:rPr lang="ru-RU" sz="1800" i="1" dirty="0"/>
-              <a:t>О</a:t>
-            </a:r>
-            <a:r>
-              <a:rPr lang="ru-RU" i="1" dirty="0"/>
-              <a:t>т первого до последнего повторяем:</a:t>
-            </a:r>
-            <a:endParaRPr lang="en-US" sz="1800" i="1" dirty="0"/>
           </a:p>
         </p:txBody>
       </p:sp>
@@ -7375,7 +4633,7 @@
           <a:p>
             <a:r>
               <a:rPr lang="ru-RU" dirty="0"/>
-              <a:t>Анализ</a:t>
+              <a:t>Тестирование</a:t>
             </a:r>
           </a:p>
         </p:txBody>
@@ -7395,7 +4653,7 @@
         <p:spPr>
           <a:xfrm>
             <a:off x="838200" y="1707321"/>
-            <a:ext cx="10515600" cy="2521203"/>
+            <a:ext cx="10515600" cy="1393971"/>
           </a:xfrm>
           <a:prstGeom prst="rect">
             <a:avLst/>
@@ -7422,54 +4680,7 @@
                 <a:ea typeface="Calibri" panose="020F0502020204030204" pitchFamily="34" charset="0"/>
                 <a:cs typeface="Arial" panose="020B0604020202020204" pitchFamily="34" charset="0"/>
               </a:rPr>
-              <a:t>Оценка производительности выполнена на </a:t>
-            </a:r>
-            <a:r>
-              <a:rPr lang="ru-RU" sz="2800" dirty="0">
-                <a:ea typeface="Calibri" panose="020F0502020204030204" pitchFamily="34" charset="0"/>
-                <a:cs typeface="Arial" panose="020B0604020202020204" pitchFamily="34" charset="0"/>
-              </a:rPr>
-              <a:t>7</a:t>
-            </a:r>
-            <a:r>
-              <a:rPr lang="ru-RU" sz="2800" dirty="0">
-                <a:effectLst/>
-                <a:ea typeface="Calibri" panose="020F0502020204030204" pitchFamily="34" charset="0"/>
-                <a:cs typeface="Arial" panose="020B0604020202020204" pitchFamily="34" charset="0"/>
-              </a:rPr>
-              <a:t> наборах данных разной размерности.</a:t>
-            </a:r>
-          </a:p>
-          <a:p>
-            <a:pPr>
-              <a:lnSpc>
-                <a:spcPct val="107000"/>
-              </a:lnSpc>
-              <a:spcAft>
-                <a:spcPts val="800"/>
-              </a:spcAft>
-            </a:pPr>
-            <a:endParaRPr lang="ru-RU" sz="2800" dirty="0">
-              <a:ea typeface="Calibri" panose="020F0502020204030204" pitchFamily="34" charset="0"/>
-              <a:cs typeface="Arial" panose="020B0604020202020204" pitchFamily="34" charset="0"/>
-            </a:endParaRPr>
-          </a:p>
-          <a:p>
-            <a:pPr>
-              <a:lnSpc>
-                <a:spcPct val="107000"/>
-              </a:lnSpc>
-              <a:spcAft>
-                <a:spcPts val="800"/>
-              </a:spcAft>
-            </a:pPr>
-            <a:r>
-              <a:rPr lang="ru-RU" sz="2800" dirty="0">
-                <a:effectLst/>
-                <a:ea typeface="Calibri" panose="020F0502020204030204" pitchFamily="34" charset="0"/>
-                <a:cs typeface="Arial" panose="020B0604020202020204" pitchFamily="34" charset="0"/>
-              </a:rPr>
-              <a:t>Оценено время поиска каждого элемента в различном порядке.</a:t>
+              <a:t>Оценка производительности выполнена на 3 наборах данных разной размерности (500, 50000, 5000000).</a:t>
             </a:r>
           </a:p>
           <a:p>
@@ -7507,38 +4718,1988 @@
           <a:chExt cx="0" cy="0"/>
         </a:xfrm>
       </p:grpSpPr>
+      <p:sp>
+        <p:nvSpPr>
+          <p:cNvPr id="2" name="Заголовок 1">
+            <a:extLst>
+              <a:ext uri="{FF2B5EF4-FFF2-40B4-BE49-F238E27FC236}">
+                <a16:creationId xmlns:a16="http://schemas.microsoft.com/office/drawing/2014/main" id="{1D70DA4B-4082-327C-DCD8-F065A13783E0}"/>
+              </a:ext>
+            </a:extLst>
+          </p:cNvPr>
+          <p:cNvSpPr>
+            <a:spLocks noGrp="1"/>
+          </p:cNvSpPr>
+          <p:nvPr>
+            <p:ph type="title"/>
+          </p:nvPr>
+        </p:nvSpPr>
+        <p:spPr>
+          <a:xfrm>
+            <a:off x="838199" y="365126"/>
+            <a:ext cx="10393017" cy="1016414"/>
+          </a:xfrm>
+        </p:spPr>
+        <p:txBody>
+          <a:bodyPr>
+            <a:normAutofit/>
+          </a:bodyPr>
+          <a:lstStyle/>
+          <a:p>
+            <a:r>
+              <a:rPr lang="ru-RU" sz="4000" dirty="0"/>
+              <a:t>Результаты тестирования производительности</a:t>
+            </a:r>
+          </a:p>
+        </p:txBody>
+      </p:sp>
       <p:graphicFrame>
         <p:nvGraphicFramePr>
-          <p:cNvPr id="2" name="Диаграмма 1">
-            <a:extLst>
-              <a:ext uri="{FF2B5EF4-FFF2-40B4-BE49-F238E27FC236}">
-                <a16:creationId xmlns:a16="http://schemas.microsoft.com/office/drawing/2014/main" id="{71422165-B48E-7BF5-60F0-81FF30ACEC16}"/>
-              </a:ext>
-            </a:extLst>
-          </p:cNvPr>
-          <p:cNvGraphicFramePr/>
+          <p:cNvPr id="3" name="Таблица 2">
+            <a:extLst>
+              <a:ext uri="{FF2B5EF4-FFF2-40B4-BE49-F238E27FC236}">
+                <a16:creationId xmlns:a16="http://schemas.microsoft.com/office/drawing/2014/main" id="{4D4923AD-DD9E-144E-C93B-A3FCB71F3B03}"/>
+              </a:ext>
+            </a:extLst>
+          </p:cNvPr>
+          <p:cNvGraphicFramePr>
+            <a:graphicFrameLocks noGrp="1"/>
+          </p:cNvGraphicFramePr>
           <p:nvPr>
             <p:extLst>
               <p:ext uri="{D42A27DB-BD31-4B8C-83A1-F6EECF244321}">
-                <p14:modId xmlns:p14="http://schemas.microsoft.com/office/powerpoint/2010/main" val="3016679123"/>
+                <p14:modId xmlns:p14="http://schemas.microsoft.com/office/powerpoint/2010/main" val="1055955790"/>
               </p:ext>
             </p:extLst>
           </p:nvPr>
         </p:nvGraphicFramePr>
         <p:xfrm>
-          <a:off x="1606274" y="513661"/>
-          <a:ext cx="8979452" cy="5830678"/>
+          <a:off x="2799571" y="1506854"/>
+          <a:ext cx="6592857" cy="4986020"/>
         </p:xfrm>
         <a:graphic>
-          <a:graphicData uri="http://schemas.openxmlformats.org/drawingml/2006/chart">
-            <c:chart xmlns:c="http://schemas.openxmlformats.org/drawingml/2006/chart" xmlns:r="http://schemas.openxmlformats.org/officeDocument/2006/relationships" r:id="rId2"/>
+          <a:graphicData uri="http://schemas.openxmlformats.org/drawingml/2006/table">
+            <a:tbl>
+              <a:tblPr firstRow="1" firstCol="1" bandRow="1">
+                <a:tableStyleId>{5FD0F851-EC5A-4D38-B0AD-8093EC10F338}</a:tableStyleId>
+              </a:tblPr>
+              <a:tblGrid>
+                <a:gridCol w="2197392">
+                  <a:extLst>
+                    <a:ext uri="{9D8B030D-6E8A-4147-A177-3AD203B41FA5}">
+                      <a16:colId xmlns:a16="http://schemas.microsoft.com/office/drawing/2014/main" val="906854898"/>
+                    </a:ext>
+                  </a:extLst>
+                </a:gridCol>
+                <a:gridCol w="2197392">
+                  <a:extLst>
+                    <a:ext uri="{9D8B030D-6E8A-4147-A177-3AD203B41FA5}">
+                      <a16:colId xmlns:a16="http://schemas.microsoft.com/office/drawing/2014/main" val="3699106382"/>
+                    </a:ext>
+                  </a:extLst>
+                </a:gridCol>
+                <a:gridCol w="2198073">
+                  <a:extLst>
+                    <a:ext uri="{9D8B030D-6E8A-4147-A177-3AD203B41FA5}">
+                      <a16:colId xmlns:a16="http://schemas.microsoft.com/office/drawing/2014/main" val="4225622755"/>
+                    </a:ext>
+                  </a:extLst>
+                </a:gridCol>
+              </a:tblGrid>
+              <a:tr h="242470">
+                <a:tc>
+                  <a:txBody>
+                    <a:bodyPr/>
+                    <a:lstStyle/>
+                    <a:p>
+                      <a:pPr algn="l">
+                        <a:lnSpc>
+                          <a:spcPct val="107000"/>
+                        </a:lnSpc>
+                        <a:spcAft>
+                          <a:spcPts val="800"/>
+                        </a:spcAft>
+                      </a:pPr>
+                      <a:r>
+                        <a:rPr lang="ru-RU" sz="1600">
+                          <a:effectLst/>
+                        </a:rPr>
+                        <a:t> </a:t>
+                      </a:r>
+                      <a:endParaRPr lang="ru-RU" sz="1200">
+                        <a:effectLst/>
+                        <a:latin typeface="Calibri" panose="020F0502020204030204" pitchFamily="34" charset="0"/>
+                        <a:ea typeface="Calibri" panose="020F0502020204030204" pitchFamily="34" charset="0"/>
+                        <a:cs typeface="Arial" panose="020B0604020202020204" pitchFamily="34" charset="0"/>
+                      </a:endParaRPr>
+                    </a:p>
+                  </a:txBody>
+                  <a:tcPr marL="68580" marR="68580" marT="0" marB="0"/>
+                </a:tc>
+                <a:tc>
+                  <a:txBody>
+                    <a:bodyPr/>
+                    <a:lstStyle/>
+                    <a:p>
+                      <a:pPr algn="ctr">
+                        <a:lnSpc>
+                          <a:spcPct val="107000"/>
+                        </a:lnSpc>
+                        <a:spcAft>
+                          <a:spcPts val="800"/>
+                        </a:spcAft>
+                      </a:pPr>
+                      <a:r>
+                        <a:rPr lang="ru-RU" sz="1600">
+                          <a:effectLst/>
+                        </a:rPr>
+                        <a:t>Время создания</a:t>
+                      </a:r>
+                      <a:endParaRPr lang="ru-RU" sz="1200">
+                        <a:effectLst/>
+                        <a:latin typeface="Calibri" panose="020F0502020204030204" pitchFamily="34" charset="0"/>
+                        <a:ea typeface="Calibri" panose="020F0502020204030204" pitchFamily="34" charset="0"/>
+                        <a:cs typeface="Arial" panose="020B0604020202020204" pitchFamily="34" charset="0"/>
+                      </a:endParaRPr>
+                    </a:p>
+                  </a:txBody>
+                  <a:tcPr marL="68580" marR="68580" marT="0" marB="0"/>
+                </a:tc>
+                <a:tc>
+                  <a:txBody>
+                    <a:bodyPr/>
+                    <a:lstStyle/>
+                    <a:p>
+                      <a:pPr algn="ctr">
+                        <a:lnSpc>
+                          <a:spcPct val="107000"/>
+                        </a:lnSpc>
+                        <a:spcAft>
+                          <a:spcPts val="800"/>
+                        </a:spcAft>
+                      </a:pPr>
+                      <a:r>
+                        <a:rPr lang="ru-RU" sz="1600">
+                          <a:effectLst/>
+                        </a:rPr>
+                        <a:t>Время поиска</a:t>
+                      </a:r>
+                      <a:endParaRPr lang="ru-RU" sz="1200">
+                        <a:effectLst/>
+                        <a:latin typeface="Calibri" panose="020F0502020204030204" pitchFamily="34" charset="0"/>
+                        <a:ea typeface="Calibri" panose="020F0502020204030204" pitchFamily="34" charset="0"/>
+                        <a:cs typeface="Arial" panose="020B0604020202020204" pitchFamily="34" charset="0"/>
+                      </a:endParaRPr>
+                    </a:p>
+                  </a:txBody>
+                  <a:tcPr marL="68580" marR="68580" marT="0" marB="0"/>
+                </a:tc>
+                <a:extLst>
+                  <a:ext uri="{0D108BD9-81ED-4DB2-BD59-A6C34878D82A}">
+                    <a16:rowId xmlns:a16="http://schemas.microsoft.com/office/drawing/2014/main" val="1708508007"/>
+                  </a:ext>
+                </a:extLst>
+              </a:tr>
+              <a:tr h="242470">
+                <a:tc>
+                  <a:txBody>
+                    <a:bodyPr/>
+                    <a:lstStyle/>
+                    <a:p>
+                      <a:pPr algn="l">
+                        <a:lnSpc>
+                          <a:spcPct val="107000"/>
+                        </a:lnSpc>
+                        <a:spcAft>
+                          <a:spcPts val="800"/>
+                        </a:spcAft>
+                      </a:pPr>
+                      <a:r>
+                        <a:rPr lang="ru-RU" sz="1600">
+                          <a:effectLst/>
+                        </a:rPr>
+                        <a:t>Порядок возрастания</a:t>
+                      </a:r>
+                      <a:endParaRPr lang="ru-RU" sz="1200">
+                        <a:effectLst/>
+                        <a:latin typeface="Calibri" panose="020F0502020204030204" pitchFamily="34" charset="0"/>
+                        <a:ea typeface="Calibri" panose="020F0502020204030204" pitchFamily="34" charset="0"/>
+                        <a:cs typeface="Arial" panose="020B0604020202020204" pitchFamily="34" charset="0"/>
+                      </a:endParaRPr>
+                    </a:p>
+                  </a:txBody>
+                  <a:tcPr marL="68580" marR="68580" marT="0" marB="0"/>
+                </a:tc>
+                <a:tc>
+                  <a:txBody>
+                    <a:bodyPr/>
+                    <a:lstStyle/>
+                    <a:p>
+                      <a:pPr algn="ctr">
+                        <a:lnSpc>
+                          <a:spcPct val="107000"/>
+                        </a:lnSpc>
+                        <a:spcAft>
+                          <a:spcPts val="800"/>
+                        </a:spcAft>
+                      </a:pPr>
+                      <a:r>
+                        <a:rPr lang="ru-RU" sz="1600" dirty="0">
+                          <a:effectLst/>
+                        </a:rPr>
+                        <a:t> </a:t>
+                      </a:r>
+                      <a:endParaRPr lang="ru-RU" sz="1200" dirty="0">
+                        <a:effectLst/>
+                        <a:latin typeface="Calibri" panose="020F0502020204030204" pitchFamily="34" charset="0"/>
+                        <a:ea typeface="Calibri" panose="020F0502020204030204" pitchFamily="34" charset="0"/>
+                        <a:cs typeface="Arial" panose="020B0604020202020204" pitchFamily="34" charset="0"/>
+                      </a:endParaRPr>
+                    </a:p>
+                  </a:txBody>
+                  <a:tcPr marL="68580" marR="68580" marT="0" marB="0"/>
+                </a:tc>
+                <a:tc>
+                  <a:txBody>
+                    <a:bodyPr/>
+                    <a:lstStyle/>
+                    <a:p>
+                      <a:pPr algn="ctr">
+                        <a:lnSpc>
+                          <a:spcPct val="107000"/>
+                        </a:lnSpc>
+                        <a:spcAft>
+                          <a:spcPts val="800"/>
+                        </a:spcAft>
+                      </a:pPr>
+                      <a:r>
+                        <a:rPr lang="ru-RU" sz="1600">
+                          <a:effectLst/>
+                        </a:rPr>
+                        <a:t> </a:t>
+                      </a:r>
+                      <a:endParaRPr lang="ru-RU" sz="1200">
+                        <a:effectLst/>
+                        <a:latin typeface="Calibri" panose="020F0502020204030204" pitchFamily="34" charset="0"/>
+                        <a:ea typeface="Calibri" panose="020F0502020204030204" pitchFamily="34" charset="0"/>
+                        <a:cs typeface="Arial" panose="020B0604020202020204" pitchFamily="34" charset="0"/>
+                      </a:endParaRPr>
+                    </a:p>
+                  </a:txBody>
+                  <a:tcPr marL="68580" marR="68580" marT="0" marB="0"/>
+                </a:tc>
+                <a:extLst>
+                  <a:ext uri="{0D108BD9-81ED-4DB2-BD59-A6C34878D82A}">
+                    <a16:rowId xmlns:a16="http://schemas.microsoft.com/office/drawing/2014/main" val="295166622"/>
+                  </a:ext>
+                </a:extLst>
+              </a:tr>
+              <a:tr h="242470">
+                <a:tc>
+                  <a:txBody>
+                    <a:bodyPr/>
+                    <a:lstStyle/>
+                    <a:p>
+                      <a:pPr algn="l">
+                        <a:lnSpc>
+                          <a:spcPct val="107000"/>
+                        </a:lnSpc>
+                        <a:spcAft>
+                          <a:spcPts val="800"/>
+                        </a:spcAft>
+                      </a:pPr>
+                      <a:r>
+                        <a:rPr lang="ru-RU" sz="1600">
+                          <a:effectLst/>
+                        </a:rPr>
+                        <a:t>1. 500</a:t>
+                      </a:r>
+                      <a:endParaRPr lang="ru-RU" sz="1200">
+                        <a:effectLst/>
+                        <a:latin typeface="Calibri" panose="020F0502020204030204" pitchFamily="34" charset="0"/>
+                        <a:ea typeface="Calibri" panose="020F0502020204030204" pitchFamily="34" charset="0"/>
+                        <a:cs typeface="Arial" panose="020B0604020202020204" pitchFamily="34" charset="0"/>
+                      </a:endParaRPr>
+                    </a:p>
+                  </a:txBody>
+                  <a:tcPr marL="68580" marR="68580" marT="0" marB="0"/>
+                </a:tc>
+                <a:tc>
+                  <a:txBody>
+                    <a:bodyPr/>
+                    <a:lstStyle/>
+                    <a:p>
+                      <a:pPr algn="ctr">
+                        <a:lnSpc>
+                          <a:spcPct val="107000"/>
+                        </a:lnSpc>
+                        <a:spcAft>
+                          <a:spcPts val="800"/>
+                        </a:spcAft>
+                      </a:pPr>
+                      <a:r>
+                        <a:rPr lang="ru-RU" sz="1600">
+                          <a:effectLst/>
+                        </a:rPr>
+                        <a:t>15ns</a:t>
+                      </a:r>
+                      <a:endParaRPr lang="ru-RU" sz="1200">
+                        <a:effectLst/>
+                        <a:latin typeface="Calibri" panose="020F0502020204030204" pitchFamily="34" charset="0"/>
+                        <a:ea typeface="Calibri" panose="020F0502020204030204" pitchFamily="34" charset="0"/>
+                        <a:cs typeface="Arial" panose="020B0604020202020204" pitchFamily="34" charset="0"/>
+                      </a:endParaRPr>
+                    </a:p>
+                  </a:txBody>
+                  <a:tcPr marL="68580" marR="68580" marT="0" marB="0"/>
+                </a:tc>
+                <a:tc>
+                  <a:txBody>
+                    <a:bodyPr/>
+                    <a:lstStyle/>
+                    <a:p>
+                      <a:pPr algn="ctr">
+                        <a:lnSpc>
+                          <a:spcPct val="107000"/>
+                        </a:lnSpc>
+                        <a:spcAft>
+                          <a:spcPts val="800"/>
+                        </a:spcAft>
+                      </a:pPr>
+                      <a:r>
+                        <a:rPr lang="ru-RU" sz="1600">
+                          <a:effectLst/>
+                        </a:rPr>
+                        <a:t>10</a:t>
+                      </a:r>
+                      <a:r>
+                        <a:rPr lang="en-US" sz="1600">
+                          <a:effectLst/>
+                        </a:rPr>
+                        <a:t>0ns</a:t>
+                      </a:r>
+                      <a:endParaRPr lang="ru-RU" sz="1200">
+                        <a:effectLst/>
+                        <a:latin typeface="Calibri" panose="020F0502020204030204" pitchFamily="34" charset="0"/>
+                        <a:ea typeface="Calibri" panose="020F0502020204030204" pitchFamily="34" charset="0"/>
+                        <a:cs typeface="Arial" panose="020B0604020202020204" pitchFamily="34" charset="0"/>
+                      </a:endParaRPr>
+                    </a:p>
+                  </a:txBody>
+                  <a:tcPr marL="68580" marR="68580" marT="0" marB="0"/>
+                </a:tc>
+                <a:extLst>
+                  <a:ext uri="{0D108BD9-81ED-4DB2-BD59-A6C34878D82A}">
+                    <a16:rowId xmlns:a16="http://schemas.microsoft.com/office/drawing/2014/main" val="3126988486"/>
+                  </a:ext>
+                </a:extLst>
+              </a:tr>
+              <a:tr h="242470">
+                <a:tc>
+                  <a:txBody>
+                    <a:bodyPr/>
+                    <a:lstStyle/>
+                    <a:p>
+                      <a:pPr algn="l">
+                        <a:lnSpc>
+                          <a:spcPct val="107000"/>
+                        </a:lnSpc>
+                        <a:spcAft>
+                          <a:spcPts val="800"/>
+                        </a:spcAft>
+                      </a:pPr>
+                      <a:r>
+                        <a:rPr lang="ru-RU" sz="1600">
+                          <a:effectLst/>
+                        </a:rPr>
+                        <a:t>2. 50000</a:t>
+                      </a:r>
+                      <a:endParaRPr lang="ru-RU" sz="1200">
+                        <a:effectLst/>
+                        <a:latin typeface="Calibri" panose="020F0502020204030204" pitchFamily="34" charset="0"/>
+                        <a:ea typeface="Calibri" panose="020F0502020204030204" pitchFamily="34" charset="0"/>
+                        <a:cs typeface="Arial" panose="020B0604020202020204" pitchFamily="34" charset="0"/>
+                      </a:endParaRPr>
+                    </a:p>
+                  </a:txBody>
+                  <a:tcPr marL="68580" marR="68580" marT="0" marB="0"/>
+                </a:tc>
+                <a:tc>
+                  <a:txBody>
+                    <a:bodyPr/>
+                    <a:lstStyle/>
+                    <a:p>
+                      <a:pPr algn="ctr">
+                        <a:lnSpc>
+                          <a:spcPct val="107000"/>
+                        </a:lnSpc>
+                        <a:spcAft>
+                          <a:spcPts val="800"/>
+                        </a:spcAft>
+                      </a:pPr>
+                      <a:r>
+                        <a:rPr lang="en-US" sz="1600">
+                          <a:effectLst/>
+                        </a:rPr>
+                        <a:t>1500ns</a:t>
+                      </a:r>
+                      <a:endParaRPr lang="ru-RU" sz="1200">
+                        <a:effectLst/>
+                        <a:latin typeface="Calibri" panose="020F0502020204030204" pitchFamily="34" charset="0"/>
+                        <a:ea typeface="Calibri" panose="020F0502020204030204" pitchFamily="34" charset="0"/>
+                        <a:cs typeface="Arial" panose="020B0604020202020204" pitchFamily="34" charset="0"/>
+                      </a:endParaRPr>
+                    </a:p>
+                  </a:txBody>
+                  <a:tcPr marL="68580" marR="68580" marT="0" marB="0"/>
+                </a:tc>
+                <a:tc>
+                  <a:txBody>
+                    <a:bodyPr/>
+                    <a:lstStyle/>
+                    <a:p>
+                      <a:pPr algn="ctr">
+                        <a:lnSpc>
+                          <a:spcPct val="107000"/>
+                        </a:lnSpc>
+                        <a:spcAft>
+                          <a:spcPts val="800"/>
+                        </a:spcAft>
+                      </a:pPr>
+                      <a:r>
+                        <a:rPr lang="en-US" sz="1600">
+                          <a:effectLst/>
+                        </a:rPr>
+                        <a:t>31000ns</a:t>
+                      </a:r>
+                      <a:endParaRPr lang="ru-RU" sz="1200">
+                        <a:effectLst/>
+                        <a:latin typeface="Calibri" panose="020F0502020204030204" pitchFamily="34" charset="0"/>
+                        <a:ea typeface="Calibri" panose="020F0502020204030204" pitchFamily="34" charset="0"/>
+                        <a:cs typeface="Arial" panose="020B0604020202020204" pitchFamily="34" charset="0"/>
+                      </a:endParaRPr>
+                    </a:p>
+                  </a:txBody>
+                  <a:tcPr marL="68580" marR="68580" marT="0" marB="0"/>
+                </a:tc>
+                <a:extLst>
+                  <a:ext uri="{0D108BD9-81ED-4DB2-BD59-A6C34878D82A}">
+                    <a16:rowId xmlns:a16="http://schemas.microsoft.com/office/drawing/2014/main" val="1137818356"/>
+                  </a:ext>
+                </a:extLst>
+              </a:tr>
+              <a:tr h="242470">
+                <a:tc>
+                  <a:txBody>
+                    <a:bodyPr/>
+                    <a:lstStyle/>
+                    <a:p>
+                      <a:pPr algn="l">
+                        <a:lnSpc>
+                          <a:spcPct val="107000"/>
+                        </a:lnSpc>
+                        <a:spcAft>
+                          <a:spcPts val="800"/>
+                        </a:spcAft>
+                      </a:pPr>
+                      <a:r>
+                        <a:rPr lang="ru-RU" sz="1600">
+                          <a:effectLst/>
+                        </a:rPr>
+                        <a:t>3. 5000000</a:t>
+                      </a:r>
+                      <a:endParaRPr lang="ru-RU" sz="1200">
+                        <a:effectLst/>
+                        <a:latin typeface="Calibri" panose="020F0502020204030204" pitchFamily="34" charset="0"/>
+                        <a:ea typeface="Calibri" panose="020F0502020204030204" pitchFamily="34" charset="0"/>
+                        <a:cs typeface="Arial" panose="020B0604020202020204" pitchFamily="34" charset="0"/>
+                      </a:endParaRPr>
+                    </a:p>
+                  </a:txBody>
+                  <a:tcPr marL="68580" marR="68580" marT="0" marB="0"/>
+                </a:tc>
+                <a:tc>
+                  <a:txBody>
+                    <a:bodyPr/>
+                    <a:lstStyle/>
+                    <a:p>
+                      <a:pPr algn="ctr">
+                        <a:lnSpc>
+                          <a:spcPct val="107000"/>
+                        </a:lnSpc>
+                        <a:spcAft>
+                          <a:spcPts val="800"/>
+                        </a:spcAft>
+                      </a:pPr>
+                      <a:r>
+                        <a:rPr lang="en-US" sz="1600" dirty="0">
+                          <a:effectLst/>
+                        </a:rPr>
+                        <a:t>180000ns</a:t>
+                      </a:r>
+                      <a:endParaRPr lang="ru-RU" sz="1200" dirty="0">
+                        <a:effectLst/>
+                        <a:latin typeface="Calibri" panose="020F0502020204030204" pitchFamily="34" charset="0"/>
+                        <a:ea typeface="Calibri" panose="020F0502020204030204" pitchFamily="34" charset="0"/>
+                        <a:cs typeface="Arial" panose="020B0604020202020204" pitchFamily="34" charset="0"/>
+                      </a:endParaRPr>
+                    </a:p>
+                  </a:txBody>
+                  <a:tcPr marL="68580" marR="68580" marT="0" marB="0"/>
+                </a:tc>
+                <a:tc>
+                  <a:txBody>
+                    <a:bodyPr/>
+                    <a:lstStyle/>
+                    <a:p>
+                      <a:pPr algn="ctr">
+                        <a:lnSpc>
+                          <a:spcPct val="107000"/>
+                        </a:lnSpc>
+                        <a:spcAft>
+                          <a:spcPts val="800"/>
+                        </a:spcAft>
+                      </a:pPr>
+                      <a:r>
+                        <a:rPr lang="en-US" sz="1600">
+                          <a:effectLst/>
+                        </a:rPr>
+                        <a:t>17300000ns</a:t>
+                      </a:r>
+                      <a:endParaRPr lang="ru-RU" sz="1200">
+                        <a:effectLst/>
+                        <a:latin typeface="Calibri" panose="020F0502020204030204" pitchFamily="34" charset="0"/>
+                        <a:ea typeface="Calibri" panose="020F0502020204030204" pitchFamily="34" charset="0"/>
+                        <a:cs typeface="Arial" panose="020B0604020202020204" pitchFamily="34" charset="0"/>
+                      </a:endParaRPr>
+                    </a:p>
+                  </a:txBody>
+                  <a:tcPr marL="68580" marR="68580" marT="0" marB="0"/>
+                </a:tc>
+                <a:extLst>
+                  <a:ext uri="{0D108BD9-81ED-4DB2-BD59-A6C34878D82A}">
+                    <a16:rowId xmlns:a16="http://schemas.microsoft.com/office/drawing/2014/main" val="4210636774"/>
+                  </a:ext>
+                </a:extLst>
+              </a:tr>
+              <a:tr h="242470">
+                <a:tc>
+                  <a:txBody>
+                    <a:bodyPr/>
+                    <a:lstStyle/>
+                    <a:p>
+                      <a:pPr algn="l">
+                        <a:lnSpc>
+                          <a:spcPct val="107000"/>
+                        </a:lnSpc>
+                        <a:spcAft>
+                          <a:spcPts val="800"/>
+                        </a:spcAft>
+                      </a:pPr>
+                      <a:r>
+                        <a:rPr lang="ru-RU" sz="1600">
+                          <a:effectLst/>
+                        </a:rPr>
+                        <a:t> </a:t>
+                      </a:r>
+                      <a:endParaRPr lang="ru-RU" sz="1200">
+                        <a:effectLst/>
+                        <a:latin typeface="Calibri" panose="020F0502020204030204" pitchFamily="34" charset="0"/>
+                        <a:ea typeface="Calibri" panose="020F0502020204030204" pitchFamily="34" charset="0"/>
+                        <a:cs typeface="Arial" panose="020B0604020202020204" pitchFamily="34" charset="0"/>
+                      </a:endParaRPr>
+                    </a:p>
+                  </a:txBody>
+                  <a:tcPr marL="68580" marR="68580" marT="0" marB="0"/>
+                </a:tc>
+                <a:tc>
+                  <a:txBody>
+                    <a:bodyPr/>
+                    <a:lstStyle/>
+                    <a:p>
+                      <a:pPr algn="ctr">
+                        <a:lnSpc>
+                          <a:spcPct val="107000"/>
+                        </a:lnSpc>
+                        <a:spcAft>
+                          <a:spcPts val="800"/>
+                        </a:spcAft>
+                      </a:pPr>
+                      <a:r>
+                        <a:rPr lang="ru-RU" sz="1600">
+                          <a:effectLst/>
+                        </a:rPr>
+                        <a:t> </a:t>
+                      </a:r>
+                      <a:endParaRPr lang="ru-RU" sz="1200">
+                        <a:effectLst/>
+                        <a:latin typeface="Calibri" panose="020F0502020204030204" pitchFamily="34" charset="0"/>
+                        <a:ea typeface="Calibri" panose="020F0502020204030204" pitchFamily="34" charset="0"/>
+                        <a:cs typeface="Arial" panose="020B0604020202020204" pitchFamily="34" charset="0"/>
+                      </a:endParaRPr>
+                    </a:p>
+                  </a:txBody>
+                  <a:tcPr marL="68580" marR="68580" marT="0" marB="0"/>
+                </a:tc>
+                <a:tc>
+                  <a:txBody>
+                    <a:bodyPr/>
+                    <a:lstStyle/>
+                    <a:p>
+                      <a:pPr algn="ctr">
+                        <a:lnSpc>
+                          <a:spcPct val="107000"/>
+                        </a:lnSpc>
+                        <a:spcAft>
+                          <a:spcPts val="800"/>
+                        </a:spcAft>
+                      </a:pPr>
+                      <a:r>
+                        <a:rPr lang="ru-RU" sz="1600" dirty="0">
+                          <a:effectLst/>
+                        </a:rPr>
+                        <a:t> </a:t>
+                      </a:r>
+                      <a:endParaRPr lang="ru-RU" sz="1200" dirty="0">
+                        <a:effectLst/>
+                        <a:latin typeface="Calibri" panose="020F0502020204030204" pitchFamily="34" charset="0"/>
+                        <a:ea typeface="Calibri" panose="020F0502020204030204" pitchFamily="34" charset="0"/>
+                        <a:cs typeface="Arial" panose="020B0604020202020204" pitchFamily="34" charset="0"/>
+                      </a:endParaRPr>
+                    </a:p>
+                  </a:txBody>
+                  <a:tcPr marL="68580" marR="68580" marT="0" marB="0"/>
+                </a:tc>
+                <a:extLst>
+                  <a:ext uri="{0D108BD9-81ED-4DB2-BD59-A6C34878D82A}">
+                    <a16:rowId xmlns:a16="http://schemas.microsoft.com/office/drawing/2014/main" val="3010796276"/>
+                  </a:ext>
+                </a:extLst>
+              </a:tr>
+              <a:tr h="242470">
+                <a:tc>
+                  <a:txBody>
+                    <a:bodyPr/>
+                    <a:lstStyle/>
+                    <a:p>
+                      <a:pPr algn="l">
+                        <a:lnSpc>
+                          <a:spcPct val="107000"/>
+                        </a:lnSpc>
+                        <a:spcAft>
+                          <a:spcPts val="800"/>
+                        </a:spcAft>
+                      </a:pPr>
+                      <a:r>
+                        <a:rPr lang="ru-RU" sz="1600">
+                          <a:effectLst/>
+                        </a:rPr>
+                        <a:t>Обратный порядок</a:t>
+                      </a:r>
+                      <a:endParaRPr lang="ru-RU" sz="1200">
+                        <a:effectLst/>
+                        <a:latin typeface="Calibri" panose="020F0502020204030204" pitchFamily="34" charset="0"/>
+                        <a:ea typeface="Calibri" panose="020F0502020204030204" pitchFamily="34" charset="0"/>
+                        <a:cs typeface="Arial" panose="020B0604020202020204" pitchFamily="34" charset="0"/>
+                      </a:endParaRPr>
+                    </a:p>
+                  </a:txBody>
+                  <a:tcPr marL="68580" marR="68580" marT="0" marB="0"/>
+                </a:tc>
+                <a:tc>
+                  <a:txBody>
+                    <a:bodyPr/>
+                    <a:lstStyle/>
+                    <a:p>
+                      <a:pPr algn="ctr">
+                        <a:lnSpc>
+                          <a:spcPct val="107000"/>
+                        </a:lnSpc>
+                        <a:spcAft>
+                          <a:spcPts val="800"/>
+                        </a:spcAft>
+                      </a:pPr>
+                      <a:r>
+                        <a:rPr lang="ru-RU" sz="1600">
+                          <a:effectLst/>
+                        </a:rPr>
+                        <a:t> </a:t>
+                      </a:r>
+                      <a:endParaRPr lang="ru-RU" sz="1200">
+                        <a:effectLst/>
+                        <a:latin typeface="Calibri" panose="020F0502020204030204" pitchFamily="34" charset="0"/>
+                        <a:ea typeface="Calibri" panose="020F0502020204030204" pitchFamily="34" charset="0"/>
+                        <a:cs typeface="Arial" panose="020B0604020202020204" pitchFamily="34" charset="0"/>
+                      </a:endParaRPr>
+                    </a:p>
+                  </a:txBody>
+                  <a:tcPr marL="68580" marR="68580" marT="0" marB="0"/>
+                </a:tc>
+                <a:tc>
+                  <a:txBody>
+                    <a:bodyPr/>
+                    <a:lstStyle/>
+                    <a:p>
+                      <a:pPr algn="ctr">
+                        <a:lnSpc>
+                          <a:spcPct val="107000"/>
+                        </a:lnSpc>
+                        <a:spcAft>
+                          <a:spcPts val="800"/>
+                        </a:spcAft>
+                      </a:pPr>
+                      <a:r>
+                        <a:rPr lang="ru-RU" sz="1600">
+                          <a:effectLst/>
+                        </a:rPr>
+                        <a:t> </a:t>
+                      </a:r>
+                      <a:endParaRPr lang="ru-RU" sz="1200">
+                        <a:effectLst/>
+                        <a:latin typeface="Calibri" panose="020F0502020204030204" pitchFamily="34" charset="0"/>
+                        <a:ea typeface="Calibri" panose="020F0502020204030204" pitchFamily="34" charset="0"/>
+                        <a:cs typeface="Arial" panose="020B0604020202020204" pitchFamily="34" charset="0"/>
+                      </a:endParaRPr>
+                    </a:p>
+                  </a:txBody>
+                  <a:tcPr marL="68580" marR="68580" marT="0" marB="0"/>
+                </a:tc>
+                <a:extLst>
+                  <a:ext uri="{0D108BD9-81ED-4DB2-BD59-A6C34878D82A}">
+                    <a16:rowId xmlns:a16="http://schemas.microsoft.com/office/drawing/2014/main" val="1118512418"/>
+                  </a:ext>
+                </a:extLst>
+              </a:tr>
+              <a:tr h="242470">
+                <a:tc>
+                  <a:txBody>
+                    <a:bodyPr/>
+                    <a:lstStyle/>
+                    <a:p>
+                      <a:pPr algn="l">
+                        <a:lnSpc>
+                          <a:spcPct val="107000"/>
+                        </a:lnSpc>
+                        <a:spcAft>
+                          <a:spcPts val="800"/>
+                        </a:spcAft>
+                      </a:pPr>
+                      <a:r>
+                        <a:rPr lang="ru-RU" sz="1600">
+                          <a:effectLst/>
+                        </a:rPr>
+                        <a:t>1. 500</a:t>
+                      </a:r>
+                      <a:endParaRPr lang="ru-RU" sz="1200">
+                        <a:effectLst/>
+                        <a:latin typeface="Calibri" panose="020F0502020204030204" pitchFamily="34" charset="0"/>
+                        <a:ea typeface="Calibri" panose="020F0502020204030204" pitchFamily="34" charset="0"/>
+                        <a:cs typeface="Arial" panose="020B0604020202020204" pitchFamily="34" charset="0"/>
+                      </a:endParaRPr>
+                    </a:p>
+                  </a:txBody>
+                  <a:tcPr marL="68580" marR="68580" marT="0" marB="0"/>
+                </a:tc>
+                <a:tc>
+                  <a:txBody>
+                    <a:bodyPr/>
+                    <a:lstStyle/>
+                    <a:p>
+                      <a:pPr algn="ctr">
+                        <a:lnSpc>
+                          <a:spcPct val="107000"/>
+                        </a:lnSpc>
+                        <a:spcAft>
+                          <a:spcPts val="800"/>
+                        </a:spcAft>
+                      </a:pPr>
+                      <a:r>
+                        <a:rPr lang="ru-RU" sz="1600">
+                          <a:effectLst/>
+                        </a:rPr>
+                        <a:t>15ns</a:t>
+                      </a:r>
+                      <a:endParaRPr lang="ru-RU" sz="1200">
+                        <a:effectLst/>
+                        <a:latin typeface="Calibri" panose="020F0502020204030204" pitchFamily="34" charset="0"/>
+                        <a:ea typeface="Calibri" panose="020F0502020204030204" pitchFamily="34" charset="0"/>
+                        <a:cs typeface="Arial" panose="020B0604020202020204" pitchFamily="34" charset="0"/>
+                      </a:endParaRPr>
+                    </a:p>
+                  </a:txBody>
+                  <a:tcPr marL="68580" marR="68580" marT="0" marB="0"/>
+                </a:tc>
+                <a:tc>
+                  <a:txBody>
+                    <a:bodyPr/>
+                    <a:lstStyle/>
+                    <a:p>
+                      <a:pPr algn="ctr">
+                        <a:lnSpc>
+                          <a:spcPct val="107000"/>
+                        </a:lnSpc>
+                        <a:spcAft>
+                          <a:spcPts val="800"/>
+                        </a:spcAft>
+                      </a:pPr>
+                      <a:r>
+                        <a:rPr lang="en-US" sz="1600">
+                          <a:effectLst/>
+                        </a:rPr>
+                        <a:t>150ns</a:t>
+                      </a:r>
+                      <a:endParaRPr lang="ru-RU" sz="1200">
+                        <a:effectLst/>
+                        <a:latin typeface="Calibri" panose="020F0502020204030204" pitchFamily="34" charset="0"/>
+                        <a:ea typeface="Calibri" panose="020F0502020204030204" pitchFamily="34" charset="0"/>
+                        <a:cs typeface="Arial" panose="020B0604020202020204" pitchFamily="34" charset="0"/>
+                      </a:endParaRPr>
+                    </a:p>
+                  </a:txBody>
+                  <a:tcPr marL="68580" marR="68580" marT="0" marB="0"/>
+                </a:tc>
+                <a:extLst>
+                  <a:ext uri="{0D108BD9-81ED-4DB2-BD59-A6C34878D82A}">
+                    <a16:rowId xmlns:a16="http://schemas.microsoft.com/office/drawing/2014/main" val="3658601334"/>
+                  </a:ext>
+                </a:extLst>
+              </a:tr>
+              <a:tr h="242470">
+                <a:tc>
+                  <a:txBody>
+                    <a:bodyPr/>
+                    <a:lstStyle/>
+                    <a:p>
+                      <a:pPr algn="l">
+                        <a:lnSpc>
+                          <a:spcPct val="107000"/>
+                        </a:lnSpc>
+                        <a:spcAft>
+                          <a:spcPts val="800"/>
+                        </a:spcAft>
+                      </a:pPr>
+                      <a:r>
+                        <a:rPr lang="ru-RU" sz="1600">
+                          <a:effectLst/>
+                        </a:rPr>
+                        <a:t>2. 50000</a:t>
+                      </a:r>
+                      <a:endParaRPr lang="ru-RU" sz="1200">
+                        <a:effectLst/>
+                        <a:latin typeface="Calibri" panose="020F0502020204030204" pitchFamily="34" charset="0"/>
+                        <a:ea typeface="Calibri" panose="020F0502020204030204" pitchFamily="34" charset="0"/>
+                        <a:cs typeface="Arial" panose="020B0604020202020204" pitchFamily="34" charset="0"/>
+                      </a:endParaRPr>
+                    </a:p>
+                  </a:txBody>
+                  <a:tcPr marL="68580" marR="68580" marT="0" marB="0"/>
+                </a:tc>
+                <a:tc>
+                  <a:txBody>
+                    <a:bodyPr/>
+                    <a:lstStyle/>
+                    <a:p>
+                      <a:pPr algn="ctr">
+                        <a:lnSpc>
+                          <a:spcPct val="107000"/>
+                        </a:lnSpc>
+                        <a:spcAft>
+                          <a:spcPts val="800"/>
+                        </a:spcAft>
+                      </a:pPr>
+                      <a:r>
+                        <a:rPr lang="en-US" sz="1600">
+                          <a:effectLst/>
+                        </a:rPr>
+                        <a:t>1500ns</a:t>
+                      </a:r>
+                      <a:endParaRPr lang="ru-RU" sz="1200">
+                        <a:effectLst/>
+                        <a:latin typeface="Calibri" panose="020F0502020204030204" pitchFamily="34" charset="0"/>
+                        <a:ea typeface="Calibri" panose="020F0502020204030204" pitchFamily="34" charset="0"/>
+                        <a:cs typeface="Arial" panose="020B0604020202020204" pitchFamily="34" charset="0"/>
+                      </a:endParaRPr>
+                    </a:p>
+                  </a:txBody>
+                  <a:tcPr marL="68580" marR="68580" marT="0" marB="0"/>
+                </a:tc>
+                <a:tc>
+                  <a:txBody>
+                    <a:bodyPr/>
+                    <a:lstStyle/>
+                    <a:p>
+                      <a:pPr algn="ctr">
+                        <a:lnSpc>
+                          <a:spcPct val="107000"/>
+                        </a:lnSpc>
+                        <a:spcAft>
+                          <a:spcPts val="800"/>
+                        </a:spcAft>
+                      </a:pPr>
+                      <a:r>
+                        <a:rPr lang="en-US" sz="1600">
+                          <a:effectLst/>
+                        </a:rPr>
+                        <a:t>33000ns</a:t>
+                      </a:r>
+                      <a:endParaRPr lang="ru-RU" sz="1200">
+                        <a:effectLst/>
+                        <a:latin typeface="Calibri" panose="020F0502020204030204" pitchFamily="34" charset="0"/>
+                        <a:ea typeface="Calibri" panose="020F0502020204030204" pitchFamily="34" charset="0"/>
+                        <a:cs typeface="Arial" panose="020B0604020202020204" pitchFamily="34" charset="0"/>
+                      </a:endParaRPr>
+                    </a:p>
+                  </a:txBody>
+                  <a:tcPr marL="68580" marR="68580" marT="0" marB="0"/>
+                </a:tc>
+                <a:extLst>
+                  <a:ext uri="{0D108BD9-81ED-4DB2-BD59-A6C34878D82A}">
+                    <a16:rowId xmlns:a16="http://schemas.microsoft.com/office/drawing/2014/main" val="3567607282"/>
+                  </a:ext>
+                </a:extLst>
+              </a:tr>
+              <a:tr h="242470">
+                <a:tc>
+                  <a:txBody>
+                    <a:bodyPr/>
+                    <a:lstStyle/>
+                    <a:p>
+                      <a:pPr algn="l">
+                        <a:lnSpc>
+                          <a:spcPct val="107000"/>
+                        </a:lnSpc>
+                        <a:spcAft>
+                          <a:spcPts val="800"/>
+                        </a:spcAft>
+                      </a:pPr>
+                      <a:r>
+                        <a:rPr lang="ru-RU" sz="1600" dirty="0">
+                          <a:effectLst/>
+                        </a:rPr>
+                        <a:t>3. 5000000</a:t>
+                      </a:r>
+                      <a:endParaRPr lang="ru-RU" sz="1200" dirty="0">
+                        <a:effectLst/>
+                        <a:latin typeface="Calibri" panose="020F0502020204030204" pitchFamily="34" charset="0"/>
+                        <a:ea typeface="Calibri" panose="020F0502020204030204" pitchFamily="34" charset="0"/>
+                        <a:cs typeface="Arial" panose="020B0604020202020204" pitchFamily="34" charset="0"/>
+                      </a:endParaRPr>
+                    </a:p>
+                  </a:txBody>
+                  <a:tcPr marL="68580" marR="68580" marT="0" marB="0"/>
+                </a:tc>
+                <a:tc>
+                  <a:txBody>
+                    <a:bodyPr/>
+                    <a:lstStyle/>
+                    <a:p>
+                      <a:pPr algn="ctr">
+                        <a:lnSpc>
+                          <a:spcPct val="107000"/>
+                        </a:lnSpc>
+                        <a:spcAft>
+                          <a:spcPts val="800"/>
+                        </a:spcAft>
+                      </a:pPr>
+                      <a:r>
+                        <a:rPr lang="en-US" sz="1600">
+                          <a:effectLst/>
+                        </a:rPr>
+                        <a:t>180000ns</a:t>
+                      </a:r>
+                      <a:endParaRPr lang="ru-RU" sz="1200">
+                        <a:effectLst/>
+                        <a:latin typeface="Calibri" panose="020F0502020204030204" pitchFamily="34" charset="0"/>
+                        <a:ea typeface="Calibri" panose="020F0502020204030204" pitchFamily="34" charset="0"/>
+                        <a:cs typeface="Arial" panose="020B0604020202020204" pitchFamily="34" charset="0"/>
+                      </a:endParaRPr>
+                    </a:p>
+                  </a:txBody>
+                  <a:tcPr marL="68580" marR="68580" marT="0" marB="0"/>
+                </a:tc>
+                <a:tc>
+                  <a:txBody>
+                    <a:bodyPr/>
+                    <a:lstStyle/>
+                    <a:p>
+                      <a:pPr algn="ctr">
+                        <a:lnSpc>
+                          <a:spcPct val="107000"/>
+                        </a:lnSpc>
+                        <a:spcAft>
+                          <a:spcPts val="800"/>
+                        </a:spcAft>
+                      </a:pPr>
+                      <a:r>
+                        <a:rPr lang="en-US" sz="1600">
+                          <a:effectLst/>
+                        </a:rPr>
+                        <a:t>12200000ns</a:t>
+                      </a:r>
+                      <a:endParaRPr lang="ru-RU" sz="1200">
+                        <a:effectLst/>
+                        <a:latin typeface="Calibri" panose="020F0502020204030204" pitchFamily="34" charset="0"/>
+                        <a:ea typeface="Calibri" panose="020F0502020204030204" pitchFamily="34" charset="0"/>
+                        <a:cs typeface="Arial" panose="020B0604020202020204" pitchFamily="34" charset="0"/>
+                      </a:endParaRPr>
+                    </a:p>
+                  </a:txBody>
+                  <a:tcPr marL="68580" marR="68580" marT="0" marB="0"/>
+                </a:tc>
+                <a:extLst>
+                  <a:ext uri="{0D108BD9-81ED-4DB2-BD59-A6C34878D82A}">
+                    <a16:rowId xmlns:a16="http://schemas.microsoft.com/office/drawing/2014/main" val="3188912028"/>
+                  </a:ext>
+                </a:extLst>
+              </a:tr>
+              <a:tr h="242470">
+                <a:tc>
+                  <a:txBody>
+                    <a:bodyPr/>
+                    <a:lstStyle/>
+                    <a:p>
+                      <a:pPr algn="l">
+                        <a:lnSpc>
+                          <a:spcPct val="107000"/>
+                        </a:lnSpc>
+                        <a:spcAft>
+                          <a:spcPts val="800"/>
+                        </a:spcAft>
+                      </a:pPr>
+                      <a:r>
+                        <a:rPr lang="ru-RU" sz="1600">
+                          <a:effectLst/>
+                        </a:rPr>
+                        <a:t> </a:t>
+                      </a:r>
+                      <a:endParaRPr lang="ru-RU" sz="1200">
+                        <a:effectLst/>
+                        <a:latin typeface="Calibri" panose="020F0502020204030204" pitchFamily="34" charset="0"/>
+                        <a:ea typeface="Calibri" panose="020F0502020204030204" pitchFamily="34" charset="0"/>
+                        <a:cs typeface="Arial" panose="020B0604020202020204" pitchFamily="34" charset="0"/>
+                      </a:endParaRPr>
+                    </a:p>
+                  </a:txBody>
+                  <a:tcPr marL="68580" marR="68580" marT="0" marB="0"/>
+                </a:tc>
+                <a:tc>
+                  <a:txBody>
+                    <a:bodyPr/>
+                    <a:lstStyle/>
+                    <a:p>
+                      <a:pPr algn="ctr">
+                        <a:lnSpc>
+                          <a:spcPct val="107000"/>
+                        </a:lnSpc>
+                        <a:spcAft>
+                          <a:spcPts val="800"/>
+                        </a:spcAft>
+                      </a:pPr>
+                      <a:r>
+                        <a:rPr lang="ru-RU" sz="1600">
+                          <a:effectLst/>
+                        </a:rPr>
+                        <a:t> </a:t>
+                      </a:r>
+                      <a:endParaRPr lang="ru-RU" sz="1200">
+                        <a:effectLst/>
+                        <a:latin typeface="Calibri" panose="020F0502020204030204" pitchFamily="34" charset="0"/>
+                        <a:ea typeface="Calibri" panose="020F0502020204030204" pitchFamily="34" charset="0"/>
+                        <a:cs typeface="Arial" panose="020B0604020202020204" pitchFamily="34" charset="0"/>
+                      </a:endParaRPr>
+                    </a:p>
+                  </a:txBody>
+                  <a:tcPr marL="68580" marR="68580" marT="0" marB="0"/>
+                </a:tc>
+                <a:tc>
+                  <a:txBody>
+                    <a:bodyPr/>
+                    <a:lstStyle/>
+                    <a:p>
+                      <a:pPr algn="ctr">
+                        <a:lnSpc>
+                          <a:spcPct val="107000"/>
+                        </a:lnSpc>
+                        <a:spcAft>
+                          <a:spcPts val="800"/>
+                        </a:spcAft>
+                      </a:pPr>
+                      <a:r>
+                        <a:rPr lang="ru-RU" sz="1600">
+                          <a:effectLst/>
+                        </a:rPr>
+                        <a:t> </a:t>
+                      </a:r>
+                      <a:endParaRPr lang="ru-RU" sz="1200">
+                        <a:effectLst/>
+                        <a:latin typeface="Calibri" panose="020F0502020204030204" pitchFamily="34" charset="0"/>
+                        <a:ea typeface="Calibri" panose="020F0502020204030204" pitchFamily="34" charset="0"/>
+                        <a:cs typeface="Arial" panose="020B0604020202020204" pitchFamily="34" charset="0"/>
+                      </a:endParaRPr>
+                    </a:p>
+                  </a:txBody>
+                  <a:tcPr marL="68580" marR="68580" marT="0" marB="0"/>
+                </a:tc>
+                <a:extLst>
+                  <a:ext uri="{0D108BD9-81ED-4DB2-BD59-A6C34878D82A}">
+                    <a16:rowId xmlns:a16="http://schemas.microsoft.com/office/drawing/2014/main" val="3874150676"/>
+                  </a:ext>
+                </a:extLst>
+              </a:tr>
+              <a:tr h="242470">
+                <a:tc>
+                  <a:txBody>
+                    <a:bodyPr/>
+                    <a:lstStyle/>
+                    <a:p>
+                      <a:pPr algn="l">
+                        <a:lnSpc>
+                          <a:spcPct val="107000"/>
+                        </a:lnSpc>
+                        <a:spcAft>
+                          <a:spcPts val="800"/>
+                        </a:spcAft>
+                      </a:pPr>
+                      <a:r>
+                        <a:rPr lang="ru-RU" sz="1600">
+                          <a:effectLst/>
+                        </a:rPr>
+                        <a:t>Случайный порядок</a:t>
+                      </a:r>
+                      <a:endParaRPr lang="ru-RU" sz="1200">
+                        <a:effectLst/>
+                        <a:latin typeface="Calibri" panose="020F0502020204030204" pitchFamily="34" charset="0"/>
+                        <a:ea typeface="Calibri" panose="020F0502020204030204" pitchFamily="34" charset="0"/>
+                        <a:cs typeface="Arial" panose="020B0604020202020204" pitchFamily="34" charset="0"/>
+                      </a:endParaRPr>
+                    </a:p>
+                  </a:txBody>
+                  <a:tcPr marL="68580" marR="68580" marT="0" marB="0"/>
+                </a:tc>
+                <a:tc>
+                  <a:txBody>
+                    <a:bodyPr/>
+                    <a:lstStyle/>
+                    <a:p>
+                      <a:pPr algn="ctr">
+                        <a:lnSpc>
+                          <a:spcPct val="107000"/>
+                        </a:lnSpc>
+                        <a:spcAft>
+                          <a:spcPts val="800"/>
+                        </a:spcAft>
+                      </a:pPr>
+                      <a:r>
+                        <a:rPr lang="ru-RU" sz="1600">
+                          <a:effectLst/>
+                        </a:rPr>
+                        <a:t> </a:t>
+                      </a:r>
+                      <a:endParaRPr lang="ru-RU" sz="1200">
+                        <a:effectLst/>
+                        <a:latin typeface="Calibri" panose="020F0502020204030204" pitchFamily="34" charset="0"/>
+                        <a:ea typeface="Calibri" panose="020F0502020204030204" pitchFamily="34" charset="0"/>
+                        <a:cs typeface="Arial" panose="020B0604020202020204" pitchFamily="34" charset="0"/>
+                      </a:endParaRPr>
+                    </a:p>
+                  </a:txBody>
+                  <a:tcPr marL="68580" marR="68580" marT="0" marB="0"/>
+                </a:tc>
+                <a:tc>
+                  <a:txBody>
+                    <a:bodyPr/>
+                    <a:lstStyle/>
+                    <a:p>
+                      <a:pPr algn="ctr">
+                        <a:lnSpc>
+                          <a:spcPct val="107000"/>
+                        </a:lnSpc>
+                        <a:spcAft>
+                          <a:spcPts val="800"/>
+                        </a:spcAft>
+                      </a:pPr>
+                      <a:r>
+                        <a:rPr lang="ru-RU" sz="1600">
+                          <a:effectLst/>
+                        </a:rPr>
+                        <a:t> </a:t>
+                      </a:r>
+                      <a:endParaRPr lang="ru-RU" sz="1200">
+                        <a:effectLst/>
+                        <a:latin typeface="Calibri" panose="020F0502020204030204" pitchFamily="34" charset="0"/>
+                        <a:ea typeface="Calibri" panose="020F0502020204030204" pitchFamily="34" charset="0"/>
+                        <a:cs typeface="Arial" panose="020B0604020202020204" pitchFamily="34" charset="0"/>
+                      </a:endParaRPr>
+                    </a:p>
+                  </a:txBody>
+                  <a:tcPr marL="68580" marR="68580" marT="0" marB="0"/>
+                </a:tc>
+                <a:extLst>
+                  <a:ext uri="{0D108BD9-81ED-4DB2-BD59-A6C34878D82A}">
+                    <a16:rowId xmlns:a16="http://schemas.microsoft.com/office/drawing/2014/main" val="1719746403"/>
+                  </a:ext>
+                </a:extLst>
+              </a:tr>
+              <a:tr h="242470">
+                <a:tc>
+                  <a:txBody>
+                    <a:bodyPr/>
+                    <a:lstStyle/>
+                    <a:p>
+                      <a:pPr algn="l">
+                        <a:lnSpc>
+                          <a:spcPct val="107000"/>
+                        </a:lnSpc>
+                        <a:spcAft>
+                          <a:spcPts val="800"/>
+                        </a:spcAft>
+                      </a:pPr>
+                      <a:r>
+                        <a:rPr lang="ru-RU" sz="1600">
+                          <a:effectLst/>
+                        </a:rPr>
+                        <a:t>1. 500</a:t>
+                      </a:r>
+                      <a:endParaRPr lang="ru-RU" sz="1200">
+                        <a:effectLst/>
+                        <a:latin typeface="Calibri" panose="020F0502020204030204" pitchFamily="34" charset="0"/>
+                        <a:ea typeface="Calibri" panose="020F0502020204030204" pitchFamily="34" charset="0"/>
+                        <a:cs typeface="Arial" panose="020B0604020202020204" pitchFamily="34" charset="0"/>
+                      </a:endParaRPr>
+                    </a:p>
+                  </a:txBody>
+                  <a:tcPr marL="68580" marR="68580" marT="0" marB="0"/>
+                </a:tc>
+                <a:tc>
+                  <a:txBody>
+                    <a:bodyPr/>
+                    <a:lstStyle/>
+                    <a:p>
+                      <a:pPr algn="ctr">
+                        <a:lnSpc>
+                          <a:spcPct val="107000"/>
+                        </a:lnSpc>
+                        <a:spcAft>
+                          <a:spcPts val="800"/>
+                        </a:spcAft>
+                      </a:pPr>
+                      <a:r>
+                        <a:rPr lang="ru-RU" sz="1600">
+                          <a:effectLst/>
+                        </a:rPr>
+                        <a:t>15ns</a:t>
+                      </a:r>
+                      <a:endParaRPr lang="ru-RU" sz="1200">
+                        <a:effectLst/>
+                        <a:latin typeface="Calibri" panose="020F0502020204030204" pitchFamily="34" charset="0"/>
+                        <a:ea typeface="Calibri" panose="020F0502020204030204" pitchFamily="34" charset="0"/>
+                        <a:cs typeface="Arial" panose="020B0604020202020204" pitchFamily="34" charset="0"/>
+                      </a:endParaRPr>
+                    </a:p>
+                  </a:txBody>
+                  <a:tcPr marL="68580" marR="68580" marT="0" marB="0"/>
+                </a:tc>
+                <a:tc>
+                  <a:txBody>
+                    <a:bodyPr/>
+                    <a:lstStyle/>
+                    <a:p>
+                      <a:pPr algn="ctr">
+                        <a:lnSpc>
+                          <a:spcPct val="107000"/>
+                        </a:lnSpc>
+                        <a:spcAft>
+                          <a:spcPts val="800"/>
+                        </a:spcAft>
+                      </a:pPr>
+                      <a:r>
+                        <a:rPr lang="en-US" sz="1600">
+                          <a:effectLst/>
+                        </a:rPr>
+                        <a:t>350ns</a:t>
+                      </a:r>
+                      <a:endParaRPr lang="ru-RU" sz="1200">
+                        <a:effectLst/>
+                        <a:latin typeface="Calibri" panose="020F0502020204030204" pitchFamily="34" charset="0"/>
+                        <a:ea typeface="Calibri" panose="020F0502020204030204" pitchFamily="34" charset="0"/>
+                        <a:cs typeface="Arial" panose="020B0604020202020204" pitchFamily="34" charset="0"/>
+                      </a:endParaRPr>
+                    </a:p>
+                  </a:txBody>
+                  <a:tcPr marL="68580" marR="68580" marT="0" marB="0"/>
+                </a:tc>
+                <a:extLst>
+                  <a:ext uri="{0D108BD9-81ED-4DB2-BD59-A6C34878D82A}">
+                    <a16:rowId xmlns:a16="http://schemas.microsoft.com/office/drawing/2014/main" val="3147436479"/>
+                  </a:ext>
+                </a:extLst>
+              </a:tr>
+              <a:tr h="242470">
+                <a:tc>
+                  <a:txBody>
+                    <a:bodyPr/>
+                    <a:lstStyle/>
+                    <a:p>
+                      <a:pPr algn="l">
+                        <a:lnSpc>
+                          <a:spcPct val="107000"/>
+                        </a:lnSpc>
+                        <a:spcAft>
+                          <a:spcPts val="800"/>
+                        </a:spcAft>
+                      </a:pPr>
+                      <a:r>
+                        <a:rPr lang="ru-RU" sz="1600">
+                          <a:effectLst/>
+                        </a:rPr>
+                        <a:t>2. 50000</a:t>
+                      </a:r>
+                      <a:endParaRPr lang="ru-RU" sz="1200">
+                        <a:effectLst/>
+                        <a:latin typeface="Calibri" panose="020F0502020204030204" pitchFamily="34" charset="0"/>
+                        <a:ea typeface="Calibri" panose="020F0502020204030204" pitchFamily="34" charset="0"/>
+                        <a:cs typeface="Arial" panose="020B0604020202020204" pitchFamily="34" charset="0"/>
+                      </a:endParaRPr>
+                    </a:p>
+                  </a:txBody>
+                  <a:tcPr marL="68580" marR="68580" marT="0" marB="0"/>
+                </a:tc>
+                <a:tc>
+                  <a:txBody>
+                    <a:bodyPr/>
+                    <a:lstStyle/>
+                    <a:p>
+                      <a:pPr algn="ctr">
+                        <a:lnSpc>
+                          <a:spcPct val="107000"/>
+                        </a:lnSpc>
+                        <a:spcAft>
+                          <a:spcPts val="800"/>
+                        </a:spcAft>
+                      </a:pPr>
+                      <a:r>
+                        <a:rPr lang="en-US" sz="1600">
+                          <a:effectLst/>
+                        </a:rPr>
+                        <a:t>1500ns</a:t>
+                      </a:r>
+                      <a:endParaRPr lang="ru-RU" sz="1200">
+                        <a:effectLst/>
+                        <a:latin typeface="Calibri" panose="020F0502020204030204" pitchFamily="34" charset="0"/>
+                        <a:ea typeface="Calibri" panose="020F0502020204030204" pitchFamily="34" charset="0"/>
+                        <a:cs typeface="Arial" panose="020B0604020202020204" pitchFamily="34" charset="0"/>
+                      </a:endParaRPr>
+                    </a:p>
+                  </a:txBody>
+                  <a:tcPr marL="68580" marR="68580" marT="0" marB="0"/>
+                </a:tc>
+                <a:tc>
+                  <a:txBody>
+                    <a:bodyPr/>
+                    <a:lstStyle/>
+                    <a:p>
+                      <a:pPr algn="ctr">
+                        <a:lnSpc>
+                          <a:spcPct val="107000"/>
+                        </a:lnSpc>
+                        <a:spcAft>
+                          <a:spcPts val="800"/>
+                        </a:spcAft>
+                      </a:pPr>
+                      <a:r>
+                        <a:rPr lang="en-US" sz="1600">
+                          <a:effectLst/>
+                        </a:rPr>
+                        <a:t>83000ns</a:t>
+                      </a:r>
+                      <a:endParaRPr lang="ru-RU" sz="1200">
+                        <a:effectLst/>
+                        <a:latin typeface="Calibri" panose="020F0502020204030204" pitchFamily="34" charset="0"/>
+                        <a:ea typeface="Calibri" panose="020F0502020204030204" pitchFamily="34" charset="0"/>
+                        <a:cs typeface="Arial" panose="020B0604020202020204" pitchFamily="34" charset="0"/>
+                      </a:endParaRPr>
+                    </a:p>
+                  </a:txBody>
+                  <a:tcPr marL="68580" marR="68580" marT="0" marB="0"/>
+                </a:tc>
+                <a:extLst>
+                  <a:ext uri="{0D108BD9-81ED-4DB2-BD59-A6C34878D82A}">
+                    <a16:rowId xmlns:a16="http://schemas.microsoft.com/office/drawing/2014/main" val="1276845282"/>
+                  </a:ext>
+                </a:extLst>
+              </a:tr>
+              <a:tr h="242470">
+                <a:tc>
+                  <a:txBody>
+                    <a:bodyPr/>
+                    <a:lstStyle/>
+                    <a:p>
+                      <a:pPr algn="l">
+                        <a:lnSpc>
+                          <a:spcPct val="107000"/>
+                        </a:lnSpc>
+                        <a:spcAft>
+                          <a:spcPts val="800"/>
+                        </a:spcAft>
+                      </a:pPr>
+                      <a:r>
+                        <a:rPr lang="ru-RU" sz="1600">
+                          <a:effectLst/>
+                        </a:rPr>
+                        <a:t>3. 5000000</a:t>
+                      </a:r>
+                      <a:endParaRPr lang="ru-RU" sz="1200">
+                        <a:effectLst/>
+                        <a:latin typeface="Calibri" panose="020F0502020204030204" pitchFamily="34" charset="0"/>
+                        <a:ea typeface="Calibri" panose="020F0502020204030204" pitchFamily="34" charset="0"/>
+                        <a:cs typeface="Arial" panose="020B0604020202020204" pitchFamily="34" charset="0"/>
+                      </a:endParaRPr>
+                    </a:p>
+                  </a:txBody>
+                  <a:tcPr marL="68580" marR="68580" marT="0" marB="0"/>
+                </a:tc>
+                <a:tc>
+                  <a:txBody>
+                    <a:bodyPr/>
+                    <a:lstStyle/>
+                    <a:p>
+                      <a:pPr algn="ctr">
+                        <a:lnSpc>
+                          <a:spcPct val="107000"/>
+                        </a:lnSpc>
+                        <a:spcAft>
+                          <a:spcPts val="800"/>
+                        </a:spcAft>
+                      </a:pPr>
+                      <a:r>
+                        <a:rPr lang="en-US" sz="1600">
+                          <a:effectLst/>
+                        </a:rPr>
+                        <a:t>180000ns</a:t>
+                      </a:r>
+                      <a:endParaRPr lang="ru-RU" sz="1200">
+                        <a:effectLst/>
+                        <a:latin typeface="Calibri" panose="020F0502020204030204" pitchFamily="34" charset="0"/>
+                        <a:ea typeface="Calibri" panose="020F0502020204030204" pitchFamily="34" charset="0"/>
+                        <a:cs typeface="Arial" panose="020B0604020202020204" pitchFamily="34" charset="0"/>
+                      </a:endParaRPr>
+                    </a:p>
+                  </a:txBody>
+                  <a:tcPr marL="68580" marR="68580" marT="0" marB="0"/>
+                </a:tc>
+                <a:tc>
+                  <a:txBody>
+                    <a:bodyPr/>
+                    <a:lstStyle/>
+                    <a:p>
+                      <a:pPr algn="ctr">
+                        <a:lnSpc>
+                          <a:spcPct val="107000"/>
+                        </a:lnSpc>
+                        <a:spcAft>
+                          <a:spcPts val="800"/>
+                        </a:spcAft>
+                      </a:pPr>
+                      <a:r>
+                        <a:rPr lang="en-US" sz="1600">
+                          <a:effectLst/>
+                        </a:rPr>
+                        <a:t>28500000ns</a:t>
+                      </a:r>
+                      <a:endParaRPr lang="ru-RU" sz="1200">
+                        <a:effectLst/>
+                        <a:latin typeface="Calibri" panose="020F0502020204030204" pitchFamily="34" charset="0"/>
+                        <a:ea typeface="Calibri" panose="020F0502020204030204" pitchFamily="34" charset="0"/>
+                        <a:cs typeface="Arial" panose="020B0604020202020204" pitchFamily="34" charset="0"/>
+                      </a:endParaRPr>
+                    </a:p>
+                  </a:txBody>
+                  <a:tcPr marL="68580" marR="68580" marT="0" marB="0"/>
+                </a:tc>
+                <a:extLst>
+                  <a:ext uri="{0D108BD9-81ED-4DB2-BD59-A6C34878D82A}">
+                    <a16:rowId xmlns:a16="http://schemas.microsoft.com/office/drawing/2014/main" val="3717663172"/>
+                  </a:ext>
+                </a:extLst>
+              </a:tr>
+              <a:tr h="242470">
+                <a:tc>
+                  <a:txBody>
+                    <a:bodyPr/>
+                    <a:lstStyle/>
+                    <a:p>
+                      <a:pPr algn="l">
+                        <a:lnSpc>
+                          <a:spcPct val="107000"/>
+                        </a:lnSpc>
+                        <a:spcAft>
+                          <a:spcPts val="800"/>
+                        </a:spcAft>
+                      </a:pPr>
+                      <a:r>
+                        <a:rPr lang="ru-RU" sz="1600">
+                          <a:effectLst/>
+                        </a:rPr>
+                        <a:t> </a:t>
+                      </a:r>
+                      <a:endParaRPr lang="ru-RU" sz="1200">
+                        <a:effectLst/>
+                        <a:latin typeface="Calibri" panose="020F0502020204030204" pitchFamily="34" charset="0"/>
+                        <a:ea typeface="Calibri" panose="020F0502020204030204" pitchFamily="34" charset="0"/>
+                        <a:cs typeface="Arial" panose="020B0604020202020204" pitchFamily="34" charset="0"/>
+                      </a:endParaRPr>
+                    </a:p>
+                  </a:txBody>
+                  <a:tcPr marL="68580" marR="68580" marT="0" marB="0"/>
+                </a:tc>
+                <a:tc>
+                  <a:txBody>
+                    <a:bodyPr/>
+                    <a:lstStyle/>
+                    <a:p>
+                      <a:pPr algn="ctr">
+                        <a:lnSpc>
+                          <a:spcPct val="107000"/>
+                        </a:lnSpc>
+                        <a:spcAft>
+                          <a:spcPts val="800"/>
+                        </a:spcAft>
+                      </a:pPr>
+                      <a:r>
+                        <a:rPr lang="ru-RU" sz="1600">
+                          <a:effectLst/>
+                        </a:rPr>
+                        <a:t> </a:t>
+                      </a:r>
+                      <a:endParaRPr lang="ru-RU" sz="1200">
+                        <a:effectLst/>
+                        <a:latin typeface="Calibri" panose="020F0502020204030204" pitchFamily="34" charset="0"/>
+                        <a:ea typeface="Calibri" panose="020F0502020204030204" pitchFamily="34" charset="0"/>
+                        <a:cs typeface="Arial" panose="020B0604020202020204" pitchFamily="34" charset="0"/>
+                      </a:endParaRPr>
+                    </a:p>
+                  </a:txBody>
+                  <a:tcPr marL="68580" marR="68580" marT="0" marB="0"/>
+                </a:tc>
+                <a:tc>
+                  <a:txBody>
+                    <a:bodyPr/>
+                    <a:lstStyle/>
+                    <a:p>
+                      <a:pPr algn="ctr">
+                        <a:lnSpc>
+                          <a:spcPct val="107000"/>
+                        </a:lnSpc>
+                        <a:spcAft>
+                          <a:spcPts val="800"/>
+                        </a:spcAft>
+                      </a:pPr>
+                      <a:r>
+                        <a:rPr lang="ru-RU" sz="1600">
+                          <a:effectLst/>
+                        </a:rPr>
+                        <a:t> </a:t>
+                      </a:r>
+                      <a:endParaRPr lang="ru-RU" sz="1200">
+                        <a:effectLst/>
+                        <a:latin typeface="Calibri" panose="020F0502020204030204" pitchFamily="34" charset="0"/>
+                        <a:ea typeface="Calibri" panose="020F0502020204030204" pitchFamily="34" charset="0"/>
+                        <a:cs typeface="Arial" panose="020B0604020202020204" pitchFamily="34" charset="0"/>
+                      </a:endParaRPr>
+                    </a:p>
+                  </a:txBody>
+                  <a:tcPr marL="68580" marR="68580" marT="0" marB="0"/>
+                </a:tc>
+                <a:extLst>
+                  <a:ext uri="{0D108BD9-81ED-4DB2-BD59-A6C34878D82A}">
+                    <a16:rowId xmlns:a16="http://schemas.microsoft.com/office/drawing/2014/main" val="3173518909"/>
+                  </a:ext>
+                </a:extLst>
+              </a:tr>
+              <a:tr h="242470">
+                <a:tc>
+                  <a:txBody>
+                    <a:bodyPr/>
+                    <a:lstStyle/>
+                    <a:p>
+                      <a:pPr algn="l">
+                        <a:lnSpc>
+                          <a:spcPct val="107000"/>
+                        </a:lnSpc>
+                        <a:spcAft>
+                          <a:spcPts val="800"/>
+                        </a:spcAft>
+                      </a:pPr>
+                      <a:r>
+                        <a:rPr lang="ru-RU" sz="1600">
+                          <a:effectLst/>
+                        </a:rPr>
+                        <a:t>Одно число</a:t>
+                      </a:r>
+                      <a:endParaRPr lang="ru-RU" sz="1200">
+                        <a:effectLst/>
+                        <a:latin typeface="Calibri" panose="020F0502020204030204" pitchFamily="34" charset="0"/>
+                        <a:ea typeface="Calibri" panose="020F0502020204030204" pitchFamily="34" charset="0"/>
+                        <a:cs typeface="Arial" panose="020B0604020202020204" pitchFamily="34" charset="0"/>
+                      </a:endParaRPr>
+                    </a:p>
+                  </a:txBody>
+                  <a:tcPr marL="68580" marR="68580" marT="0" marB="0"/>
+                </a:tc>
+                <a:tc>
+                  <a:txBody>
+                    <a:bodyPr/>
+                    <a:lstStyle/>
+                    <a:p>
+                      <a:pPr algn="ctr">
+                        <a:lnSpc>
+                          <a:spcPct val="107000"/>
+                        </a:lnSpc>
+                        <a:spcAft>
+                          <a:spcPts val="800"/>
+                        </a:spcAft>
+                      </a:pPr>
+                      <a:r>
+                        <a:rPr lang="ru-RU" sz="1600">
+                          <a:effectLst/>
+                        </a:rPr>
+                        <a:t> </a:t>
+                      </a:r>
+                      <a:endParaRPr lang="ru-RU" sz="1200">
+                        <a:effectLst/>
+                        <a:latin typeface="Calibri" panose="020F0502020204030204" pitchFamily="34" charset="0"/>
+                        <a:ea typeface="Calibri" panose="020F0502020204030204" pitchFamily="34" charset="0"/>
+                        <a:cs typeface="Arial" panose="020B0604020202020204" pitchFamily="34" charset="0"/>
+                      </a:endParaRPr>
+                    </a:p>
+                  </a:txBody>
+                  <a:tcPr marL="68580" marR="68580" marT="0" marB="0"/>
+                </a:tc>
+                <a:tc>
+                  <a:txBody>
+                    <a:bodyPr/>
+                    <a:lstStyle/>
+                    <a:p>
+                      <a:pPr algn="ctr">
+                        <a:lnSpc>
+                          <a:spcPct val="107000"/>
+                        </a:lnSpc>
+                        <a:spcAft>
+                          <a:spcPts val="800"/>
+                        </a:spcAft>
+                      </a:pPr>
+                      <a:r>
+                        <a:rPr lang="ru-RU" sz="1600">
+                          <a:effectLst/>
+                        </a:rPr>
+                        <a:t> </a:t>
+                      </a:r>
+                      <a:endParaRPr lang="ru-RU" sz="1200">
+                        <a:effectLst/>
+                        <a:latin typeface="Calibri" panose="020F0502020204030204" pitchFamily="34" charset="0"/>
+                        <a:ea typeface="Calibri" panose="020F0502020204030204" pitchFamily="34" charset="0"/>
+                        <a:cs typeface="Arial" panose="020B0604020202020204" pitchFamily="34" charset="0"/>
+                      </a:endParaRPr>
+                    </a:p>
+                  </a:txBody>
+                  <a:tcPr marL="68580" marR="68580" marT="0" marB="0"/>
+                </a:tc>
+                <a:extLst>
+                  <a:ext uri="{0D108BD9-81ED-4DB2-BD59-A6C34878D82A}">
+                    <a16:rowId xmlns:a16="http://schemas.microsoft.com/office/drawing/2014/main" val="2938433735"/>
+                  </a:ext>
+                </a:extLst>
+              </a:tr>
+              <a:tr h="242470">
+                <a:tc>
+                  <a:txBody>
+                    <a:bodyPr/>
+                    <a:lstStyle/>
+                    <a:p>
+                      <a:pPr algn="l">
+                        <a:lnSpc>
+                          <a:spcPct val="107000"/>
+                        </a:lnSpc>
+                        <a:spcAft>
+                          <a:spcPts val="800"/>
+                        </a:spcAft>
+                      </a:pPr>
+                      <a:r>
+                        <a:rPr lang="ru-RU" sz="1600">
+                          <a:effectLst/>
+                        </a:rPr>
+                        <a:t>1. 500</a:t>
+                      </a:r>
+                      <a:endParaRPr lang="ru-RU" sz="1200">
+                        <a:effectLst/>
+                        <a:latin typeface="Calibri" panose="020F0502020204030204" pitchFamily="34" charset="0"/>
+                        <a:ea typeface="Calibri" panose="020F0502020204030204" pitchFamily="34" charset="0"/>
+                        <a:cs typeface="Arial" panose="020B0604020202020204" pitchFamily="34" charset="0"/>
+                      </a:endParaRPr>
+                    </a:p>
+                  </a:txBody>
+                  <a:tcPr marL="68580" marR="68580" marT="0" marB="0"/>
+                </a:tc>
+                <a:tc>
+                  <a:txBody>
+                    <a:bodyPr/>
+                    <a:lstStyle/>
+                    <a:p>
+                      <a:pPr algn="ctr">
+                        <a:lnSpc>
+                          <a:spcPct val="107000"/>
+                        </a:lnSpc>
+                        <a:spcAft>
+                          <a:spcPts val="800"/>
+                        </a:spcAft>
+                      </a:pPr>
+                      <a:r>
+                        <a:rPr lang="ru-RU" sz="1600">
+                          <a:effectLst/>
+                        </a:rPr>
+                        <a:t>15ns</a:t>
+                      </a:r>
+                      <a:endParaRPr lang="ru-RU" sz="1200">
+                        <a:effectLst/>
+                        <a:latin typeface="Calibri" panose="020F0502020204030204" pitchFamily="34" charset="0"/>
+                        <a:ea typeface="Calibri" panose="020F0502020204030204" pitchFamily="34" charset="0"/>
+                        <a:cs typeface="Arial" panose="020B0604020202020204" pitchFamily="34" charset="0"/>
+                      </a:endParaRPr>
+                    </a:p>
+                  </a:txBody>
+                  <a:tcPr marL="68580" marR="68580" marT="0" marB="0"/>
+                </a:tc>
+                <a:tc>
+                  <a:txBody>
+                    <a:bodyPr/>
+                    <a:lstStyle/>
+                    <a:p>
+                      <a:pPr algn="ctr">
+                        <a:lnSpc>
+                          <a:spcPct val="107000"/>
+                        </a:lnSpc>
+                        <a:spcAft>
+                          <a:spcPts val="800"/>
+                        </a:spcAft>
+                      </a:pPr>
+                      <a:r>
+                        <a:rPr lang="en-US" sz="1600">
+                          <a:effectLst/>
+                        </a:rPr>
+                        <a:t>7ns</a:t>
+                      </a:r>
+                      <a:endParaRPr lang="ru-RU" sz="1200">
+                        <a:effectLst/>
+                        <a:latin typeface="Calibri" panose="020F0502020204030204" pitchFamily="34" charset="0"/>
+                        <a:ea typeface="Calibri" panose="020F0502020204030204" pitchFamily="34" charset="0"/>
+                        <a:cs typeface="Arial" panose="020B0604020202020204" pitchFamily="34" charset="0"/>
+                      </a:endParaRPr>
+                    </a:p>
+                  </a:txBody>
+                  <a:tcPr marL="68580" marR="68580" marT="0" marB="0"/>
+                </a:tc>
+                <a:extLst>
+                  <a:ext uri="{0D108BD9-81ED-4DB2-BD59-A6C34878D82A}">
+                    <a16:rowId xmlns:a16="http://schemas.microsoft.com/office/drawing/2014/main" val="2840443519"/>
+                  </a:ext>
+                </a:extLst>
+              </a:tr>
+              <a:tr h="242470">
+                <a:tc>
+                  <a:txBody>
+                    <a:bodyPr/>
+                    <a:lstStyle/>
+                    <a:p>
+                      <a:pPr algn="l">
+                        <a:lnSpc>
+                          <a:spcPct val="107000"/>
+                        </a:lnSpc>
+                        <a:spcAft>
+                          <a:spcPts val="800"/>
+                        </a:spcAft>
+                      </a:pPr>
+                      <a:r>
+                        <a:rPr lang="ru-RU" sz="1600">
+                          <a:effectLst/>
+                        </a:rPr>
+                        <a:t>2. 50000</a:t>
+                      </a:r>
+                      <a:endParaRPr lang="ru-RU" sz="1200">
+                        <a:effectLst/>
+                        <a:latin typeface="Calibri" panose="020F0502020204030204" pitchFamily="34" charset="0"/>
+                        <a:ea typeface="Calibri" panose="020F0502020204030204" pitchFamily="34" charset="0"/>
+                        <a:cs typeface="Arial" panose="020B0604020202020204" pitchFamily="34" charset="0"/>
+                      </a:endParaRPr>
+                    </a:p>
+                  </a:txBody>
+                  <a:tcPr marL="68580" marR="68580" marT="0" marB="0"/>
+                </a:tc>
+                <a:tc>
+                  <a:txBody>
+                    <a:bodyPr/>
+                    <a:lstStyle/>
+                    <a:p>
+                      <a:pPr algn="ctr">
+                        <a:lnSpc>
+                          <a:spcPct val="107000"/>
+                        </a:lnSpc>
+                        <a:spcAft>
+                          <a:spcPts val="800"/>
+                        </a:spcAft>
+                      </a:pPr>
+                      <a:r>
+                        <a:rPr lang="en-US" sz="1600">
+                          <a:effectLst/>
+                        </a:rPr>
+                        <a:t>1500ns</a:t>
+                      </a:r>
+                      <a:endParaRPr lang="ru-RU" sz="1200">
+                        <a:effectLst/>
+                        <a:latin typeface="Calibri" panose="020F0502020204030204" pitchFamily="34" charset="0"/>
+                        <a:ea typeface="Calibri" panose="020F0502020204030204" pitchFamily="34" charset="0"/>
+                        <a:cs typeface="Arial" panose="020B0604020202020204" pitchFamily="34" charset="0"/>
+                      </a:endParaRPr>
+                    </a:p>
+                  </a:txBody>
+                  <a:tcPr marL="68580" marR="68580" marT="0" marB="0"/>
+                </a:tc>
+                <a:tc>
+                  <a:txBody>
+                    <a:bodyPr/>
+                    <a:lstStyle/>
+                    <a:p>
+                      <a:pPr algn="ctr">
+                        <a:lnSpc>
+                          <a:spcPct val="107000"/>
+                        </a:lnSpc>
+                        <a:spcAft>
+                          <a:spcPts val="800"/>
+                        </a:spcAft>
+                      </a:pPr>
+                      <a:r>
+                        <a:rPr lang="en-US" sz="1600">
+                          <a:effectLst/>
+                        </a:rPr>
+                        <a:t>600ns</a:t>
+                      </a:r>
+                      <a:endParaRPr lang="ru-RU" sz="1200">
+                        <a:effectLst/>
+                        <a:latin typeface="Calibri" panose="020F0502020204030204" pitchFamily="34" charset="0"/>
+                        <a:ea typeface="Calibri" panose="020F0502020204030204" pitchFamily="34" charset="0"/>
+                        <a:cs typeface="Arial" panose="020B0604020202020204" pitchFamily="34" charset="0"/>
+                      </a:endParaRPr>
+                    </a:p>
+                  </a:txBody>
+                  <a:tcPr marL="68580" marR="68580" marT="0" marB="0"/>
+                </a:tc>
+                <a:extLst>
+                  <a:ext uri="{0D108BD9-81ED-4DB2-BD59-A6C34878D82A}">
+                    <a16:rowId xmlns:a16="http://schemas.microsoft.com/office/drawing/2014/main" val="3613290628"/>
+                  </a:ext>
+                </a:extLst>
+              </a:tr>
+              <a:tr h="242470">
+                <a:tc>
+                  <a:txBody>
+                    <a:bodyPr/>
+                    <a:lstStyle/>
+                    <a:p>
+                      <a:pPr algn="l">
+                        <a:lnSpc>
+                          <a:spcPct val="107000"/>
+                        </a:lnSpc>
+                        <a:spcAft>
+                          <a:spcPts val="800"/>
+                        </a:spcAft>
+                      </a:pPr>
+                      <a:r>
+                        <a:rPr lang="ru-RU" sz="1600">
+                          <a:effectLst/>
+                        </a:rPr>
+                        <a:t>3. 5000000</a:t>
+                      </a:r>
+                      <a:endParaRPr lang="ru-RU" sz="1200">
+                        <a:effectLst/>
+                        <a:latin typeface="Calibri" panose="020F0502020204030204" pitchFamily="34" charset="0"/>
+                        <a:ea typeface="Calibri" panose="020F0502020204030204" pitchFamily="34" charset="0"/>
+                        <a:cs typeface="Arial" panose="020B0604020202020204" pitchFamily="34" charset="0"/>
+                      </a:endParaRPr>
+                    </a:p>
+                  </a:txBody>
+                  <a:tcPr marL="68580" marR="68580" marT="0" marB="0"/>
+                </a:tc>
+                <a:tc>
+                  <a:txBody>
+                    <a:bodyPr/>
+                    <a:lstStyle/>
+                    <a:p>
+                      <a:pPr algn="ctr">
+                        <a:lnSpc>
+                          <a:spcPct val="107000"/>
+                        </a:lnSpc>
+                        <a:spcAft>
+                          <a:spcPts val="800"/>
+                        </a:spcAft>
+                      </a:pPr>
+                      <a:r>
+                        <a:rPr lang="en-US" sz="1600" dirty="0">
+                          <a:effectLst/>
+                        </a:rPr>
+                        <a:t>180000ns</a:t>
+                      </a:r>
+                      <a:endParaRPr lang="ru-RU" sz="1200" dirty="0">
+                        <a:effectLst/>
+                        <a:latin typeface="Calibri" panose="020F0502020204030204" pitchFamily="34" charset="0"/>
+                        <a:ea typeface="Calibri" panose="020F0502020204030204" pitchFamily="34" charset="0"/>
+                        <a:cs typeface="Arial" panose="020B0604020202020204" pitchFamily="34" charset="0"/>
+                      </a:endParaRPr>
+                    </a:p>
+                  </a:txBody>
+                  <a:tcPr marL="68580" marR="68580" marT="0" marB="0"/>
+                </a:tc>
+                <a:tc>
+                  <a:txBody>
+                    <a:bodyPr/>
+                    <a:lstStyle/>
+                    <a:p>
+                      <a:pPr algn="ctr">
+                        <a:lnSpc>
+                          <a:spcPct val="107000"/>
+                        </a:lnSpc>
+                        <a:spcAft>
+                          <a:spcPts val="800"/>
+                        </a:spcAft>
+                      </a:pPr>
+                      <a:r>
+                        <a:rPr lang="en-US" sz="1600" dirty="0">
+                          <a:effectLst/>
+                        </a:rPr>
+                        <a:t>59000ns</a:t>
+                      </a:r>
+                      <a:endParaRPr lang="ru-RU" sz="1200" dirty="0">
+                        <a:effectLst/>
+                        <a:latin typeface="Calibri" panose="020F0502020204030204" pitchFamily="34" charset="0"/>
+                        <a:ea typeface="Calibri" panose="020F0502020204030204" pitchFamily="34" charset="0"/>
+                        <a:cs typeface="Arial" panose="020B0604020202020204" pitchFamily="34" charset="0"/>
+                      </a:endParaRPr>
+                    </a:p>
+                  </a:txBody>
+                  <a:tcPr marL="68580" marR="68580" marT="0" marB="0"/>
+                </a:tc>
+                <a:extLst>
+                  <a:ext uri="{0D108BD9-81ED-4DB2-BD59-A6C34878D82A}">
+                    <a16:rowId xmlns:a16="http://schemas.microsoft.com/office/drawing/2014/main" val="13618809"/>
+                  </a:ext>
+                </a:extLst>
+              </a:tr>
+            </a:tbl>
           </a:graphicData>
         </a:graphic>
       </p:graphicFrame>
     </p:spTree>
     <p:extLst>
       <p:ext uri="{BB962C8B-B14F-4D97-AF65-F5344CB8AC3E}">
-        <p14:creationId xmlns:p14="http://schemas.microsoft.com/office/powerpoint/2010/main" val="613694380"/>
+        <p14:creationId xmlns:p14="http://schemas.microsoft.com/office/powerpoint/2010/main" val="2834485201"/>
       </p:ext>
     </p:extLst>
   </p:cSld>
@@ -7565,38 +6726,10 @@
           <a:chExt cx="0" cy="0"/>
         </a:xfrm>
       </p:grpSpPr>
-      <p:graphicFrame>
-        <p:nvGraphicFramePr>
-          <p:cNvPr id="2" name="Диаграмма 1">
-            <a:extLst>
-              <a:ext uri="{FF2B5EF4-FFF2-40B4-BE49-F238E27FC236}">
-                <a16:creationId xmlns:a16="http://schemas.microsoft.com/office/drawing/2014/main" id="{B2B0F9BE-3B34-0DD9-72C2-2F3DB9B7F2FE}"/>
-              </a:ext>
-            </a:extLst>
-          </p:cNvPr>
-          <p:cNvGraphicFramePr/>
-          <p:nvPr>
-            <p:extLst>
-              <p:ext uri="{D42A27DB-BD31-4B8C-83A1-F6EECF244321}">
-                <p14:modId xmlns:p14="http://schemas.microsoft.com/office/powerpoint/2010/main" val="1272472243"/>
-              </p:ext>
-            </p:extLst>
-          </p:nvPr>
-        </p:nvGraphicFramePr>
-        <p:xfrm>
-          <a:off x="1606274" y="513661"/>
-          <a:ext cx="8979452" cy="5830678"/>
-        </p:xfrm>
-        <a:graphic>
-          <a:graphicData uri="http://schemas.openxmlformats.org/drawingml/2006/chart">
-            <c:chart xmlns:c="http://schemas.openxmlformats.org/drawingml/2006/chart" xmlns:r="http://schemas.openxmlformats.org/officeDocument/2006/relationships" r:id="rId2"/>
-          </a:graphicData>
-        </a:graphic>
-      </p:graphicFrame>
     </p:spTree>
     <p:extLst>
       <p:ext uri="{BB962C8B-B14F-4D97-AF65-F5344CB8AC3E}">
-        <p14:creationId xmlns:p14="http://schemas.microsoft.com/office/powerpoint/2010/main" val="882650291"/>
+        <p14:creationId xmlns:p14="http://schemas.microsoft.com/office/powerpoint/2010/main" val="613694380"/>
       </p:ext>
     </p:extLst>
   </p:cSld>
@@ -7826,7 +6959,7 @@
             </a:r>
             <a:r>
               <a:rPr lang="ru-RU" sz="2400" dirty="0"/>
-              <a:t>является одним из оптимальных по времени бинарным деревом поиска.</a:t>
+              <a:t>является самым оптимальным по времени бинарным деревом поиска.</a:t>
             </a:r>
           </a:p>
           <a:p>
@@ -8422,12 +7555,16 @@
               <a:buNone/>
             </a:pPr>
             <a:r>
+              <a:rPr lang="ru-RU" sz="1800" dirty="0"/>
+              <a:t>В 2004 году четверо ученых разработали </a:t>
+            </a:r>
+            <a:r>
               <a:rPr lang="ru-RU" sz="1800" dirty="0" err="1"/>
               <a:t>Tango</a:t>
             </a:r>
             <a:r>
               <a:rPr lang="ru-RU" sz="1800" dirty="0"/>
-              <a:t> дерево было разработано 4 учеными. (2004г)</a:t>
+              <a:t> дерево.</a:t>
             </a:r>
             <a:endParaRPr lang="ru-RU" sz="2000" dirty="0"/>
           </a:p>
@@ -8437,80 +7574,8 @@
             </a:pPr>
             <a:r>
               <a:rPr lang="ru-RU" sz="1800" dirty="0"/>
-              <a:t>Названо в честь города Буэнос-Айреса, символом которого является танго.</a:t>
-            </a:r>
-          </a:p>
-        </p:txBody>
-      </p:sp>
-      <p:sp>
-        <p:nvSpPr>
-          <p:cNvPr id="4" name="TextBox 3">
-            <a:extLst>
-              <a:ext uri="{FF2B5EF4-FFF2-40B4-BE49-F238E27FC236}">
-                <a16:creationId xmlns:a16="http://schemas.microsoft.com/office/drawing/2014/main" id="{F9BED140-6652-1645-F691-DCAB21CEE348}"/>
-              </a:ext>
-            </a:extLst>
-          </p:cNvPr>
-          <p:cNvSpPr txBox="1"/>
-          <p:nvPr/>
-        </p:nvSpPr>
-        <p:spPr>
-          <a:xfrm>
-            <a:off x="2454666" y="3790500"/>
-            <a:ext cx="1823830" cy="1200329"/>
-          </a:xfrm>
-          <a:prstGeom prst="rect">
-            <a:avLst/>
-          </a:prstGeom>
-          <a:noFill/>
-        </p:spPr>
-        <p:txBody>
-          <a:bodyPr wrap="square" rtlCol="0">
-            <a:spAutoFit/>
-          </a:bodyPr>
-          <a:lstStyle/>
-          <a:p>
-            <a:r>
-              <a:rPr lang="ru-RU" dirty="0"/>
-              <a:t>Эрик Д. </a:t>
-            </a:r>
-            <a:r>
-              <a:rPr lang="ru-RU" dirty="0" err="1"/>
-              <a:t>Демейн</a:t>
-            </a:r>
-            <a:r>
-              <a:rPr lang="ru-RU" dirty="0"/>
-              <a:t> Дион </a:t>
-            </a:r>
-            <a:r>
-              <a:rPr lang="ru-RU" dirty="0" err="1"/>
-              <a:t>Хармо</a:t>
-            </a:r>
-            <a:r>
-              <a:rPr lang="ru-RU" dirty="0"/>
-              <a:t> Джон </a:t>
-            </a:r>
-            <a:r>
-              <a:rPr lang="ru-RU" dirty="0" err="1"/>
-              <a:t>Якон</a:t>
-            </a:r>
-            <a:r>
-              <a:rPr lang="ru-RU" dirty="0"/>
-              <a:t> </a:t>
-            </a:r>
-            <a:r>
-              <a:rPr lang="ru-RU" dirty="0" err="1"/>
-              <a:t>Михаи</a:t>
-            </a:r>
-            <a:r>
-              <a:rPr lang="ru-RU" dirty="0"/>
-              <a:t> </a:t>
-            </a:r>
-            <a:r>
-              <a:rPr lang="ru-RU" dirty="0" err="1"/>
-              <a:t>Патраску</a:t>
-            </a:r>
-            <a:endParaRPr lang="ru-RU" dirty="0"/>
+              <a:t>Назвали его в честь города Буэнос-Айреса, символом которого является танго.</a:t>
+            </a:r>
           </a:p>
         </p:txBody>
       </p:sp>
@@ -8605,12 +7670,8 @@
           <a:lstStyle/>
           <a:p>
             <a:r>
-              <a:rPr lang="en-US" sz="2000" dirty="0"/>
-              <a:t>C</a:t>
-            </a:r>
-            <a:r>
               <a:rPr lang="ru-RU" sz="2000" dirty="0"/>
-              <a:t>балансированное бинарное дерево поиска.</a:t>
+              <a:t>Это сбалансированное бинарное дерево поиска.</a:t>
             </a:r>
             <a:endParaRPr lang="en-US" sz="2000" dirty="0"/>
           </a:p>
@@ -8629,8 +7690,12 @@
           </a:p>
           <a:p>
             <a:r>
+              <a:rPr lang="ru-RU" sz="2000" dirty="0" err="1"/>
+              <a:t>Tango</a:t>
+            </a:r>
+            <a:r>
               <a:rPr lang="ru-RU" sz="2000" dirty="0"/>
-              <a:t>Поддерживает операции</a:t>
+              <a:t> дерево поддерживает</a:t>
             </a:r>
             <a:r>
               <a:rPr lang="en-US" sz="2000" dirty="0"/>
@@ -8644,7 +7709,7 @@
             </a:pPr>
             <a:r>
               <a:rPr lang="ru-RU" sz="2000" dirty="0"/>
-              <a:t>поиска</a:t>
+              <a:t>операцию поиска</a:t>
             </a:r>
             <a:endParaRPr lang="en-US" sz="2000" dirty="0"/>
           </a:p>
@@ -8655,7 +7720,7 @@
             </a:pPr>
             <a:r>
               <a:rPr lang="ru-RU" sz="2000" dirty="0"/>
-              <a:t>разделения и слияния вспомогательных деревьев</a:t>
+              <a:t>операции разделения и слияния вспомогательных деревьев</a:t>
             </a:r>
           </a:p>
         </p:txBody>
@@ -8834,7 +7899,7 @@
             </a:pPr>
             <a:r>
               <a:rPr lang="ru-RU" sz="2000" dirty="0"/>
-              <a:t>Дочерний элемент, к которому обращались в последнюю очередь становится предпочтительным.</a:t>
+              <a:t>Дочерний элемент к которому обращались в последнюю очередь становится предпочтительным</a:t>
             </a:r>
           </a:p>
           <a:p>
@@ -9493,8 +8558,8 @@
         </p:blipFill>
         <p:spPr>
           <a:xfrm>
-            <a:off x="2024829" y="2575097"/>
-            <a:ext cx="8023632" cy="3670811"/>
+            <a:off x="2024829" y="3146634"/>
+            <a:ext cx="6774371" cy="3099274"/>
           </a:xfrm>
           <a:prstGeom prst="rect">
             <a:avLst/>
@@ -9534,7 +8599,7 @@
             </a:pPr>
             <a:r>
               <a:rPr lang="ru-RU" sz="2000" dirty="0"/>
-              <a:t>Предпочтительные пути(вспомогательные деревья) образуют цепочки по всему дереву.</a:t>
+              <a:t>Предпочтительные пути образуют цепочки по всему дереву</a:t>
             </a:r>
             <a:endParaRPr lang="en-US" sz="2000" dirty="0"/>
           </a:p>
@@ -9544,7 +8609,7 @@
             </a:pPr>
             <a:r>
               <a:rPr lang="ru-RU" sz="2000" dirty="0"/>
-              <a:t>Пути группируются в цепочки, с указателями между ними, и сохраняются в основном дереве</a:t>
+              <a:t>Узлы группируются в цепочки и сохраняются как самостоятельное дерево с указателями между ними.</a:t>
             </a:r>
           </a:p>
         </p:txBody>
@@ -9709,41 +8774,6 @@
           </p:txBody>
         </p:sp>
       </p:grpSp>
-      <p:sp>
-        <p:nvSpPr>
-          <p:cNvPr id="2" name="TextBox 1">
-            <a:extLst>
-              <a:ext uri="{FF2B5EF4-FFF2-40B4-BE49-F238E27FC236}">
-                <a16:creationId xmlns:a16="http://schemas.microsoft.com/office/drawing/2014/main" id="{C50D9964-0CC0-A23F-7FD7-5A0A7D18AF27}"/>
-              </a:ext>
-            </a:extLst>
-          </p:cNvPr>
-          <p:cNvSpPr txBox="1"/>
-          <p:nvPr/>
-        </p:nvSpPr>
-        <p:spPr>
-          <a:xfrm>
-            <a:off x="8567530" y="5923722"/>
-            <a:ext cx="988669" cy="369332"/>
-          </a:xfrm>
-          <a:prstGeom prst="rect">
-            <a:avLst/>
-          </a:prstGeom>
-          <a:noFill/>
-        </p:spPr>
-        <p:txBody>
-          <a:bodyPr wrap="none" rtlCol="0">
-            <a:spAutoFit/>
-          </a:bodyPr>
-          <a:lstStyle/>
-          <a:p>
-            <a:r>
-              <a:rPr lang="ru-RU" dirty="0"/>
-              <a:t>цепочка</a:t>
-            </a:r>
-          </a:p>
-        </p:txBody>
-      </p:sp>
     </p:spTree>
     <p:extLst>
       <p:ext uri="{BB962C8B-B14F-4D97-AF65-F5344CB8AC3E}">
@@ -9858,8 +8888,13 @@
           <a:p>
             <a:r>
               <a:rPr lang="ru-RU" sz="2000" dirty="0"/>
-              <a:t>Минимальная глубина вспомогательного дерева в основном дереве</a:t>
-            </a:r>
+              <a:t>Минимальная глубина вспомогательного дерева в </a:t>
+            </a:r>
+            <a:r>
+              <a:rPr lang="en-US" sz="2000" dirty="0"/>
+              <a:t>Tango.</a:t>
+            </a:r>
+            <a:endParaRPr lang="ru-RU" sz="2000" dirty="0"/>
           </a:p>
           <a:p>
             <a:pPr marL="0" indent="0">
@@ -9961,7 +8996,7 @@
             </a:pPr>
             <a:r>
               <a:rPr lang="ru-RU" dirty="0"/>
-              <a:t>Поиск элемента по ключу </a:t>
+              <a:t>Поиск элемента по ключу во вспомогательном дереве</a:t>
             </a:r>
           </a:p>
           <a:p>
@@ -10078,7 +9113,7 @@
         <p:spPr>
           <a:xfrm>
             <a:off x="911469" y="1905506"/>
-            <a:ext cx="10369062" cy="1354217"/>
+            <a:ext cx="10369062" cy="1631216"/>
           </a:xfrm>
           <a:prstGeom prst="rect">
             <a:avLst/>
@@ -10100,7 +9135,7 @@
             </a:pPr>
             <a:r>
               <a:rPr lang="ru-RU" dirty="0"/>
-              <a:t>Ищем во вспомогательном дереве, корень которого совпадает с корнем основного</a:t>
+              <a:t>Сначала находим предпочтительный путь, который начинается в корне дерева, просматриваем его вспомогательное дерево.</a:t>
             </a:r>
           </a:p>
           <a:p>
@@ -10110,7 +9145,7 @@
             </a:pPr>
             <a:r>
               <a:rPr lang="ru-RU" dirty="0"/>
-              <a:t>Если узел не найден, то ищем в следующем вспомогательном дереве и так далее до перебора всего основного дерева.</a:t>
+              <a:t>Если узел не был найден, то ищем вспомогательное дерево следующего пути и так далее до перебора всего дерева.</a:t>
             </a:r>
           </a:p>
         </p:txBody>
@@ -10198,7 +9233,7 @@
         <p:spPr>
           <a:xfrm>
             <a:off x="838200" y="2521059"/>
-            <a:ext cx="10064262" cy="1631216"/>
+            <a:ext cx="10064262" cy="1323439"/>
           </a:xfrm>
           <a:prstGeom prst="rect">
             <a:avLst/>
@@ -10217,11 +9252,14 @@
             </a:r>
             <a:r>
               <a:rPr lang="ru-RU" sz="2000" dirty="0"/>
-              <a:t>-дерево — это самобалансирующееся бинарное дерево поиска.</a:t>
-            </a:r>
-          </a:p>
-          <a:p>
-            <a:endParaRPr lang="ru-RU" sz="2000" dirty="0"/>
+              <a:t>-дерево — это самобалансирующееся бинарное дерево поиска. </a:t>
+            </a:r>
+          </a:p>
+          <a:p>
+            <a:r>
+              <a:rPr lang="ru-RU" sz="2000" dirty="0"/>
+              <a:t>Дереву не нужно хранить никакой дополнительной информации, что делает его эффективным по памяти. </a:t>
+            </a:r>
           </a:p>
           <a:p>
             <a:r>
@@ -10235,15 +9273,6 @@
             <a:r>
               <a:rPr lang="ru-RU" sz="2000" dirty="0"/>
               <a:t>-дерево меняет свою структуру.</a:t>
-            </a:r>
-          </a:p>
-          <a:p>
-            <a:endParaRPr lang="ru-RU" sz="2000" dirty="0"/>
-          </a:p>
-          <a:p>
-            <a:r>
-              <a:rPr lang="ru-RU" sz="2000" dirty="0"/>
-              <a:t>В реализации является вспомогательным.</a:t>
             </a:r>
           </a:p>
         </p:txBody>
